--- a/Module Federation.pptx
+++ b/Module Federation.pptx
@@ -4,15 +4,27 @@
   <p:sldMasterIdLst>
     <p:sldMasterId id="2147483648" r:id="rId1"/>
   </p:sldMasterIdLst>
+  <p:notesMasterIdLst>
+    <p:notesMasterId r:id="rId19"/>
+  </p:notesMasterIdLst>
   <p:sldIdLst>
     <p:sldId id="256" r:id="rId2"/>
-    <p:sldId id="257" r:id="rId3"/>
-    <p:sldId id="261" r:id="rId4"/>
-    <p:sldId id="259" r:id="rId5"/>
-    <p:sldId id="264" r:id="rId6"/>
-    <p:sldId id="260" r:id="rId7"/>
-    <p:sldId id="263" r:id="rId8"/>
-    <p:sldId id="262" r:id="rId9"/>
+    <p:sldId id="265" r:id="rId3"/>
+    <p:sldId id="267" r:id="rId4"/>
+    <p:sldId id="257" r:id="rId5"/>
+    <p:sldId id="261" r:id="rId6"/>
+    <p:sldId id="259" r:id="rId7"/>
+    <p:sldId id="264" r:id="rId8"/>
+    <p:sldId id="260" r:id="rId9"/>
+    <p:sldId id="263" r:id="rId10"/>
+    <p:sldId id="262" r:id="rId11"/>
+    <p:sldId id="268" r:id="rId12"/>
+    <p:sldId id="269" r:id="rId13"/>
+    <p:sldId id="273" r:id="rId14"/>
+    <p:sldId id="274" r:id="rId15"/>
+    <p:sldId id="275" r:id="rId16"/>
+    <p:sldId id="276" r:id="rId17"/>
+    <p:sldId id="277" r:id="rId18"/>
   </p:sldIdLst>
   <p:sldSz cx="12192000" cy="6858000"/>
   <p:notesSz cx="6858000" cy="9144000"/>
@@ -111,6 +123,11 @@
       </a:defRPr>
     </a:lvl9pPr>
   </p:defaultTextStyle>
+  <p:extLst>
+    <p:ext uri="{EFAFB233-063F-42B5-8137-9DF3F51BA10A}">
+      <p15:sldGuideLst xmlns:p15="http://schemas.microsoft.com/office/powerpoint/2012/main"/>
+    </p:ext>
+  </p:extLst>
 </p:presentation>
 </file>
 
@@ -3128,6 +3145,439 @@
 </dgm:styleDef>
 </file>
 
+<file path=ppt/notesMasters/notesMaster1.xml><?xml version="1.0" encoding="utf-8"?>
+<p:notesMaster xmlns:a="http://schemas.openxmlformats.org/drawingml/2006/main" xmlns:r="http://schemas.openxmlformats.org/officeDocument/2006/relationships" xmlns:p="http://schemas.openxmlformats.org/presentationml/2006/main">
+  <p:cSld>
+    <p:bg>
+      <p:bgRef idx="1001">
+        <a:schemeClr val="bg1"/>
+      </p:bgRef>
+    </p:bg>
+    <p:spTree>
+      <p:nvGrpSpPr>
+        <p:cNvPr id="1" name=""/>
+        <p:cNvGrpSpPr/>
+        <p:nvPr/>
+      </p:nvGrpSpPr>
+      <p:grpSpPr>
+        <a:xfrm>
+          <a:off x="0" y="0"/>
+          <a:ext cx="0" cy="0"/>
+          <a:chOff x="0" y="0"/>
+          <a:chExt cx="0" cy="0"/>
+        </a:xfrm>
+      </p:grpSpPr>
+      <p:sp>
+        <p:nvSpPr>
+          <p:cNvPr id="2" name="Header Placeholder 1"/>
+          <p:cNvSpPr>
+            <a:spLocks noGrp="1"/>
+          </p:cNvSpPr>
+          <p:nvPr>
+            <p:ph type="hdr" sz="quarter"/>
+          </p:nvPr>
+        </p:nvSpPr>
+        <p:spPr>
+          <a:xfrm>
+            <a:off x="0" y="0"/>
+            <a:ext cx="2971800" cy="458788"/>
+          </a:xfrm>
+          <a:prstGeom prst="rect">
+            <a:avLst/>
+          </a:prstGeom>
+        </p:spPr>
+        <p:txBody>
+          <a:bodyPr vert="horz" lIns="91440" tIns="45720" rIns="91440" bIns="45720" rtlCol="0"/>
+          <a:lstStyle>
+            <a:lvl1pPr algn="l">
+              <a:defRPr sz="1200"/>
+            </a:lvl1pPr>
+          </a:lstStyle>
+          <a:p>
+            <a:endParaRPr lang="en-US"/>
+          </a:p>
+        </p:txBody>
+      </p:sp>
+      <p:sp>
+        <p:nvSpPr>
+          <p:cNvPr id="3" name="Date Placeholder 2"/>
+          <p:cNvSpPr>
+            <a:spLocks noGrp="1"/>
+          </p:cNvSpPr>
+          <p:nvPr>
+            <p:ph type="dt" idx="1"/>
+          </p:nvPr>
+        </p:nvSpPr>
+        <p:spPr>
+          <a:xfrm>
+            <a:off x="3884613" y="0"/>
+            <a:ext cx="2971800" cy="458788"/>
+          </a:xfrm>
+          <a:prstGeom prst="rect">
+            <a:avLst/>
+          </a:prstGeom>
+        </p:spPr>
+        <p:txBody>
+          <a:bodyPr vert="horz" lIns="91440" tIns="45720" rIns="91440" bIns="45720" rtlCol="0"/>
+          <a:lstStyle>
+            <a:lvl1pPr algn="r">
+              <a:defRPr sz="1200"/>
+            </a:lvl1pPr>
+          </a:lstStyle>
+          <a:p>
+            <a:fld id="{A012F22F-3C47-43BD-B876-7D723716F8D6}" type="datetimeFigureOut">
+              <a:rPr lang="en-US" smtClean="0"/>
+              <a:t>12/19/2023</a:t>
+            </a:fld>
+            <a:endParaRPr lang="en-US"/>
+          </a:p>
+        </p:txBody>
+      </p:sp>
+      <p:sp>
+        <p:nvSpPr>
+          <p:cNvPr id="4" name="Slide Image Placeholder 3"/>
+          <p:cNvSpPr>
+            <a:spLocks noGrp="1" noRot="1" noChangeAspect="1"/>
+          </p:cNvSpPr>
+          <p:nvPr>
+            <p:ph type="sldImg" idx="2"/>
+          </p:nvPr>
+        </p:nvSpPr>
+        <p:spPr>
+          <a:xfrm>
+            <a:off x="685800" y="1143000"/>
+            <a:ext cx="5486400" cy="3086100"/>
+          </a:xfrm>
+          <a:prstGeom prst="rect">
+            <a:avLst/>
+          </a:prstGeom>
+          <a:noFill/>
+          <a:ln w="12700">
+            <a:solidFill>
+              <a:prstClr val="black"/>
+            </a:solidFill>
+          </a:ln>
+        </p:spPr>
+        <p:txBody>
+          <a:bodyPr vert="horz" lIns="91440" tIns="45720" rIns="91440" bIns="45720" rtlCol="0" anchor="ctr"/>
+          <a:lstStyle/>
+          <a:p>
+            <a:endParaRPr lang="en-US"/>
+          </a:p>
+        </p:txBody>
+      </p:sp>
+      <p:sp>
+        <p:nvSpPr>
+          <p:cNvPr id="5" name="Notes Placeholder 4"/>
+          <p:cNvSpPr>
+            <a:spLocks noGrp="1"/>
+          </p:cNvSpPr>
+          <p:nvPr>
+            <p:ph type="body" sz="quarter" idx="3"/>
+          </p:nvPr>
+        </p:nvSpPr>
+        <p:spPr>
+          <a:xfrm>
+            <a:off x="685800" y="4400550"/>
+            <a:ext cx="5486400" cy="3600450"/>
+          </a:xfrm>
+          <a:prstGeom prst="rect">
+            <a:avLst/>
+          </a:prstGeom>
+        </p:spPr>
+        <p:txBody>
+          <a:bodyPr vert="horz" lIns="91440" tIns="45720" rIns="91440" bIns="45720" rtlCol="0"/>
+          <a:lstStyle/>
+          <a:p>
+            <a:pPr lvl="0"/>
+            <a:r>
+              <a:rPr lang="en-US"/>
+              <a:t>Click to edit Master text styles</a:t>
+            </a:r>
+          </a:p>
+          <a:p>
+            <a:pPr lvl="1"/>
+            <a:r>
+              <a:rPr lang="en-US"/>
+              <a:t>Second level</a:t>
+            </a:r>
+          </a:p>
+          <a:p>
+            <a:pPr lvl="2"/>
+            <a:r>
+              <a:rPr lang="en-US"/>
+              <a:t>Third level</a:t>
+            </a:r>
+          </a:p>
+          <a:p>
+            <a:pPr lvl="3"/>
+            <a:r>
+              <a:rPr lang="en-US"/>
+              <a:t>Fourth level</a:t>
+            </a:r>
+          </a:p>
+          <a:p>
+            <a:pPr lvl="4"/>
+            <a:r>
+              <a:rPr lang="en-US"/>
+              <a:t>Fifth level</a:t>
+            </a:r>
+          </a:p>
+        </p:txBody>
+      </p:sp>
+      <p:sp>
+        <p:nvSpPr>
+          <p:cNvPr id="6" name="Footer Placeholder 5"/>
+          <p:cNvSpPr>
+            <a:spLocks noGrp="1"/>
+          </p:cNvSpPr>
+          <p:nvPr>
+            <p:ph type="ftr" sz="quarter" idx="4"/>
+          </p:nvPr>
+        </p:nvSpPr>
+        <p:spPr>
+          <a:xfrm>
+            <a:off x="0" y="8685213"/>
+            <a:ext cx="2971800" cy="458787"/>
+          </a:xfrm>
+          <a:prstGeom prst="rect">
+            <a:avLst/>
+          </a:prstGeom>
+        </p:spPr>
+        <p:txBody>
+          <a:bodyPr vert="horz" lIns="91440" tIns="45720" rIns="91440" bIns="45720" rtlCol="0" anchor="b"/>
+          <a:lstStyle>
+            <a:lvl1pPr algn="l">
+              <a:defRPr sz="1200"/>
+            </a:lvl1pPr>
+          </a:lstStyle>
+          <a:p>
+            <a:endParaRPr lang="en-US"/>
+          </a:p>
+        </p:txBody>
+      </p:sp>
+      <p:sp>
+        <p:nvSpPr>
+          <p:cNvPr id="7" name="Slide Number Placeholder 6"/>
+          <p:cNvSpPr>
+            <a:spLocks noGrp="1"/>
+          </p:cNvSpPr>
+          <p:nvPr>
+            <p:ph type="sldNum" sz="quarter" idx="5"/>
+          </p:nvPr>
+        </p:nvSpPr>
+        <p:spPr>
+          <a:xfrm>
+            <a:off x="3884613" y="8685213"/>
+            <a:ext cx="2971800" cy="458787"/>
+          </a:xfrm>
+          <a:prstGeom prst="rect">
+            <a:avLst/>
+          </a:prstGeom>
+        </p:spPr>
+        <p:txBody>
+          <a:bodyPr vert="horz" lIns="91440" tIns="45720" rIns="91440" bIns="45720" rtlCol="0" anchor="b"/>
+          <a:lstStyle>
+            <a:lvl1pPr algn="r">
+              <a:defRPr sz="1200"/>
+            </a:lvl1pPr>
+          </a:lstStyle>
+          <a:p>
+            <a:fld id="{A4701353-1259-4330-AB94-89D63754C9B0}" type="slidenum">
+              <a:rPr lang="en-US" smtClean="0"/>
+              <a:t>‹#›</a:t>
+            </a:fld>
+            <a:endParaRPr lang="en-US"/>
+          </a:p>
+        </p:txBody>
+      </p:sp>
+    </p:spTree>
+    <p:extLst>
+      <p:ext uri="{BB962C8B-B14F-4D97-AF65-F5344CB8AC3E}">
+        <p14:creationId xmlns:p14="http://schemas.microsoft.com/office/powerpoint/2010/main" val="3059309768"/>
+      </p:ext>
+    </p:extLst>
+  </p:cSld>
+  <p:clrMap bg1="lt1" tx1="dk1" bg2="lt2" tx2="dk2" accent1="accent1" accent2="accent2" accent3="accent3" accent4="accent4" accent5="accent5" accent6="accent6" hlink="hlink" folHlink="folHlink"/>
+  <p:notesStyle>
+    <a:lvl1pPr marL="0" algn="l" defTabSz="914400" rtl="0" eaLnBrk="1" latinLnBrk="0" hangingPunct="1">
+      <a:defRPr sz="1200" kern="1200">
+        <a:solidFill>
+          <a:schemeClr val="tx1"/>
+        </a:solidFill>
+        <a:latin typeface="+mn-lt"/>
+        <a:ea typeface="+mn-ea"/>
+        <a:cs typeface="+mn-cs"/>
+      </a:defRPr>
+    </a:lvl1pPr>
+    <a:lvl2pPr marL="457200" algn="l" defTabSz="914400" rtl="0" eaLnBrk="1" latinLnBrk="0" hangingPunct="1">
+      <a:defRPr sz="1200" kern="1200">
+        <a:solidFill>
+          <a:schemeClr val="tx1"/>
+        </a:solidFill>
+        <a:latin typeface="+mn-lt"/>
+        <a:ea typeface="+mn-ea"/>
+        <a:cs typeface="+mn-cs"/>
+      </a:defRPr>
+    </a:lvl2pPr>
+    <a:lvl3pPr marL="914400" algn="l" defTabSz="914400" rtl="0" eaLnBrk="1" latinLnBrk="0" hangingPunct="1">
+      <a:defRPr sz="1200" kern="1200">
+        <a:solidFill>
+          <a:schemeClr val="tx1"/>
+        </a:solidFill>
+        <a:latin typeface="+mn-lt"/>
+        <a:ea typeface="+mn-ea"/>
+        <a:cs typeface="+mn-cs"/>
+      </a:defRPr>
+    </a:lvl3pPr>
+    <a:lvl4pPr marL="1371600" algn="l" defTabSz="914400" rtl="0" eaLnBrk="1" latinLnBrk="0" hangingPunct="1">
+      <a:defRPr sz="1200" kern="1200">
+        <a:solidFill>
+          <a:schemeClr val="tx1"/>
+        </a:solidFill>
+        <a:latin typeface="+mn-lt"/>
+        <a:ea typeface="+mn-ea"/>
+        <a:cs typeface="+mn-cs"/>
+      </a:defRPr>
+    </a:lvl4pPr>
+    <a:lvl5pPr marL="1828800" algn="l" defTabSz="914400" rtl="0" eaLnBrk="1" latinLnBrk="0" hangingPunct="1">
+      <a:defRPr sz="1200" kern="1200">
+        <a:solidFill>
+          <a:schemeClr val="tx1"/>
+        </a:solidFill>
+        <a:latin typeface="+mn-lt"/>
+        <a:ea typeface="+mn-ea"/>
+        <a:cs typeface="+mn-cs"/>
+      </a:defRPr>
+    </a:lvl5pPr>
+    <a:lvl6pPr marL="2286000" algn="l" defTabSz="914400" rtl="0" eaLnBrk="1" latinLnBrk="0" hangingPunct="1">
+      <a:defRPr sz="1200" kern="1200">
+        <a:solidFill>
+          <a:schemeClr val="tx1"/>
+        </a:solidFill>
+        <a:latin typeface="+mn-lt"/>
+        <a:ea typeface="+mn-ea"/>
+        <a:cs typeface="+mn-cs"/>
+      </a:defRPr>
+    </a:lvl6pPr>
+    <a:lvl7pPr marL="2743200" algn="l" defTabSz="914400" rtl="0" eaLnBrk="1" latinLnBrk="0" hangingPunct="1">
+      <a:defRPr sz="1200" kern="1200">
+        <a:solidFill>
+          <a:schemeClr val="tx1"/>
+        </a:solidFill>
+        <a:latin typeface="+mn-lt"/>
+        <a:ea typeface="+mn-ea"/>
+        <a:cs typeface="+mn-cs"/>
+      </a:defRPr>
+    </a:lvl7pPr>
+    <a:lvl8pPr marL="3200400" algn="l" defTabSz="914400" rtl="0" eaLnBrk="1" latinLnBrk="0" hangingPunct="1">
+      <a:defRPr sz="1200" kern="1200">
+        <a:solidFill>
+          <a:schemeClr val="tx1"/>
+        </a:solidFill>
+        <a:latin typeface="+mn-lt"/>
+        <a:ea typeface="+mn-ea"/>
+        <a:cs typeface="+mn-cs"/>
+      </a:defRPr>
+    </a:lvl8pPr>
+    <a:lvl9pPr marL="3657600" algn="l" defTabSz="914400" rtl="0" eaLnBrk="1" latinLnBrk="0" hangingPunct="1">
+      <a:defRPr sz="1200" kern="1200">
+        <a:solidFill>
+          <a:schemeClr val="tx1"/>
+        </a:solidFill>
+        <a:latin typeface="+mn-lt"/>
+        <a:ea typeface="+mn-ea"/>
+        <a:cs typeface="+mn-cs"/>
+      </a:defRPr>
+    </a:lvl9pPr>
+  </p:notesStyle>
+</p:notesMaster>
+</file>
+
+<file path=ppt/notesSlides/notesSlide1.xml><?xml version="1.0" encoding="utf-8"?>
+<p:notes xmlns:a="http://schemas.openxmlformats.org/drawingml/2006/main" xmlns:r="http://schemas.openxmlformats.org/officeDocument/2006/relationships" xmlns:p="http://schemas.openxmlformats.org/presentationml/2006/main">
+  <p:cSld>
+    <p:spTree>
+      <p:nvGrpSpPr>
+        <p:cNvPr id="1" name=""/>
+        <p:cNvGrpSpPr/>
+        <p:nvPr/>
+      </p:nvGrpSpPr>
+      <p:grpSpPr>
+        <a:xfrm>
+          <a:off x="0" y="0"/>
+          <a:ext cx="0" cy="0"/>
+          <a:chOff x="0" y="0"/>
+          <a:chExt cx="0" cy="0"/>
+        </a:xfrm>
+      </p:grpSpPr>
+      <p:sp>
+        <p:nvSpPr>
+          <p:cNvPr id="2" name="Slide Image Placeholder 1"/>
+          <p:cNvSpPr>
+            <a:spLocks noGrp="1" noRot="1" noChangeAspect="1"/>
+          </p:cNvSpPr>
+          <p:nvPr>
+            <p:ph type="sldImg"/>
+          </p:nvPr>
+        </p:nvSpPr>
+        <p:spPr/>
+      </p:sp>
+      <p:sp>
+        <p:nvSpPr>
+          <p:cNvPr id="3" name="Notes Placeholder 2"/>
+          <p:cNvSpPr>
+            <a:spLocks noGrp="1"/>
+          </p:cNvSpPr>
+          <p:nvPr>
+            <p:ph type="body" idx="1"/>
+          </p:nvPr>
+        </p:nvSpPr>
+        <p:spPr/>
+        <p:txBody>
+          <a:bodyPr/>
+          <a:lstStyle/>
+          <a:p>
+            <a:endParaRPr lang="en-US" dirty="0"/>
+          </a:p>
+        </p:txBody>
+      </p:sp>
+      <p:sp>
+        <p:nvSpPr>
+          <p:cNvPr id="4" name="Slide Number Placeholder 3"/>
+          <p:cNvSpPr>
+            <a:spLocks noGrp="1"/>
+          </p:cNvSpPr>
+          <p:nvPr>
+            <p:ph type="sldNum" sz="quarter" idx="5"/>
+          </p:nvPr>
+        </p:nvSpPr>
+        <p:spPr/>
+        <p:txBody>
+          <a:bodyPr/>
+          <a:lstStyle/>
+          <a:p>
+            <a:fld id="{A4701353-1259-4330-AB94-89D63754C9B0}" type="slidenum">
+              <a:rPr lang="en-US" smtClean="0"/>
+              <a:t>5</a:t>
+            </a:fld>
+            <a:endParaRPr lang="en-US"/>
+          </a:p>
+        </p:txBody>
+      </p:sp>
+    </p:spTree>
+    <p:extLst>
+      <p:ext uri="{BB962C8B-B14F-4D97-AF65-F5344CB8AC3E}">
+        <p14:creationId xmlns:p14="http://schemas.microsoft.com/office/powerpoint/2010/main" val="2581882779"/>
+      </p:ext>
+    </p:extLst>
+  </p:cSld>
+  <p:clrMapOvr>
+    <a:masterClrMapping/>
+  </p:clrMapOvr>
+</p:notes>
+</file>
+
 <file path=ppt/slideLayouts/slideLayout1.xml><?xml version="1.0" encoding="utf-8"?>
 <p:sldLayout xmlns:a="http://schemas.openxmlformats.org/drawingml/2006/main" xmlns:r="http://schemas.openxmlformats.org/officeDocument/2006/relationships" xmlns:p="http://schemas.openxmlformats.org/presentationml/2006/main" type="title" preserve="1">
   <p:cSld name="Title Slide">
@@ -3275,7 +3725,7 @@
           <a:p>
             <a:fld id="{43D063F7-CA6F-4FC7-99FD-EBF1DF464A1A}" type="datetimeFigureOut">
               <a:rPr lang="en-US" smtClean="0"/>
-              <a:t>12/13/2023</a:t>
+              <a:t>12/19/2023</a:t>
             </a:fld>
             <a:endParaRPr lang="en-US"/>
           </a:p>
@@ -3473,7 +3923,7 @@
           <a:p>
             <a:fld id="{43D063F7-CA6F-4FC7-99FD-EBF1DF464A1A}" type="datetimeFigureOut">
               <a:rPr lang="en-US" smtClean="0"/>
-              <a:t>12/13/2023</a:t>
+              <a:t>12/19/2023</a:t>
             </a:fld>
             <a:endParaRPr lang="en-US"/>
           </a:p>
@@ -3681,7 +4131,7 @@
           <a:p>
             <a:fld id="{43D063F7-CA6F-4FC7-99FD-EBF1DF464A1A}" type="datetimeFigureOut">
               <a:rPr lang="en-US" smtClean="0"/>
-              <a:t>12/13/2023</a:t>
+              <a:t>12/19/2023</a:t>
             </a:fld>
             <a:endParaRPr lang="en-US"/>
           </a:p>
@@ -3879,7 +4329,7 @@
           <a:p>
             <a:fld id="{43D063F7-CA6F-4FC7-99FD-EBF1DF464A1A}" type="datetimeFigureOut">
               <a:rPr lang="en-US" smtClean="0"/>
-              <a:t>12/13/2023</a:t>
+              <a:t>12/19/2023</a:t>
             </a:fld>
             <a:endParaRPr lang="en-US"/>
           </a:p>
@@ -4154,7 +4604,7 @@
           <a:p>
             <a:fld id="{43D063F7-CA6F-4FC7-99FD-EBF1DF464A1A}" type="datetimeFigureOut">
               <a:rPr lang="en-US" smtClean="0"/>
-              <a:t>12/13/2023</a:t>
+              <a:t>12/19/2023</a:t>
             </a:fld>
             <a:endParaRPr lang="en-US"/>
           </a:p>
@@ -4419,7 +4869,7 @@
           <a:p>
             <a:fld id="{43D063F7-CA6F-4FC7-99FD-EBF1DF464A1A}" type="datetimeFigureOut">
               <a:rPr lang="en-US" smtClean="0"/>
-              <a:t>12/13/2023</a:t>
+              <a:t>12/19/2023</a:t>
             </a:fld>
             <a:endParaRPr lang="en-US"/>
           </a:p>
@@ -4831,7 +5281,7 @@
           <a:p>
             <a:fld id="{43D063F7-CA6F-4FC7-99FD-EBF1DF464A1A}" type="datetimeFigureOut">
               <a:rPr lang="en-US" smtClean="0"/>
-              <a:t>12/13/2023</a:t>
+              <a:t>12/19/2023</a:t>
             </a:fld>
             <a:endParaRPr lang="en-US"/>
           </a:p>
@@ -4972,7 +5422,7 @@
           <a:p>
             <a:fld id="{43D063F7-CA6F-4FC7-99FD-EBF1DF464A1A}" type="datetimeFigureOut">
               <a:rPr lang="en-US" smtClean="0"/>
-              <a:t>12/13/2023</a:t>
+              <a:t>12/19/2023</a:t>
             </a:fld>
             <a:endParaRPr lang="en-US"/>
           </a:p>
@@ -5085,7 +5535,7 @@
           <a:p>
             <a:fld id="{43D063F7-CA6F-4FC7-99FD-EBF1DF464A1A}" type="datetimeFigureOut">
               <a:rPr lang="en-US" smtClean="0"/>
-              <a:t>12/13/2023</a:t>
+              <a:t>12/19/2023</a:t>
             </a:fld>
             <a:endParaRPr lang="en-US"/>
           </a:p>
@@ -5396,7 +5846,7 @@
           <a:p>
             <a:fld id="{43D063F7-CA6F-4FC7-99FD-EBF1DF464A1A}" type="datetimeFigureOut">
               <a:rPr lang="en-US" smtClean="0"/>
-              <a:t>12/13/2023</a:t>
+              <a:t>12/19/2023</a:t>
             </a:fld>
             <a:endParaRPr lang="en-US"/>
           </a:p>
@@ -5684,7 +6134,7 @@
           <a:p>
             <a:fld id="{43D063F7-CA6F-4FC7-99FD-EBF1DF464A1A}" type="datetimeFigureOut">
               <a:rPr lang="en-US" smtClean="0"/>
-              <a:t>12/13/2023</a:t>
+              <a:t>12/19/2023</a:t>
             </a:fld>
             <a:endParaRPr lang="en-US"/>
           </a:p>
@@ -5925,7 +6375,7 @@
           <a:p>
             <a:fld id="{43D063F7-CA6F-4FC7-99FD-EBF1DF464A1A}" type="datetimeFigureOut">
               <a:rPr lang="en-US" smtClean="0"/>
-              <a:t>12/13/2023</a:t>
+              <a:t>12/19/2023</a:t>
             </a:fld>
             <a:endParaRPr lang="en-US"/>
           </a:p>
@@ -6674,7 +7124,7 @@
 </p:sld>
 </file>
 
-<file path=ppt/slides/slide2.xml><?xml version="1.0" encoding="utf-8"?>
+<file path=ppt/slides/slide10.xml><?xml version="1.0" encoding="utf-8"?>
 <p:sld xmlns:a="http://schemas.openxmlformats.org/drawingml/2006/main" xmlns:r="http://schemas.openxmlformats.org/officeDocument/2006/relationships" xmlns:p="http://schemas.openxmlformats.org/presentationml/2006/main">
   <p:cSld>
     <p:bg>
@@ -6701,10 +7151,10 @@
       </p:grpSpPr>
       <p:sp useBgFill="1">
         <p:nvSpPr>
-          <p:cNvPr id="14" name="Rectangle 13">
+          <p:cNvPr id="8" name="Rectangle 7">
             <a:extLst>
               <a:ext uri="{FF2B5EF4-FFF2-40B4-BE49-F238E27FC236}">
-                <a16:creationId xmlns:a16="http://schemas.microsoft.com/office/drawing/2014/main" id="{2C61293E-6EBE-43EF-A52C-9BEBFD7679D4}"/>
+                <a16:creationId xmlns:a16="http://schemas.microsoft.com/office/drawing/2014/main" id="{777A147A-9ED8-46B4-8660-1B3C2AA880B5}"/>
               </a:ext>
               <a:ext uri="{C183D7F6-B498-43B3-948B-1728B52AA6E4}">
                 <adec:decorative xmlns:adec="http://schemas.microsoft.com/office/drawing/2017/decorative" val="1"/>
@@ -6764,7 +7214,7 @@
           <p:cNvPr id="2" name="Title 1">
             <a:extLst>
               <a:ext uri="{FF2B5EF4-FFF2-40B4-BE49-F238E27FC236}">
-                <a16:creationId xmlns:a16="http://schemas.microsoft.com/office/drawing/2014/main" id="{6ED9164B-FDB8-E766-9776-05B6192D3FFD}"/>
+                <a16:creationId xmlns:a16="http://schemas.microsoft.com/office/drawing/2014/main" id="{480281DD-6CD0-E608-E215-821E64C33CB5}"/>
               </a:ext>
             </a:extLst>
           </p:cNvPr>
@@ -6777,12 +7227,12 @@
         </p:nvSpPr>
         <p:spPr>
           <a:xfrm>
-            <a:off x="5297762" y="329184"/>
-            <a:ext cx="6251110" cy="1783080"/>
+            <a:off x="841248" y="548640"/>
+            <a:ext cx="3600860" cy="5431536"/>
           </a:xfrm>
         </p:spPr>
         <p:txBody>
-          <a:bodyPr anchor="b">
+          <a:bodyPr>
             <a:normAutofit/>
           </a:bodyPr>
           <a:lstStyle/>
@@ -6790,158 +7240,17 @@
             <a:pPr algn="ctr"/>
             <a:r>
               <a:rPr lang="en-US" sz="5400" dirty="0"/>
-              <a:t>What is Module Federation</a:t>
+              <a:t>Shared Modules</a:t>
             </a:r>
           </a:p>
         </p:txBody>
       </p:sp>
-      <p:pic>
-        <p:nvPicPr>
-          <p:cNvPr id="5" name="Picture 4" descr="Cubes connected with a red line">
+      <p:sp>
+        <p:nvSpPr>
+          <p:cNvPr id="10" name="sketch line">
             <a:extLst>
               <a:ext uri="{FF2B5EF4-FFF2-40B4-BE49-F238E27FC236}">
-                <a16:creationId xmlns:a16="http://schemas.microsoft.com/office/drawing/2014/main" id="{5B5CF781-B8BF-E119-E60F-B593EA7D7ED9}"/>
-              </a:ext>
-            </a:extLst>
-          </p:cNvPr>
-          <p:cNvPicPr>
-            <a:picLocks noChangeAspect="1"/>
-          </p:cNvPicPr>
-          <p:nvPr/>
-        </p:nvPicPr>
-        <p:blipFill rotWithShape="1">
-          <a:blip r:embed="rId2"/>
-          <a:srcRect l="29347" r="18361" b="-1"/>
-          <a:stretch/>
-        </p:blipFill>
-        <p:spPr>
-          <a:xfrm>
-            <a:off x="1" y="10"/>
-            <a:ext cx="4657344" cy="6857990"/>
-          </a:xfrm>
-          <a:custGeom>
-            <a:avLst/>
-            <a:gdLst/>
-            <a:ahLst/>
-            <a:cxnLst/>
-            <a:rect l="l" t="t" r="r" b="b"/>
-            <a:pathLst>
-              <a:path w="4657344" h="6858000">
-                <a:moveTo>
-                  <a:pt x="0" y="0"/>
-                </a:moveTo>
-                <a:lnTo>
-                  <a:pt x="3429755" y="0"/>
-                </a:lnTo>
-                <a:lnTo>
-                  <a:pt x="3526016" y="148742"/>
-                </a:lnTo>
-                <a:cubicBezTo>
-                  <a:pt x="3657740" y="365513"/>
-                  <a:pt x="3777402" y="589569"/>
-                  <a:pt x="3886489" y="819975"/>
-                </a:cubicBezTo>
-                <a:cubicBezTo>
-                  <a:pt x="3891856" y="833492"/>
-                  <a:pt x="3900663" y="845393"/>
-                  <a:pt x="3912049" y="854514"/>
-                </a:cubicBezTo>
-                <a:cubicBezTo>
-                  <a:pt x="3897352" y="819849"/>
-                  <a:pt x="3883037" y="784928"/>
-                  <a:pt x="3868083" y="750263"/>
-                </a:cubicBezTo>
-                <a:cubicBezTo>
-                  <a:pt x="3806989" y="608712"/>
-                  <a:pt x="3742478" y="469145"/>
-                  <a:pt x="3674155" y="331786"/>
-                </a:cubicBezTo>
-                <a:lnTo>
-                  <a:pt x="3496656" y="0"/>
-                </a:lnTo>
-                <a:lnTo>
-                  <a:pt x="3554371" y="0"/>
-                </a:lnTo>
-                <a:lnTo>
-                  <a:pt x="3661621" y="196614"/>
-                </a:lnTo>
-                <a:cubicBezTo>
-                  <a:pt x="3856899" y="573253"/>
-                  <a:pt x="4021071" y="966066"/>
-                  <a:pt x="4161279" y="1371196"/>
-                </a:cubicBezTo>
-                <a:cubicBezTo>
-                  <a:pt x="4379525" y="2007265"/>
-                  <a:pt x="4530141" y="2664286"/>
-                  <a:pt x="4610660" y="3331516"/>
-                </a:cubicBezTo>
-                <a:cubicBezTo>
-                  <a:pt x="4652837" y="3672965"/>
-                  <a:pt x="4671625" y="4013908"/>
-                  <a:pt x="4645040" y="4357388"/>
-                </a:cubicBezTo>
-                <a:cubicBezTo>
-                  <a:pt x="4613599" y="4758899"/>
-                  <a:pt x="4566181" y="5157998"/>
-                  <a:pt x="4485789" y="5552906"/>
-                </a:cubicBezTo>
-                <a:cubicBezTo>
-                  <a:pt x="4397121" y="5988893"/>
-                  <a:pt x="4276748" y="6414594"/>
-                  <a:pt x="4117769" y="6828295"/>
-                </a:cubicBezTo>
-                <a:lnTo>
-                  <a:pt x="4105288" y="6858000"/>
-                </a:lnTo>
-                <a:lnTo>
-                  <a:pt x="4052520" y="6858000"/>
-                </a:lnTo>
-                <a:lnTo>
-                  <a:pt x="4059369" y="6841549"/>
-                </a:lnTo>
-                <a:cubicBezTo>
-                  <a:pt x="4147276" y="6614016"/>
-                  <a:pt x="4224193" y="6380817"/>
-                  <a:pt x="4291518" y="6142729"/>
-                </a:cubicBezTo>
-                <a:cubicBezTo>
-                  <a:pt x="4350055" y="5935370"/>
-                  <a:pt x="4393256" y="5723695"/>
-                  <a:pt x="4443357" y="5513923"/>
-                </a:cubicBezTo>
-                <a:cubicBezTo>
-                  <a:pt x="4444541" y="5502788"/>
-                  <a:pt x="4445137" y="5491601"/>
-                  <a:pt x="4445146" y="5480401"/>
-                </a:cubicBezTo>
-                <a:cubicBezTo>
-                  <a:pt x="4408465" y="5607635"/>
-                  <a:pt x="4379196" y="5719759"/>
-                  <a:pt x="4344559" y="5830359"/>
-                </a:cubicBezTo>
-                <a:cubicBezTo>
-                  <a:pt x="4254261" y="6118381"/>
-                  <a:pt x="4150112" y="6398531"/>
-                  <a:pt x="4031702" y="6670527"/>
-                </a:cubicBezTo>
-                <a:lnTo>
-                  <a:pt x="3943824" y="6858000"/>
-                </a:lnTo>
-                <a:lnTo>
-                  <a:pt x="0" y="6858000"/>
-                </a:lnTo>
-                <a:close/>
-              </a:path>
-            </a:pathLst>
-          </a:custGeom>
-        </p:spPr>
-      </p:pic>
-      <p:sp>
-        <p:nvSpPr>
-          <p:cNvPr id="16" name="sketchy line">
-            <a:extLst>
-              <a:ext uri="{FF2B5EF4-FFF2-40B4-BE49-F238E27FC236}">
-                <a16:creationId xmlns:a16="http://schemas.microsoft.com/office/drawing/2014/main" id="{21540236-BFD5-4A9D-8840-4703E7F76825}"/>
+                <a16:creationId xmlns:a16="http://schemas.microsoft.com/office/drawing/2014/main" id="{5D6C15A0-C087-4593-8414-2B4EC1CDC3DE}"/>
               </a:ext>
               <a:ext uri="{C183D7F6-B498-43B3-948B-1728B52AA6E4}">
                 <adec:decorative xmlns:adec="http://schemas.microsoft.com/office/drawing/2017/decorative" val="1"/>
@@ -6960,46 +7269,46 @@
           </p:nvPr>
         </p:nvSpPr>
         <p:spPr>
-          <a:xfrm>
-            <a:off x="5297762" y="2374947"/>
-            <a:ext cx="4243589" cy="18288"/>
+          <a:xfrm rot="5400000">
+            <a:off x="2543983" y="3258715"/>
+            <a:ext cx="4480560" cy="18288"/>
           </a:xfrm>
           <a:custGeom>
             <a:avLst/>
             <a:gdLst>
-              <a:gd name="connsiteX0" fmla="*/ 0 w 4243589"/>
+              <a:gd name="connsiteX0" fmla="*/ 0 w 4480560"/>
               <a:gd name="connsiteY0" fmla="*/ 0 h 18288"/>
-              <a:gd name="connsiteX1" fmla="*/ 478919 w 4243589"/>
+              <a:gd name="connsiteX1" fmla="*/ 595274 w 4480560"/>
               <a:gd name="connsiteY1" fmla="*/ 0 h 18288"/>
-              <a:gd name="connsiteX2" fmla="*/ 957839 w 4243589"/>
+              <a:gd name="connsiteX2" fmla="*/ 1100938 w 4480560"/>
               <a:gd name="connsiteY2" fmla="*/ 0 h 18288"/>
-              <a:gd name="connsiteX3" fmla="*/ 1521630 w 4243589"/>
+              <a:gd name="connsiteX3" fmla="*/ 1651406 w 4480560"/>
               <a:gd name="connsiteY3" fmla="*/ 0 h 18288"/>
-              <a:gd name="connsiteX4" fmla="*/ 2212729 w 4243589"/>
+              <a:gd name="connsiteX4" fmla="*/ 2336292 w 4480560"/>
               <a:gd name="connsiteY4" fmla="*/ 0 h 18288"/>
-              <a:gd name="connsiteX5" fmla="*/ 2734084 w 4243589"/>
+              <a:gd name="connsiteX5" fmla="*/ 2931566 w 4480560"/>
               <a:gd name="connsiteY5" fmla="*/ 0 h 18288"/>
-              <a:gd name="connsiteX6" fmla="*/ 3255439 w 4243589"/>
+              <a:gd name="connsiteX6" fmla="*/ 3482035 w 4480560"/>
               <a:gd name="connsiteY6" fmla="*/ 0 h 18288"/>
-              <a:gd name="connsiteX7" fmla="*/ 4243589 w 4243589"/>
+              <a:gd name="connsiteX7" fmla="*/ 4480560 w 4480560"/>
               <a:gd name="connsiteY7" fmla="*/ 0 h 18288"/>
-              <a:gd name="connsiteX8" fmla="*/ 4243589 w 4243589"/>
+              <a:gd name="connsiteX8" fmla="*/ 4480560 w 4480560"/>
               <a:gd name="connsiteY8" fmla="*/ 18288 h 18288"/>
-              <a:gd name="connsiteX9" fmla="*/ 3594926 w 4243589"/>
+              <a:gd name="connsiteX9" fmla="*/ 3840480 w 4480560"/>
               <a:gd name="connsiteY9" fmla="*/ 18288 h 18288"/>
-              <a:gd name="connsiteX10" fmla="*/ 3073571 w 4243589"/>
+              <a:gd name="connsiteX10" fmla="*/ 3290011 w 4480560"/>
               <a:gd name="connsiteY10" fmla="*/ 18288 h 18288"/>
-              <a:gd name="connsiteX11" fmla="*/ 2552216 w 4243589"/>
+              <a:gd name="connsiteX11" fmla="*/ 2560320 w 4480560"/>
               <a:gd name="connsiteY11" fmla="*/ 18288 h 18288"/>
-              <a:gd name="connsiteX12" fmla="*/ 1903553 w 4243589"/>
+              <a:gd name="connsiteX12" fmla="*/ 1965046 w 4480560"/>
               <a:gd name="connsiteY12" fmla="*/ 18288 h 18288"/>
-              <a:gd name="connsiteX13" fmla="*/ 1212454 w 4243589"/>
+              <a:gd name="connsiteX13" fmla="*/ 1459382 w 4480560"/>
               <a:gd name="connsiteY13" fmla="*/ 18288 h 18288"/>
-              <a:gd name="connsiteX14" fmla="*/ 733535 w 4243589"/>
+              <a:gd name="connsiteX14" fmla="*/ 774497 w 4480560"/>
               <a:gd name="connsiteY14" fmla="*/ 18288 h 18288"/>
-              <a:gd name="connsiteX15" fmla="*/ 0 w 4243589"/>
+              <a:gd name="connsiteX15" fmla="*/ 0 w 4480560"/>
               <a:gd name="connsiteY15" fmla="*/ 18288 h 18288"/>
-              <a:gd name="connsiteX16" fmla="*/ 0 w 4243589"/>
+              <a:gd name="connsiteX16" fmla="*/ 0 w 4480560"/>
               <a:gd name="connsiteY16" fmla="*/ 0 h 18288"/>
             </a:gdLst>
             <a:ahLst/>
@@ -7058,174 +7367,174 @@
             </a:cxnLst>
             <a:rect l="l" t="t" r="r" b="b"/>
             <a:pathLst>
-              <a:path w="4243589" h="18288" fill="none" extrusionOk="0">
+              <a:path w="4480560" h="18288" fill="none" extrusionOk="0">
                 <a:moveTo>
                   <a:pt x="0" y="0"/>
                 </a:moveTo>
                 <a:cubicBezTo>
-                  <a:pt x="213395" y="-21006"/>
-                  <a:pt x="307421" y="-18116"/>
-                  <a:pt x="478919" y="0"/>
-                </a:cubicBezTo>
-                <a:cubicBezTo>
-                  <a:pt x="650417" y="18116"/>
-                  <a:pt x="831092" y="-21237"/>
-                  <a:pt x="957839" y="0"/>
-                </a:cubicBezTo>
-                <a:cubicBezTo>
-                  <a:pt x="1084586" y="21237"/>
-                  <a:pt x="1301682" y="25124"/>
-                  <a:pt x="1521630" y="0"/>
-                </a:cubicBezTo>
-                <a:cubicBezTo>
-                  <a:pt x="1741578" y="-25124"/>
-                  <a:pt x="1970269" y="-29139"/>
-                  <a:pt x="2212729" y="0"/>
-                </a:cubicBezTo>
-                <a:cubicBezTo>
-                  <a:pt x="2455189" y="29139"/>
-                  <a:pt x="2558847" y="-4796"/>
-                  <a:pt x="2734084" y="0"/>
-                </a:cubicBezTo>
-                <a:cubicBezTo>
-                  <a:pt x="2909321" y="4796"/>
-                  <a:pt x="3097217" y="-13409"/>
-                  <a:pt x="3255439" y="0"/>
-                </a:cubicBezTo>
-                <a:cubicBezTo>
-                  <a:pt x="3413662" y="13409"/>
-                  <a:pt x="3979999" y="-10121"/>
-                  <a:pt x="4243589" y="0"/>
-                </a:cubicBezTo>
-                <a:cubicBezTo>
-                  <a:pt x="4244484" y="8974"/>
-                  <a:pt x="4243043" y="9359"/>
-                  <a:pt x="4243589" y="18288"/>
-                </a:cubicBezTo>
-                <a:cubicBezTo>
-                  <a:pt x="4058777" y="31246"/>
-                  <a:pt x="3910348" y="3158"/>
-                  <a:pt x="3594926" y="18288"/>
-                </a:cubicBezTo>
-                <a:cubicBezTo>
-                  <a:pt x="3279504" y="33418"/>
-                  <a:pt x="3319955" y="-3977"/>
-                  <a:pt x="3073571" y="18288"/>
-                </a:cubicBezTo>
-                <a:cubicBezTo>
-                  <a:pt x="2827187" y="40553"/>
-                  <a:pt x="2767387" y="1863"/>
-                  <a:pt x="2552216" y="18288"/>
-                </a:cubicBezTo>
-                <a:cubicBezTo>
-                  <a:pt x="2337046" y="34713"/>
-                  <a:pt x="2181871" y="19527"/>
-                  <a:pt x="1903553" y="18288"/>
-                </a:cubicBezTo>
-                <a:cubicBezTo>
-                  <a:pt x="1625235" y="17049"/>
-                  <a:pt x="1557672" y="24174"/>
-                  <a:pt x="1212454" y="18288"/>
-                </a:cubicBezTo>
-                <a:cubicBezTo>
-                  <a:pt x="867236" y="12402"/>
-                  <a:pt x="874382" y="15627"/>
-                  <a:pt x="733535" y="18288"/>
-                </a:cubicBezTo>
-                <a:cubicBezTo>
-                  <a:pt x="592688" y="20949"/>
-                  <a:pt x="183477" y="14753"/>
+                  <a:pt x="267821" y="8731"/>
+                  <a:pt x="334105" y="2629"/>
+                  <a:pt x="595274" y="0"/>
+                </a:cubicBezTo>
+                <a:cubicBezTo>
+                  <a:pt x="856443" y="-2629"/>
+                  <a:pt x="863808" y="-13353"/>
+                  <a:pt x="1100938" y="0"/>
+                </a:cubicBezTo>
+                <a:cubicBezTo>
+                  <a:pt x="1338068" y="13353"/>
+                  <a:pt x="1431663" y="-25862"/>
+                  <a:pt x="1651406" y="0"/>
+                </a:cubicBezTo>
+                <a:cubicBezTo>
+                  <a:pt x="1871149" y="25862"/>
+                  <a:pt x="2173163" y="23827"/>
+                  <a:pt x="2336292" y="0"/>
+                </a:cubicBezTo>
+                <a:cubicBezTo>
+                  <a:pt x="2499421" y="-23827"/>
+                  <a:pt x="2720589" y="28148"/>
+                  <a:pt x="2931566" y="0"/>
+                </a:cubicBezTo>
+                <a:cubicBezTo>
+                  <a:pt x="3142543" y="-28148"/>
+                  <a:pt x="3323630" y="27022"/>
+                  <a:pt x="3482035" y="0"/>
+                </a:cubicBezTo>
+                <a:cubicBezTo>
+                  <a:pt x="3640440" y="-27022"/>
+                  <a:pt x="4012110" y="-20118"/>
+                  <a:pt x="4480560" y="0"/>
+                </a:cubicBezTo>
+                <a:cubicBezTo>
+                  <a:pt x="4480958" y="7429"/>
+                  <a:pt x="4480540" y="10822"/>
+                  <a:pt x="4480560" y="18288"/>
+                </a:cubicBezTo>
+                <a:cubicBezTo>
+                  <a:pt x="4314132" y="14924"/>
+                  <a:pt x="4028383" y="36632"/>
+                  <a:pt x="3840480" y="18288"/>
+                </a:cubicBezTo>
+                <a:cubicBezTo>
+                  <a:pt x="3652577" y="-56"/>
+                  <a:pt x="3547615" y="2848"/>
+                  <a:pt x="3290011" y="18288"/>
+                </a:cubicBezTo>
+                <a:cubicBezTo>
+                  <a:pt x="3032407" y="33728"/>
+                  <a:pt x="2830268" y="8719"/>
+                  <a:pt x="2560320" y="18288"/>
+                </a:cubicBezTo>
+                <a:cubicBezTo>
+                  <a:pt x="2290372" y="27857"/>
+                  <a:pt x="2147422" y="6728"/>
+                  <a:pt x="1965046" y="18288"/>
+                </a:cubicBezTo>
+                <a:cubicBezTo>
+                  <a:pt x="1782670" y="29848"/>
+                  <a:pt x="1689791" y="40680"/>
+                  <a:pt x="1459382" y="18288"/>
+                </a:cubicBezTo>
+                <a:cubicBezTo>
+                  <a:pt x="1228973" y="-4104"/>
+                  <a:pt x="915486" y="36501"/>
+                  <a:pt x="774497" y="18288"/>
+                </a:cubicBezTo>
+                <a:cubicBezTo>
+                  <a:pt x="633508" y="75"/>
+                  <a:pt x="361442" y="-11107"/>
                   <a:pt x="0" y="18288"/>
                 </a:cubicBezTo>
                 <a:cubicBezTo>
-                  <a:pt x="-229" y="14222"/>
-                  <a:pt x="509" y="5816"/>
+                  <a:pt x="-591" y="13205"/>
+                  <a:pt x="-663" y="6329"/>
                   <a:pt x="0" y="0"/>
                 </a:cubicBezTo>
                 <a:close/>
               </a:path>
-              <a:path w="4243589" h="18288" stroke="0" extrusionOk="0">
+              <a:path w="4480560" h="18288" stroke="0" extrusionOk="0">
                 <a:moveTo>
                   <a:pt x="0" y="0"/>
                 </a:moveTo>
                 <a:cubicBezTo>
-                  <a:pt x="143690" y="16630"/>
-                  <a:pt x="266667" y="14847"/>
-                  <a:pt x="521355" y="0"/>
-                </a:cubicBezTo>
-                <a:cubicBezTo>
-                  <a:pt x="776043" y="-14847"/>
-                  <a:pt x="814491" y="-17363"/>
-                  <a:pt x="1000275" y="0"/>
-                </a:cubicBezTo>
-                <a:cubicBezTo>
-                  <a:pt x="1186059" y="17363"/>
-                  <a:pt x="1352504" y="-23507"/>
-                  <a:pt x="1521630" y="0"/>
-                </a:cubicBezTo>
-                <a:cubicBezTo>
-                  <a:pt x="1690756" y="23507"/>
-                  <a:pt x="1889525" y="5871"/>
-                  <a:pt x="2127857" y="0"/>
-                </a:cubicBezTo>
-                <a:cubicBezTo>
-                  <a:pt x="2366189" y="-5871"/>
-                  <a:pt x="2620628" y="-27997"/>
-                  <a:pt x="2776520" y="0"/>
-                </a:cubicBezTo>
-                <a:cubicBezTo>
-                  <a:pt x="2932412" y="27997"/>
-                  <a:pt x="3131683" y="-25073"/>
-                  <a:pt x="3467618" y="0"/>
-                </a:cubicBezTo>
-                <a:cubicBezTo>
-                  <a:pt x="3803553" y="25073"/>
-                  <a:pt x="4017371" y="3071"/>
-                  <a:pt x="4243589" y="0"/>
-                </a:cubicBezTo>
-                <a:cubicBezTo>
-                  <a:pt x="4243134" y="6162"/>
-                  <a:pt x="4243492" y="11775"/>
-                  <a:pt x="4243589" y="18288"/>
-                </a:cubicBezTo>
-                <a:cubicBezTo>
-                  <a:pt x="4017834" y="-5779"/>
-                  <a:pt x="3834586" y="13376"/>
-                  <a:pt x="3594926" y="18288"/>
-                </a:cubicBezTo>
-                <a:cubicBezTo>
-                  <a:pt x="3355266" y="23200"/>
-                  <a:pt x="3204179" y="2869"/>
-                  <a:pt x="2903827" y="18288"/>
-                </a:cubicBezTo>
-                <a:cubicBezTo>
-                  <a:pt x="2603475" y="33707"/>
-                  <a:pt x="2526187" y="46187"/>
-                  <a:pt x="2212729" y="18288"/>
-                </a:cubicBezTo>
-                <a:cubicBezTo>
-                  <a:pt x="1899271" y="-9611"/>
-                  <a:pt x="1966289" y="29692"/>
-                  <a:pt x="1733809" y="18288"/>
-                </a:cubicBezTo>
-                <a:cubicBezTo>
-                  <a:pt x="1501329" y="6884"/>
-                  <a:pt x="1343612" y="12492"/>
-                  <a:pt x="1085146" y="18288"/>
-                </a:cubicBezTo>
-                <a:cubicBezTo>
-                  <a:pt x="826680" y="24084"/>
-                  <a:pt x="778184" y="35607"/>
-                  <a:pt x="521355" y="18288"/>
-                </a:cubicBezTo>
-                <a:cubicBezTo>
-                  <a:pt x="264526" y="969"/>
-                  <a:pt x="120277" y="4268"/>
+                  <a:pt x="285465" y="225"/>
+                  <a:pt x="322691" y="16223"/>
+                  <a:pt x="595274" y="0"/>
+                </a:cubicBezTo>
+                <a:cubicBezTo>
+                  <a:pt x="867857" y="-16223"/>
+                  <a:pt x="989129" y="-11242"/>
+                  <a:pt x="1100938" y="0"/>
+                </a:cubicBezTo>
+                <a:cubicBezTo>
+                  <a:pt x="1212747" y="11242"/>
+                  <a:pt x="1574350" y="-36410"/>
+                  <a:pt x="1830629" y="0"/>
+                </a:cubicBezTo>
+                <a:cubicBezTo>
+                  <a:pt x="2086908" y="36410"/>
+                  <a:pt x="2180922" y="4645"/>
+                  <a:pt x="2425903" y="0"/>
+                </a:cubicBezTo>
+                <a:cubicBezTo>
+                  <a:pt x="2670884" y="-4645"/>
+                  <a:pt x="2782024" y="22929"/>
+                  <a:pt x="3021178" y="0"/>
+                </a:cubicBezTo>
+                <a:cubicBezTo>
+                  <a:pt x="3260332" y="-22929"/>
+                  <a:pt x="3456982" y="-1586"/>
+                  <a:pt x="3750869" y="0"/>
+                </a:cubicBezTo>
+                <a:cubicBezTo>
+                  <a:pt x="4044756" y="1586"/>
+                  <a:pt x="4302726" y="17043"/>
+                  <a:pt x="4480560" y="0"/>
+                </a:cubicBezTo>
+                <a:cubicBezTo>
+                  <a:pt x="4479674" y="5429"/>
+                  <a:pt x="4481381" y="14046"/>
+                  <a:pt x="4480560" y="18288"/>
+                </a:cubicBezTo>
+                <a:cubicBezTo>
+                  <a:pt x="4279652" y="-6850"/>
+                  <a:pt x="4200762" y="41566"/>
+                  <a:pt x="3930091" y="18288"/>
+                </a:cubicBezTo>
+                <a:cubicBezTo>
+                  <a:pt x="3659420" y="-4990"/>
+                  <a:pt x="3456052" y="22294"/>
+                  <a:pt x="3290011" y="18288"/>
+                </a:cubicBezTo>
+                <a:cubicBezTo>
+                  <a:pt x="3123970" y="14282"/>
+                  <a:pt x="2882392" y="32818"/>
+                  <a:pt x="2649931" y="18288"/>
+                </a:cubicBezTo>
+                <a:cubicBezTo>
+                  <a:pt x="2417470" y="3758"/>
+                  <a:pt x="2238426" y="7337"/>
+                  <a:pt x="2054657" y="18288"/>
+                </a:cubicBezTo>
+                <a:cubicBezTo>
+                  <a:pt x="1870888" y="29239"/>
+                  <a:pt x="1566368" y="45040"/>
+                  <a:pt x="1324966" y="18288"/>
+                </a:cubicBezTo>
+                <a:cubicBezTo>
+                  <a:pt x="1083564" y="-8464"/>
+                  <a:pt x="787410" y="10946"/>
+                  <a:pt x="595274" y="18288"/>
+                </a:cubicBezTo>
+                <a:cubicBezTo>
+                  <a:pt x="403138" y="25630"/>
+                  <a:pt x="169622" y="10499"/>
                   <a:pt x="0" y="18288"/>
                 </a:cubicBezTo>
                 <a:cubicBezTo>
-                  <a:pt x="766" y="10800"/>
-                  <a:pt x="-457" y="8180"/>
+                  <a:pt x="668" y="13665"/>
+                  <a:pt x="578" y="5675"/>
                   <a:pt x="0" y="0"/>
                 </a:cubicBezTo>
                 <a:close/>
@@ -7235,14 +7544,14 @@
           <a:solidFill>
             <a:schemeClr val="accent2"/>
           </a:solidFill>
-          <a:ln w="44450" cap="rnd">
+          <a:ln w="41275" cap="rnd">
             <a:solidFill>
               <a:schemeClr val="accent2"/>
             </a:solidFill>
             <a:round/>
             <a:extLst>
               <a:ext uri="{C807C97D-BFC1-408E-A445-0C87EB9F89A2}">
-                <ask:lineSketchStyleProps xmlns:ask="http://schemas.microsoft.com/office/drawing/2018/sketchyshapes" sd="2727557108">
+                <ask:lineSketchStyleProps xmlns:ask="http://schemas.microsoft.com/office/drawing/2018/sketchyshapes" sd="1219033472">
                   <a:prstGeom prst="rect">
                     <a:avLst/>
                   </a:prstGeom>
@@ -7284,7 +7593,7 @@
           <p:cNvPr id="3" name="Content Placeholder 2">
             <a:extLst>
               <a:ext uri="{FF2B5EF4-FFF2-40B4-BE49-F238E27FC236}">
-                <a16:creationId xmlns:a16="http://schemas.microsoft.com/office/drawing/2014/main" id="{104BCB20-6856-716E-24A0-9017AE9C5384}"/>
+                <a16:creationId xmlns:a16="http://schemas.microsoft.com/office/drawing/2014/main" id="{5130D005-DBEA-18FE-9D7E-B412A548022A}"/>
               </a:ext>
             </a:extLst>
           </p:cNvPr>
@@ -7297,30 +7606,54 @@
         </p:nvSpPr>
         <p:spPr>
           <a:xfrm>
-            <a:off x="5297762" y="2706624"/>
-            <a:ext cx="6251110" cy="3483864"/>
+            <a:off x="5126418" y="552091"/>
+            <a:ext cx="6224335" cy="5431536"/>
           </a:xfrm>
         </p:spPr>
         <p:txBody>
-          <a:bodyPr>
+          <a:bodyPr anchor="ctr">
             <a:normAutofit/>
           </a:bodyPr>
           <a:lstStyle/>
           <a:p>
-            <a:pPr marL="0" indent="0">
+            <a:pPr marL="0" indent="0" algn="just">
               <a:buNone/>
             </a:pPr>
             <a:r>
-              <a:rPr lang="en-US" sz="2200"/>
-              <a:t>Module Federation is a concept in the context of front-end development that enables the </a:t>
+              <a:rPr lang="en-US" sz="2200" dirty="0"/>
+              <a:t>These are modules that contain shared code, assets, or resources that can be utilized by multiple micro frontends. Shared modules promote code reusability and maintainability across the application landscape.</a:t>
             </a:r>
+          </a:p>
+          <a:p>
+            <a:pPr algn="just"/>
             <a:r>
-              <a:rPr lang="en-US" sz="2200" b="1"/>
-              <a:t>sharing of code and resources across multiple independently deployed applications</a:t>
+              <a:rPr lang="en-US" sz="2200" b="1" dirty="0"/>
+              <a:t>Code and Resource Sharing: </a:t>
             </a:r>
+          </a:p>
+          <a:p>
+            <a:pPr marL="0" indent="0" algn="just">
+              <a:buNone/>
+            </a:pPr>
             <a:r>
-              <a:rPr lang="en-US" sz="2200"/>
-              <a:t>. This concept is particularly relevant in the context of micro frontends, which is an architectural approach to building front-end applications by breaking them down into smaller, independently deployable and scalable units.</a:t>
+              <a:rPr lang="en-US" sz="2200" dirty="0"/>
+              <a:t>Shared modules facilitate the sharing of common functionalities, such as utility functions, styles, or assets, reducing duplication across micro frontends.</a:t>
+            </a:r>
+          </a:p>
+          <a:p>
+            <a:pPr algn="just"/>
+            <a:r>
+              <a:rPr lang="en-US" sz="2200" b="1" dirty="0"/>
+              <a:t>Version Control: </a:t>
+            </a:r>
+          </a:p>
+          <a:p>
+            <a:pPr marL="0" indent="0" algn="just">
+              <a:buNone/>
+            </a:pPr>
+            <a:r>
+              <a:rPr lang="en-US" sz="2200" dirty="0"/>
+              <a:t>Shared modules can be versioned and updated independently, allowing for a more modular and decentralized approach to development.</a:t>
             </a:r>
           </a:p>
         </p:txBody>
@@ -7328,7 +7661,7 @@
     </p:spTree>
     <p:extLst>
       <p:ext uri="{BB962C8B-B14F-4D97-AF65-F5344CB8AC3E}">
-        <p14:creationId xmlns:p14="http://schemas.microsoft.com/office/powerpoint/2010/main" val="501006662"/>
+        <p14:creationId xmlns:p14="http://schemas.microsoft.com/office/powerpoint/2010/main" val="632979393"/>
       </p:ext>
     </p:extLst>
   </p:cSld>
@@ -7338,346 +7671,7 @@
 </p:sld>
 </file>
 
-<file path=ppt/slides/slide3.xml><?xml version="1.0" encoding="utf-8"?>
-<p:sld xmlns:a="http://schemas.openxmlformats.org/drawingml/2006/main" xmlns:r="http://schemas.openxmlformats.org/officeDocument/2006/relationships" xmlns:p="http://schemas.openxmlformats.org/presentationml/2006/main">
-  <p:cSld>
-    <p:bg>
-      <p:bgPr>
-        <a:solidFill>
-          <a:schemeClr val="bg1"/>
-        </a:solidFill>
-        <a:effectLst/>
-      </p:bgPr>
-    </p:bg>
-    <p:spTree>
-      <p:nvGrpSpPr>
-        <p:cNvPr id="1" name=""/>
-        <p:cNvGrpSpPr/>
-        <p:nvPr/>
-      </p:nvGrpSpPr>
-      <p:grpSpPr>
-        <a:xfrm>
-          <a:off x="0" y="0"/>
-          <a:ext cx="0" cy="0"/>
-          <a:chOff x="0" y="0"/>
-          <a:chExt cx="0" cy="0"/>
-        </a:xfrm>
-      </p:grpSpPr>
-      <p:sp>
-        <p:nvSpPr>
-          <p:cNvPr id="2" name="Title 1">
-            <a:extLst>
-              <a:ext uri="{FF2B5EF4-FFF2-40B4-BE49-F238E27FC236}">
-                <a16:creationId xmlns:a16="http://schemas.microsoft.com/office/drawing/2014/main" id="{0B24761F-D6FC-8E02-B7E0-8E28EEFBC2C6}"/>
-              </a:ext>
-            </a:extLst>
-          </p:cNvPr>
-          <p:cNvSpPr>
-            <a:spLocks noGrp="1"/>
-          </p:cNvSpPr>
-          <p:nvPr>
-            <p:ph type="title"/>
-          </p:nvPr>
-        </p:nvSpPr>
-        <p:spPr>
-          <a:xfrm>
-            <a:off x="876693" y="741391"/>
-            <a:ext cx="3455821" cy="1616203"/>
-          </a:xfrm>
-        </p:spPr>
-        <p:txBody>
-          <a:bodyPr vert="horz" lIns="91440" tIns="45720" rIns="91440" bIns="45720" rtlCol="0" anchor="b">
-            <a:normAutofit/>
-          </a:bodyPr>
-          <a:lstStyle/>
-          <a:p>
-            <a:pPr algn="ctr"/>
-            <a:r>
-              <a:rPr lang="en-US" kern="1200" dirty="0">
-                <a:solidFill>
-                  <a:schemeClr val="tx1"/>
-                </a:solidFill>
-                <a:latin typeface="+mj-lt"/>
-                <a:ea typeface="+mj-ea"/>
-                <a:cs typeface="+mj-cs"/>
-              </a:rPr>
-              <a:t>How it works</a:t>
-            </a:r>
-          </a:p>
-        </p:txBody>
-      </p:sp>
-      <p:sp>
-        <p:nvSpPr>
-          <p:cNvPr id="3" name="Content Placeholder 2">
-            <a:extLst>
-              <a:ext uri="{FF2B5EF4-FFF2-40B4-BE49-F238E27FC236}">
-                <a16:creationId xmlns:a16="http://schemas.microsoft.com/office/drawing/2014/main" id="{EF68E5F2-C2F9-F198-8233-3F624627A3F4}"/>
-              </a:ext>
-            </a:extLst>
-          </p:cNvPr>
-          <p:cNvSpPr>
-            <a:spLocks noGrp="1"/>
-          </p:cNvSpPr>
-          <p:nvPr>
-            <p:ph sz="half" idx="1"/>
-          </p:nvPr>
-        </p:nvSpPr>
-        <p:spPr>
-          <a:xfrm>
-            <a:off x="876693" y="2533476"/>
-            <a:ext cx="3455821" cy="3447832"/>
-          </a:xfrm>
-        </p:spPr>
-        <p:txBody>
-          <a:bodyPr vert="horz" lIns="91440" tIns="45720" rIns="91440" bIns="45720" rtlCol="0" anchor="t">
-            <a:normAutofit fontScale="92500"/>
-          </a:bodyPr>
-          <a:lstStyle/>
-          <a:p>
-            <a:pPr marL="0" indent="0">
-              <a:buNone/>
-            </a:pPr>
-            <a:r>
-              <a:rPr lang="en-US" sz="2400" dirty="0"/>
-              <a:t>Each application </a:t>
-            </a:r>
-            <a:r>
-              <a:rPr lang="en-US" sz="2400" b="1" dirty="0"/>
-              <a:t>exposes specific modules</a:t>
-            </a:r>
-            <a:r>
-              <a:rPr lang="en-US" sz="2400" dirty="0"/>
-              <a:t> that other applications can consume. These modules can be dynamically loaded and executed in the consumer application, making it possible to share logic, components, and other resources across different parts of the system.</a:t>
-            </a:r>
-          </a:p>
-          <a:p>
-            <a:endParaRPr lang="en-US" sz="2400" dirty="0"/>
-          </a:p>
-        </p:txBody>
-      </p:sp>
-      <p:pic>
-        <p:nvPicPr>
-          <p:cNvPr id="7" name="Content Placeholder 6">
-            <a:extLst>
-              <a:ext uri="{FF2B5EF4-FFF2-40B4-BE49-F238E27FC236}">
-                <a16:creationId xmlns:a16="http://schemas.microsoft.com/office/drawing/2014/main" id="{1CE0079D-F46B-3CB2-DBD8-A5F0F85C07A4}"/>
-              </a:ext>
-            </a:extLst>
-          </p:cNvPr>
-          <p:cNvPicPr>
-            <a:picLocks noGrp="1" noChangeAspect="1"/>
-          </p:cNvPicPr>
-          <p:nvPr>
-            <p:ph sz="half" idx="2"/>
-          </p:nvPr>
-        </p:nvPicPr>
-        <p:blipFill>
-          <a:blip r:embed="rId2"/>
-          <a:stretch>
-            <a:fillRect/>
-          </a:stretch>
-        </p:blipFill>
-        <p:spPr>
-          <a:xfrm>
-            <a:off x="4987672" y="1365105"/>
-            <a:ext cx="6389346" cy="4137100"/>
-          </a:xfrm>
-          <a:prstGeom prst="rect">
-            <a:avLst/>
-          </a:prstGeom>
-        </p:spPr>
-      </p:pic>
-      <p:grpSp>
-        <p:nvGrpSpPr>
-          <p:cNvPr id="12" name="Group 11">
-            <a:extLst>
-              <a:ext uri="{FF2B5EF4-FFF2-40B4-BE49-F238E27FC236}">
-                <a16:creationId xmlns:a16="http://schemas.microsoft.com/office/drawing/2014/main" id="{6258F736-B256-8039-9DC6-F4E49A5C5AD5}"/>
-              </a:ext>
-              <a:ext uri="{C183D7F6-B498-43B3-948B-1728B52AA6E4}">
-                <adec:decorative xmlns:adec="http://schemas.microsoft.com/office/drawing/2017/decorative" val="1"/>
-              </a:ext>
-            </a:extLst>
-          </p:cNvPr>
-          <p:cNvGrpSpPr>
-            <a:grpSpLocks noGrp="1" noUngrp="1" noRot="1" noChangeAspect="1" noMove="1" noResize="1"/>
-          </p:cNvGrpSpPr>
-          <p:nvPr>
-            <p:extLst>
-              <p:ext uri="{386F3935-93C4-4BCD-93E2-E3B085C9AB24}">
-                <p16:designElem xmlns:p16="http://schemas.microsoft.com/office/powerpoint/2015/main" val="1"/>
-              </p:ext>
-            </p:extLst>
-          </p:nvPr>
-        </p:nvGrpSpPr>
-        <p:grpSpPr>
-          <a:xfrm flipH="1">
-            <a:off x="12068638" y="0"/>
-            <a:ext cx="123362" cy="6858000"/>
-            <a:chOff x="12068638" y="0"/>
-            <a:chExt cx="123362" cy="6858000"/>
-          </a:xfrm>
-        </p:grpSpPr>
-        <p:sp>
-          <p:nvSpPr>
-            <p:cNvPr id="13" name="Rectangle 12">
-              <a:extLst>
-                <a:ext uri="{FF2B5EF4-FFF2-40B4-BE49-F238E27FC236}">
-                  <a16:creationId xmlns:a16="http://schemas.microsoft.com/office/drawing/2014/main" id="{10B4520A-996E-330C-99DA-69CA4D89E906}"/>
-                </a:ext>
-                <a:ext uri="{C183D7F6-B498-43B3-948B-1728B52AA6E4}">
-                  <adec:decorative xmlns:adec="http://schemas.microsoft.com/office/drawing/2017/decorative" val="1"/>
-                </a:ext>
-              </a:extLst>
-            </p:cNvPr>
-            <p:cNvSpPr/>
-            <p:nvPr>
-              <p:extLst>
-                <p:ext uri="{386F3935-93C4-4BCD-93E2-E3B085C9AB24}">
-                  <p16:designElem xmlns:p16="http://schemas.microsoft.com/office/powerpoint/2015/main" val="1"/>
-                </p:ext>
-              </p:extLst>
-            </p:nvPr>
-          </p:nvSpPr>
-          <p:spPr>
-            <a:xfrm>
-              <a:off x="12068638" y="0"/>
-              <a:ext cx="123362" cy="6858000"/>
-            </a:xfrm>
-            <a:prstGeom prst="rect">
-              <a:avLst/>
-            </a:prstGeom>
-            <a:gradFill>
-              <a:gsLst>
-                <a:gs pos="0">
-                  <a:schemeClr val="accent2"/>
-                </a:gs>
-                <a:gs pos="100000">
-                  <a:schemeClr val="accent5"/>
-                </a:gs>
-              </a:gsLst>
-              <a:lin ang="1800000" scaled="0"/>
-            </a:gradFill>
-            <a:ln>
-              <a:noFill/>
-            </a:ln>
-          </p:spPr>
-          <p:style>
-            <a:lnRef idx="2">
-              <a:schemeClr val="accent1">
-                <a:shade val="50000"/>
-              </a:schemeClr>
-            </a:lnRef>
-            <a:fillRef idx="1">
-              <a:schemeClr val="accent1"/>
-            </a:fillRef>
-            <a:effectRef idx="0">
-              <a:schemeClr val="accent1"/>
-            </a:effectRef>
-            <a:fontRef idx="minor">
-              <a:schemeClr val="lt1"/>
-            </a:fontRef>
-          </p:style>
-          <p:txBody>
-            <a:bodyPr rtlCol="0" anchor="ctr"/>
-            <a:lstStyle/>
-            <a:p>
-              <a:pPr algn="ctr"/>
-              <a:endParaRPr lang="en-US"/>
-            </a:p>
-          </p:txBody>
-        </p:sp>
-        <p:sp>
-          <p:nvSpPr>
-            <p:cNvPr id="14" name="Rectangle 13">
-              <a:extLst>
-                <a:ext uri="{FF2B5EF4-FFF2-40B4-BE49-F238E27FC236}">
-                  <a16:creationId xmlns:a16="http://schemas.microsoft.com/office/drawing/2014/main" id="{EC8FA945-E356-695F-18D6-CAD4EF34FE4A}"/>
-                </a:ext>
-                <a:ext uri="{C183D7F6-B498-43B3-948B-1728B52AA6E4}">
-                  <adec:decorative xmlns:adec="http://schemas.microsoft.com/office/drawing/2017/decorative" val="1"/>
-                </a:ext>
-              </a:extLst>
-            </p:cNvPr>
-            <p:cNvSpPr/>
-            <p:nvPr>
-              <p:extLst>
-                <p:ext uri="{386F3935-93C4-4BCD-93E2-E3B085C9AB24}">
-                  <p16:designElem xmlns:p16="http://schemas.microsoft.com/office/powerpoint/2015/main" val="1"/>
-                </p:ext>
-              </p:extLst>
-            </p:nvPr>
-          </p:nvSpPr>
-          <p:spPr>
-            <a:xfrm>
-              <a:off x="12068638" y="3527553"/>
-              <a:ext cx="123362" cy="3330447"/>
-            </a:xfrm>
-            <a:prstGeom prst="rect">
-              <a:avLst/>
-            </a:prstGeom>
-            <a:gradFill>
-              <a:gsLst>
-                <a:gs pos="19000">
-                  <a:schemeClr val="accent5">
-                    <a:lumMod val="60000"/>
-                    <a:lumOff val="40000"/>
-                    <a:alpha val="0"/>
-                  </a:schemeClr>
-                </a:gs>
-                <a:gs pos="100000">
-                  <a:schemeClr val="accent5">
-                    <a:lumMod val="60000"/>
-                    <a:lumOff val="40000"/>
-                  </a:schemeClr>
-                </a:gs>
-              </a:gsLst>
-              <a:lin ang="600000" scaled="0"/>
-            </a:gradFill>
-            <a:ln>
-              <a:noFill/>
-            </a:ln>
-          </p:spPr>
-          <p:style>
-            <a:lnRef idx="2">
-              <a:schemeClr val="accent1">
-                <a:shade val="50000"/>
-              </a:schemeClr>
-            </a:lnRef>
-            <a:fillRef idx="1">
-              <a:schemeClr val="accent1"/>
-            </a:fillRef>
-            <a:effectRef idx="0">
-              <a:schemeClr val="accent1"/>
-            </a:effectRef>
-            <a:fontRef idx="minor">
-              <a:schemeClr val="lt1"/>
-            </a:fontRef>
-          </p:style>
-          <p:txBody>
-            <a:bodyPr rtlCol="0" anchor="ctr"/>
-            <a:lstStyle/>
-            <a:p>
-              <a:pPr algn="ctr"/>
-              <a:endParaRPr lang="en-US"/>
-            </a:p>
-          </p:txBody>
-        </p:sp>
-      </p:grpSp>
-    </p:spTree>
-    <p:extLst>
-      <p:ext uri="{BB962C8B-B14F-4D97-AF65-F5344CB8AC3E}">
-        <p14:creationId xmlns:p14="http://schemas.microsoft.com/office/powerpoint/2010/main" val="1775464157"/>
-      </p:ext>
-    </p:extLst>
-  </p:cSld>
-  <p:clrMapOvr>
-    <a:masterClrMapping/>
-  </p:clrMapOvr>
-</p:sld>
-</file>
-
-<file path=ppt/slides/slide4.xml><?xml version="1.0" encoding="utf-8"?>
+<file path=ppt/slides/slide11.xml><?xml version="1.0" encoding="utf-8"?>
 <p:sld xmlns:a="http://schemas.openxmlformats.org/drawingml/2006/main" xmlns:r="http://schemas.openxmlformats.org/officeDocument/2006/relationships" xmlns:p="http://schemas.openxmlformats.org/presentationml/2006/main">
   <p:cSld>
     <p:bg>
@@ -7704,10 +7698,2016 @@
       </p:grpSpPr>
       <p:sp useBgFill="1">
         <p:nvSpPr>
-          <p:cNvPr id="21" name="Rectangle 20">
+          <p:cNvPr id="8" name="Rectangle 7">
             <a:extLst>
               <a:ext uri="{FF2B5EF4-FFF2-40B4-BE49-F238E27FC236}">
-                <a16:creationId xmlns:a16="http://schemas.microsoft.com/office/drawing/2014/main" id="{2C61293E-6EBE-43EF-A52C-9BEBFD7679D4}"/>
+                <a16:creationId xmlns:a16="http://schemas.microsoft.com/office/drawing/2014/main" id="{907EF6B7-1338-4443-8C46-6A318D952DFD}"/>
+              </a:ext>
+              <a:ext uri="{C183D7F6-B498-43B3-948B-1728B52AA6E4}">
+                <adec:decorative xmlns:adec="http://schemas.microsoft.com/office/drawing/2017/decorative" val="1"/>
+              </a:ext>
+            </a:extLst>
+          </p:cNvPr>
+          <p:cNvSpPr>
+            <a:spLocks noGrp="1" noRot="1" noChangeAspect="1" noMove="1" noResize="1" noEditPoints="1" noAdjustHandles="1" noChangeArrowheads="1" noChangeShapeType="1" noTextEdit="1"/>
+          </p:cNvSpPr>
+          <p:nvPr>
+            <p:extLst>
+              <p:ext uri="{386F3935-93C4-4BCD-93E2-E3B085C9AB24}">
+                <p16:designElem xmlns:p16="http://schemas.microsoft.com/office/powerpoint/2015/main" val="1"/>
+              </p:ext>
+            </p:extLst>
+          </p:nvPr>
+        </p:nvSpPr>
+        <p:spPr>
+          <a:xfrm>
+            <a:off x="3048" y="0"/>
+            <a:ext cx="12188952" cy="6858000"/>
+          </a:xfrm>
+          <a:prstGeom prst="rect">
+            <a:avLst/>
+          </a:prstGeom>
+          <a:ln>
+            <a:noFill/>
+          </a:ln>
+        </p:spPr>
+        <p:style>
+          <a:lnRef idx="2">
+            <a:schemeClr val="accent1">
+              <a:shade val="50000"/>
+            </a:schemeClr>
+          </a:lnRef>
+          <a:fillRef idx="1">
+            <a:schemeClr val="accent1"/>
+          </a:fillRef>
+          <a:effectRef idx="0">
+            <a:schemeClr val="accent1"/>
+          </a:effectRef>
+          <a:fontRef idx="minor">
+            <a:schemeClr val="lt1"/>
+          </a:fontRef>
+        </p:style>
+        <p:txBody>
+          <a:bodyPr rtlCol="0" anchor="ctr"/>
+          <a:lstStyle/>
+          <a:p>
+            <a:pPr algn="ctr"/>
+            <a:endParaRPr lang="en-US"/>
+          </a:p>
+        </p:txBody>
+      </p:sp>
+      <p:sp>
+        <p:nvSpPr>
+          <p:cNvPr id="10" name="Freeform: Shape 9">
+            <a:extLst>
+              <a:ext uri="{FF2B5EF4-FFF2-40B4-BE49-F238E27FC236}">
+                <a16:creationId xmlns:a16="http://schemas.microsoft.com/office/drawing/2014/main" id="{DAAE4CDD-124C-4DCF-9584-B6033B545DD5}"/>
+              </a:ext>
+              <a:ext uri="{C183D7F6-B498-43B3-948B-1728B52AA6E4}">
+                <adec:decorative xmlns:adec="http://schemas.microsoft.com/office/drawing/2017/decorative" val="1"/>
+              </a:ext>
+            </a:extLst>
+          </p:cNvPr>
+          <p:cNvSpPr>
+            <a:spLocks noGrp="1" noRot="1" noChangeAspect="1" noMove="1" noResize="1" noEditPoints="1" noAdjustHandles="1" noChangeArrowheads="1" noChangeShapeType="1" noTextEdit="1"/>
+          </p:cNvSpPr>
+          <p:nvPr>
+            <p:extLst>
+              <p:ext uri="{386F3935-93C4-4BCD-93E2-E3B085C9AB24}">
+                <p16:designElem xmlns:p16="http://schemas.microsoft.com/office/powerpoint/2015/main" val="1"/>
+              </p:ext>
+            </p:extLst>
+          </p:nvPr>
+        </p:nvSpPr>
+        <p:spPr>
+          <a:xfrm>
+            <a:off x="1" y="0"/>
+            <a:ext cx="4167271" cy="6858000"/>
+          </a:xfrm>
+          <a:custGeom>
+            <a:avLst/>
+            <a:gdLst>
+              <a:gd name="connsiteX0" fmla="*/ 0 w 4167271"/>
+              <a:gd name="connsiteY0" fmla="*/ 0 h 6858000"/>
+              <a:gd name="connsiteX1" fmla="*/ 2259550 w 4167271"/>
+              <a:gd name="connsiteY1" fmla="*/ 0 h 6858000"/>
+              <a:gd name="connsiteX2" fmla="*/ 2387803 w 4167271"/>
+              <a:gd name="connsiteY2" fmla="*/ 82222 h 6858000"/>
+              <a:gd name="connsiteX3" fmla="*/ 4167271 w 4167271"/>
+              <a:gd name="connsiteY3" fmla="*/ 3429000 h 6858000"/>
+              <a:gd name="connsiteX4" fmla="*/ 2387803 w 4167271"/>
+              <a:gd name="connsiteY4" fmla="*/ 6775779 h 6858000"/>
+              <a:gd name="connsiteX5" fmla="*/ 2259550 w 4167271"/>
+              <a:gd name="connsiteY5" fmla="*/ 6858000 h 6858000"/>
+              <a:gd name="connsiteX6" fmla="*/ 0 w 4167271"/>
+              <a:gd name="connsiteY6" fmla="*/ 6858000 h 6858000"/>
+            </a:gdLst>
+            <a:ahLst/>
+            <a:cxnLst>
+              <a:cxn ang="0">
+                <a:pos x="connsiteX0" y="connsiteY0"/>
+              </a:cxn>
+              <a:cxn ang="0">
+                <a:pos x="connsiteX1" y="connsiteY1"/>
+              </a:cxn>
+              <a:cxn ang="0">
+                <a:pos x="connsiteX2" y="connsiteY2"/>
+              </a:cxn>
+              <a:cxn ang="0">
+                <a:pos x="connsiteX3" y="connsiteY3"/>
+              </a:cxn>
+              <a:cxn ang="0">
+                <a:pos x="connsiteX4" y="connsiteY4"/>
+              </a:cxn>
+              <a:cxn ang="0">
+                <a:pos x="connsiteX5" y="connsiteY5"/>
+              </a:cxn>
+              <a:cxn ang="0">
+                <a:pos x="connsiteX6" y="connsiteY6"/>
+              </a:cxn>
+            </a:cxnLst>
+            <a:rect l="l" t="t" r="r" b="b"/>
+            <a:pathLst>
+              <a:path w="4167271" h="6858000">
+                <a:moveTo>
+                  <a:pt x="0" y="0"/>
+                </a:moveTo>
+                <a:lnTo>
+                  <a:pt x="2259550" y="0"/>
+                </a:lnTo>
+                <a:lnTo>
+                  <a:pt x="2387803" y="82222"/>
+                </a:lnTo>
+                <a:cubicBezTo>
+                  <a:pt x="3461407" y="807534"/>
+                  <a:pt x="4167271" y="2035835"/>
+                  <a:pt x="4167271" y="3429000"/>
+                </a:cubicBezTo>
+                <a:cubicBezTo>
+                  <a:pt x="4167271" y="4822165"/>
+                  <a:pt x="3461407" y="6050467"/>
+                  <a:pt x="2387803" y="6775779"/>
+                </a:cubicBezTo>
+                <a:lnTo>
+                  <a:pt x="2259550" y="6858000"/>
+                </a:lnTo>
+                <a:lnTo>
+                  <a:pt x="0" y="6858000"/>
+                </a:lnTo>
+                <a:close/>
+              </a:path>
+            </a:pathLst>
+          </a:custGeom>
+          <a:solidFill>
+            <a:schemeClr val="accent2"/>
+          </a:solidFill>
+          <a:ln>
+            <a:noFill/>
+          </a:ln>
+        </p:spPr>
+        <p:style>
+          <a:lnRef idx="2">
+            <a:schemeClr val="accent1">
+              <a:shade val="50000"/>
+            </a:schemeClr>
+          </a:lnRef>
+          <a:fillRef idx="1">
+            <a:schemeClr val="accent1"/>
+          </a:fillRef>
+          <a:effectRef idx="0">
+            <a:schemeClr val="accent1"/>
+          </a:effectRef>
+          <a:fontRef idx="minor">
+            <a:schemeClr val="lt1"/>
+          </a:fontRef>
+        </p:style>
+        <p:txBody>
+          <a:bodyPr rtlCol="0" anchor="ctr"/>
+          <a:lstStyle/>
+          <a:p>
+            <a:pPr algn="ctr"/>
+            <a:endParaRPr lang="en-US"/>
+          </a:p>
+        </p:txBody>
+      </p:sp>
+      <p:sp>
+        <p:nvSpPr>
+          <p:cNvPr id="2" name="Title 1">
+            <a:extLst>
+              <a:ext uri="{FF2B5EF4-FFF2-40B4-BE49-F238E27FC236}">
+                <a16:creationId xmlns:a16="http://schemas.microsoft.com/office/drawing/2014/main" id="{8396D76D-2287-A289-9178-F0E33FE7F2EF}"/>
+              </a:ext>
+            </a:extLst>
+          </p:cNvPr>
+          <p:cNvSpPr>
+            <a:spLocks noGrp="1"/>
+          </p:cNvSpPr>
+          <p:nvPr>
+            <p:ph type="title"/>
+          </p:nvPr>
+        </p:nvSpPr>
+        <p:spPr>
+          <a:xfrm>
+            <a:off x="0" y="1153572"/>
+            <a:ext cx="3887234" cy="4461163"/>
+          </a:xfrm>
+        </p:spPr>
+        <p:txBody>
+          <a:bodyPr>
+            <a:normAutofit/>
+          </a:bodyPr>
+          <a:lstStyle/>
+          <a:p>
+            <a:pPr algn="ctr"/>
+            <a:r>
+              <a:rPr lang="en-US" sz="4800" dirty="0">
+                <a:solidFill>
+                  <a:srgbClr val="FFFFFF"/>
+                </a:solidFill>
+              </a:rPr>
+              <a:t>Use Cases for Module Federation</a:t>
+            </a:r>
+          </a:p>
+        </p:txBody>
+      </p:sp>
+      <p:sp>
+        <p:nvSpPr>
+          <p:cNvPr id="12" name="Arc 11">
+            <a:extLst>
+              <a:ext uri="{FF2B5EF4-FFF2-40B4-BE49-F238E27FC236}">
+                <a16:creationId xmlns:a16="http://schemas.microsoft.com/office/drawing/2014/main" id="{081E4A58-353D-44AE-B2FC-2A74E2E400F7}"/>
+              </a:ext>
+              <a:ext uri="{C183D7F6-B498-43B3-948B-1728B52AA6E4}">
+                <adec:decorative xmlns:adec="http://schemas.microsoft.com/office/drawing/2017/decorative" val="1"/>
+              </a:ext>
+            </a:extLst>
+          </p:cNvPr>
+          <p:cNvSpPr>
+            <a:spLocks noGrp="1" noRot="1" noChangeAspect="1" noMove="1" noResize="1" noEditPoints="1" noAdjustHandles="1" noChangeArrowheads="1" noChangeShapeType="1" noTextEdit="1"/>
+          </p:cNvSpPr>
+          <p:nvPr>
+            <p:extLst>
+              <p:ext uri="{386F3935-93C4-4BCD-93E2-E3B085C9AB24}">
+                <p16:designElem xmlns:p16="http://schemas.microsoft.com/office/powerpoint/2015/main" val="1"/>
+              </p:ext>
+            </p:extLst>
+          </p:nvPr>
+        </p:nvSpPr>
+        <p:spPr>
+          <a:xfrm flipV="1">
+            <a:off x="7550402" y="2455479"/>
+            <a:ext cx="4083433" cy="4083433"/>
+          </a:xfrm>
+          <a:prstGeom prst="arc">
+            <a:avLst/>
+          </a:prstGeom>
+          <a:ln w="127000" cap="rnd">
+            <a:solidFill>
+              <a:schemeClr val="accent4"/>
+            </a:solidFill>
+            <a:prstDash val="dash"/>
+          </a:ln>
+        </p:spPr>
+        <p:style>
+          <a:lnRef idx="1">
+            <a:schemeClr val="accent1"/>
+          </a:lnRef>
+          <a:fillRef idx="0">
+            <a:schemeClr val="accent1"/>
+          </a:fillRef>
+          <a:effectRef idx="0">
+            <a:schemeClr val="accent1"/>
+          </a:effectRef>
+          <a:fontRef idx="minor">
+            <a:schemeClr val="tx1"/>
+          </a:fontRef>
+        </p:style>
+        <p:txBody>
+          <a:bodyPr rtlCol="0" anchor="ctr"/>
+          <a:lstStyle/>
+          <a:p>
+            <a:pPr algn="ctr"/>
+            <a:endParaRPr lang="en-US" dirty="0"/>
+          </a:p>
+        </p:txBody>
+      </p:sp>
+      <p:sp>
+        <p:nvSpPr>
+          <p:cNvPr id="3" name="Content Placeholder 2">
+            <a:extLst>
+              <a:ext uri="{FF2B5EF4-FFF2-40B4-BE49-F238E27FC236}">
+                <a16:creationId xmlns:a16="http://schemas.microsoft.com/office/drawing/2014/main" id="{70534BC4-6C6C-C3CC-D474-D278E4D7DDE3}"/>
+              </a:ext>
+            </a:extLst>
+          </p:cNvPr>
+          <p:cNvSpPr>
+            <a:spLocks noGrp="1"/>
+          </p:cNvSpPr>
+          <p:nvPr>
+            <p:ph idx="1"/>
+          </p:nvPr>
+        </p:nvSpPr>
+        <p:spPr>
+          <a:xfrm>
+            <a:off x="4447308" y="591344"/>
+            <a:ext cx="6906491" cy="5585619"/>
+          </a:xfrm>
+        </p:spPr>
+        <p:txBody>
+          <a:bodyPr anchor="ctr">
+            <a:normAutofit/>
+          </a:bodyPr>
+          <a:lstStyle/>
+          <a:p>
+            <a:pPr marL="514350" indent="-514350">
+              <a:buFont typeface="+mj-lt"/>
+              <a:buAutoNum type="arabicPeriod"/>
+            </a:pPr>
+            <a:r>
+              <a:rPr lang="en-US" dirty="0"/>
+              <a:t> Micro-frontend Architecture</a:t>
+            </a:r>
+          </a:p>
+          <a:p>
+            <a:pPr marL="514350" indent="-514350">
+              <a:buFont typeface="+mj-lt"/>
+              <a:buAutoNum type="arabicPeriod"/>
+            </a:pPr>
+            <a:r>
+              <a:rPr lang="en-US" dirty="0"/>
+              <a:t>Multi-Application Integration</a:t>
+            </a:r>
+          </a:p>
+          <a:p>
+            <a:pPr marL="514350" indent="-514350">
+              <a:buFont typeface="+mj-lt"/>
+              <a:buAutoNum type="arabicPeriod"/>
+            </a:pPr>
+            <a:r>
+              <a:rPr lang="en-US" dirty="0"/>
+              <a:t>Third-Party Integrations</a:t>
+            </a:r>
+          </a:p>
+          <a:p>
+            <a:pPr marL="514350" indent="-514350">
+              <a:buFont typeface="+mj-lt"/>
+              <a:buAutoNum type="arabicPeriod"/>
+            </a:pPr>
+            <a:r>
+              <a:rPr lang="en-US" dirty="0"/>
+              <a:t>Shared Libraries</a:t>
+            </a:r>
+          </a:p>
+        </p:txBody>
+      </p:sp>
+    </p:spTree>
+    <p:extLst>
+      <p:ext uri="{BB962C8B-B14F-4D97-AF65-F5344CB8AC3E}">
+        <p14:creationId xmlns:p14="http://schemas.microsoft.com/office/powerpoint/2010/main" val="1993922252"/>
+      </p:ext>
+    </p:extLst>
+  </p:cSld>
+  <p:clrMapOvr>
+    <a:masterClrMapping/>
+  </p:clrMapOvr>
+</p:sld>
+</file>
+
+<file path=ppt/slides/slide12.xml><?xml version="1.0" encoding="utf-8"?>
+<p:sld xmlns:a="http://schemas.openxmlformats.org/drawingml/2006/main" xmlns:r="http://schemas.openxmlformats.org/officeDocument/2006/relationships" xmlns:p="http://schemas.openxmlformats.org/presentationml/2006/main">
+  <p:cSld>
+    <p:bg>
+      <p:bgPr>
+        <a:solidFill>
+          <a:schemeClr val="bg1"/>
+        </a:solidFill>
+        <a:effectLst/>
+      </p:bgPr>
+    </p:bg>
+    <p:spTree>
+      <p:nvGrpSpPr>
+        <p:cNvPr id="1" name=""/>
+        <p:cNvGrpSpPr/>
+        <p:nvPr/>
+      </p:nvGrpSpPr>
+      <p:grpSpPr>
+        <a:xfrm>
+          <a:off x="0" y="0"/>
+          <a:ext cx="0" cy="0"/>
+          <a:chOff x="0" y="0"/>
+          <a:chExt cx="0" cy="0"/>
+        </a:xfrm>
+      </p:grpSpPr>
+      <p:sp useBgFill="1">
+        <p:nvSpPr>
+          <p:cNvPr id="15" name="Rectangle 14">
+            <a:extLst>
+              <a:ext uri="{FF2B5EF4-FFF2-40B4-BE49-F238E27FC236}">
+                <a16:creationId xmlns:a16="http://schemas.microsoft.com/office/drawing/2014/main" id="{907EF6B7-1338-4443-8C46-6A318D952DFD}"/>
+              </a:ext>
+              <a:ext uri="{C183D7F6-B498-43B3-948B-1728B52AA6E4}">
+                <adec:decorative xmlns:adec="http://schemas.microsoft.com/office/drawing/2017/decorative" val="1"/>
+              </a:ext>
+            </a:extLst>
+          </p:cNvPr>
+          <p:cNvSpPr>
+            <a:spLocks noGrp="1" noRot="1" noChangeAspect="1" noMove="1" noResize="1" noEditPoints="1" noAdjustHandles="1" noChangeArrowheads="1" noChangeShapeType="1" noTextEdit="1"/>
+          </p:cNvSpPr>
+          <p:nvPr>
+            <p:extLst>
+              <p:ext uri="{386F3935-93C4-4BCD-93E2-E3B085C9AB24}">
+                <p16:designElem xmlns:p16="http://schemas.microsoft.com/office/powerpoint/2015/main" val="1"/>
+              </p:ext>
+            </p:extLst>
+          </p:nvPr>
+        </p:nvSpPr>
+        <p:spPr>
+          <a:xfrm>
+            <a:off x="3048" y="0"/>
+            <a:ext cx="12188952" cy="6858000"/>
+          </a:xfrm>
+          <a:prstGeom prst="rect">
+            <a:avLst/>
+          </a:prstGeom>
+          <a:ln>
+            <a:noFill/>
+          </a:ln>
+        </p:spPr>
+        <p:style>
+          <a:lnRef idx="2">
+            <a:schemeClr val="accent1">
+              <a:shade val="50000"/>
+            </a:schemeClr>
+          </a:lnRef>
+          <a:fillRef idx="1">
+            <a:schemeClr val="accent1"/>
+          </a:fillRef>
+          <a:effectRef idx="0">
+            <a:schemeClr val="accent1"/>
+          </a:effectRef>
+          <a:fontRef idx="minor">
+            <a:schemeClr val="lt1"/>
+          </a:fontRef>
+        </p:style>
+        <p:txBody>
+          <a:bodyPr rtlCol="0" anchor="ctr"/>
+          <a:lstStyle/>
+          <a:p>
+            <a:pPr algn="ctr"/>
+            <a:endParaRPr lang="en-US"/>
+          </a:p>
+        </p:txBody>
+      </p:sp>
+      <p:sp>
+        <p:nvSpPr>
+          <p:cNvPr id="17" name="Freeform: Shape 16">
+            <a:extLst>
+              <a:ext uri="{FF2B5EF4-FFF2-40B4-BE49-F238E27FC236}">
+                <a16:creationId xmlns:a16="http://schemas.microsoft.com/office/drawing/2014/main" id="{DAAE4CDD-124C-4DCF-9584-B6033B545DD5}"/>
+              </a:ext>
+              <a:ext uri="{C183D7F6-B498-43B3-948B-1728B52AA6E4}">
+                <adec:decorative xmlns:adec="http://schemas.microsoft.com/office/drawing/2017/decorative" val="1"/>
+              </a:ext>
+            </a:extLst>
+          </p:cNvPr>
+          <p:cNvSpPr>
+            <a:spLocks noGrp="1" noRot="1" noChangeAspect="1" noMove="1" noResize="1" noEditPoints="1" noAdjustHandles="1" noChangeArrowheads="1" noChangeShapeType="1" noTextEdit="1"/>
+          </p:cNvSpPr>
+          <p:nvPr>
+            <p:extLst>
+              <p:ext uri="{386F3935-93C4-4BCD-93E2-E3B085C9AB24}">
+                <p16:designElem xmlns:p16="http://schemas.microsoft.com/office/powerpoint/2015/main" val="1"/>
+              </p:ext>
+            </p:extLst>
+          </p:nvPr>
+        </p:nvSpPr>
+        <p:spPr>
+          <a:xfrm>
+            <a:off x="1" y="0"/>
+            <a:ext cx="4167271" cy="6858000"/>
+          </a:xfrm>
+          <a:custGeom>
+            <a:avLst/>
+            <a:gdLst>
+              <a:gd name="connsiteX0" fmla="*/ 0 w 4167271"/>
+              <a:gd name="connsiteY0" fmla="*/ 0 h 6858000"/>
+              <a:gd name="connsiteX1" fmla="*/ 2259550 w 4167271"/>
+              <a:gd name="connsiteY1" fmla="*/ 0 h 6858000"/>
+              <a:gd name="connsiteX2" fmla="*/ 2387803 w 4167271"/>
+              <a:gd name="connsiteY2" fmla="*/ 82222 h 6858000"/>
+              <a:gd name="connsiteX3" fmla="*/ 4167271 w 4167271"/>
+              <a:gd name="connsiteY3" fmla="*/ 3429000 h 6858000"/>
+              <a:gd name="connsiteX4" fmla="*/ 2387803 w 4167271"/>
+              <a:gd name="connsiteY4" fmla="*/ 6775779 h 6858000"/>
+              <a:gd name="connsiteX5" fmla="*/ 2259550 w 4167271"/>
+              <a:gd name="connsiteY5" fmla="*/ 6858000 h 6858000"/>
+              <a:gd name="connsiteX6" fmla="*/ 0 w 4167271"/>
+              <a:gd name="connsiteY6" fmla="*/ 6858000 h 6858000"/>
+            </a:gdLst>
+            <a:ahLst/>
+            <a:cxnLst>
+              <a:cxn ang="0">
+                <a:pos x="connsiteX0" y="connsiteY0"/>
+              </a:cxn>
+              <a:cxn ang="0">
+                <a:pos x="connsiteX1" y="connsiteY1"/>
+              </a:cxn>
+              <a:cxn ang="0">
+                <a:pos x="connsiteX2" y="connsiteY2"/>
+              </a:cxn>
+              <a:cxn ang="0">
+                <a:pos x="connsiteX3" y="connsiteY3"/>
+              </a:cxn>
+              <a:cxn ang="0">
+                <a:pos x="connsiteX4" y="connsiteY4"/>
+              </a:cxn>
+              <a:cxn ang="0">
+                <a:pos x="connsiteX5" y="connsiteY5"/>
+              </a:cxn>
+              <a:cxn ang="0">
+                <a:pos x="connsiteX6" y="connsiteY6"/>
+              </a:cxn>
+            </a:cxnLst>
+            <a:rect l="l" t="t" r="r" b="b"/>
+            <a:pathLst>
+              <a:path w="4167271" h="6858000">
+                <a:moveTo>
+                  <a:pt x="0" y="0"/>
+                </a:moveTo>
+                <a:lnTo>
+                  <a:pt x="2259550" y="0"/>
+                </a:lnTo>
+                <a:lnTo>
+                  <a:pt x="2387803" y="82222"/>
+                </a:lnTo>
+                <a:cubicBezTo>
+                  <a:pt x="3461407" y="807534"/>
+                  <a:pt x="4167271" y="2035835"/>
+                  <a:pt x="4167271" y="3429000"/>
+                </a:cubicBezTo>
+                <a:cubicBezTo>
+                  <a:pt x="4167271" y="4822165"/>
+                  <a:pt x="3461407" y="6050467"/>
+                  <a:pt x="2387803" y="6775779"/>
+                </a:cubicBezTo>
+                <a:lnTo>
+                  <a:pt x="2259550" y="6858000"/>
+                </a:lnTo>
+                <a:lnTo>
+                  <a:pt x="0" y="6858000"/>
+                </a:lnTo>
+                <a:close/>
+              </a:path>
+            </a:pathLst>
+          </a:custGeom>
+          <a:solidFill>
+            <a:schemeClr val="accent2"/>
+          </a:solidFill>
+          <a:ln>
+            <a:noFill/>
+          </a:ln>
+        </p:spPr>
+        <p:style>
+          <a:lnRef idx="2">
+            <a:schemeClr val="accent1">
+              <a:shade val="50000"/>
+            </a:schemeClr>
+          </a:lnRef>
+          <a:fillRef idx="1">
+            <a:schemeClr val="accent1"/>
+          </a:fillRef>
+          <a:effectRef idx="0">
+            <a:schemeClr val="accent1"/>
+          </a:effectRef>
+          <a:fontRef idx="minor">
+            <a:schemeClr val="lt1"/>
+          </a:fontRef>
+        </p:style>
+        <p:txBody>
+          <a:bodyPr rtlCol="0" anchor="ctr"/>
+          <a:lstStyle/>
+          <a:p>
+            <a:pPr algn="ctr"/>
+            <a:endParaRPr lang="en-US"/>
+          </a:p>
+        </p:txBody>
+      </p:sp>
+      <p:sp>
+        <p:nvSpPr>
+          <p:cNvPr id="2" name="Title 1">
+            <a:extLst>
+              <a:ext uri="{FF2B5EF4-FFF2-40B4-BE49-F238E27FC236}">
+                <a16:creationId xmlns:a16="http://schemas.microsoft.com/office/drawing/2014/main" id="{480281DD-6CD0-E608-E215-821E64C33CB5}"/>
+              </a:ext>
+            </a:extLst>
+          </p:cNvPr>
+          <p:cNvSpPr>
+            <a:spLocks noGrp="1"/>
+          </p:cNvSpPr>
+          <p:nvPr>
+            <p:ph type="title"/>
+          </p:nvPr>
+        </p:nvSpPr>
+        <p:spPr>
+          <a:xfrm>
+            <a:off x="0" y="1153572"/>
+            <a:ext cx="4167271" cy="4461163"/>
+          </a:xfrm>
+        </p:spPr>
+        <p:txBody>
+          <a:bodyPr>
+            <a:normAutofit/>
+          </a:bodyPr>
+          <a:lstStyle/>
+          <a:p>
+            <a:pPr algn="ctr"/>
+            <a:r>
+              <a:rPr lang="en-US" sz="4800" dirty="0">
+                <a:solidFill>
+                  <a:srgbClr val="FFFFFF"/>
+                </a:solidFill>
+              </a:rPr>
+              <a:t>1</a:t>
+            </a:r>
+            <a:br>
+              <a:rPr lang="en-US" sz="4800" dirty="0">
+                <a:solidFill>
+                  <a:srgbClr val="FFFFFF"/>
+                </a:solidFill>
+              </a:rPr>
+            </a:br>
+            <a:r>
+              <a:rPr lang="en-US" sz="4800" dirty="0">
+                <a:solidFill>
+                  <a:srgbClr val="FFFFFF"/>
+                </a:solidFill>
+              </a:rPr>
+              <a:t>Micro-frontend Architecture</a:t>
+            </a:r>
+          </a:p>
+        </p:txBody>
+      </p:sp>
+      <p:sp>
+        <p:nvSpPr>
+          <p:cNvPr id="19" name="Arc 18">
+            <a:extLst>
+              <a:ext uri="{FF2B5EF4-FFF2-40B4-BE49-F238E27FC236}">
+                <a16:creationId xmlns:a16="http://schemas.microsoft.com/office/drawing/2014/main" id="{081E4A58-353D-44AE-B2FC-2A74E2E400F7}"/>
+              </a:ext>
+              <a:ext uri="{C183D7F6-B498-43B3-948B-1728B52AA6E4}">
+                <adec:decorative xmlns:adec="http://schemas.microsoft.com/office/drawing/2017/decorative" val="1"/>
+              </a:ext>
+            </a:extLst>
+          </p:cNvPr>
+          <p:cNvSpPr>
+            <a:spLocks noGrp="1" noRot="1" noChangeAspect="1" noMove="1" noResize="1" noEditPoints="1" noAdjustHandles="1" noChangeArrowheads="1" noChangeShapeType="1" noTextEdit="1"/>
+          </p:cNvSpPr>
+          <p:nvPr>
+            <p:extLst>
+              <p:ext uri="{386F3935-93C4-4BCD-93E2-E3B085C9AB24}">
+                <p16:designElem xmlns:p16="http://schemas.microsoft.com/office/powerpoint/2015/main" val="1"/>
+              </p:ext>
+            </p:extLst>
+          </p:nvPr>
+        </p:nvSpPr>
+        <p:spPr>
+          <a:xfrm flipV="1">
+            <a:off x="7550402" y="2455479"/>
+            <a:ext cx="4083433" cy="4083433"/>
+          </a:xfrm>
+          <a:prstGeom prst="arc">
+            <a:avLst/>
+          </a:prstGeom>
+          <a:ln w="127000" cap="rnd">
+            <a:solidFill>
+              <a:schemeClr val="accent4"/>
+            </a:solidFill>
+            <a:prstDash val="dash"/>
+          </a:ln>
+        </p:spPr>
+        <p:style>
+          <a:lnRef idx="1">
+            <a:schemeClr val="accent1"/>
+          </a:lnRef>
+          <a:fillRef idx="0">
+            <a:schemeClr val="accent1"/>
+          </a:fillRef>
+          <a:effectRef idx="0">
+            <a:schemeClr val="accent1"/>
+          </a:effectRef>
+          <a:fontRef idx="minor">
+            <a:schemeClr val="tx1"/>
+          </a:fontRef>
+        </p:style>
+        <p:txBody>
+          <a:bodyPr rtlCol="0" anchor="ctr"/>
+          <a:lstStyle/>
+          <a:p>
+            <a:pPr algn="ctr"/>
+            <a:endParaRPr lang="en-US" dirty="0"/>
+          </a:p>
+        </p:txBody>
+      </p:sp>
+      <p:sp>
+        <p:nvSpPr>
+          <p:cNvPr id="3" name="Content Placeholder 2">
+            <a:extLst>
+              <a:ext uri="{FF2B5EF4-FFF2-40B4-BE49-F238E27FC236}">
+                <a16:creationId xmlns:a16="http://schemas.microsoft.com/office/drawing/2014/main" id="{5130D005-DBEA-18FE-9D7E-B412A548022A}"/>
+              </a:ext>
+            </a:extLst>
+          </p:cNvPr>
+          <p:cNvSpPr>
+            <a:spLocks noGrp="1"/>
+          </p:cNvSpPr>
+          <p:nvPr>
+            <p:ph idx="1"/>
+          </p:nvPr>
+        </p:nvSpPr>
+        <p:spPr>
+          <a:xfrm>
+            <a:off x="4447308" y="591344"/>
+            <a:ext cx="6906491" cy="5585619"/>
+          </a:xfrm>
+        </p:spPr>
+        <p:txBody>
+          <a:bodyPr anchor="ctr">
+            <a:normAutofit/>
+          </a:bodyPr>
+          <a:lstStyle/>
+          <a:p>
+            <a:pPr marL="0" indent="0" algn="just">
+              <a:buNone/>
+            </a:pPr>
+            <a:r>
+              <a:rPr lang="en-US" sz="2200" dirty="0"/>
+              <a:t>One of the most common use cases for Module Federation is in micro-frontend architecture. This approach involves breaking down large monolithic applications into smaller, more manageable frontend modules that can be developed and deployed independently. With Module Federation, these modules can be shared between different applications, allowing for greater flexibility and modularity in application design.</a:t>
+            </a:r>
+          </a:p>
+          <a:p>
+            <a:pPr marL="0" indent="0" algn="just">
+              <a:buNone/>
+            </a:pPr>
+            <a:endParaRPr lang="en-US" sz="2200" dirty="0"/>
+          </a:p>
+          <a:p>
+            <a:pPr marL="0" indent="0" algn="just">
+              <a:buNone/>
+            </a:pPr>
+            <a:r>
+              <a:rPr lang="en-US" sz="2200" dirty="0"/>
+              <a:t>For example, imagine a large e-commerce platform with multiple frontend applications for product search, shopping cart, and checkout. By using Module Federation, the platform could share common modules such as user authentication and payment processing between the different frontend applications, reducing duplication and improving collaboration between development teams.</a:t>
+            </a:r>
+          </a:p>
+        </p:txBody>
+      </p:sp>
+    </p:spTree>
+    <p:extLst>
+      <p:ext uri="{BB962C8B-B14F-4D97-AF65-F5344CB8AC3E}">
+        <p14:creationId xmlns:p14="http://schemas.microsoft.com/office/powerpoint/2010/main" val="3334888552"/>
+      </p:ext>
+    </p:extLst>
+  </p:cSld>
+  <p:clrMapOvr>
+    <a:masterClrMapping/>
+  </p:clrMapOvr>
+</p:sld>
+</file>
+
+<file path=ppt/slides/slide13.xml><?xml version="1.0" encoding="utf-8"?>
+<p:sld xmlns:a="http://schemas.openxmlformats.org/drawingml/2006/main" xmlns:r="http://schemas.openxmlformats.org/officeDocument/2006/relationships" xmlns:p="http://schemas.openxmlformats.org/presentationml/2006/main">
+  <p:cSld>
+    <p:bg>
+      <p:bgPr>
+        <a:solidFill>
+          <a:schemeClr val="bg1"/>
+        </a:solidFill>
+        <a:effectLst/>
+      </p:bgPr>
+    </p:bg>
+    <p:spTree>
+      <p:nvGrpSpPr>
+        <p:cNvPr id="1" name=""/>
+        <p:cNvGrpSpPr/>
+        <p:nvPr/>
+      </p:nvGrpSpPr>
+      <p:grpSpPr>
+        <a:xfrm>
+          <a:off x="0" y="0"/>
+          <a:ext cx="0" cy="0"/>
+          <a:chOff x="0" y="0"/>
+          <a:chExt cx="0" cy="0"/>
+        </a:xfrm>
+      </p:grpSpPr>
+      <p:sp useBgFill="1">
+        <p:nvSpPr>
+          <p:cNvPr id="15" name="Rectangle 14">
+            <a:extLst>
+              <a:ext uri="{FF2B5EF4-FFF2-40B4-BE49-F238E27FC236}">
+                <a16:creationId xmlns:a16="http://schemas.microsoft.com/office/drawing/2014/main" id="{907EF6B7-1338-4443-8C46-6A318D952DFD}"/>
+              </a:ext>
+              <a:ext uri="{C183D7F6-B498-43B3-948B-1728B52AA6E4}">
+                <adec:decorative xmlns:adec="http://schemas.microsoft.com/office/drawing/2017/decorative" val="1"/>
+              </a:ext>
+            </a:extLst>
+          </p:cNvPr>
+          <p:cNvSpPr>
+            <a:spLocks noGrp="1" noRot="1" noChangeAspect="1" noMove="1" noResize="1" noEditPoints="1" noAdjustHandles="1" noChangeArrowheads="1" noChangeShapeType="1" noTextEdit="1"/>
+          </p:cNvSpPr>
+          <p:nvPr>
+            <p:extLst>
+              <p:ext uri="{386F3935-93C4-4BCD-93E2-E3B085C9AB24}">
+                <p16:designElem xmlns:p16="http://schemas.microsoft.com/office/powerpoint/2015/main" val="1"/>
+              </p:ext>
+            </p:extLst>
+          </p:nvPr>
+        </p:nvSpPr>
+        <p:spPr>
+          <a:xfrm>
+            <a:off x="3048" y="0"/>
+            <a:ext cx="12188952" cy="6858000"/>
+          </a:xfrm>
+          <a:prstGeom prst="rect">
+            <a:avLst/>
+          </a:prstGeom>
+          <a:ln>
+            <a:noFill/>
+          </a:ln>
+        </p:spPr>
+        <p:style>
+          <a:lnRef idx="2">
+            <a:schemeClr val="accent1">
+              <a:shade val="50000"/>
+            </a:schemeClr>
+          </a:lnRef>
+          <a:fillRef idx="1">
+            <a:schemeClr val="accent1"/>
+          </a:fillRef>
+          <a:effectRef idx="0">
+            <a:schemeClr val="accent1"/>
+          </a:effectRef>
+          <a:fontRef idx="minor">
+            <a:schemeClr val="lt1"/>
+          </a:fontRef>
+        </p:style>
+        <p:txBody>
+          <a:bodyPr rtlCol="0" anchor="ctr"/>
+          <a:lstStyle/>
+          <a:p>
+            <a:pPr algn="ctr"/>
+            <a:endParaRPr lang="en-US"/>
+          </a:p>
+        </p:txBody>
+      </p:sp>
+      <p:sp>
+        <p:nvSpPr>
+          <p:cNvPr id="17" name="Freeform: Shape 16">
+            <a:extLst>
+              <a:ext uri="{FF2B5EF4-FFF2-40B4-BE49-F238E27FC236}">
+                <a16:creationId xmlns:a16="http://schemas.microsoft.com/office/drawing/2014/main" id="{DAAE4CDD-124C-4DCF-9584-B6033B545DD5}"/>
+              </a:ext>
+              <a:ext uri="{C183D7F6-B498-43B3-948B-1728B52AA6E4}">
+                <adec:decorative xmlns:adec="http://schemas.microsoft.com/office/drawing/2017/decorative" val="1"/>
+              </a:ext>
+            </a:extLst>
+          </p:cNvPr>
+          <p:cNvSpPr>
+            <a:spLocks noGrp="1" noRot="1" noChangeAspect="1" noMove="1" noResize="1" noEditPoints="1" noAdjustHandles="1" noChangeArrowheads="1" noChangeShapeType="1" noTextEdit="1"/>
+          </p:cNvSpPr>
+          <p:nvPr>
+            <p:extLst>
+              <p:ext uri="{386F3935-93C4-4BCD-93E2-E3B085C9AB24}">
+                <p16:designElem xmlns:p16="http://schemas.microsoft.com/office/powerpoint/2015/main" val="1"/>
+              </p:ext>
+            </p:extLst>
+          </p:nvPr>
+        </p:nvSpPr>
+        <p:spPr>
+          <a:xfrm>
+            <a:off x="1" y="0"/>
+            <a:ext cx="4167271" cy="6858000"/>
+          </a:xfrm>
+          <a:custGeom>
+            <a:avLst/>
+            <a:gdLst>
+              <a:gd name="connsiteX0" fmla="*/ 0 w 4167271"/>
+              <a:gd name="connsiteY0" fmla="*/ 0 h 6858000"/>
+              <a:gd name="connsiteX1" fmla="*/ 2259550 w 4167271"/>
+              <a:gd name="connsiteY1" fmla="*/ 0 h 6858000"/>
+              <a:gd name="connsiteX2" fmla="*/ 2387803 w 4167271"/>
+              <a:gd name="connsiteY2" fmla="*/ 82222 h 6858000"/>
+              <a:gd name="connsiteX3" fmla="*/ 4167271 w 4167271"/>
+              <a:gd name="connsiteY3" fmla="*/ 3429000 h 6858000"/>
+              <a:gd name="connsiteX4" fmla="*/ 2387803 w 4167271"/>
+              <a:gd name="connsiteY4" fmla="*/ 6775779 h 6858000"/>
+              <a:gd name="connsiteX5" fmla="*/ 2259550 w 4167271"/>
+              <a:gd name="connsiteY5" fmla="*/ 6858000 h 6858000"/>
+              <a:gd name="connsiteX6" fmla="*/ 0 w 4167271"/>
+              <a:gd name="connsiteY6" fmla="*/ 6858000 h 6858000"/>
+            </a:gdLst>
+            <a:ahLst/>
+            <a:cxnLst>
+              <a:cxn ang="0">
+                <a:pos x="connsiteX0" y="connsiteY0"/>
+              </a:cxn>
+              <a:cxn ang="0">
+                <a:pos x="connsiteX1" y="connsiteY1"/>
+              </a:cxn>
+              <a:cxn ang="0">
+                <a:pos x="connsiteX2" y="connsiteY2"/>
+              </a:cxn>
+              <a:cxn ang="0">
+                <a:pos x="connsiteX3" y="connsiteY3"/>
+              </a:cxn>
+              <a:cxn ang="0">
+                <a:pos x="connsiteX4" y="connsiteY4"/>
+              </a:cxn>
+              <a:cxn ang="0">
+                <a:pos x="connsiteX5" y="connsiteY5"/>
+              </a:cxn>
+              <a:cxn ang="0">
+                <a:pos x="connsiteX6" y="connsiteY6"/>
+              </a:cxn>
+            </a:cxnLst>
+            <a:rect l="l" t="t" r="r" b="b"/>
+            <a:pathLst>
+              <a:path w="4167271" h="6858000">
+                <a:moveTo>
+                  <a:pt x="0" y="0"/>
+                </a:moveTo>
+                <a:lnTo>
+                  <a:pt x="2259550" y="0"/>
+                </a:lnTo>
+                <a:lnTo>
+                  <a:pt x="2387803" y="82222"/>
+                </a:lnTo>
+                <a:cubicBezTo>
+                  <a:pt x="3461407" y="807534"/>
+                  <a:pt x="4167271" y="2035835"/>
+                  <a:pt x="4167271" y="3429000"/>
+                </a:cubicBezTo>
+                <a:cubicBezTo>
+                  <a:pt x="4167271" y="4822165"/>
+                  <a:pt x="3461407" y="6050467"/>
+                  <a:pt x="2387803" y="6775779"/>
+                </a:cubicBezTo>
+                <a:lnTo>
+                  <a:pt x="2259550" y="6858000"/>
+                </a:lnTo>
+                <a:lnTo>
+                  <a:pt x="0" y="6858000"/>
+                </a:lnTo>
+                <a:close/>
+              </a:path>
+            </a:pathLst>
+          </a:custGeom>
+          <a:solidFill>
+            <a:schemeClr val="accent2"/>
+          </a:solidFill>
+          <a:ln>
+            <a:noFill/>
+          </a:ln>
+        </p:spPr>
+        <p:style>
+          <a:lnRef idx="2">
+            <a:schemeClr val="accent1">
+              <a:shade val="50000"/>
+            </a:schemeClr>
+          </a:lnRef>
+          <a:fillRef idx="1">
+            <a:schemeClr val="accent1"/>
+          </a:fillRef>
+          <a:effectRef idx="0">
+            <a:schemeClr val="accent1"/>
+          </a:effectRef>
+          <a:fontRef idx="minor">
+            <a:schemeClr val="lt1"/>
+          </a:fontRef>
+        </p:style>
+        <p:txBody>
+          <a:bodyPr rtlCol="0" anchor="ctr"/>
+          <a:lstStyle/>
+          <a:p>
+            <a:pPr algn="ctr"/>
+            <a:endParaRPr lang="en-US"/>
+          </a:p>
+        </p:txBody>
+      </p:sp>
+      <p:sp>
+        <p:nvSpPr>
+          <p:cNvPr id="2" name="Title 1">
+            <a:extLst>
+              <a:ext uri="{FF2B5EF4-FFF2-40B4-BE49-F238E27FC236}">
+                <a16:creationId xmlns:a16="http://schemas.microsoft.com/office/drawing/2014/main" id="{480281DD-6CD0-E608-E215-821E64C33CB5}"/>
+              </a:ext>
+            </a:extLst>
+          </p:cNvPr>
+          <p:cNvSpPr>
+            <a:spLocks noGrp="1"/>
+          </p:cNvSpPr>
+          <p:nvPr>
+            <p:ph type="title"/>
+          </p:nvPr>
+        </p:nvSpPr>
+        <p:spPr>
+          <a:xfrm>
+            <a:off x="1" y="1153572"/>
+            <a:ext cx="4167270" cy="4461163"/>
+          </a:xfrm>
+        </p:spPr>
+        <p:txBody>
+          <a:bodyPr>
+            <a:normAutofit/>
+          </a:bodyPr>
+          <a:lstStyle/>
+          <a:p>
+            <a:pPr algn="ctr"/>
+            <a:r>
+              <a:rPr lang="en-US" dirty="0">
+                <a:solidFill>
+                  <a:srgbClr val="FFFFFF"/>
+                </a:solidFill>
+              </a:rPr>
+              <a:t>2</a:t>
+            </a:r>
+            <a:br>
+              <a:rPr lang="en-US" dirty="0">
+                <a:solidFill>
+                  <a:srgbClr val="FFFFFF"/>
+                </a:solidFill>
+              </a:rPr>
+            </a:br>
+            <a:r>
+              <a:rPr lang="en-US" dirty="0">
+                <a:solidFill>
+                  <a:srgbClr val="FFFFFF"/>
+                </a:solidFill>
+              </a:rPr>
+              <a:t>Multi-Application Integration</a:t>
+            </a:r>
+          </a:p>
+        </p:txBody>
+      </p:sp>
+      <p:sp>
+        <p:nvSpPr>
+          <p:cNvPr id="19" name="Arc 18">
+            <a:extLst>
+              <a:ext uri="{FF2B5EF4-FFF2-40B4-BE49-F238E27FC236}">
+                <a16:creationId xmlns:a16="http://schemas.microsoft.com/office/drawing/2014/main" id="{081E4A58-353D-44AE-B2FC-2A74E2E400F7}"/>
+              </a:ext>
+              <a:ext uri="{C183D7F6-B498-43B3-948B-1728B52AA6E4}">
+                <adec:decorative xmlns:adec="http://schemas.microsoft.com/office/drawing/2017/decorative" val="1"/>
+              </a:ext>
+            </a:extLst>
+          </p:cNvPr>
+          <p:cNvSpPr>
+            <a:spLocks noGrp="1" noRot="1" noChangeAspect="1" noMove="1" noResize="1" noEditPoints="1" noAdjustHandles="1" noChangeArrowheads="1" noChangeShapeType="1" noTextEdit="1"/>
+          </p:cNvSpPr>
+          <p:nvPr>
+            <p:extLst>
+              <p:ext uri="{386F3935-93C4-4BCD-93E2-E3B085C9AB24}">
+                <p16:designElem xmlns:p16="http://schemas.microsoft.com/office/powerpoint/2015/main" val="1"/>
+              </p:ext>
+            </p:extLst>
+          </p:nvPr>
+        </p:nvSpPr>
+        <p:spPr>
+          <a:xfrm flipV="1">
+            <a:off x="7550402" y="2455479"/>
+            <a:ext cx="4083433" cy="4083433"/>
+          </a:xfrm>
+          <a:prstGeom prst="arc">
+            <a:avLst/>
+          </a:prstGeom>
+          <a:ln w="127000" cap="rnd">
+            <a:solidFill>
+              <a:schemeClr val="accent4"/>
+            </a:solidFill>
+            <a:prstDash val="dash"/>
+          </a:ln>
+        </p:spPr>
+        <p:style>
+          <a:lnRef idx="1">
+            <a:schemeClr val="accent1"/>
+          </a:lnRef>
+          <a:fillRef idx="0">
+            <a:schemeClr val="accent1"/>
+          </a:fillRef>
+          <a:effectRef idx="0">
+            <a:schemeClr val="accent1"/>
+          </a:effectRef>
+          <a:fontRef idx="minor">
+            <a:schemeClr val="tx1"/>
+          </a:fontRef>
+        </p:style>
+        <p:txBody>
+          <a:bodyPr rtlCol="0" anchor="ctr"/>
+          <a:lstStyle/>
+          <a:p>
+            <a:pPr algn="ctr"/>
+            <a:endParaRPr lang="en-US" dirty="0"/>
+          </a:p>
+        </p:txBody>
+      </p:sp>
+      <p:sp>
+        <p:nvSpPr>
+          <p:cNvPr id="3" name="Content Placeholder 2">
+            <a:extLst>
+              <a:ext uri="{FF2B5EF4-FFF2-40B4-BE49-F238E27FC236}">
+                <a16:creationId xmlns:a16="http://schemas.microsoft.com/office/drawing/2014/main" id="{5130D005-DBEA-18FE-9D7E-B412A548022A}"/>
+              </a:ext>
+            </a:extLst>
+          </p:cNvPr>
+          <p:cNvSpPr>
+            <a:spLocks noGrp="1"/>
+          </p:cNvSpPr>
+          <p:nvPr>
+            <p:ph idx="1"/>
+          </p:nvPr>
+        </p:nvSpPr>
+        <p:spPr>
+          <a:xfrm>
+            <a:off x="4447308" y="591344"/>
+            <a:ext cx="6906491" cy="5585619"/>
+          </a:xfrm>
+        </p:spPr>
+        <p:txBody>
+          <a:bodyPr anchor="ctr">
+            <a:normAutofit/>
+          </a:bodyPr>
+          <a:lstStyle/>
+          <a:p>
+            <a:pPr marL="0" indent="0" algn="just">
+              <a:buNone/>
+            </a:pPr>
+            <a:r>
+              <a:rPr lang="en-US" sz="2200" dirty="0"/>
+              <a:t>Another common use case for Module Federation is in integrating multiple applications that share common functionality. With Module Federation, developers can share modules between different applications, allowing them to work together seamlessly and share data more efficiently.</a:t>
+            </a:r>
+          </a:p>
+          <a:p>
+            <a:pPr marL="0" indent="0" algn="just">
+              <a:buNone/>
+            </a:pPr>
+            <a:endParaRPr lang="en-US" sz="2200" dirty="0"/>
+          </a:p>
+          <a:p>
+            <a:pPr marL="0" indent="0" algn="just">
+              <a:buNone/>
+            </a:pPr>
+            <a:r>
+              <a:rPr lang="en-US" sz="2200" dirty="0"/>
+              <a:t>For example, imagine a suite of productivity applications such as a project management tool, a team communication app, and a time-tracking tool. By using Module Federation, these applications could share common modules such as user authentication and data storage, allowing them to work together seamlessly and share data more efficiently.</a:t>
+            </a:r>
+          </a:p>
+        </p:txBody>
+      </p:sp>
+    </p:spTree>
+    <p:extLst>
+      <p:ext uri="{BB962C8B-B14F-4D97-AF65-F5344CB8AC3E}">
+        <p14:creationId xmlns:p14="http://schemas.microsoft.com/office/powerpoint/2010/main" val="3014970041"/>
+      </p:ext>
+    </p:extLst>
+  </p:cSld>
+  <p:clrMapOvr>
+    <a:masterClrMapping/>
+  </p:clrMapOvr>
+</p:sld>
+</file>
+
+<file path=ppt/slides/slide14.xml><?xml version="1.0" encoding="utf-8"?>
+<p:sld xmlns:a="http://schemas.openxmlformats.org/drawingml/2006/main" xmlns:r="http://schemas.openxmlformats.org/officeDocument/2006/relationships" xmlns:p="http://schemas.openxmlformats.org/presentationml/2006/main">
+  <p:cSld>
+    <p:bg>
+      <p:bgPr>
+        <a:solidFill>
+          <a:schemeClr val="bg1"/>
+        </a:solidFill>
+        <a:effectLst/>
+      </p:bgPr>
+    </p:bg>
+    <p:spTree>
+      <p:nvGrpSpPr>
+        <p:cNvPr id="1" name=""/>
+        <p:cNvGrpSpPr/>
+        <p:nvPr/>
+      </p:nvGrpSpPr>
+      <p:grpSpPr>
+        <a:xfrm>
+          <a:off x="0" y="0"/>
+          <a:ext cx="0" cy="0"/>
+          <a:chOff x="0" y="0"/>
+          <a:chExt cx="0" cy="0"/>
+        </a:xfrm>
+      </p:grpSpPr>
+      <p:sp useBgFill="1">
+        <p:nvSpPr>
+          <p:cNvPr id="15" name="Rectangle 14">
+            <a:extLst>
+              <a:ext uri="{FF2B5EF4-FFF2-40B4-BE49-F238E27FC236}">
+                <a16:creationId xmlns:a16="http://schemas.microsoft.com/office/drawing/2014/main" id="{907EF6B7-1338-4443-8C46-6A318D952DFD}"/>
+              </a:ext>
+              <a:ext uri="{C183D7F6-B498-43B3-948B-1728B52AA6E4}">
+                <adec:decorative xmlns:adec="http://schemas.microsoft.com/office/drawing/2017/decorative" val="1"/>
+              </a:ext>
+            </a:extLst>
+          </p:cNvPr>
+          <p:cNvSpPr>
+            <a:spLocks noGrp="1" noRot="1" noChangeAspect="1" noMove="1" noResize="1" noEditPoints="1" noAdjustHandles="1" noChangeArrowheads="1" noChangeShapeType="1" noTextEdit="1"/>
+          </p:cNvSpPr>
+          <p:nvPr>
+            <p:extLst>
+              <p:ext uri="{386F3935-93C4-4BCD-93E2-E3B085C9AB24}">
+                <p16:designElem xmlns:p16="http://schemas.microsoft.com/office/powerpoint/2015/main" val="1"/>
+              </p:ext>
+            </p:extLst>
+          </p:nvPr>
+        </p:nvSpPr>
+        <p:spPr>
+          <a:xfrm>
+            <a:off x="3048" y="0"/>
+            <a:ext cx="12188952" cy="6858000"/>
+          </a:xfrm>
+          <a:prstGeom prst="rect">
+            <a:avLst/>
+          </a:prstGeom>
+          <a:ln>
+            <a:noFill/>
+          </a:ln>
+        </p:spPr>
+        <p:style>
+          <a:lnRef idx="2">
+            <a:schemeClr val="accent1">
+              <a:shade val="50000"/>
+            </a:schemeClr>
+          </a:lnRef>
+          <a:fillRef idx="1">
+            <a:schemeClr val="accent1"/>
+          </a:fillRef>
+          <a:effectRef idx="0">
+            <a:schemeClr val="accent1"/>
+          </a:effectRef>
+          <a:fontRef idx="minor">
+            <a:schemeClr val="lt1"/>
+          </a:fontRef>
+        </p:style>
+        <p:txBody>
+          <a:bodyPr rtlCol="0" anchor="ctr"/>
+          <a:lstStyle/>
+          <a:p>
+            <a:pPr algn="ctr"/>
+            <a:endParaRPr lang="en-US"/>
+          </a:p>
+        </p:txBody>
+      </p:sp>
+      <p:sp>
+        <p:nvSpPr>
+          <p:cNvPr id="17" name="Freeform: Shape 16">
+            <a:extLst>
+              <a:ext uri="{FF2B5EF4-FFF2-40B4-BE49-F238E27FC236}">
+                <a16:creationId xmlns:a16="http://schemas.microsoft.com/office/drawing/2014/main" id="{DAAE4CDD-124C-4DCF-9584-B6033B545DD5}"/>
+              </a:ext>
+              <a:ext uri="{C183D7F6-B498-43B3-948B-1728B52AA6E4}">
+                <adec:decorative xmlns:adec="http://schemas.microsoft.com/office/drawing/2017/decorative" val="1"/>
+              </a:ext>
+            </a:extLst>
+          </p:cNvPr>
+          <p:cNvSpPr>
+            <a:spLocks noGrp="1" noRot="1" noChangeAspect="1" noMove="1" noResize="1" noEditPoints="1" noAdjustHandles="1" noChangeArrowheads="1" noChangeShapeType="1" noTextEdit="1"/>
+          </p:cNvSpPr>
+          <p:nvPr>
+            <p:extLst>
+              <p:ext uri="{386F3935-93C4-4BCD-93E2-E3B085C9AB24}">
+                <p16:designElem xmlns:p16="http://schemas.microsoft.com/office/powerpoint/2015/main" val="1"/>
+              </p:ext>
+            </p:extLst>
+          </p:nvPr>
+        </p:nvSpPr>
+        <p:spPr>
+          <a:xfrm>
+            <a:off x="1" y="0"/>
+            <a:ext cx="4167271" cy="6858000"/>
+          </a:xfrm>
+          <a:custGeom>
+            <a:avLst/>
+            <a:gdLst>
+              <a:gd name="connsiteX0" fmla="*/ 0 w 4167271"/>
+              <a:gd name="connsiteY0" fmla="*/ 0 h 6858000"/>
+              <a:gd name="connsiteX1" fmla="*/ 2259550 w 4167271"/>
+              <a:gd name="connsiteY1" fmla="*/ 0 h 6858000"/>
+              <a:gd name="connsiteX2" fmla="*/ 2387803 w 4167271"/>
+              <a:gd name="connsiteY2" fmla="*/ 82222 h 6858000"/>
+              <a:gd name="connsiteX3" fmla="*/ 4167271 w 4167271"/>
+              <a:gd name="connsiteY3" fmla="*/ 3429000 h 6858000"/>
+              <a:gd name="connsiteX4" fmla="*/ 2387803 w 4167271"/>
+              <a:gd name="connsiteY4" fmla="*/ 6775779 h 6858000"/>
+              <a:gd name="connsiteX5" fmla="*/ 2259550 w 4167271"/>
+              <a:gd name="connsiteY5" fmla="*/ 6858000 h 6858000"/>
+              <a:gd name="connsiteX6" fmla="*/ 0 w 4167271"/>
+              <a:gd name="connsiteY6" fmla="*/ 6858000 h 6858000"/>
+            </a:gdLst>
+            <a:ahLst/>
+            <a:cxnLst>
+              <a:cxn ang="0">
+                <a:pos x="connsiteX0" y="connsiteY0"/>
+              </a:cxn>
+              <a:cxn ang="0">
+                <a:pos x="connsiteX1" y="connsiteY1"/>
+              </a:cxn>
+              <a:cxn ang="0">
+                <a:pos x="connsiteX2" y="connsiteY2"/>
+              </a:cxn>
+              <a:cxn ang="0">
+                <a:pos x="connsiteX3" y="connsiteY3"/>
+              </a:cxn>
+              <a:cxn ang="0">
+                <a:pos x="connsiteX4" y="connsiteY4"/>
+              </a:cxn>
+              <a:cxn ang="0">
+                <a:pos x="connsiteX5" y="connsiteY5"/>
+              </a:cxn>
+              <a:cxn ang="0">
+                <a:pos x="connsiteX6" y="connsiteY6"/>
+              </a:cxn>
+            </a:cxnLst>
+            <a:rect l="l" t="t" r="r" b="b"/>
+            <a:pathLst>
+              <a:path w="4167271" h="6858000">
+                <a:moveTo>
+                  <a:pt x="0" y="0"/>
+                </a:moveTo>
+                <a:lnTo>
+                  <a:pt x="2259550" y="0"/>
+                </a:lnTo>
+                <a:lnTo>
+                  <a:pt x="2387803" y="82222"/>
+                </a:lnTo>
+                <a:cubicBezTo>
+                  <a:pt x="3461407" y="807534"/>
+                  <a:pt x="4167271" y="2035835"/>
+                  <a:pt x="4167271" y="3429000"/>
+                </a:cubicBezTo>
+                <a:cubicBezTo>
+                  <a:pt x="4167271" y="4822165"/>
+                  <a:pt x="3461407" y="6050467"/>
+                  <a:pt x="2387803" y="6775779"/>
+                </a:cubicBezTo>
+                <a:lnTo>
+                  <a:pt x="2259550" y="6858000"/>
+                </a:lnTo>
+                <a:lnTo>
+                  <a:pt x="0" y="6858000"/>
+                </a:lnTo>
+                <a:close/>
+              </a:path>
+            </a:pathLst>
+          </a:custGeom>
+          <a:solidFill>
+            <a:schemeClr val="accent2"/>
+          </a:solidFill>
+          <a:ln>
+            <a:noFill/>
+          </a:ln>
+        </p:spPr>
+        <p:style>
+          <a:lnRef idx="2">
+            <a:schemeClr val="accent1">
+              <a:shade val="50000"/>
+            </a:schemeClr>
+          </a:lnRef>
+          <a:fillRef idx="1">
+            <a:schemeClr val="accent1"/>
+          </a:fillRef>
+          <a:effectRef idx="0">
+            <a:schemeClr val="accent1"/>
+          </a:effectRef>
+          <a:fontRef idx="minor">
+            <a:schemeClr val="lt1"/>
+          </a:fontRef>
+        </p:style>
+        <p:txBody>
+          <a:bodyPr rtlCol="0" anchor="ctr"/>
+          <a:lstStyle/>
+          <a:p>
+            <a:pPr algn="ctr"/>
+            <a:endParaRPr lang="en-US"/>
+          </a:p>
+        </p:txBody>
+      </p:sp>
+      <p:sp>
+        <p:nvSpPr>
+          <p:cNvPr id="2" name="Title 1">
+            <a:extLst>
+              <a:ext uri="{FF2B5EF4-FFF2-40B4-BE49-F238E27FC236}">
+                <a16:creationId xmlns:a16="http://schemas.microsoft.com/office/drawing/2014/main" id="{480281DD-6CD0-E608-E215-821E64C33CB5}"/>
+              </a:ext>
+            </a:extLst>
+          </p:cNvPr>
+          <p:cNvSpPr>
+            <a:spLocks noGrp="1"/>
+          </p:cNvSpPr>
+          <p:nvPr>
+            <p:ph type="title"/>
+          </p:nvPr>
+        </p:nvSpPr>
+        <p:spPr>
+          <a:xfrm>
+            <a:off x="0" y="1153572"/>
+            <a:ext cx="4167271" cy="4461163"/>
+          </a:xfrm>
+        </p:spPr>
+        <p:txBody>
+          <a:bodyPr>
+            <a:normAutofit/>
+          </a:bodyPr>
+          <a:lstStyle/>
+          <a:p>
+            <a:pPr algn="ctr"/>
+            <a:r>
+              <a:rPr lang="en-US" sz="6000" dirty="0">
+                <a:solidFill>
+                  <a:srgbClr val="FFFFFF"/>
+                </a:solidFill>
+              </a:rPr>
+              <a:t>3</a:t>
+            </a:r>
+            <a:br>
+              <a:rPr lang="en-US" sz="6000" dirty="0">
+                <a:solidFill>
+                  <a:srgbClr val="FFFFFF"/>
+                </a:solidFill>
+              </a:rPr>
+            </a:br>
+            <a:r>
+              <a:rPr lang="en-US" sz="6000" dirty="0">
+                <a:solidFill>
+                  <a:srgbClr val="FFFFFF"/>
+                </a:solidFill>
+              </a:rPr>
+              <a:t>Third-Party Integrations</a:t>
+            </a:r>
+          </a:p>
+        </p:txBody>
+      </p:sp>
+      <p:sp>
+        <p:nvSpPr>
+          <p:cNvPr id="19" name="Arc 18">
+            <a:extLst>
+              <a:ext uri="{FF2B5EF4-FFF2-40B4-BE49-F238E27FC236}">
+                <a16:creationId xmlns:a16="http://schemas.microsoft.com/office/drawing/2014/main" id="{081E4A58-353D-44AE-B2FC-2A74E2E400F7}"/>
+              </a:ext>
+              <a:ext uri="{C183D7F6-B498-43B3-948B-1728B52AA6E4}">
+                <adec:decorative xmlns:adec="http://schemas.microsoft.com/office/drawing/2017/decorative" val="1"/>
+              </a:ext>
+            </a:extLst>
+          </p:cNvPr>
+          <p:cNvSpPr>
+            <a:spLocks noGrp="1" noRot="1" noChangeAspect="1" noMove="1" noResize="1" noEditPoints="1" noAdjustHandles="1" noChangeArrowheads="1" noChangeShapeType="1" noTextEdit="1"/>
+          </p:cNvSpPr>
+          <p:nvPr>
+            <p:extLst>
+              <p:ext uri="{386F3935-93C4-4BCD-93E2-E3B085C9AB24}">
+                <p16:designElem xmlns:p16="http://schemas.microsoft.com/office/powerpoint/2015/main" val="1"/>
+              </p:ext>
+            </p:extLst>
+          </p:nvPr>
+        </p:nvSpPr>
+        <p:spPr>
+          <a:xfrm flipV="1">
+            <a:off x="7550402" y="2455479"/>
+            <a:ext cx="4083433" cy="4083433"/>
+          </a:xfrm>
+          <a:prstGeom prst="arc">
+            <a:avLst/>
+          </a:prstGeom>
+          <a:ln w="127000" cap="rnd">
+            <a:solidFill>
+              <a:schemeClr val="accent4"/>
+            </a:solidFill>
+            <a:prstDash val="dash"/>
+          </a:ln>
+        </p:spPr>
+        <p:style>
+          <a:lnRef idx="1">
+            <a:schemeClr val="accent1"/>
+          </a:lnRef>
+          <a:fillRef idx="0">
+            <a:schemeClr val="accent1"/>
+          </a:fillRef>
+          <a:effectRef idx="0">
+            <a:schemeClr val="accent1"/>
+          </a:effectRef>
+          <a:fontRef idx="minor">
+            <a:schemeClr val="tx1"/>
+          </a:fontRef>
+        </p:style>
+        <p:txBody>
+          <a:bodyPr rtlCol="0" anchor="ctr"/>
+          <a:lstStyle/>
+          <a:p>
+            <a:pPr algn="ctr"/>
+            <a:endParaRPr lang="en-US" dirty="0"/>
+          </a:p>
+        </p:txBody>
+      </p:sp>
+      <p:sp>
+        <p:nvSpPr>
+          <p:cNvPr id="3" name="Content Placeholder 2">
+            <a:extLst>
+              <a:ext uri="{FF2B5EF4-FFF2-40B4-BE49-F238E27FC236}">
+                <a16:creationId xmlns:a16="http://schemas.microsoft.com/office/drawing/2014/main" id="{5130D005-DBEA-18FE-9D7E-B412A548022A}"/>
+              </a:ext>
+            </a:extLst>
+          </p:cNvPr>
+          <p:cNvSpPr>
+            <a:spLocks noGrp="1"/>
+          </p:cNvSpPr>
+          <p:nvPr>
+            <p:ph idx="1"/>
+          </p:nvPr>
+        </p:nvSpPr>
+        <p:spPr>
+          <a:xfrm>
+            <a:off x="4447308" y="591344"/>
+            <a:ext cx="6906491" cy="5585619"/>
+          </a:xfrm>
+        </p:spPr>
+        <p:txBody>
+          <a:bodyPr anchor="ctr">
+            <a:normAutofit/>
+          </a:bodyPr>
+          <a:lstStyle/>
+          <a:p>
+            <a:pPr marL="0" indent="0" algn="just">
+              <a:buNone/>
+            </a:pPr>
+            <a:r>
+              <a:rPr lang="en-US" sz="2200" dirty="0"/>
+              <a:t>Module Federation can also be used for integrating third-party modules and applications into an existing application. With Module Federation, developers can easily integrate modules from different sources, allowing them to incorporate external functionality into their applications without having to develop it from scratch.</a:t>
+            </a:r>
+          </a:p>
+          <a:p>
+            <a:pPr marL="0" indent="0" algn="just">
+              <a:buNone/>
+            </a:pPr>
+            <a:endParaRPr lang="en-US" sz="2200" dirty="0"/>
+          </a:p>
+          <a:p>
+            <a:pPr marL="0" indent="0" algn="just">
+              <a:buNone/>
+            </a:pPr>
+            <a:r>
+              <a:rPr lang="en-US" sz="2200" dirty="0"/>
+              <a:t>For example, imagine an e-commerce platform that wants to incorporate a third-party shipping module into their application. With Module Federation, the platform could easily integrate the shipping module into their application, allowing customers to see shipping options and prices in real-time.</a:t>
+            </a:r>
+          </a:p>
+        </p:txBody>
+      </p:sp>
+    </p:spTree>
+    <p:extLst>
+      <p:ext uri="{BB962C8B-B14F-4D97-AF65-F5344CB8AC3E}">
+        <p14:creationId xmlns:p14="http://schemas.microsoft.com/office/powerpoint/2010/main" val="1220982300"/>
+      </p:ext>
+    </p:extLst>
+  </p:cSld>
+  <p:clrMapOvr>
+    <a:masterClrMapping/>
+  </p:clrMapOvr>
+</p:sld>
+</file>
+
+<file path=ppt/slides/slide15.xml><?xml version="1.0" encoding="utf-8"?>
+<p:sld xmlns:a="http://schemas.openxmlformats.org/drawingml/2006/main" xmlns:r="http://schemas.openxmlformats.org/officeDocument/2006/relationships" xmlns:p="http://schemas.openxmlformats.org/presentationml/2006/main">
+  <p:cSld>
+    <p:bg>
+      <p:bgPr>
+        <a:solidFill>
+          <a:schemeClr val="bg1"/>
+        </a:solidFill>
+        <a:effectLst/>
+      </p:bgPr>
+    </p:bg>
+    <p:spTree>
+      <p:nvGrpSpPr>
+        <p:cNvPr id="1" name=""/>
+        <p:cNvGrpSpPr/>
+        <p:nvPr/>
+      </p:nvGrpSpPr>
+      <p:grpSpPr>
+        <a:xfrm>
+          <a:off x="0" y="0"/>
+          <a:ext cx="0" cy="0"/>
+          <a:chOff x="0" y="0"/>
+          <a:chExt cx="0" cy="0"/>
+        </a:xfrm>
+      </p:grpSpPr>
+      <p:sp useBgFill="1">
+        <p:nvSpPr>
+          <p:cNvPr id="15" name="Rectangle 14">
+            <a:extLst>
+              <a:ext uri="{FF2B5EF4-FFF2-40B4-BE49-F238E27FC236}">
+                <a16:creationId xmlns:a16="http://schemas.microsoft.com/office/drawing/2014/main" id="{907EF6B7-1338-4443-8C46-6A318D952DFD}"/>
+              </a:ext>
+              <a:ext uri="{C183D7F6-B498-43B3-948B-1728B52AA6E4}">
+                <adec:decorative xmlns:adec="http://schemas.microsoft.com/office/drawing/2017/decorative" val="1"/>
+              </a:ext>
+            </a:extLst>
+          </p:cNvPr>
+          <p:cNvSpPr>
+            <a:spLocks noGrp="1" noRot="1" noChangeAspect="1" noMove="1" noResize="1" noEditPoints="1" noAdjustHandles="1" noChangeArrowheads="1" noChangeShapeType="1" noTextEdit="1"/>
+          </p:cNvSpPr>
+          <p:nvPr>
+            <p:extLst>
+              <p:ext uri="{386F3935-93C4-4BCD-93E2-E3B085C9AB24}">
+                <p16:designElem xmlns:p16="http://schemas.microsoft.com/office/powerpoint/2015/main" val="1"/>
+              </p:ext>
+            </p:extLst>
+          </p:nvPr>
+        </p:nvSpPr>
+        <p:spPr>
+          <a:xfrm>
+            <a:off x="3048" y="0"/>
+            <a:ext cx="12188952" cy="6858000"/>
+          </a:xfrm>
+          <a:prstGeom prst="rect">
+            <a:avLst/>
+          </a:prstGeom>
+          <a:ln>
+            <a:noFill/>
+          </a:ln>
+        </p:spPr>
+        <p:style>
+          <a:lnRef idx="2">
+            <a:schemeClr val="accent1">
+              <a:shade val="50000"/>
+            </a:schemeClr>
+          </a:lnRef>
+          <a:fillRef idx="1">
+            <a:schemeClr val="accent1"/>
+          </a:fillRef>
+          <a:effectRef idx="0">
+            <a:schemeClr val="accent1"/>
+          </a:effectRef>
+          <a:fontRef idx="minor">
+            <a:schemeClr val="lt1"/>
+          </a:fontRef>
+        </p:style>
+        <p:txBody>
+          <a:bodyPr rtlCol="0" anchor="ctr"/>
+          <a:lstStyle/>
+          <a:p>
+            <a:pPr algn="ctr"/>
+            <a:endParaRPr lang="en-US"/>
+          </a:p>
+        </p:txBody>
+      </p:sp>
+      <p:sp>
+        <p:nvSpPr>
+          <p:cNvPr id="17" name="Freeform: Shape 16">
+            <a:extLst>
+              <a:ext uri="{FF2B5EF4-FFF2-40B4-BE49-F238E27FC236}">
+                <a16:creationId xmlns:a16="http://schemas.microsoft.com/office/drawing/2014/main" id="{DAAE4CDD-124C-4DCF-9584-B6033B545DD5}"/>
+              </a:ext>
+              <a:ext uri="{C183D7F6-B498-43B3-948B-1728B52AA6E4}">
+                <adec:decorative xmlns:adec="http://schemas.microsoft.com/office/drawing/2017/decorative" val="1"/>
+              </a:ext>
+            </a:extLst>
+          </p:cNvPr>
+          <p:cNvSpPr>
+            <a:spLocks noGrp="1" noRot="1" noChangeAspect="1" noMove="1" noResize="1" noEditPoints="1" noAdjustHandles="1" noChangeArrowheads="1" noChangeShapeType="1" noTextEdit="1"/>
+          </p:cNvSpPr>
+          <p:nvPr>
+            <p:extLst>
+              <p:ext uri="{386F3935-93C4-4BCD-93E2-E3B085C9AB24}">
+                <p16:designElem xmlns:p16="http://schemas.microsoft.com/office/powerpoint/2015/main" val="1"/>
+              </p:ext>
+            </p:extLst>
+          </p:nvPr>
+        </p:nvSpPr>
+        <p:spPr>
+          <a:xfrm>
+            <a:off x="1" y="0"/>
+            <a:ext cx="4167271" cy="6858000"/>
+          </a:xfrm>
+          <a:custGeom>
+            <a:avLst/>
+            <a:gdLst>
+              <a:gd name="connsiteX0" fmla="*/ 0 w 4167271"/>
+              <a:gd name="connsiteY0" fmla="*/ 0 h 6858000"/>
+              <a:gd name="connsiteX1" fmla="*/ 2259550 w 4167271"/>
+              <a:gd name="connsiteY1" fmla="*/ 0 h 6858000"/>
+              <a:gd name="connsiteX2" fmla="*/ 2387803 w 4167271"/>
+              <a:gd name="connsiteY2" fmla="*/ 82222 h 6858000"/>
+              <a:gd name="connsiteX3" fmla="*/ 4167271 w 4167271"/>
+              <a:gd name="connsiteY3" fmla="*/ 3429000 h 6858000"/>
+              <a:gd name="connsiteX4" fmla="*/ 2387803 w 4167271"/>
+              <a:gd name="connsiteY4" fmla="*/ 6775779 h 6858000"/>
+              <a:gd name="connsiteX5" fmla="*/ 2259550 w 4167271"/>
+              <a:gd name="connsiteY5" fmla="*/ 6858000 h 6858000"/>
+              <a:gd name="connsiteX6" fmla="*/ 0 w 4167271"/>
+              <a:gd name="connsiteY6" fmla="*/ 6858000 h 6858000"/>
+            </a:gdLst>
+            <a:ahLst/>
+            <a:cxnLst>
+              <a:cxn ang="0">
+                <a:pos x="connsiteX0" y="connsiteY0"/>
+              </a:cxn>
+              <a:cxn ang="0">
+                <a:pos x="connsiteX1" y="connsiteY1"/>
+              </a:cxn>
+              <a:cxn ang="0">
+                <a:pos x="connsiteX2" y="connsiteY2"/>
+              </a:cxn>
+              <a:cxn ang="0">
+                <a:pos x="connsiteX3" y="connsiteY3"/>
+              </a:cxn>
+              <a:cxn ang="0">
+                <a:pos x="connsiteX4" y="connsiteY4"/>
+              </a:cxn>
+              <a:cxn ang="0">
+                <a:pos x="connsiteX5" y="connsiteY5"/>
+              </a:cxn>
+              <a:cxn ang="0">
+                <a:pos x="connsiteX6" y="connsiteY6"/>
+              </a:cxn>
+            </a:cxnLst>
+            <a:rect l="l" t="t" r="r" b="b"/>
+            <a:pathLst>
+              <a:path w="4167271" h="6858000">
+                <a:moveTo>
+                  <a:pt x="0" y="0"/>
+                </a:moveTo>
+                <a:lnTo>
+                  <a:pt x="2259550" y="0"/>
+                </a:lnTo>
+                <a:lnTo>
+                  <a:pt x="2387803" y="82222"/>
+                </a:lnTo>
+                <a:cubicBezTo>
+                  <a:pt x="3461407" y="807534"/>
+                  <a:pt x="4167271" y="2035835"/>
+                  <a:pt x="4167271" y="3429000"/>
+                </a:cubicBezTo>
+                <a:cubicBezTo>
+                  <a:pt x="4167271" y="4822165"/>
+                  <a:pt x="3461407" y="6050467"/>
+                  <a:pt x="2387803" y="6775779"/>
+                </a:cubicBezTo>
+                <a:lnTo>
+                  <a:pt x="2259550" y="6858000"/>
+                </a:lnTo>
+                <a:lnTo>
+                  <a:pt x="0" y="6858000"/>
+                </a:lnTo>
+                <a:close/>
+              </a:path>
+            </a:pathLst>
+          </a:custGeom>
+          <a:solidFill>
+            <a:schemeClr val="accent2"/>
+          </a:solidFill>
+          <a:ln>
+            <a:noFill/>
+          </a:ln>
+        </p:spPr>
+        <p:style>
+          <a:lnRef idx="2">
+            <a:schemeClr val="accent1">
+              <a:shade val="50000"/>
+            </a:schemeClr>
+          </a:lnRef>
+          <a:fillRef idx="1">
+            <a:schemeClr val="accent1"/>
+          </a:fillRef>
+          <a:effectRef idx="0">
+            <a:schemeClr val="accent1"/>
+          </a:effectRef>
+          <a:fontRef idx="minor">
+            <a:schemeClr val="lt1"/>
+          </a:fontRef>
+        </p:style>
+        <p:txBody>
+          <a:bodyPr rtlCol="0" anchor="ctr"/>
+          <a:lstStyle/>
+          <a:p>
+            <a:pPr algn="ctr"/>
+            <a:endParaRPr lang="en-US"/>
+          </a:p>
+        </p:txBody>
+      </p:sp>
+      <p:sp>
+        <p:nvSpPr>
+          <p:cNvPr id="2" name="Title 1">
+            <a:extLst>
+              <a:ext uri="{FF2B5EF4-FFF2-40B4-BE49-F238E27FC236}">
+                <a16:creationId xmlns:a16="http://schemas.microsoft.com/office/drawing/2014/main" id="{480281DD-6CD0-E608-E215-821E64C33CB5}"/>
+              </a:ext>
+            </a:extLst>
+          </p:cNvPr>
+          <p:cNvSpPr>
+            <a:spLocks noGrp="1"/>
+          </p:cNvSpPr>
+          <p:nvPr>
+            <p:ph type="title"/>
+          </p:nvPr>
+        </p:nvSpPr>
+        <p:spPr>
+          <a:xfrm>
+            <a:off x="0" y="1153572"/>
+            <a:ext cx="4167271" cy="4461163"/>
+          </a:xfrm>
+        </p:spPr>
+        <p:txBody>
+          <a:bodyPr>
+            <a:normAutofit/>
+          </a:bodyPr>
+          <a:lstStyle/>
+          <a:p>
+            <a:pPr algn="ctr"/>
+            <a:r>
+              <a:rPr lang="en-US" sz="6000" dirty="0">
+                <a:solidFill>
+                  <a:srgbClr val="FFFFFF"/>
+                </a:solidFill>
+              </a:rPr>
+              <a:t>4</a:t>
+            </a:r>
+            <a:br>
+              <a:rPr lang="en-US" sz="6000" dirty="0">
+                <a:solidFill>
+                  <a:srgbClr val="FFFFFF"/>
+                </a:solidFill>
+              </a:rPr>
+            </a:br>
+            <a:r>
+              <a:rPr lang="en-US" sz="6000" dirty="0">
+                <a:solidFill>
+                  <a:srgbClr val="FFFFFF"/>
+                </a:solidFill>
+              </a:rPr>
+              <a:t>Shared Libraries</a:t>
+            </a:r>
+          </a:p>
+        </p:txBody>
+      </p:sp>
+      <p:sp>
+        <p:nvSpPr>
+          <p:cNvPr id="19" name="Arc 18">
+            <a:extLst>
+              <a:ext uri="{FF2B5EF4-FFF2-40B4-BE49-F238E27FC236}">
+                <a16:creationId xmlns:a16="http://schemas.microsoft.com/office/drawing/2014/main" id="{081E4A58-353D-44AE-B2FC-2A74E2E400F7}"/>
+              </a:ext>
+              <a:ext uri="{C183D7F6-B498-43B3-948B-1728B52AA6E4}">
+                <adec:decorative xmlns:adec="http://schemas.microsoft.com/office/drawing/2017/decorative" val="1"/>
+              </a:ext>
+            </a:extLst>
+          </p:cNvPr>
+          <p:cNvSpPr>
+            <a:spLocks noGrp="1" noRot="1" noChangeAspect="1" noMove="1" noResize="1" noEditPoints="1" noAdjustHandles="1" noChangeArrowheads="1" noChangeShapeType="1" noTextEdit="1"/>
+          </p:cNvSpPr>
+          <p:nvPr>
+            <p:extLst>
+              <p:ext uri="{386F3935-93C4-4BCD-93E2-E3B085C9AB24}">
+                <p16:designElem xmlns:p16="http://schemas.microsoft.com/office/powerpoint/2015/main" val="1"/>
+              </p:ext>
+            </p:extLst>
+          </p:nvPr>
+        </p:nvSpPr>
+        <p:spPr>
+          <a:xfrm flipV="1">
+            <a:off x="7550402" y="2455479"/>
+            <a:ext cx="4083433" cy="4083433"/>
+          </a:xfrm>
+          <a:prstGeom prst="arc">
+            <a:avLst/>
+          </a:prstGeom>
+          <a:ln w="127000" cap="rnd">
+            <a:solidFill>
+              <a:schemeClr val="accent4"/>
+            </a:solidFill>
+            <a:prstDash val="dash"/>
+          </a:ln>
+        </p:spPr>
+        <p:style>
+          <a:lnRef idx="1">
+            <a:schemeClr val="accent1"/>
+          </a:lnRef>
+          <a:fillRef idx="0">
+            <a:schemeClr val="accent1"/>
+          </a:fillRef>
+          <a:effectRef idx="0">
+            <a:schemeClr val="accent1"/>
+          </a:effectRef>
+          <a:fontRef idx="minor">
+            <a:schemeClr val="tx1"/>
+          </a:fontRef>
+        </p:style>
+        <p:txBody>
+          <a:bodyPr rtlCol="0" anchor="ctr"/>
+          <a:lstStyle/>
+          <a:p>
+            <a:pPr algn="ctr"/>
+            <a:endParaRPr lang="en-US" dirty="0"/>
+          </a:p>
+        </p:txBody>
+      </p:sp>
+      <p:sp>
+        <p:nvSpPr>
+          <p:cNvPr id="3" name="Content Placeholder 2">
+            <a:extLst>
+              <a:ext uri="{FF2B5EF4-FFF2-40B4-BE49-F238E27FC236}">
+                <a16:creationId xmlns:a16="http://schemas.microsoft.com/office/drawing/2014/main" id="{5130D005-DBEA-18FE-9D7E-B412A548022A}"/>
+              </a:ext>
+            </a:extLst>
+          </p:cNvPr>
+          <p:cNvSpPr>
+            <a:spLocks noGrp="1"/>
+          </p:cNvSpPr>
+          <p:nvPr>
+            <p:ph idx="1"/>
+          </p:nvPr>
+        </p:nvSpPr>
+        <p:spPr>
+          <a:xfrm>
+            <a:off x="4447308" y="591344"/>
+            <a:ext cx="6906491" cy="5585619"/>
+          </a:xfrm>
+        </p:spPr>
+        <p:txBody>
+          <a:bodyPr anchor="ctr">
+            <a:normAutofit/>
+          </a:bodyPr>
+          <a:lstStyle/>
+          <a:p>
+            <a:pPr marL="0" indent="0" algn="just">
+              <a:buNone/>
+            </a:pPr>
+            <a:r>
+              <a:rPr lang="en-US" sz="2200" dirty="0"/>
+              <a:t>Finally, Module Federation can also be used for sharing libraries and other common code between different applications. With Module Federation, developers can easily share code libraries and other common functionality, reducing duplication and improving collaboration between development teams.</a:t>
+            </a:r>
+          </a:p>
+          <a:p>
+            <a:pPr marL="0" indent="0" algn="just">
+              <a:buNone/>
+            </a:pPr>
+            <a:endParaRPr lang="en-US" sz="2200" dirty="0"/>
+          </a:p>
+          <a:p>
+            <a:pPr marL="0" indent="0" algn="just">
+              <a:buNone/>
+            </a:pPr>
+            <a:r>
+              <a:rPr lang="en-US" sz="2200" dirty="0"/>
+              <a:t>For example, imagine a suite of applications that all require access to a common library of UI components. With Module Federation, these applications could share the UI component library, allowing developers to make changes and improvements to the library in one place, rather than having to make the same changes across multiple applications.</a:t>
+            </a:r>
+          </a:p>
+        </p:txBody>
+      </p:sp>
+    </p:spTree>
+    <p:extLst>
+      <p:ext uri="{BB962C8B-B14F-4D97-AF65-F5344CB8AC3E}">
+        <p14:creationId xmlns:p14="http://schemas.microsoft.com/office/powerpoint/2010/main" val="2226539386"/>
+      </p:ext>
+    </p:extLst>
+  </p:cSld>
+  <p:clrMapOvr>
+    <a:masterClrMapping/>
+  </p:clrMapOvr>
+</p:sld>
+</file>
+
+<file path=ppt/slides/slide16.xml><?xml version="1.0" encoding="utf-8"?>
+<p:sld xmlns:a="http://schemas.openxmlformats.org/drawingml/2006/main" xmlns:r="http://schemas.openxmlformats.org/officeDocument/2006/relationships" xmlns:p="http://schemas.openxmlformats.org/presentationml/2006/main">
+  <p:cSld>
+    <p:bg>
+      <p:bgPr>
+        <a:solidFill>
+          <a:schemeClr val="bg1"/>
+        </a:solidFill>
+        <a:effectLst/>
+      </p:bgPr>
+    </p:bg>
+    <p:spTree>
+      <p:nvGrpSpPr>
+        <p:cNvPr id="1" name=""/>
+        <p:cNvGrpSpPr/>
+        <p:nvPr/>
+      </p:nvGrpSpPr>
+      <p:grpSpPr>
+        <a:xfrm>
+          <a:off x="0" y="0"/>
+          <a:ext cx="0" cy="0"/>
+          <a:chOff x="0" y="0"/>
+          <a:chExt cx="0" cy="0"/>
+        </a:xfrm>
+      </p:grpSpPr>
+      <p:sp useBgFill="1">
+        <p:nvSpPr>
+          <p:cNvPr id="18" name="Rectangle 17">
+            <a:extLst>
+              <a:ext uri="{FF2B5EF4-FFF2-40B4-BE49-F238E27FC236}">
+                <a16:creationId xmlns:a16="http://schemas.microsoft.com/office/drawing/2014/main" id="{35DB3719-6FDC-4E5D-891D-FF40B7300F64}"/>
               </a:ext>
               <a:ext uri="{C183D7F6-B498-43B3-948B-1728B52AA6E4}">
                 <adec:decorative xmlns:adec="http://schemas.microsoft.com/office/drawing/2017/decorative" val="1"/>
@@ -7767,666 +9767,7 @@
           <p:cNvPr id="2" name="Title 1">
             <a:extLst>
               <a:ext uri="{FF2B5EF4-FFF2-40B4-BE49-F238E27FC236}">
-                <a16:creationId xmlns:a16="http://schemas.microsoft.com/office/drawing/2014/main" id="{24D4FCCC-607B-BC64-43C7-206333C361B6}"/>
-              </a:ext>
-            </a:extLst>
-          </p:cNvPr>
-          <p:cNvSpPr>
-            <a:spLocks noGrp="1"/>
-          </p:cNvSpPr>
-          <p:nvPr>
-            <p:ph type="title"/>
-          </p:nvPr>
-        </p:nvSpPr>
-        <p:spPr>
-          <a:xfrm>
-            <a:off x="5297762" y="329184"/>
-            <a:ext cx="6251110" cy="1783080"/>
-          </a:xfrm>
-        </p:spPr>
-        <p:txBody>
-          <a:bodyPr anchor="b">
-            <a:normAutofit/>
-          </a:bodyPr>
-          <a:lstStyle/>
-          <a:p>
-            <a:pPr algn="ctr"/>
-            <a:r>
-              <a:rPr lang="en-US" sz="3800" dirty="0"/>
-              <a:t>Relationship between Module Federation and Micro Frontends</a:t>
-            </a:r>
-          </a:p>
-        </p:txBody>
-      </p:sp>
-      <p:pic>
-        <p:nvPicPr>
-          <p:cNvPr id="16" name="Picture 15" descr="Close up of circuit board">
-            <a:extLst>
-              <a:ext uri="{FF2B5EF4-FFF2-40B4-BE49-F238E27FC236}">
-                <a16:creationId xmlns:a16="http://schemas.microsoft.com/office/drawing/2014/main" id="{D221FD1B-56C2-C1AD-4B0A-5546F8746655}"/>
-              </a:ext>
-            </a:extLst>
-          </p:cNvPr>
-          <p:cNvPicPr>
-            <a:picLocks noChangeAspect="1"/>
-          </p:cNvPicPr>
-          <p:nvPr/>
-        </p:nvPicPr>
-        <p:blipFill rotWithShape="1">
-          <a:blip r:embed="rId2"/>
-          <a:srcRect l="16551" r="38118" b="-1"/>
-          <a:stretch/>
-        </p:blipFill>
-        <p:spPr>
-          <a:xfrm>
-            <a:off x="1" y="10"/>
-            <a:ext cx="4657344" cy="6857990"/>
-          </a:xfrm>
-          <a:custGeom>
-            <a:avLst/>
-            <a:gdLst/>
-            <a:ahLst/>
-            <a:cxnLst/>
-            <a:rect l="l" t="t" r="r" b="b"/>
-            <a:pathLst>
-              <a:path w="4657344" h="6858000">
-                <a:moveTo>
-                  <a:pt x="0" y="0"/>
-                </a:moveTo>
-                <a:lnTo>
-                  <a:pt x="3429755" y="0"/>
-                </a:lnTo>
-                <a:lnTo>
-                  <a:pt x="3526016" y="148742"/>
-                </a:lnTo>
-                <a:cubicBezTo>
-                  <a:pt x="3657740" y="365513"/>
-                  <a:pt x="3777402" y="589569"/>
-                  <a:pt x="3886489" y="819975"/>
-                </a:cubicBezTo>
-                <a:cubicBezTo>
-                  <a:pt x="3891856" y="833492"/>
-                  <a:pt x="3900663" y="845393"/>
-                  <a:pt x="3912049" y="854514"/>
-                </a:cubicBezTo>
-                <a:cubicBezTo>
-                  <a:pt x="3897352" y="819849"/>
-                  <a:pt x="3883037" y="784928"/>
-                  <a:pt x="3868083" y="750263"/>
-                </a:cubicBezTo>
-                <a:cubicBezTo>
-                  <a:pt x="3806989" y="608712"/>
-                  <a:pt x="3742478" y="469145"/>
-                  <a:pt x="3674155" y="331786"/>
-                </a:cubicBezTo>
-                <a:lnTo>
-                  <a:pt x="3496656" y="0"/>
-                </a:lnTo>
-                <a:lnTo>
-                  <a:pt x="3554371" y="0"/>
-                </a:lnTo>
-                <a:lnTo>
-                  <a:pt x="3661621" y="196614"/>
-                </a:lnTo>
-                <a:cubicBezTo>
-                  <a:pt x="3856899" y="573253"/>
-                  <a:pt x="4021071" y="966066"/>
-                  <a:pt x="4161279" y="1371196"/>
-                </a:cubicBezTo>
-                <a:cubicBezTo>
-                  <a:pt x="4379525" y="2007265"/>
-                  <a:pt x="4530141" y="2664286"/>
-                  <a:pt x="4610660" y="3331516"/>
-                </a:cubicBezTo>
-                <a:cubicBezTo>
-                  <a:pt x="4652837" y="3672965"/>
-                  <a:pt x="4671625" y="4013908"/>
-                  <a:pt x="4645040" y="4357388"/>
-                </a:cubicBezTo>
-                <a:cubicBezTo>
-                  <a:pt x="4613599" y="4758899"/>
-                  <a:pt x="4566181" y="5157998"/>
-                  <a:pt x="4485789" y="5552906"/>
-                </a:cubicBezTo>
-                <a:cubicBezTo>
-                  <a:pt x="4397121" y="5988893"/>
-                  <a:pt x="4276748" y="6414594"/>
-                  <a:pt x="4117769" y="6828295"/>
-                </a:cubicBezTo>
-                <a:lnTo>
-                  <a:pt x="4105288" y="6858000"/>
-                </a:lnTo>
-                <a:lnTo>
-                  <a:pt x="4052520" y="6858000"/>
-                </a:lnTo>
-                <a:lnTo>
-                  <a:pt x="4059369" y="6841549"/>
-                </a:lnTo>
-                <a:cubicBezTo>
-                  <a:pt x="4147276" y="6614016"/>
-                  <a:pt x="4224193" y="6380817"/>
-                  <a:pt x="4291518" y="6142729"/>
-                </a:cubicBezTo>
-                <a:cubicBezTo>
-                  <a:pt x="4350055" y="5935370"/>
-                  <a:pt x="4393256" y="5723695"/>
-                  <a:pt x="4443357" y="5513923"/>
-                </a:cubicBezTo>
-                <a:cubicBezTo>
-                  <a:pt x="4444541" y="5502788"/>
-                  <a:pt x="4445137" y="5491601"/>
-                  <a:pt x="4445146" y="5480401"/>
-                </a:cubicBezTo>
-                <a:cubicBezTo>
-                  <a:pt x="4408465" y="5607635"/>
-                  <a:pt x="4379196" y="5719759"/>
-                  <a:pt x="4344559" y="5830359"/>
-                </a:cubicBezTo>
-                <a:cubicBezTo>
-                  <a:pt x="4254261" y="6118381"/>
-                  <a:pt x="4150112" y="6398531"/>
-                  <a:pt x="4031702" y="6670527"/>
-                </a:cubicBezTo>
-                <a:lnTo>
-                  <a:pt x="3943824" y="6858000"/>
-                </a:lnTo>
-                <a:lnTo>
-                  <a:pt x="0" y="6858000"/>
-                </a:lnTo>
-                <a:close/>
-              </a:path>
-            </a:pathLst>
-          </a:custGeom>
-        </p:spPr>
-      </p:pic>
-      <p:sp>
-        <p:nvSpPr>
-          <p:cNvPr id="23" name="sketchy line">
-            <a:extLst>
-              <a:ext uri="{FF2B5EF4-FFF2-40B4-BE49-F238E27FC236}">
-                <a16:creationId xmlns:a16="http://schemas.microsoft.com/office/drawing/2014/main" id="{21540236-BFD5-4A9D-8840-4703E7F76825}"/>
-              </a:ext>
-              <a:ext uri="{C183D7F6-B498-43B3-948B-1728B52AA6E4}">
-                <adec:decorative xmlns:adec="http://schemas.microsoft.com/office/drawing/2017/decorative" val="1"/>
-              </a:ext>
-            </a:extLst>
-          </p:cNvPr>
-          <p:cNvSpPr>
-            <a:spLocks noGrp="1" noRot="1" noChangeAspect="1" noMove="1" noResize="1" noEditPoints="1" noAdjustHandles="1" noChangeArrowheads="1" noChangeShapeType="1" noTextEdit="1"/>
-          </p:cNvSpPr>
-          <p:nvPr>
-            <p:extLst>
-              <p:ext uri="{386F3935-93C4-4BCD-93E2-E3B085C9AB24}">
-                <p16:designElem xmlns:p16="http://schemas.microsoft.com/office/powerpoint/2015/main" val="1"/>
-              </p:ext>
-            </p:extLst>
-          </p:nvPr>
-        </p:nvSpPr>
-        <p:spPr>
-          <a:xfrm>
-            <a:off x="5297762" y="2374947"/>
-            <a:ext cx="4243589" cy="18288"/>
-          </a:xfrm>
-          <a:custGeom>
-            <a:avLst/>
-            <a:gdLst>
-              <a:gd name="connsiteX0" fmla="*/ 0 w 4243589"/>
-              <a:gd name="connsiteY0" fmla="*/ 0 h 18288"/>
-              <a:gd name="connsiteX1" fmla="*/ 478919 w 4243589"/>
-              <a:gd name="connsiteY1" fmla="*/ 0 h 18288"/>
-              <a:gd name="connsiteX2" fmla="*/ 957839 w 4243589"/>
-              <a:gd name="connsiteY2" fmla="*/ 0 h 18288"/>
-              <a:gd name="connsiteX3" fmla="*/ 1521630 w 4243589"/>
-              <a:gd name="connsiteY3" fmla="*/ 0 h 18288"/>
-              <a:gd name="connsiteX4" fmla="*/ 2212729 w 4243589"/>
-              <a:gd name="connsiteY4" fmla="*/ 0 h 18288"/>
-              <a:gd name="connsiteX5" fmla="*/ 2734084 w 4243589"/>
-              <a:gd name="connsiteY5" fmla="*/ 0 h 18288"/>
-              <a:gd name="connsiteX6" fmla="*/ 3255439 w 4243589"/>
-              <a:gd name="connsiteY6" fmla="*/ 0 h 18288"/>
-              <a:gd name="connsiteX7" fmla="*/ 4243589 w 4243589"/>
-              <a:gd name="connsiteY7" fmla="*/ 0 h 18288"/>
-              <a:gd name="connsiteX8" fmla="*/ 4243589 w 4243589"/>
-              <a:gd name="connsiteY8" fmla="*/ 18288 h 18288"/>
-              <a:gd name="connsiteX9" fmla="*/ 3594926 w 4243589"/>
-              <a:gd name="connsiteY9" fmla="*/ 18288 h 18288"/>
-              <a:gd name="connsiteX10" fmla="*/ 3073571 w 4243589"/>
-              <a:gd name="connsiteY10" fmla="*/ 18288 h 18288"/>
-              <a:gd name="connsiteX11" fmla="*/ 2552216 w 4243589"/>
-              <a:gd name="connsiteY11" fmla="*/ 18288 h 18288"/>
-              <a:gd name="connsiteX12" fmla="*/ 1903553 w 4243589"/>
-              <a:gd name="connsiteY12" fmla="*/ 18288 h 18288"/>
-              <a:gd name="connsiteX13" fmla="*/ 1212454 w 4243589"/>
-              <a:gd name="connsiteY13" fmla="*/ 18288 h 18288"/>
-              <a:gd name="connsiteX14" fmla="*/ 733535 w 4243589"/>
-              <a:gd name="connsiteY14" fmla="*/ 18288 h 18288"/>
-              <a:gd name="connsiteX15" fmla="*/ 0 w 4243589"/>
-              <a:gd name="connsiteY15" fmla="*/ 18288 h 18288"/>
-              <a:gd name="connsiteX16" fmla="*/ 0 w 4243589"/>
-              <a:gd name="connsiteY16" fmla="*/ 0 h 18288"/>
-            </a:gdLst>
-            <a:ahLst/>
-            <a:cxnLst>
-              <a:cxn ang="0">
-                <a:pos x="connsiteX0" y="connsiteY0"/>
-              </a:cxn>
-              <a:cxn ang="0">
-                <a:pos x="connsiteX1" y="connsiteY1"/>
-              </a:cxn>
-              <a:cxn ang="0">
-                <a:pos x="connsiteX2" y="connsiteY2"/>
-              </a:cxn>
-              <a:cxn ang="0">
-                <a:pos x="connsiteX3" y="connsiteY3"/>
-              </a:cxn>
-              <a:cxn ang="0">
-                <a:pos x="connsiteX4" y="connsiteY4"/>
-              </a:cxn>
-              <a:cxn ang="0">
-                <a:pos x="connsiteX5" y="connsiteY5"/>
-              </a:cxn>
-              <a:cxn ang="0">
-                <a:pos x="connsiteX6" y="connsiteY6"/>
-              </a:cxn>
-              <a:cxn ang="0">
-                <a:pos x="connsiteX7" y="connsiteY7"/>
-              </a:cxn>
-              <a:cxn ang="0">
-                <a:pos x="connsiteX8" y="connsiteY8"/>
-              </a:cxn>
-              <a:cxn ang="0">
-                <a:pos x="connsiteX9" y="connsiteY9"/>
-              </a:cxn>
-              <a:cxn ang="0">
-                <a:pos x="connsiteX10" y="connsiteY10"/>
-              </a:cxn>
-              <a:cxn ang="0">
-                <a:pos x="connsiteX11" y="connsiteY11"/>
-              </a:cxn>
-              <a:cxn ang="0">
-                <a:pos x="connsiteX12" y="connsiteY12"/>
-              </a:cxn>
-              <a:cxn ang="0">
-                <a:pos x="connsiteX13" y="connsiteY13"/>
-              </a:cxn>
-              <a:cxn ang="0">
-                <a:pos x="connsiteX14" y="connsiteY14"/>
-              </a:cxn>
-              <a:cxn ang="0">
-                <a:pos x="connsiteX15" y="connsiteY15"/>
-              </a:cxn>
-              <a:cxn ang="0">
-                <a:pos x="connsiteX16" y="connsiteY16"/>
-              </a:cxn>
-            </a:cxnLst>
-            <a:rect l="l" t="t" r="r" b="b"/>
-            <a:pathLst>
-              <a:path w="4243589" h="18288" fill="none" extrusionOk="0">
-                <a:moveTo>
-                  <a:pt x="0" y="0"/>
-                </a:moveTo>
-                <a:cubicBezTo>
-                  <a:pt x="213395" y="-21006"/>
-                  <a:pt x="307421" y="-18116"/>
-                  <a:pt x="478919" y="0"/>
-                </a:cubicBezTo>
-                <a:cubicBezTo>
-                  <a:pt x="650417" y="18116"/>
-                  <a:pt x="831092" y="-21237"/>
-                  <a:pt x="957839" y="0"/>
-                </a:cubicBezTo>
-                <a:cubicBezTo>
-                  <a:pt x="1084586" y="21237"/>
-                  <a:pt x="1301682" y="25124"/>
-                  <a:pt x="1521630" y="0"/>
-                </a:cubicBezTo>
-                <a:cubicBezTo>
-                  <a:pt x="1741578" y="-25124"/>
-                  <a:pt x="1970269" y="-29139"/>
-                  <a:pt x="2212729" y="0"/>
-                </a:cubicBezTo>
-                <a:cubicBezTo>
-                  <a:pt x="2455189" y="29139"/>
-                  <a:pt x="2558847" y="-4796"/>
-                  <a:pt x="2734084" y="0"/>
-                </a:cubicBezTo>
-                <a:cubicBezTo>
-                  <a:pt x="2909321" y="4796"/>
-                  <a:pt x="3097217" y="-13409"/>
-                  <a:pt x="3255439" y="0"/>
-                </a:cubicBezTo>
-                <a:cubicBezTo>
-                  <a:pt x="3413662" y="13409"/>
-                  <a:pt x="3979999" y="-10121"/>
-                  <a:pt x="4243589" y="0"/>
-                </a:cubicBezTo>
-                <a:cubicBezTo>
-                  <a:pt x="4244484" y="8974"/>
-                  <a:pt x="4243043" y="9359"/>
-                  <a:pt x="4243589" y="18288"/>
-                </a:cubicBezTo>
-                <a:cubicBezTo>
-                  <a:pt x="4058777" y="31246"/>
-                  <a:pt x="3910348" y="3158"/>
-                  <a:pt x="3594926" y="18288"/>
-                </a:cubicBezTo>
-                <a:cubicBezTo>
-                  <a:pt x="3279504" y="33418"/>
-                  <a:pt x="3319955" y="-3977"/>
-                  <a:pt x="3073571" y="18288"/>
-                </a:cubicBezTo>
-                <a:cubicBezTo>
-                  <a:pt x="2827187" y="40553"/>
-                  <a:pt x="2767387" y="1863"/>
-                  <a:pt x="2552216" y="18288"/>
-                </a:cubicBezTo>
-                <a:cubicBezTo>
-                  <a:pt x="2337046" y="34713"/>
-                  <a:pt x="2181871" y="19527"/>
-                  <a:pt x="1903553" y="18288"/>
-                </a:cubicBezTo>
-                <a:cubicBezTo>
-                  <a:pt x="1625235" y="17049"/>
-                  <a:pt x="1557672" y="24174"/>
-                  <a:pt x="1212454" y="18288"/>
-                </a:cubicBezTo>
-                <a:cubicBezTo>
-                  <a:pt x="867236" y="12402"/>
-                  <a:pt x="874382" y="15627"/>
-                  <a:pt x="733535" y="18288"/>
-                </a:cubicBezTo>
-                <a:cubicBezTo>
-                  <a:pt x="592688" y="20949"/>
-                  <a:pt x="183477" y="14753"/>
-                  <a:pt x="0" y="18288"/>
-                </a:cubicBezTo>
-                <a:cubicBezTo>
-                  <a:pt x="-229" y="14222"/>
-                  <a:pt x="509" y="5816"/>
-                  <a:pt x="0" y="0"/>
-                </a:cubicBezTo>
-                <a:close/>
-              </a:path>
-              <a:path w="4243589" h="18288" stroke="0" extrusionOk="0">
-                <a:moveTo>
-                  <a:pt x="0" y="0"/>
-                </a:moveTo>
-                <a:cubicBezTo>
-                  <a:pt x="143690" y="16630"/>
-                  <a:pt x="266667" y="14847"/>
-                  <a:pt x="521355" y="0"/>
-                </a:cubicBezTo>
-                <a:cubicBezTo>
-                  <a:pt x="776043" y="-14847"/>
-                  <a:pt x="814491" y="-17363"/>
-                  <a:pt x="1000275" y="0"/>
-                </a:cubicBezTo>
-                <a:cubicBezTo>
-                  <a:pt x="1186059" y="17363"/>
-                  <a:pt x="1352504" y="-23507"/>
-                  <a:pt x="1521630" y="0"/>
-                </a:cubicBezTo>
-                <a:cubicBezTo>
-                  <a:pt x="1690756" y="23507"/>
-                  <a:pt x="1889525" y="5871"/>
-                  <a:pt x="2127857" y="0"/>
-                </a:cubicBezTo>
-                <a:cubicBezTo>
-                  <a:pt x="2366189" y="-5871"/>
-                  <a:pt x="2620628" y="-27997"/>
-                  <a:pt x="2776520" y="0"/>
-                </a:cubicBezTo>
-                <a:cubicBezTo>
-                  <a:pt x="2932412" y="27997"/>
-                  <a:pt x="3131683" y="-25073"/>
-                  <a:pt x="3467618" y="0"/>
-                </a:cubicBezTo>
-                <a:cubicBezTo>
-                  <a:pt x="3803553" y="25073"/>
-                  <a:pt x="4017371" y="3071"/>
-                  <a:pt x="4243589" y="0"/>
-                </a:cubicBezTo>
-                <a:cubicBezTo>
-                  <a:pt x="4243134" y="6162"/>
-                  <a:pt x="4243492" y="11775"/>
-                  <a:pt x="4243589" y="18288"/>
-                </a:cubicBezTo>
-                <a:cubicBezTo>
-                  <a:pt x="4017834" y="-5779"/>
-                  <a:pt x="3834586" y="13376"/>
-                  <a:pt x="3594926" y="18288"/>
-                </a:cubicBezTo>
-                <a:cubicBezTo>
-                  <a:pt x="3355266" y="23200"/>
-                  <a:pt x="3204179" y="2869"/>
-                  <a:pt x="2903827" y="18288"/>
-                </a:cubicBezTo>
-                <a:cubicBezTo>
-                  <a:pt x="2603475" y="33707"/>
-                  <a:pt x="2526187" y="46187"/>
-                  <a:pt x="2212729" y="18288"/>
-                </a:cubicBezTo>
-                <a:cubicBezTo>
-                  <a:pt x="1899271" y="-9611"/>
-                  <a:pt x="1966289" y="29692"/>
-                  <a:pt x="1733809" y="18288"/>
-                </a:cubicBezTo>
-                <a:cubicBezTo>
-                  <a:pt x="1501329" y="6884"/>
-                  <a:pt x="1343612" y="12492"/>
-                  <a:pt x="1085146" y="18288"/>
-                </a:cubicBezTo>
-                <a:cubicBezTo>
-                  <a:pt x="826680" y="24084"/>
-                  <a:pt x="778184" y="35607"/>
-                  <a:pt x="521355" y="18288"/>
-                </a:cubicBezTo>
-                <a:cubicBezTo>
-                  <a:pt x="264526" y="969"/>
-                  <a:pt x="120277" y="4268"/>
-                  <a:pt x="0" y="18288"/>
-                </a:cubicBezTo>
-                <a:cubicBezTo>
-                  <a:pt x="766" y="10800"/>
-                  <a:pt x="-457" y="8180"/>
-                  <a:pt x="0" y="0"/>
-                </a:cubicBezTo>
-                <a:close/>
-              </a:path>
-            </a:pathLst>
-          </a:custGeom>
-          <a:solidFill>
-            <a:schemeClr val="accent2"/>
-          </a:solidFill>
-          <a:ln w="44450" cap="rnd">
-            <a:solidFill>
-              <a:schemeClr val="accent2"/>
-            </a:solidFill>
-            <a:round/>
-            <a:extLst>
-              <a:ext uri="{C807C97D-BFC1-408E-A445-0C87EB9F89A2}">
-                <ask:lineSketchStyleProps xmlns:ask="http://schemas.microsoft.com/office/drawing/2018/sketchyshapes" sd="2727557108">
-                  <a:prstGeom prst="rect">
-                    <a:avLst/>
-                  </a:prstGeom>
-                  <ask:type>
-                    <ask:lineSketchFreehand/>
-                  </ask:type>
-                </ask:lineSketchStyleProps>
-              </a:ext>
-            </a:extLst>
-          </a:ln>
-        </p:spPr>
-        <p:style>
-          <a:lnRef idx="2">
-            <a:schemeClr val="accent1">
-              <a:shade val="50000"/>
-            </a:schemeClr>
-          </a:lnRef>
-          <a:fillRef idx="1">
-            <a:schemeClr val="accent1"/>
-          </a:fillRef>
-          <a:effectRef idx="0">
-            <a:schemeClr val="accent1"/>
-          </a:effectRef>
-          <a:fontRef idx="minor">
-            <a:schemeClr val="lt1"/>
-          </a:fontRef>
-        </p:style>
-        <p:txBody>
-          <a:bodyPr rtlCol="0" anchor="ctr"/>
-          <a:lstStyle/>
-          <a:p>
-            <a:pPr algn="ctr"/>
-            <a:endParaRPr lang="en-US"/>
-          </a:p>
-        </p:txBody>
-      </p:sp>
-      <p:sp>
-        <p:nvSpPr>
-          <p:cNvPr id="3" name="Content Placeholder 2">
-            <a:extLst>
-              <a:ext uri="{FF2B5EF4-FFF2-40B4-BE49-F238E27FC236}">
-                <a16:creationId xmlns:a16="http://schemas.microsoft.com/office/drawing/2014/main" id="{8D2A1E6F-7175-2DEF-F43E-82D385F1E384}"/>
-              </a:ext>
-            </a:extLst>
-          </p:cNvPr>
-          <p:cNvSpPr>
-            <a:spLocks noGrp="1"/>
-          </p:cNvSpPr>
-          <p:nvPr>
-            <p:ph idx="1"/>
-          </p:nvPr>
-        </p:nvSpPr>
-        <p:spPr>
-          <a:xfrm>
-            <a:off x="5297762" y="2706624"/>
-            <a:ext cx="6251110" cy="3483864"/>
-          </a:xfrm>
-        </p:spPr>
-        <p:txBody>
-          <a:bodyPr>
-            <a:normAutofit/>
-          </a:bodyPr>
-          <a:lstStyle/>
-          <a:p>
-            <a:r>
-              <a:rPr lang="en-US" sz="2200"/>
-              <a:t>Module Federation is a technique that can be used to implement the principles of Micro Frontends. By using Module Federation, different micro frontends can dynamically import and use modules from each other, allowing for better code sharing and collaboration between independent teams.</a:t>
-            </a:r>
-          </a:p>
-          <a:p>
-            <a:r>
-              <a:rPr lang="en-US" sz="2200"/>
-              <a:t>With Module Federation, each micro frontend can expose specific modules that other micro frontends can consume, creating a more modular and flexible front-end architecture.</a:t>
-            </a:r>
-          </a:p>
-        </p:txBody>
-      </p:sp>
-    </p:spTree>
-    <p:extLst>
-      <p:ext uri="{BB962C8B-B14F-4D97-AF65-F5344CB8AC3E}">
-        <p14:creationId xmlns:p14="http://schemas.microsoft.com/office/powerpoint/2010/main" val="4053268598"/>
-      </p:ext>
-    </p:extLst>
-  </p:cSld>
-  <p:clrMapOvr>
-    <a:masterClrMapping/>
-  </p:clrMapOvr>
-</p:sld>
-</file>
-
-<file path=ppt/slides/slide5.xml><?xml version="1.0" encoding="utf-8"?>
-<p:sld xmlns:a="http://schemas.openxmlformats.org/drawingml/2006/main" xmlns:r="http://schemas.openxmlformats.org/officeDocument/2006/relationships" xmlns:p="http://schemas.openxmlformats.org/presentationml/2006/main">
-  <p:cSld>
-    <p:bg>
-      <p:bgPr>
-        <a:solidFill>
-          <a:schemeClr val="bg1"/>
-        </a:solidFill>
-        <a:effectLst/>
-      </p:bgPr>
-    </p:bg>
-    <p:spTree>
-      <p:nvGrpSpPr>
-        <p:cNvPr id="1" name=""/>
-        <p:cNvGrpSpPr/>
-        <p:nvPr/>
-      </p:nvGrpSpPr>
-      <p:grpSpPr>
-        <a:xfrm>
-          <a:off x="0" y="0"/>
-          <a:ext cx="0" cy="0"/>
-          <a:chOff x="0" y="0"/>
-          <a:chExt cx="0" cy="0"/>
-        </a:xfrm>
-      </p:grpSpPr>
-      <p:sp useBgFill="1">
-        <p:nvSpPr>
-          <p:cNvPr id="14" name="Rectangle 13">
-            <a:extLst>
-              <a:ext uri="{FF2B5EF4-FFF2-40B4-BE49-F238E27FC236}">
-                <a16:creationId xmlns:a16="http://schemas.microsoft.com/office/drawing/2014/main" id="{35DB3719-6FDC-4E5D-891D-FF40B7300F64}"/>
-              </a:ext>
-              <a:ext uri="{C183D7F6-B498-43B3-948B-1728B52AA6E4}">
-                <adec:decorative xmlns:adec="http://schemas.microsoft.com/office/drawing/2017/decorative" val="1"/>
-              </a:ext>
-            </a:extLst>
-          </p:cNvPr>
-          <p:cNvSpPr>
-            <a:spLocks noGrp="1" noRot="1" noChangeAspect="1" noMove="1" noResize="1" noEditPoints="1" noAdjustHandles="1" noChangeArrowheads="1" noChangeShapeType="1" noTextEdit="1"/>
-          </p:cNvSpPr>
-          <p:nvPr>
-            <p:extLst>
-              <p:ext uri="{386F3935-93C4-4BCD-93E2-E3B085C9AB24}">
-                <p16:designElem xmlns:p16="http://schemas.microsoft.com/office/powerpoint/2015/main" val="1"/>
-              </p:ext>
-            </p:extLst>
-          </p:nvPr>
-        </p:nvSpPr>
-        <p:spPr>
-          <a:xfrm>
-            <a:off x="0" y="0"/>
-            <a:ext cx="12188952" cy="6858000"/>
-          </a:xfrm>
-          <a:prstGeom prst="rect">
-            <a:avLst/>
-          </a:prstGeom>
-          <a:ln>
-            <a:noFill/>
-          </a:ln>
-        </p:spPr>
-        <p:style>
-          <a:lnRef idx="2">
-            <a:schemeClr val="accent1">
-              <a:shade val="50000"/>
-            </a:schemeClr>
-          </a:lnRef>
-          <a:fillRef idx="1">
-            <a:schemeClr val="accent1"/>
-          </a:fillRef>
-          <a:effectRef idx="0">
-            <a:schemeClr val="accent1"/>
-          </a:effectRef>
-          <a:fontRef idx="minor">
-            <a:schemeClr val="lt1"/>
-          </a:fontRef>
-        </p:style>
-        <p:txBody>
-          <a:bodyPr rtlCol="0" anchor="ctr"/>
-          <a:lstStyle/>
-          <a:p>
-            <a:pPr algn="ctr"/>
-            <a:endParaRPr lang="en-US"/>
-          </a:p>
-        </p:txBody>
-      </p:sp>
-      <p:sp>
-        <p:nvSpPr>
-          <p:cNvPr id="2" name="Title 1">
-            <a:extLst>
-              <a:ext uri="{FF2B5EF4-FFF2-40B4-BE49-F238E27FC236}">
-                <a16:creationId xmlns:a16="http://schemas.microsoft.com/office/drawing/2014/main" id="{24D4FCCC-607B-BC64-43C7-206333C361B6}"/>
+                <a16:creationId xmlns:a16="http://schemas.microsoft.com/office/drawing/2014/main" id="{0023936A-3A1B-8F51-812F-605709B9C613}"/>
               </a:ext>
             </a:extLst>
           </p:cNvPr>
@@ -8449,17 +9790,16 @@
           </a:bodyPr>
           <a:lstStyle/>
           <a:p>
-            <a:pPr algn="ctr"/>
             <a:r>
               <a:rPr lang="en-US" sz="5400" dirty="0"/>
-              <a:t>Key Concepts of Module Federation</a:t>
+              <a:t>Pros and Cons of Module Federation</a:t>
             </a:r>
           </a:p>
         </p:txBody>
       </p:sp>
       <p:sp>
         <p:nvSpPr>
-          <p:cNvPr id="11" name="sketch line">
+          <p:cNvPr id="20" name="sketch line">
             <a:extLst>
               <a:ext uri="{FF2B5EF4-FFF2-40B4-BE49-F238E27FC236}">
                 <a16:creationId xmlns:a16="http://schemas.microsoft.com/office/drawing/2014/main" id="{E0CBAC23-2E3F-4A90-BA59-F8299F6A5439}"/>
@@ -9072,6 +10412,4613 @@
       </p:sp>
       <p:graphicFrame>
         <p:nvGraphicFramePr>
+          <p:cNvPr id="8" name="Content Placeholder 4">
+            <a:extLst>
+              <a:ext uri="{FF2B5EF4-FFF2-40B4-BE49-F238E27FC236}">
+                <a16:creationId xmlns:a16="http://schemas.microsoft.com/office/drawing/2014/main" id="{230CAF4C-BB3A-81C3-EC5B-AC239AC4156C}"/>
+              </a:ext>
+            </a:extLst>
+          </p:cNvPr>
+          <p:cNvGraphicFramePr>
+            <a:graphicFrameLocks noGrp="1"/>
+          </p:cNvGraphicFramePr>
+          <p:nvPr>
+            <p:ph idx="1"/>
+            <p:extLst>
+              <p:ext uri="{D42A27DB-BD31-4B8C-83A1-F6EECF244321}">
+                <p14:modId xmlns:p14="http://schemas.microsoft.com/office/powerpoint/2010/main" val="267348633"/>
+              </p:ext>
+            </p:extLst>
+          </p:nvPr>
+        </p:nvGraphicFramePr>
+        <p:xfrm>
+          <a:off x="838200" y="2617260"/>
+          <a:ext cx="10515601" cy="3170532"/>
+        </p:xfrm>
+        <a:graphic>
+          <a:graphicData uri="http://schemas.openxmlformats.org/drawingml/2006/table">
+            <a:tbl>
+              <a:tblPr firstRow="1" bandRow="1">
+                <a:tableStyleId>{21E4AEA4-8DFA-4A89-87EB-49C32662AFE0}</a:tableStyleId>
+              </a:tblPr>
+              <a:tblGrid>
+                <a:gridCol w="5079474">
+                  <a:extLst>
+                    <a:ext uri="{9D8B030D-6E8A-4147-A177-3AD203B41FA5}">
+                      <a16:colId xmlns:a16="http://schemas.microsoft.com/office/drawing/2014/main" val="1812023448"/>
+                    </a:ext>
+                  </a:extLst>
+                </a:gridCol>
+                <a:gridCol w="5436127">
+                  <a:extLst>
+                    <a:ext uri="{9D8B030D-6E8A-4147-A177-3AD203B41FA5}">
+                      <a16:colId xmlns:a16="http://schemas.microsoft.com/office/drawing/2014/main" val="2264852212"/>
+                    </a:ext>
+                  </a:extLst>
+                </a:gridCol>
+              </a:tblGrid>
+              <a:tr h="622024">
+                <a:tc>
+                  <a:txBody>
+                    <a:bodyPr/>
+                    <a:lstStyle/>
+                    <a:p>
+                      <a:pPr algn="ctr"/>
+                      <a:r>
+                        <a:rPr lang="en-US" sz="2900" dirty="0"/>
+                        <a:t>Pros</a:t>
+                      </a:r>
+                    </a:p>
+                  </a:txBody>
+                  <a:tcPr marL="147810" marR="147810" marT="73905" marB="73905"/>
+                </a:tc>
+                <a:tc>
+                  <a:txBody>
+                    <a:bodyPr/>
+                    <a:lstStyle/>
+                    <a:p>
+                      <a:pPr algn="ctr"/>
+                      <a:r>
+                        <a:rPr lang="en-US" sz="2900" dirty="0"/>
+                        <a:t>Cons</a:t>
+                      </a:r>
+                    </a:p>
+                  </a:txBody>
+                  <a:tcPr marL="147810" marR="147810" marT="73905" marB="73905"/>
+                </a:tc>
+                <a:extLst>
+                  <a:ext uri="{0D108BD9-81ED-4DB2-BD59-A6C34878D82A}">
+                    <a16:rowId xmlns:a16="http://schemas.microsoft.com/office/drawing/2014/main" val="1817495886"/>
+                  </a:ext>
+                </a:extLst>
+              </a:tr>
+              <a:tr h="546513">
+                <a:tc>
+                  <a:txBody>
+                    <a:bodyPr/>
+                    <a:lstStyle/>
+                    <a:p>
+                      <a:r>
+                        <a:rPr lang="en-US" sz="2400"/>
+                        <a:t>Reduced Code Duplication</a:t>
+                      </a:r>
+                    </a:p>
+                  </a:txBody>
+                  <a:tcPr marL="147810" marR="147810" marT="73905" marB="73905"/>
+                </a:tc>
+                <a:tc>
+                  <a:txBody>
+                    <a:bodyPr/>
+                    <a:lstStyle/>
+                    <a:p>
+                      <a:r>
+                        <a:rPr lang="en-US" sz="2400"/>
+                        <a:t>Increased Complexity</a:t>
+                      </a:r>
+                    </a:p>
+                  </a:txBody>
+                  <a:tcPr marL="147810" marR="147810" marT="73905" marB="73905"/>
+                </a:tc>
+                <a:extLst>
+                  <a:ext uri="{0D108BD9-81ED-4DB2-BD59-A6C34878D82A}">
+                    <a16:rowId xmlns:a16="http://schemas.microsoft.com/office/drawing/2014/main" val="24120473"/>
+                  </a:ext>
+                </a:extLst>
+              </a:tr>
+              <a:tr h="546513">
+                <a:tc>
+                  <a:txBody>
+                    <a:bodyPr/>
+                    <a:lstStyle/>
+                    <a:p>
+                      <a:r>
+                        <a:rPr lang="en-US" sz="2400"/>
+                        <a:t>Improved Collaboration </a:t>
+                      </a:r>
+                    </a:p>
+                  </a:txBody>
+                  <a:tcPr marL="147810" marR="147810" marT="73905" marB="73905"/>
+                </a:tc>
+                <a:tc>
+                  <a:txBody>
+                    <a:bodyPr/>
+                    <a:lstStyle/>
+                    <a:p>
+                      <a:r>
+                        <a:rPr lang="en-US" sz="2400"/>
+                        <a:t>Security Risks</a:t>
+                      </a:r>
+                    </a:p>
+                  </a:txBody>
+                  <a:tcPr marL="147810" marR="147810" marT="73905" marB="73905"/>
+                </a:tc>
+                <a:extLst>
+                  <a:ext uri="{0D108BD9-81ED-4DB2-BD59-A6C34878D82A}">
+                    <a16:rowId xmlns:a16="http://schemas.microsoft.com/office/drawing/2014/main" val="2751643560"/>
+                  </a:ext>
+                </a:extLst>
+              </a:tr>
+              <a:tr h="546513">
+                <a:tc>
+                  <a:txBody>
+                    <a:bodyPr/>
+                    <a:lstStyle/>
+                    <a:p>
+                      <a:r>
+                        <a:rPr lang="en-US" sz="2400" dirty="0"/>
+                        <a:t>Greater Flexibility</a:t>
+                      </a:r>
+                    </a:p>
+                  </a:txBody>
+                  <a:tcPr marL="147810" marR="147810" marT="73905" marB="73905"/>
+                </a:tc>
+                <a:tc>
+                  <a:txBody>
+                    <a:bodyPr/>
+                    <a:lstStyle/>
+                    <a:p>
+                      <a:r>
+                        <a:rPr lang="en-US" sz="2400"/>
+                        <a:t>Increased Coupling</a:t>
+                      </a:r>
+                    </a:p>
+                  </a:txBody>
+                  <a:tcPr marL="147810" marR="147810" marT="73905" marB="73905"/>
+                </a:tc>
+                <a:extLst>
+                  <a:ext uri="{0D108BD9-81ED-4DB2-BD59-A6C34878D82A}">
+                    <a16:rowId xmlns:a16="http://schemas.microsoft.com/office/drawing/2014/main" val="23488958"/>
+                  </a:ext>
+                </a:extLst>
+              </a:tr>
+              <a:tr h="908969">
+                <a:tc>
+                  <a:txBody>
+                    <a:bodyPr/>
+                    <a:lstStyle/>
+                    <a:p>
+                      <a:r>
+                        <a:rPr lang="en-US" sz="2400" dirty="0"/>
+                        <a:t>Improved Performance and Scalability</a:t>
+                      </a:r>
+                    </a:p>
+                  </a:txBody>
+                  <a:tcPr marL="147810" marR="147810" marT="73905" marB="73905"/>
+                </a:tc>
+                <a:tc>
+                  <a:txBody>
+                    <a:bodyPr/>
+                    <a:lstStyle/>
+                    <a:p>
+                      <a:r>
+                        <a:rPr lang="en-US" sz="2400" dirty="0"/>
+                        <a:t>Potential Performance Issues </a:t>
+                      </a:r>
+                    </a:p>
+                  </a:txBody>
+                  <a:tcPr marL="147810" marR="147810" marT="73905" marB="73905"/>
+                </a:tc>
+                <a:extLst>
+                  <a:ext uri="{0D108BD9-81ED-4DB2-BD59-A6C34878D82A}">
+                    <a16:rowId xmlns:a16="http://schemas.microsoft.com/office/drawing/2014/main" val="1535601683"/>
+                  </a:ext>
+                </a:extLst>
+              </a:tr>
+            </a:tbl>
+          </a:graphicData>
+        </a:graphic>
+      </p:graphicFrame>
+    </p:spTree>
+    <p:extLst>
+      <p:ext uri="{BB962C8B-B14F-4D97-AF65-F5344CB8AC3E}">
+        <p14:creationId xmlns:p14="http://schemas.microsoft.com/office/powerpoint/2010/main" val="730048909"/>
+      </p:ext>
+    </p:extLst>
+  </p:cSld>
+  <p:clrMapOvr>
+    <a:masterClrMapping/>
+  </p:clrMapOvr>
+</p:sld>
+</file>
+
+<file path=ppt/slides/slide17.xml><?xml version="1.0" encoding="utf-8"?>
+<p:sld xmlns:a="http://schemas.openxmlformats.org/drawingml/2006/main" xmlns:r="http://schemas.openxmlformats.org/officeDocument/2006/relationships" xmlns:p="http://schemas.openxmlformats.org/presentationml/2006/main">
+  <p:cSld>
+    <p:bg>
+      <p:bgPr>
+        <a:solidFill>
+          <a:schemeClr val="bg1"/>
+        </a:solidFill>
+        <a:effectLst/>
+      </p:bgPr>
+    </p:bg>
+    <p:spTree>
+      <p:nvGrpSpPr>
+        <p:cNvPr id="1" name=""/>
+        <p:cNvGrpSpPr/>
+        <p:nvPr/>
+      </p:nvGrpSpPr>
+      <p:grpSpPr>
+        <a:xfrm>
+          <a:off x="0" y="0"/>
+          <a:ext cx="0" cy="0"/>
+          <a:chOff x="0" y="0"/>
+          <a:chExt cx="0" cy="0"/>
+        </a:xfrm>
+      </p:grpSpPr>
+      <p:sp useBgFill="1">
+        <p:nvSpPr>
+          <p:cNvPr id="8" name="Rectangle 7">
+            <a:extLst>
+              <a:ext uri="{FF2B5EF4-FFF2-40B4-BE49-F238E27FC236}">
+                <a16:creationId xmlns:a16="http://schemas.microsoft.com/office/drawing/2014/main" id="{D278ADA9-6383-4BDD-80D2-8899A402687B}"/>
+              </a:ext>
+              <a:ext uri="{C183D7F6-B498-43B3-948B-1728B52AA6E4}">
+                <adec:decorative xmlns:adec="http://schemas.microsoft.com/office/drawing/2017/decorative" val="1"/>
+              </a:ext>
+            </a:extLst>
+          </p:cNvPr>
+          <p:cNvSpPr>
+            <a:spLocks noGrp="1" noRot="1" noChangeAspect="1" noMove="1" noResize="1" noEditPoints="1" noAdjustHandles="1" noChangeArrowheads="1" noChangeShapeType="1" noTextEdit="1"/>
+          </p:cNvSpPr>
+          <p:nvPr>
+            <p:extLst>
+              <p:ext uri="{386F3935-93C4-4BCD-93E2-E3B085C9AB24}">
+                <p16:designElem xmlns:p16="http://schemas.microsoft.com/office/powerpoint/2015/main" val="1"/>
+              </p:ext>
+            </p:extLst>
+          </p:nvPr>
+        </p:nvSpPr>
+        <p:spPr>
+          <a:xfrm>
+            <a:off x="3048" y="0"/>
+            <a:ext cx="12188952" cy="6858000"/>
+          </a:xfrm>
+          <a:prstGeom prst="rect">
+            <a:avLst/>
+          </a:prstGeom>
+          <a:ln>
+            <a:noFill/>
+          </a:ln>
+        </p:spPr>
+        <p:style>
+          <a:lnRef idx="2">
+            <a:schemeClr val="accent1">
+              <a:shade val="50000"/>
+            </a:schemeClr>
+          </a:lnRef>
+          <a:fillRef idx="1">
+            <a:schemeClr val="accent1"/>
+          </a:fillRef>
+          <a:effectRef idx="0">
+            <a:schemeClr val="accent1"/>
+          </a:effectRef>
+          <a:fontRef idx="minor">
+            <a:schemeClr val="lt1"/>
+          </a:fontRef>
+        </p:style>
+        <p:txBody>
+          <a:bodyPr rtlCol="0" anchor="ctr"/>
+          <a:lstStyle/>
+          <a:p>
+            <a:pPr algn="ctr"/>
+            <a:endParaRPr lang="en-US"/>
+          </a:p>
+        </p:txBody>
+      </p:sp>
+      <p:sp>
+        <p:nvSpPr>
+          <p:cNvPr id="15" name="Rectangle 14">
+            <a:extLst>
+              <a:ext uri="{FF2B5EF4-FFF2-40B4-BE49-F238E27FC236}">
+                <a16:creationId xmlns:a16="http://schemas.microsoft.com/office/drawing/2014/main" id="{484B7147-B0F6-40ED-B5A2-FF72BC8198B6}"/>
+              </a:ext>
+              <a:ext uri="{C183D7F6-B498-43B3-948B-1728B52AA6E4}">
+                <adec:decorative xmlns:adec="http://schemas.microsoft.com/office/drawing/2017/decorative" val="1"/>
+              </a:ext>
+            </a:extLst>
+          </p:cNvPr>
+          <p:cNvSpPr>
+            <a:spLocks noGrp="1" noRot="1" noChangeAspect="1" noMove="1" noResize="1" noEditPoints="1" noAdjustHandles="1" noChangeArrowheads="1" noChangeShapeType="1" noTextEdit="1"/>
+          </p:cNvSpPr>
+          <p:nvPr>
+            <p:extLst>
+              <p:ext uri="{386F3935-93C4-4BCD-93E2-E3B085C9AB24}">
+                <p16:designElem xmlns:p16="http://schemas.microsoft.com/office/powerpoint/2015/main" val="1"/>
+              </p:ext>
+            </p:extLst>
+          </p:nvPr>
+        </p:nvSpPr>
+        <p:spPr>
+          <a:xfrm>
+            <a:off x="0" y="0"/>
+            <a:ext cx="12192000" cy="6858000"/>
+          </a:xfrm>
+          <a:prstGeom prst="rect">
+            <a:avLst/>
+          </a:prstGeom>
+          <a:solidFill>
+            <a:schemeClr val="accent2"/>
+          </a:solidFill>
+          <a:ln>
+            <a:noFill/>
+          </a:ln>
+        </p:spPr>
+        <p:style>
+          <a:lnRef idx="2">
+            <a:schemeClr val="accent1">
+              <a:shade val="50000"/>
+            </a:schemeClr>
+          </a:lnRef>
+          <a:fillRef idx="1">
+            <a:schemeClr val="accent1"/>
+          </a:fillRef>
+          <a:effectRef idx="0">
+            <a:schemeClr val="accent1"/>
+          </a:effectRef>
+          <a:fontRef idx="minor">
+            <a:schemeClr val="lt1"/>
+          </a:fontRef>
+        </p:style>
+        <p:txBody>
+          <a:bodyPr rtlCol="0" anchor="ctr"/>
+          <a:lstStyle/>
+          <a:p>
+            <a:pPr algn="ctr"/>
+            <a:endParaRPr lang="en-US">
+              <a:solidFill>
+                <a:schemeClr val="tx1"/>
+              </a:solidFill>
+            </a:endParaRPr>
+          </a:p>
+        </p:txBody>
+      </p:sp>
+      <p:sp>
+        <p:nvSpPr>
+          <p:cNvPr id="17" name="Rectangle 16">
+            <a:extLst>
+              <a:ext uri="{FF2B5EF4-FFF2-40B4-BE49-F238E27FC236}">
+                <a16:creationId xmlns:a16="http://schemas.microsoft.com/office/drawing/2014/main" id="{B36D2DE0-0628-4A9A-A59D-7BA8B5EB3022}"/>
+              </a:ext>
+              <a:ext uri="{C183D7F6-B498-43B3-948B-1728B52AA6E4}">
+                <adec:decorative xmlns:adec="http://schemas.microsoft.com/office/drawing/2017/decorative" val="1"/>
+              </a:ext>
+            </a:extLst>
+          </p:cNvPr>
+          <p:cNvSpPr>
+            <a:spLocks noGrp="1" noRot="1" noChangeAspect="1" noMove="1" noResize="1" noEditPoints="1" noAdjustHandles="1" noChangeArrowheads="1" noChangeShapeType="1" noTextEdit="1"/>
+          </p:cNvSpPr>
+          <p:nvPr>
+            <p:extLst>
+              <p:ext uri="{386F3935-93C4-4BCD-93E2-E3B085C9AB24}">
+                <p16:designElem xmlns:p16="http://schemas.microsoft.com/office/powerpoint/2015/main" val="1"/>
+              </p:ext>
+            </p:extLst>
+          </p:nvPr>
+        </p:nvSpPr>
+        <p:spPr>
+          <a:xfrm>
+            <a:off x="0" y="0"/>
+            <a:ext cx="12192000" cy="6858000"/>
+          </a:xfrm>
+          <a:prstGeom prst="rect">
+            <a:avLst/>
+          </a:prstGeom>
+          <a:noFill/>
+          <a:ln>
+            <a:noFill/>
+          </a:ln>
+        </p:spPr>
+        <p:style>
+          <a:lnRef idx="2">
+            <a:schemeClr val="accent1">
+              <a:shade val="50000"/>
+            </a:schemeClr>
+          </a:lnRef>
+          <a:fillRef idx="1">
+            <a:schemeClr val="accent1"/>
+          </a:fillRef>
+          <a:effectRef idx="0">
+            <a:schemeClr val="accent1"/>
+          </a:effectRef>
+          <a:fontRef idx="minor">
+            <a:schemeClr val="lt1"/>
+          </a:fontRef>
+        </p:style>
+        <p:txBody>
+          <a:bodyPr rtlCol="0" anchor="ctr"/>
+          <a:lstStyle/>
+          <a:p>
+            <a:pPr algn="ctr"/>
+            <a:endParaRPr lang="en-US"/>
+          </a:p>
+        </p:txBody>
+      </p:sp>
+      <p:sp>
+        <p:nvSpPr>
+          <p:cNvPr id="14" name="Oval 13">
+            <a:extLst>
+              <a:ext uri="{FF2B5EF4-FFF2-40B4-BE49-F238E27FC236}">
+                <a16:creationId xmlns:a16="http://schemas.microsoft.com/office/drawing/2014/main" id="{48E405C9-94BE-41DA-928C-DEC9A8550E9F}"/>
+              </a:ext>
+              <a:ext uri="{C183D7F6-B498-43B3-948B-1728B52AA6E4}">
+                <adec:decorative xmlns:adec="http://schemas.microsoft.com/office/drawing/2017/decorative" val="1"/>
+              </a:ext>
+            </a:extLst>
+          </p:cNvPr>
+          <p:cNvSpPr>
+            <a:spLocks noGrp="1" noRot="1" noChangeAspect="1" noMove="1" noResize="1" noEditPoints="1" noAdjustHandles="1" noChangeArrowheads="1" noChangeShapeType="1" noTextEdit="1"/>
+          </p:cNvSpPr>
+          <p:nvPr>
+            <p:extLst>
+              <p:ext uri="{386F3935-93C4-4BCD-93E2-E3B085C9AB24}">
+                <p16:designElem xmlns:p16="http://schemas.microsoft.com/office/powerpoint/2015/main" val="1"/>
+              </p:ext>
+            </p:extLst>
+          </p:nvPr>
+        </p:nvSpPr>
+        <p:spPr>
+          <a:xfrm>
+            <a:off x="2815929" y="148929"/>
+            <a:ext cx="6560142" cy="6560142"/>
+          </a:xfrm>
+          <a:prstGeom prst="ellipse">
+            <a:avLst/>
+          </a:prstGeom>
+          <a:solidFill>
+            <a:schemeClr val="bg1"/>
+          </a:solidFill>
+          <a:ln>
+            <a:noFill/>
+          </a:ln>
+        </p:spPr>
+        <p:style>
+          <a:lnRef idx="2">
+            <a:schemeClr val="accent1">
+              <a:shade val="50000"/>
+            </a:schemeClr>
+          </a:lnRef>
+          <a:fillRef idx="1">
+            <a:schemeClr val="accent1"/>
+          </a:fillRef>
+          <a:effectRef idx="0">
+            <a:schemeClr val="accent1"/>
+          </a:effectRef>
+          <a:fontRef idx="minor">
+            <a:schemeClr val="lt1"/>
+          </a:fontRef>
+        </p:style>
+        <p:txBody>
+          <a:bodyPr rtlCol="0" anchor="ctr"/>
+          <a:lstStyle/>
+          <a:p>
+            <a:pPr algn="ctr"/>
+            <a:endParaRPr lang="en-US">
+              <a:solidFill>
+                <a:schemeClr val="bg1"/>
+              </a:solidFill>
+            </a:endParaRPr>
+          </a:p>
+        </p:txBody>
+      </p:sp>
+      <p:sp>
+        <p:nvSpPr>
+          <p:cNvPr id="2" name="Title 1">
+            <a:extLst>
+              <a:ext uri="{FF2B5EF4-FFF2-40B4-BE49-F238E27FC236}">
+                <a16:creationId xmlns:a16="http://schemas.microsoft.com/office/drawing/2014/main" id="{6646D338-6091-E264-FC07-30450C95D978}"/>
+              </a:ext>
+            </a:extLst>
+          </p:cNvPr>
+          <p:cNvSpPr>
+            <a:spLocks noGrp="1"/>
+          </p:cNvSpPr>
+          <p:nvPr>
+            <p:ph type="title"/>
+          </p:nvPr>
+        </p:nvSpPr>
+        <p:spPr>
+          <a:xfrm>
+            <a:off x="3315031" y="1380754"/>
+            <a:ext cx="5561938" cy="2513516"/>
+          </a:xfrm>
+        </p:spPr>
+        <p:txBody>
+          <a:bodyPr vert="horz" lIns="91440" tIns="45720" rIns="91440" bIns="45720" rtlCol="0" anchor="b">
+            <a:normAutofit/>
+          </a:bodyPr>
+          <a:lstStyle/>
+          <a:p>
+            <a:pPr algn="ctr"/>
+            <a:r>
+              <a:rPr lang="en-US" sz="6000" kern="1200" dirty="0">
+                <a:solidFill>
+                  <a:schemeClr val="accent2"/>
+                </a:solidFill>
+                <a:latin typeface="+mj-lt"/>
+                <a:ea typeface="+mj-ea"/>
+                <a:cs typeface="+mj-cs"/>
+                <a:hlinkClick r:id="rId2">
+                  <a:extLst>
+                    <a:ext uri="{A12FA001-AC4F-418D-AE19-62706E023703}">
+                      <ahyp:hlinkClr xmlns:ahyp="http://schemas.microsoft.com/office/drawing/2018/hyperlinkcolor" val="tx"/>
+                    </a:ext>
+                  </a:extLst>
+                </a:hlinkClick>
+              </a:rPr>
+              <a:t>Module Federation Demo</a:t>
+            </a:r>
+            <a:endParaRPr lang="en-US" sz="6000" kern="1200" dirty="0">
+              <a:solidFill>
+                <a:schemeClr val="accent2"/>
+              </a:solidFill>
+              <a:latin typeface="+mj-lt"/>
+              <a:ea typeface="+mj-ea"/>
+              <a:cs typeface="+mj-cs"/>
+            </a:endParaRPr>
+          </a:p>
+        </p:txBody>
+      </p:sp>
+      <p:sp>
+        <p:nvSpPr>
+          <p:cNvPr id="16" name="Arc 15">
+            <a:extLst>
+              <a:ext uri="{FF2B5EF4-FFF2-40B4-BE49-F238E27FC236}">
+                <a16:creationId xmlns:a16="http://schemas.microsoft.com/office/drawing/2014/main" id="{D2091A72-D5BB-42AC-8FD3-F7747D90861E}"/>
+              </a:ext>
+              <a:ext uri="{C183D7F6-B498-43B3-948B-1728B52AA6E4}">
+                <adec:decorative xmlns:adec="http://schemas.microsoft.com/office/drawing/2017/decorative" val="1"/>
+              </a:ext>
+            </a:extLst>
+          </p:cNvPr>
+          <p:cNvSpPr>
+            <a:spLocks noGrp="1" noRot="1" noChangeAspect="1" noMove="1" noResize="1" noEditPoints="1" noAdjustHandles="1" noChangeArrowheads="1" noChangeShapeType="1" noTextEdit="1"/>
+          </p:cNvSpPr>
+          <p:nvPr>
+            <p:extLst>
+              <p:ext uri="{386F3935-93C4-4BCD-93E2-E3B085C9AB24}">
+                <p16:designElem xmlns:p16="http://schemas.microsoft.com/office/powerpoint/2015/main" val="1"/>
+              </p:ext>
+            </p:extLst>
+          </p:nvPr>
+        </p:nvSpPr>
+        <p:spPr>
+          <a:xfrm rot="9222429" flipV="1">
+            <a:off x="2494119" y="6170"/>
+            <a:ext cx="6816262" cy="6816262"/>
+          </a:xfrm>
+          <a:prstGeom prst="arc">
+            <a:avLst>
+              <a:gd name="adj1" fmla="val 16200000"/>
+              <a:gd name="adj2" fmla="val 20093138"/>
+            </a:avLst>
+          </a:prstGeom>
+          <a:ln w="127000" cap="rnd">
+            <a:solidFill>
+              <a:schemeClr val="accent4">
+                <a:alpha val="95000"/>
+              </a:schemeClr>
+            </a:solidFill>
+            <a:prstDash val="dash"/>
+          </a:ln>
+        </p:spPr>
+        <p:style>
+          <a:lnRef idx="1">
+            <a:schemeClr val="accent1"/>
+          </a:lnRef>
+          <a:fillRef idx="0">
+            <a:schemeClr val="accent1"/>
+          </a:fillRef>
+          <a:effectRef idx="0">
+            <a:schemeClr val="accent1"/>
+          </a:effectRef>
+          <a:fontRef idx="minor">
+            <a:schemeClr val="tx1"/>
+          </a:fontRef>
+        </p:style>
+        <p:txBody>
+          <a:bodyPr rtlCol="0" anchor="ctr"/>
+          <a:lstStyle/>
+          <a:p>
+            <a:pPr algn="ctr"/>
+            <a:endParaRPr lang="en-US" dirty="0"/>
+          </a:p>
+        </p:txBody>
+      </p:sp>
+      <p:sp>
+        <p:nvSpPr>
+          <p:cNvPr id="18" name="Oval 17">
+            <a:extLst>
+              <a:ext uri="{FF2B5EF4-FFF2-40B4-BE49-F238E27FC236}">
+                <a16:creationId xmlns:a16="http://schemas.microsoft.com/office/drawing/2014/main" id="{6ED12BFC-A737-46AF-8411-481112D54B0C}"/>
+              </a:ext>
+              <a:ext uri="{C183D7F6-B498-43B3-948B-1728B52AA6E4}">
+                <adec:decorative xmlns:adec="http://schemas.microsoft.com/office/drawing/2017/decorative" val="1"/>
+              </a:ext>
+            </a:extLst>
+          </p:cNvPr>
+          <p:cNvSpPr>
+            <a:spLocks noGrp="1" noRot="1" noChangeAspect="1" noMove="1" noResize="1" noEditPoints="1" noAdjustHandles="1" noChangeArrowheads="1" noChangeShapeType="1" noTextEdit="1"/>
+          </p:cNvSpPr>
+          <p:nvPr>
+            <p:extLst>
+              <p:ext uri="{386F3935-93C4-4BCD-93E2-E3B085C9AB24}">
+                <p16:designElem xmlns:p16="http://schemas.microsoft.com/office/powerpoint/2015/main" val="1"/>
+              </p:ext>
+            </p:extLst>
+          </p:nvPr>
+        </p:nvSpPr>
+        <p:spPr>
+          <a:xfrm>
+            <a:off x="8200995" y="5310973"/>
+            <a:ext cx="705948" cy="686798"/>
+          </a:xfrm>
+          <a:prstGeom prst="ellipse">
+            <a:avLst/>
+          </a:prstGeom>
+          <a:solidFill>
+            <a:schemeClr val="accent5"/>
+          </a:solidFill>
+          <a:ln>
+            <a:noFill/>
+          </a:ln>
+        </p:spPr>
+        <p:style>
+          <a:lnRef idx="2">
+            <a:schemeClr val="accent1">
+              <a:shade val="50000"/>
+            </a:schemeClr>
+          </a:lnRef>
+          <a:fillRef idx="1">
+            <a:schemeClr val="accent1"/>
+          </a:fillRef>
+          <a:effectRef idx="0">
+            <a:schemeClr val="accent1"/>
+          </a:effectRef>
+          <a:fontRef idx="minor">
+            <a:schemeClr val="lt1"/>
+          </a:fontRef>
+        </p:style>
+        <p:txBody>
+          <a:bodyPr rtlCol="0" anchor="ctr"/>
+          <a:lstStyle/>
+          <a:p>
+            <a:pPr algn="ctr"/>
+            <a:endParaRPr lang="en-US"/>
+          </a:p>
+        </p:txBody>
+      </p:sp>
+    </p:spTree>
+    <p:extLst>
+      <p:ext uri="{BB962C8B-B14F-4D97-AF65-F5344CB8AC3E}">
+        <p14:creationId xmlns:p14="http://schemas.microsoft.com/office/powerpoint/2010/main" val="247592100"/>
+      </p:ext>
+    </p:extLst>
+  </p:cSld>
+  <p:clrMapOvr>
+    <a:masterClrMapping/>
+  </p:clrMapOvr>
+</p:sld>
+</file>
+
+<file path=ppt/slides/slide2.xml><?xml version="1.0" encoding="utf-8"?>
+<p:sld xmlns:a="http://schemas.openxmlformats.org/drawingml/2006/main" xmlns:r="http://schemas.openxmlformats.org/officeDocument/2006/relationships" xmlns:p="http://schemas.openxmlformats.org/presentationml/2006/main">
+  <p:cSld>
+    <p:bg>
+      <p:bgPr>
+        <a:solidFill>
+          <a:schemeClr val="bg1"/>
+        </a:solidFill>
+        <a:effectLst/>
+      </p:bgPr>
+    </p:bg>
+    <p:spTree>
+      <p:nvGrpSpPr>
+        <p:cNvPr id="1" name=""/>
+        <p:cNvGrpSpPr/>
+        <p:nvPr/>
+      </p:nvGrpSpPr>
+      <p:grpSpPr>
+        <a:xfrm>
+          <a:off x="0" y="0"/>
+          <a:ext cx="0" cy="0"/>
+          <a:chOff x="0" y="0"/>
+          <a:chExt cx="0" cy="0"/>
+        </a:xfrm>
+      </p:grpSpPr>
+      <p:sp useBgFill="1">
+        <p:nvSpPr>
+          <p:cNvPr id="9" name="Rectangle 8">
+            <a:extLst>
+              <a:ext uri="{FF2B5EF4-FFF2-40B4-BE49-F238E27FC236}">
+                <a16:creationId xmlns:a16="http://schemas.microsoft.com/office/drawing/2014/main" id="{2C61293E-6EBE-43EF-A52C-9BEBFD7679D4}"/>
+              </a:ext>
+              <a:ext uri="{C183D7F6-B498-43B3-948B-1728B52AA6E4}">
+                <adec:decorative xmlns:adec="http://schemas.microsoft.com/office/drawing/2017/decorative" val="1"/>
+              </a:ext>
+            </a:extLst>
+          </p:cNvPr>
+          <p:cNvSpPr>
+            <a:spLocks noGrp="1" noRot="1" noChangeAspect="1" noMove="1" noResize="1" noEditPoints="1" noAdjustHandles="1" noChangeArrowheads="1" noChangeShapeType="1" noTextEdit="1"/>
+          </p:cNvSpPr>
+          <p:nvPr>
+            <p:extLst>
+              <p:ext uri="{386F3935-93C4-4BCD-93E2-E3B085C9AB24}">
+                <p16:designElem xmlns:p16="http://schemas.microsoft.com/office/powerpoint/2015/main" val="1"/>
+              </p:ext>
+            </p:extLst>
+          </p:nvPr>
+        </p:nvSpPr>
+        <p:spPr>
+          <a:xfrm>
+            <a:off x="0" y="0"/>
+            <a:ext cx="12188952" cy="6858000"/>
+          </a:xfrm>
+          <a:prstGeom prst="rect">
+            <a:avLst/>
+          </a:prstGeom>
+          <a:ln>
+            <a:noFill/>
+          </a:ln>
+        </p:spPr>
+        <p:style>
+          <a:lnRef idx="2">
+            <a:schemeClr val="accent1">
+              <a:shade val="50000"/>
+            </a:schemeClr>
+          </a:lnRef>
+          <a:fillRef idx="1">
+            <a:schemeClr val="accent1"/>
+          </a:fillRef>
+          <a:effectRef idx="0">
+            <a:schemeClr val="accent1"/>
+          </a:effectRef>
+          <a:fontRef idx="minor">
+            <a:schemeClr val="lt1"/>
+          </a:fontRef>
+        </p:style>
+        <p:txBody>
+          <a:bodyPr rtlCol="0" anchor="ctr"/>
+          <a:lstStyle/>
+          <a:p>
+            <a:pPr algn="ctr"/>
+            <a:endParaRPr lang="en-US"/>
+          </a:p>
+        </p:txBody>
+      </p:sp>
+      <p:sp>
+        <p:nvSpPr>
+          <p:cNvPr id="2" name="Title 1">
+            <a:extLst>
+              <a:ext uri="{FF2B5EF4-FFF2-40B4-BE49-F238E27FC236}">
+                <a16:creationId xmlns:a16="http://schemas.microsoft.com/office/drawing/2014/main" id="{3D01D786-1610-934B-9E64-DF14C555F4E3}"/>
+              </a:ext>
+            </a:extLst>
+          </p:cNvPr>
+          <p:cNvSpPr>
+            <a:spLocks noGrp="1"/>
+          </p:cNvSpPr>
+          <p:nvPr>
+            <p:ph type="title"/>
+          </p:nvPr>
+        </p:nvSpPr>
+        <p:spPr>
+          <a:xfrm>
+            <a:off x="5297762" y="329184"/>
+            <a:ext cx="6251110" cy="1783080"/>
+          </a:xfrm>
+        </p:spPr>
+        <p:txBody>
+          <a:bodyPr anchor="b">
+            <a:normAutofit/>
+          </a:bodyPr>
+          <a:lstStyle/>
+          <a:p>
+            <a:r>
+              <a:rPr lang="en-US" sz="5400" dirty="0"/>
+              <a:t>History of Module Federation</a:t>
+            </a:r>
+          </a:p>
+        </p:txBody>
+      </p:sp>
+      <p:pic>
+        <p:nvPicPr>
+          <p:cNvPr id="5" name="Picture 4" descr="Light bulb on yellow background with sketched light beams and cord">
+            <a:extLst>
+              <a:ext uri="{FF2B5EF4-FFF2-40B4-BE49-F238E27FC236}">
+                <a16:creationId xmlns:a16="http://schemas.microsoft.com/office/drawing/2014/main" id="{07527E9B-11E2-CC80-587B-84D296997DFF}"/>
+              </a:ext>
+            </a:extLst>
+          </p:cNvPr>
+          <p:cNvPicPr>
+            <a:picLocks noChangeAspect="1"/>
+          </p:cNvPicPr>
+          <p:nvPr/>
+        </p:nvPicPr>
+        <p:blipFill rotWithShape="1">
+          <a:blip r:embed="rId2"/>
+          <a:srcRect l="51246" r="6988"/>
+          <a:stretch/>
+        </p:blipFill>
+        <p:spPr>
+          <a:xfrm>
+            <a:off x="1" y="10"/>
+            <a:ext cx="4657344" cy="6857990"/>
+          </a:xfrm>
+          <a:custGeom>
+            <a:avLst/>
+            <a:gdLst/>
+            <a:ahLst/>
+            <a:cxnLst/>
+            <a:rect l="l" t="t" r="r" b="b"/>
+            <a:pathLst>
+              <a:path w="4657344" h="6858000">
+                <a:moveTo>
+                  <a:pt x="0" y="0"/>
+                </a:moveTo>
+                <a:lnTo>
+                  <a:pt x="3429755" y="0"/>
+                </a:lnTo>
+                <a:lnTo>
+                  <a:pt x="3526016" y="148742"/>
+                </a:lnTo>
+                <a:cubicBezTo>
+                  <a:pt x="3657740" y="365513"/>
+                  <a:pt x="3777402" y="589569"/>
+                  <a:pt x="3886489" y="819975"/>
+                </a:cubicBezTo>
+                <a:cubicBezTo>
+                  <a:pt x="3891856" y="833492"/>
+                  <a:pt x="3900663" y="845393"/>
+                  <a:pt x="3912049" y="854514"/>
+                </a:cubicBezTo>
+                <a:cubicBezTo>
+                  <a:pt x="3897352" y="819849"/>
+                  <a:pt x="3883037" y="784928"/>
+                  <a:pt x="3868083" y="750263"/>
+                </a:cubicBezTo>
+                <a:cubicBezTo>
+                  <a:pt x="3806989" y="608712"/>
+                  <a:pt x="3742478" y="469145"/>
+                  <a:pt x="3674155" y="331786"/>
+                </a:cubicBezTo>
+                <a:lnTo>
+                  <a:pt x="3496656" y="0"/>
+                </a:lnTo>
+                <a:lnTo>
+                  <a:pt x="3554371" y="0"/>
+                </a:lnTo>
+                <a:lnTo>
+                  <a:pt x="3661621" y="196614"/>
+                </a:lnTo>
+                <a:cubicBezTo>
+                  <a:pt x="3856899" y="573253"/>
+                  <a:pt x="4021071" y="966066"/>
+                  <a:pt x="4161279" y="1371196"/>
+                </a:cubicBezTo>
+                <a:cubicBezTo>
+                  <a:pt x="4379525" y="2007265"/>
+                  <a:pt x="4530141" y="2664286"/>
+                  <a:pt x="4610660" y="3331516"/>
+                </a:cubicBezTo>
+                <a:cubicBezTo>
+                  <a:pt x="4652837" y="3672965"/>
+                  <a:pt x="4671625" y="4013908"/>
+                  <a:pt x="4645040" y="4357388"/>
+                </a:cubicBezTo>
+                <a:cubicBezTo>
+                  <a:pt x="4613599" y="4758899"/>
+                  <a:pt x="4566181" y="5157998"/>
+                  <a:pt x="4485789" y="5552906"/>
+                </a:cubicBezTo>
+                <a:cubicBezTo>
+                  <a:pt x="4397121" y="5988893"/>
+                  <a:pt x="4276748" y="6414594"/>
+                  <a:pt x="4117769" y="6828295"/>
+                </a:cubicBezTo>
+                <a:lnTo>
+                  <a:pt x="4105288" y="6858000"/>
+                </a:lnTo>
+                <a:lnTo>
+                  <a:pt x="4052520" y="6858000"/>
+                </a:lnTo>
+                <a:lnTo>
+                  <a:pt x="4059369" y="6841549"/>
+                </a:lnTo>
+                <a:cubicBezTo>
+                  <a:pt x="4147276" y="6614016"/>
+                  <a:pt x="4224193" y="6380817"/>
+                  <a:pt x="4291518" y="6142729"/>
+                </a:cubicBezTo>
+                <a:cubicBezTo>
+                  <a:pt x="4350055" y="5935370"/>
+                  <a:pt x="4393256" y="5723695"/>
+                  <a:pt x="4443357" y="5513923"/>
+                </a:cubicBezTo>
+                <a:cubicBezTo>
+                  <a:pt x="4444541" y="5502788"/>
+                  <a:pt x="4445137" y="5491601"/>
+                  <a:pt x="4445146" y="5480401"/>
+                </a:cubicBezTo>
+                <a:cubicBezTo>
+                  <a:pt x="4408465" y="5607635"/>
+                  <a:pt x="4379196" y="5719759"/>
+                  <a:pt x="4344559" y="5830359"/>
+                </a:cubicBezTo>
+                <a:cubicBezTo>
+                  <a:pt x="4254261" y="6118381"/>
+                  <a:pt x="4150112" y="6398531"/>
+                  <a:pt x="4031702" y="6670527"/>
+                </a:cubicBezTo>
+                <a:lnTo>
+                  <a:pt x="3943824" y="6858000"/>
+                </a:lnTo>
+                <a:lnTo>
+                  <a:pt x="0" y="6858000"/>
+                </a:lnTo>
+                <a:close/>
+              </a:path>
+            </a:pathLst>
+          </a:custGeom>
+        </p:spPr>
+      </p:pic>
+      <p:sp>
+        <p:nvSpPr>
+          <p:cNvPr id="11" name="sketchy line">
+            <a:extLst>
+              <a:ext uri="{FF2B5EF4-FFF2-40B4-BE49-F238E27FC236}">
+                <a16:creationId xmlns:a16="http://schemas.microsoft.com/office/drawing/2014/main" id="{21540236-BFD5-4A9D-8840-4703E7F76825}"/>
+              </a:ext>
+              <a:ext uri="{C183D7F6-B498-43B3-948B-1728B52AA6E4}">
+                <adec:decorative xmlns:adec="http://schemas.microsoft.com/office/drawing/2017/decorative" val="1"/>
+              </a:ext>
+            </a:extLst>
+          </p:cNvPr>
+          <p:cNvSpPr>
+            <a:spLocks noGrp="1" noRot="1" noChangeAspect="1" noMove="1" noResize="1" noEditPoints="1" noAdjustHandles="1" noChangeArrowheads="1" noChangeShapeType="1" noTextEdit="1"/>
+          </p:cNvSpPr>
+          <p:nvPr>
+            <p:extLst>
+              <p:ext uri="{386F3935-93C4-4BCD-93E2-E3B085C9AB24}">
+                <p16:designElem xmlns:p16="http://schemas.microsoft.com/office/powerpoint/2015/main" val="1"/>
+              </p:ext>
+            </p:extLst>
+          </p:nvPr>
+        </p:nvSpPr>
+        <p:spPr>
+          <a:xfrm>
+            <a:off x="5297762" y="2374947"/>
+            <a:ext cx="4243589" cy="18288"/>
+          </a:xfrm>
+          <a:custGeom>
+            <a:avLst/>
+            <a:gdLst>
+              <a:gd name="connsiteX0" fmla="*/ 0 w 4243589"/>
+              <a:gd name="connsiteY0" fmla="*/ 0 h 18288"/>
+              <a:gd name="connsiteX1" fmla="*/ 478919 w 4243589"/>
+              <a:gd name="connsiteY1" fmla="*/ 0 h 18288"/>
+              <a:gd name="connsiteX2" fmla="*/ 957839 w 4243589"/>
+              <a:gd name="connsiteY2" fmla="*/ 0 h 18288"/>
+              <a:gd name="connsiteX3" fmla="*/ 1521630 w 4243589"/>
+              <a:gd name="connsiteY3" fmla="*/ 0 h 18288"/>
+              <a:gd name="connsiteX4" fmla="*/ 2212729 w 4243589"/>
+              <a:gd name="connsiteY4" fmla="*/ 0 h 18288"/>
+              <a:gd name="connsiteX5" fmla="*/ 2734084 w 4243589"/>
+              <a:gd name="connsiteY5" fmla="*/ 0 h 18288"/>
+              <a:gd name="connsiteX6" fmla="*/ 3255439 w 4243589"/>
+              <a:gd name="connsiteY6" fmla="*/ 0 h 18288"/>
+              <a:gd name="connsiteX7" fmla="*/ 4243589 w 4243589"/>
+              <a:gd name="connsiteY7" fmla="*/ 0 h 18288"/>
+              <a:gd name="connsiteX8" fmla="*/ 4243589 w 4243589"/>
+              <a:gd name="connsiteY8" fmla="*/ 18288 h 18288"/>
+              <a:gd name="connsiteX9" fmla="*/ 3594926 w 4243589"/>
+              <a:gd name="connsiteY9" fmla="*/ 18288 h 18288"/>
+              <a:gd name="connsiteX10" fmla="*/ 3073571 w 4243589"/>
+              <a:gd name="connsiteY10" fmla="*/ 18288 h 18288"/>
+              <a:gd name="connsiteX11" fmla="*/ 2552216 w 4243589"/>
+              <a:gd name="connsiteY11" fmla="*/ 18288 h 18288"/>
+              <a:gd name="connsiteX12" fmla="*/ 1903553 w 4243589"/>
+              <a:gd name="connsiteY12" fmla="*/ 18288 h 18288"/>
+              <a:gd name="connsiteX13" fmla="*/ 1212454 w 4243589"/>
+              <a:gd name="connsiteY13" fmla="*/ 18288 h 18288"/>
+              <a:gd name="connsiteX14" fmla="*/ 733535 w 4243589"/>
+              <a:gd name="connsiteY14" fmla="*/ 18288 h 18288"/>
+              <a:gd name="connsiteX15" fmla="*/ 0 w 4243589"/>
+              <a:gd name="connsiteY15" fmla="*/ 18288 h 18288"/>
+              <a:gd name="connsiteX16" fmla="*/ 0 w 4243589"/>
+              <a:gd name="connsiteY16" fmla="*/ 0 h 18288"/>
+            </a:gdLst>
+            <a:ahLst/>
+            <a:cxnLst>
+              <a:cxn ang="0">
+                <a:pos x="connsiteX0" y="connsiteY0"/>
+              </a:cxn>
+              <a:cxn ang="0">
+                <a:pos x="connsiteX1" y="connsiteY1"/>
+              </a:cxn>
+              <a:cxn ang="0">
+                <a:pos x="connsiteX2" y="connsiteY2"/>
+              </a:cxn>
+              <a:cxn ang="0">
+                <a:pos x="connsiteX3" y="connsiteY3"/>
+              </a:cxn>
+              <a:cxn ang="0">
+                <a:pos x="connsiteX4" y="connsiteY4"/>
+              </a:cxn>
+              <a:cxn ang="0">
+                <a:pos x="connsiteX5" y="connsiteY5"/>
+              </a:cxn>
+              <a:cxn ang="0">
+                <a:pos x="connsiteX6" y="connsiteY6"/>
+              </a:cxn>
+              <a:cxn ang="0">
+                <a:pos x="connsiteX7" y="connsiteY7"/>
+              </a:cxn>
+              <a:cxn ang="0">
+                <a:pos x="connsiteX8" y="connsiteY8"/>
+              </a:cxn>
+              <a:cxn ang="0">
+                <a:pos x="connsiteX9" y="connsiteY9"/>
+              </a:cxn>
+              <a:cxn ang="0">
+                <a:pos x="connsiteX10" y="connsiteY10"/>
+              </a:cxn>
+              <a:cxn ang="0">
+                <a:pos x="connsiteX11" y="connsiteY11"/>
+              </a:cxn>
+              <a:cxn ang="0">
+                <a:pos x="connsiteX12" y="connsiteY12"/>
+              </a:cxn>
+              <a:cxn ang="0">
+                <a:pos x="connsiteX13" y="connsiteY13"/>
+              </a:cxn>
+              <a:cxn ang="0">
+                <a:pos x="connsiteX14" y="connsiteY14"/>
+              </a:cxn>
+              <a:cxn ang="0">
+                <a:pos x="connsiteX15" y="connsiteY15"/>
+              </a:cxn>
+              <a:cxn ang="0">
+                <a:pos x="connsiteX16" y="connsiteY16"/>
+              </a:cxn>
+            </a:cxnLst>
+            <a:rect l="l" t="t" r="r" b="b"/>
+            <a:pathLst>
+              <a:path w="4243589" h="18288" fill="none" extrusionOk="0">
+                <a:moveTo>
+                  <a:pt x="0" y="0"/>
+                </a:moveTo>
+                <a:cubicBezTo>
+                  <a:pt x="213395" y="-21006"/>
+                  <a:pt x="307421" y="-18116"/>
+                  <a:pt x="478919" y="0"/>
+                </a:cubicBezTo>
+                <a:cubicBezTo>
+                  <a:pt x="650417" y="18116"/>
+                  <a:pt x="831092" y="-21237"/>
+                  <a:pt x="957839" y="0"/>
+                </a:cubicBezTo>
+                <a:cubicBezTo>
+                  <a:pt x="1084586" y="21237"/>
+                  <a:pt x="1301682" y="25124"/>
+                  <a:pt x="1521630" y="0"/>
+                </a:cubicBezTo>
+                <a:cubicBezTo>
+                  <a:pt x="1741578" y="-25124"/>
+                  <a:pt x="1970269" y="-29139"/>
+                  <a:pt x="2212729" y="0"/>
+                </a:cubicBezTo>
+                <a:cubicBezTo>
+                  <a:pt x="2455189" y="29139"/>
+                  <a:pt x="2558847" y="-4796"/>
+                  <a:pt x="2734084" y="0"/>
+                </a:cubicBezTo>
+                <a:cubicBezTo>
+                  <a:pt x="2909321" y="4796"/>
+                  <a:pt x="3097217" y="-13409"/>
+                  <a:pt x="3255439" y="0"/>
+                </a:cubicBezTo>
+                <a:cubicBezTo>
+                  <a:pt x="3413662" y="13409"/>
+                  <a:pt x="3979999" y="-10121"/>
+                  <a:pt x="4243589" y="0"/>
+                </a:cubicBezTo>
+                <a:cubicBezTo>
+                  <a:pt x="4244484" y="8974"/>
+                  <a:pt x="4243043" y="9359"/>
+                  <a:pt x="4243589" y="18288"/>
+                </a:cubicBezTo>
+                <a:cubicBezTo>
+                  <a:pt x="4058777" y="31246"/>
+                  <a:pt x="3910348" y="3158"/>
+                  <a:pt x="3594926" y="18288"/>
+                </a:cubicBezTo>
+                <a:cubicBezTo>
+                  <a:pt x="3279504" y="33418"/>
+                  <a:pt x="3319955" y="-3977"/>
+                  <a:pt x="3073571" y="18288"/>
+                </a:cubicBezTo>
+                <a:cubicBezTo>
+                  <a:pt x="2827187" y="40553"/>
+                  <a:pt x="2767387" y="1863"/>
+                  <a:pt x="2552216" y="18288"/>
+                </a:cubicBezTo>
+                <a:cubicBezTo>
+                  <a:pt x="2337046" y="34713"/>
+                  <a:pt x="2181871" y="19527"/>
+                  <a:pt x="1903553" y="18288"/>
+                </a:cubicBezTo>
+                <a:cubicBezTo>
+                  <a:pt x="1625235" y="17049"/>
+                  <a:pt x="1557672" y="24174"/>
+                  <a:pt x="1212454" y="18288"/>
+                </a:cubicBezTo>
+                <a:cubicBezTo>
+                  <a:pt x="867236" y="12402"/>
+                  <a:pt x="874382" y="15627"/>
+                  <a:pt x="733535" y="18288"/>
+                </a:cubicBezTo>
+                <a:cubicBezTo>
+                  <a:pt x="592688" y="20949"/>
+                  <a:pt x="183477" y="14753"/>
+                  <a:pt x="0" y="18288"/>
+                </a:cubicBezTo>
+                <a:cubicBezTo>
+                  <a:pt x="-229" y="14222"/>
+                  <a:pt x="509" y="5816"/>
+                  <a:pt x="0" y="0"/>
+                </a:cubicBezTo>
+                <a:close/>
+              </a:path>
+              <a:path w="4243589" h="18288" stroke="0" extrusionOk="0">
+                <a:moveTo>
+                  <a:pt x="0" y="0"/>
+                </a:moveTo>
+                <a:cubicBezTo>
+                  <a:pt x="143690" y="16630"/>
+                  <a:pt x="266667" y="14847"/>
+                  <a:pt x="521355" y="0"/>
+                </a:cubicBezTo>
+                <a:cubicBezTo>
+                  <a:pt x="776043" y="-14847"/>
+                  <a:pt x="814491" y="-17363"/>
+                  <a:pt x="1000275" y="0"/>
+                </a:cubicBezTo>
+                <a:cubicBezTo>
+                  <a:pt x="1186059" y="17363"/>
+                  <a:pt x="1352504" y="-23507"/>
+                  <a:pt x="1521630" y="0"/>
+                </a:cubicBezTo>
+                <a:cubicBezTo>
+                  <a:pt x="1690756" y="23507"/>
+                  <a:pt x="1889525" y="5871"/>
+                  <a:pt x="2127857" y="0"/>
+                </a:cubicBezTo>
+                <a:cubicBezTo>
+                  <a:pt x="2366189" y="-5871"/>
+                  <a:pt x="2620628" y="-27997"/>
+                  <a:pt x="2776520" y="0"/>
+                </a:cubicBezTo>
+                <a:cubicBezTo>
+                  <a:pt x="2932412" y="27997"/>
+                  <a:pt x="3131683" y="-25073"/>
+                  <a:pt x="3467618" y="0"/>
+                </a:cubicBezTo>
+                <a:cubicBezTo>
+                  <a:pt x="3803553" y="25073"/>
+                  <a:pt x="4017371" y="3071"/>
+                  <a:pt x="4243589" y="0"/>
+                </a:cubicBezTo>
+                <a:cubicBezTo>
+                  <a:pt x="4243134" y="6162"/>
+                  <a:pt x="4243492" y="11775"/>
+                  <a:pt x="4243589" y="18288"/>
+                </a:cubicBezTo>
+                <a:cubicBezTo>
+                  <a:pt x="4017834" y="-5779"/>
+                  <a:pt x="3834586" y="13376"/>
+                  <a:pt x="3594926" y="18288"/>
+                </a:cubicBezTo>
+                <a:cubicBezTo>
+                  <a:pt x="3355266" y="23200"/>
+                  <a:pt x="3204179" y="2869"/>
+                  <a:pt x="2903827" y="18288"/>
+                </a:cubicBezTo>
+                <a:cubicBezTo>
+                  <a:pt x="2603475" y="33707"/>
+                  <a:pt x="2526187" y="46187"/>
+                  <a:pt x="2212729" y="18288"/>
+                </a:cubicBezTo>
+                <a:cubicBezTo>
+                  <a:pt x="1899271" y="-9611"/>
+                  <a:pt x="1966289" y="29692"/>
+                  <a:pt x="1733809" y="18288"/>
+                </a:cubicBezTo>
+                <a:cubicBezTo>
+                  <a:pt x="1501329" y="6884"/>
+                  <a:pt x="1343612" y="12492"/>
+                  <a:pt x="1085146" y="18288"/>
+                </a:cubicBezTo>
+                <a:cubicBezTo>
+                  <a:pt x="826680" y="24084"/>
+                  <a:pt x="778184" y="35607"/>
+                  <a:pt x="521355" y="18288"/>
+                </a:cubicBezTo>
+                <a:cubicBezTo>
+                  <a:pt x="264526" y="969"/>
+                  <a:pt x="120277" y="4268"/>
+                  <a:pt x="0" y="18288"/>
+                </a:cubicBezTo>
+                <a:cubicBezTo>
+                  <a:pt x="766" y="10800"/>
+                  <a:pt x="-457" y="8180"/>
+                  <a:pt x="0" y="0"/>
+                </a:cubicBezTo>
+                <a:close/>
+              </a:path>
+            </a:pathLst>
+          </a:custGeom>
+          <a:solidFill>
+            <a:schemeClr val="accent2"/>
+          </a:solidFill>
+          <a:ln w="44450" cap="rnd">
+            <a:solidFill>
+              <a:schemeClr val="accent2"/>
+            </a:solidFill>
+            <a:round/>
+            <a:extLst>
+              <a:ext uri="{C807C97D-BFC1-408E-A445-0C87EB9F89A2}">
+                <ask:lineSketchStyleProps xmlns:ask="http://schemas.microsoft.com/office/drawing/2018/sketchyshapes" sd="2727557108">
+                  <a:prstGeom prst="rect">
+                    <a:avLst/>
+                  </a:prstGeom>
+                  <ask:type>
+                    <ask:lineSketchFreehand/>
+                  </ask:type>
+                </ask:lineSketchStyleProps>
+              </a:ext>
+            </a:extLst>
+          </a:ln>
+        </p:spPr>
+        <p:style>
+          <a:lnRef idx="2">
+            <a:schemeClr val="accent1">
+              <a:shade val="50000"/>
+            </a:schemeClr>
+          </a:lnRef>
+          <a:fillRef idx="1">
+            <a:schemeClr val="accent1"/>
+          </a:fillRef>
+          <a:effectRef idx="0">
+            <a:schemeClr val="accent1"/>
+          </a:effectRef>
+          <a:fontRef idx="minor">
+            <a:schemeClr val="lt1"/>
+          </a:fontRef>
+        </p:style>
+        <p:txBody>
+          <a:bodyPr rtlCol="0" anchor="ctr"/>
+          <a:lstStyle/>
+          <a:p>
+            <a:pPr algn="ctr"/>
+            <a:endParaRPr lang="en-US"/>
+          </a:p>
+        </p:txBody>
+      </p:sp>
+      <p:sp>
+        <p:nvSpPr>
+          <p:cNvPr id="3" name="Content Placeholder 2">
+            <a:extLst>
+              <a:ext uri="{FF2B5EF4-FFF2-40B4-BE49-F238E27FC236}">
+                <a16:creationId xmlns:a16="http://schemas.microsoft.com/office/drawing/2014/main" id="{B17E19F3-FFF6-5824-0642-7F3FEB543BD8}"/>
+              </a:ext>
+            </a:extLst>
+          </p:cNvPr>
+          <p:cNvSpPr>
+            <a:spLocks noGrp="1"/>
+          </p:cNvSpPr>
+          <p:nvPr>
+            <p:ph idx="1"/>
+          </p:nvPr>
+        </p:nvSpPr>
+        <p:spPr>
+          <a:xfrm>
+            <a:off x="5297762" y="2706624"/>
+            <a:ext cx="6251110" cy="3483864"/>
+          </a:xfrm>
+        </p:spPr>
+        <p:txBody>
+          <a:bodyPr>
+            <a:normAutofit fontScale="92500" lnSpcReduction="10000"/>
+          </a:bodyPr>
+          <a:lstStyle/>
+          <a:p>
+            <a:pPr marL="0" indent="0">
+              <a:buNone/>
+            </a:pPr>
+            <a:r>
+              <a:rPr lang="en-US" sz="2400" b="1" dirty="0"/>
+              <a:t>Origins of Module Federation</a:t>
+            </a:r>
+          </a:p>
+          <a:p>
+            <a:pPr algn="just"/>
+            <a:r>
+              <a:rPr lang="en-US" sz="2000" dirty="0"/>
+              <a:t>The idea of sharing code between multiple applications is not a new one. In fact, it has been a common practice in software development for many years. However, the rise of microservices and the need for highly modular and scalable architectures in web development created a new demand for code sharing across multiple applications.</a:t>
+            </a:r>
+          </a:p>
+          <a:p>
+            <a:pPr algn="just"/>
+            <a:r>
+              <a:rPr lang="en-US" sz="2000" dirty="0"/>
+              <a:t>The first attempts to solve this problem involved using </a:t>
+            </a:r>
+            <a:r>
+              <a:rPr lang="en-US" sz="2000" dirty="0" err="1"/>
+              <a:t>iframes</a:t>
+            </a:r>
+            <a:r>
+              <a:rPr lang="en-US" sz="2000" dirty="0"/>
+              <a:t> or server-side includes to embed code from one application into another. However, these approaches had significant limitations in terms of performance, flexibility, and security.</a:t>
+            </a:r>
+          </a:p>
+        </p:txBody>
+      </p:sp>
+    </p:spTree>
+    <p:extLst>
+      <p:ext uri="{BB962C8B-B14F-4D97-AF65-F5344CB8AC3E}">
+        <p14:creationId xmlns:p14="http://schemas.microsoft.com/office/powerpoint/2010/main" val="2047921346"/>
+      </p:ext>
+    </p:extLst>
+  </p:cSld>
+  <p:clrMapOvr>
+    <a:masterClrMapping/>
+  </p:clrMapOvr>
+</p:sld>
+</file>
+
+<file path=ppt/slides/slide3.xml><?xml version="1.0" encoding="utf-8"?>
+<p:sld xmlns:a="http://schemas.openxmlformats.org/drawingml/2006/main" xmlns:r="http://schemas.openxmlformats.org/officeDocument/2006/relationships" xmlns:p="http://schemas.openxmlformats.org/presentationml/2006/main">
+  <p:cSld>
+    <p:bg>
+      <p:bgPr>
+        <a:solidFill>
+          <a:schemeClr val="bg1"/>
+        </a:solidFill>
+        <a:effectLst/>
+      </p:bgPr>
+    </p:bg>
+    <p:spTree>
+      <p:nvGrpSpPr>
+        <p:cNvPr id="1" name=""/>
+        <p:cNvGrpSpPr/>
+        <p:nvPr/>
+      </p:nvGrpSpPr>
+      <p:grpSpPr>
+        <a:xfrm>
+          <a:off x="0" y="0"/>
+          <a:ext cx="0" cy="0"/>
+          <a:chOff x="0" y="0"/>
+          <a:chExt cx="0" cy="0"/>
+        </a:xfrm>
+      </p:grpSpPr>
+      <p:sp useBgFill="1">
+        <p:nvSpPr>
+          <p:cNvPr id="9" name="Rectangle 8">
+            <a:extLst>
+              <a:ext uri="{FF2B5EF4-FFF2-40B4-BE49-F238E27FC236}">
+                <a16:creationId xmlns:a16="http://schemas.microsoft.com/office/drawing/2014/main" id="{2C61293E-6EBE-43EF-A52C-9BEBFD7679D4}"/>
+              </a:ext>
+              <a:ext uri="{C183D7F6-B498-43B3-948B-1728B52AA6E4}">
+                <adec:decorative xmlns:adec="http://schemas.microsoft.com/office/drawing/2017/decorative" val="1"/>
+              </a:ext>
+            </a:extLst>
+          </p:cNvPr>
+          <p:cNvSpPr>
+            <a:spLocks noGrp="1" noRot="1" noChangeAspect="1" noMove="1" noResize="1" noEditPoints="1" noAdjustHandles="1" noChangeArrowheads="1" noChangeShapeType="1" noTextEdit="1"/>
+          </p:cNvSpPr>
+          <p:nvPr>
+            <p:extLst>
+              <p:ext uri="{386F3935-93C4-4BCD-93E2-E3B085C9AB24}">
+                <p16:designElem xmlns:p16="http://schemas.microsoft.com/office/powerpoint/2015/main" val="1"/>
+              </p:ext>
+            </p:extLst>
+          </p:nvPr>
+        </p:nvSpPr>
+        <p:spPr>
+          <a:xfrm>
+            <a:off x="0" y="0"/>
+            <a:ext cx="12188952" cy="6858000"/>
+          </a:xfrm>
+          <a:prstGeom prst="rect">
+            <a:avLst/>
+          </a:prstGeom>
+          <a:ln>
+            <a:noFill/>
+          </a:ln>
+        </p:spPr>
+        <p:style>
+          <a:lnRef idx="2">
+            <a:schemeClr val="accent1">
+              <a:shade val="50000"/>
+            </a:schemeClr>
+          </a:lnRef>
+          <a:fillRef idx="1">
+            <a:schemeClr val="accent1"/>
+          </a:fillRef>
+          <a:effectRef idx="0">
+            <a:schemeClr val="accent1"/>
+          </a:effectRef>
+          <a:fontRef idx="minor">
+            <a:schemeClr val="lt1"/>
+          </a:fontRef>
+        </p:style>
+        <p:txBody>
+          <a:bodyPr rtlCol="0" anchor="ctr"/>
+          <a:lstStyle/>
+          <a:p>
+            <a:pPr algn="ctr"/>
+            <a:endParaRPr lang="en-US"/>
+          </a:p>
+        </p:txBody>
+      </p:sp>
+      <p:sp>
+        <p:nvSpPr>
+          <p:cNvPr id="2" name="Title 1">
+            <a:extLst>
+              <a:ext uri="{FF2B5EF4-FFF2-40B4-BE49-F238E27FC236}">
+                <a16:creationId xmlns:a16="http://schemas.microsoft.com/office/drawing/2014/main" id="{3D01D786-1610-934B-9E64-DF14C555F4E3}"/>
+              </a:ext>
+            </a:extLst>
+          </p:cNvPr>
+          <p:cNvSpPr>
+            <a:spLocks noGrp="1"/>
+          </p:cNvSpPr>
+          <p:nvPr>
+            <p:ph type="title"/>
+          </p:nvPr>
+        </p:nvSpPr>
+        <p:spPr>
+          <a:xfrm>
+            <a:off x="5297762" y="329184"/>
+            <a:ext cx="6251110" cy="1783080"/>
+          </a:xfrm>
+        </p:spPr>
+        <p:txBody>
+          <a:bodyPr anchor="b">
+            <a:normAutofit/>
+          </a:bodyPr>
+          <a:lstStyle/>
+          <a:p>
+            <a:r>
+              <a:rPr lang="en-US" sz="5400" dirty="0"/>
+              <a:t>History of Module Federation</a:t>
+            </a:r>
+          </a:p>
+        </p:txBody>
+      </p:sp>
+      <p:pic>
+        <p:nvPicPr>
+          <p:cNvPr id="5" name="Picture 4" descr="Light bulb on yellow background with sketched light beams and cord">
+            <a:extLst>
+              <a:ext uri="{FF2B5EF4-FFF2-40B4-BE49-F238E27FC236}">
+                <a16:creationId xmlns:a16="http://schemas.microsoft.com/office/drawing/2014/main" id="{07527E9B-11E2-CC80-587B-84D296997DFF}"/>
+              </a:ext>
+            </a:extLst>
+          </p:cNvPr>
+          <p:cNvPicPr>
+            <a:picLocks noChangeAspect="1"/>
+          </p:cNvPicPr>
+          <p:nvPr/>
+        </p:nvPicPr>
+        <p:blipFill rotWithShape="1">
+          <a:blip r:embed="rId2"/>
+          <a:srcRect l="51246" r="6988"/>
+          <a:stretch/>
+        </p:blipFill>
+        <p:spPr>
+          <a:xfrm>
+            <a:off x="1" y="10"/>
+            <a:ext cx="4657344" cy="6857990"/>
+          </a:xfrm>
+          <a:custGeom>
+            <a:avLst/>
+            <a:gdLst/>
+            <a:ahLst/>
+            <a:cxnLst/>
+            <a:rect l="l" t="t" r="r" b="b"/>
+            <a:pathLst>
+              <a:path w="4657344" h="6858000">
+                <a:moveTo>
+                  <a:pt x="0" y="0"/>
+                </a:moveTo>
+                <a:lnTo>
+                  <a:pt x="3429755" y="0"/>
+                </a:lnTo>
+                <a:lnTo>
+                  <a:pt x="3526016" y="148742"/>
+                </a:lnTo>
+                <a:cubicBezTo>
+                  <a:pt x="3657740" y="365513"/>
+                  <a:pt x="3777402" y="589569"/>
+                  <a:pt x="3886489" y="819975"/>
+                </a:cubicBezTo>
+                <a:cubicBezTo>
+                  <a:pt x="3891856" y="833492"/>
+                  <a:pt x="3900663" y="845393"/>
+                  <a:pt x="3912049" y="854514"/>
+                </a:cubicBezTo>
+                <a:cubicBezTo>
+                  <a:pt x="3897352" y="819849"/>
+                  <a:pt x="3883037" y="784928"/>
+                  <a:pt x="3868083" y="750263"/>
+                </a:cubicBezTo>
+                <a:cubicBezTo>
+                  <a:pt x="3806989" y="608712"/>
+                  <a:pt x="3742478" y="469145"/>
+                  <a:pt x="3674155" y="331786"/>
+                </a:cubicBezTo>
+                <a:lnTo>
+                  <a:pt x="3496656" y="0"/>
+                </a:lnTo>
+                <a:lnTo>
+                  <a:pt x="3554371" y="0"/>
+                </a:lnTo>
+                <a:lnTo>
+                  <a:pt x="3661621" y="196614"/>
+                </a:lnTo>
+                <a:cubicBezTo>
+                  <a:pt x="3856899" y="573253"/>
+                  <a:pt x="4021071" y="966066"/>
+                  <a:pt x="4161279" y="1371196"/>
+                </a:cubicBezTo>
+                <a:cubicBezTo>
+                  <a:pt x="4379525" y="2007265"/>
+                  <a:pt x="4530141" y="2664286"/>
+                  <a:pt x="4610660" y="3331516"/>
+                </a:cubicBezTo>
+                <a:cubicBezTo>
+                  <a:pt x="4652837" y="3672965"/>
+                  <a:pt x="4671625" y="4013908"/>
+                  <a:pt x="4645040" y="4357388"/>
+                </a:cubicBezTo>
+                <a:cubicBezTo>
+                  <a:pt x="4613599" y="4758899"/>
+                  <a:pt x="4566181" y="5157998"/>
+                  <a:pt x="4485789" y="5552906"/>
+                </a:cubicBezTo>
+                <a:cubicBezTo>
+                  <a:pt x="4397121" y="5988893"/>
+                  <a:pt x="4276748" y="6414594"/>
+                  <a:pt x="4117769" y="6828295"/>
+                </a:cubicBezTo>
+                <a:lnTo>
+                  <a:pt x="4105288" y="6858000"/>
+                </a:lnTo>
+                <a:lnTo>
+                  <a:pt x="4052520" y="6858000"/>
+                </a:lnTo>
+                <a:lnTo>
+                  <a:pt x="4059369" y="6841549"/>
+                </a:lnTo>
+                <a:cubicBezTo>
+                  <a:pt x="4147276" y="6614016"/>
+                  <a:pt x="4224193" y="6380817"/>
+                  <a:pt x="4291518" y="6142729"/>
+                </a:cubicBezTo>
+                <a:cubicBezTo>
+                  <a:pt x="4350055" y="5935370"/>
+                  <a:pt x="4393256" y="5723695"/>
+                  <a:pt x="4443357" y="5513923"/>
+                </a:cubicBezTo>
+                <a:cubicBezTo>
+                  <a:pt x="4444541" y="5502788"/>
+                  <a:pt x="4445137" y="5491601"/>
+                  <a:pt x="4445146" y="5480401"/>
+                </a:cubicBezTo>
+                <a:cubicBezTo>
+                  <a:pt x="4408465" y="5607635"/>
+                  <a:pt x="4379196" y="5719759"/>
+                  <a:pt x="4344559" y="5830359"/>
+                </a:cubicBezTo>
+                <a:cubicBezTo>
+                  <a:pt x="4254261" y="6118381"/>
+                  <a:pt x="4150112" y="6398531"/>
+                  <a:pt x="4031702" y="6670527"/>
+                </a:cubicBezTo>
+                <a:lnTo>
+                  <a:pt x="3943824" y="6858000"/>
+                </a:lnTo>
+                <a:lnTo>
+                  <a:pt x="0" y="6858000"/>
+                </a:lnTo>
+                <a:close/>
+              </a:path>
+            </a:pathLst>
+          </a:custGeom>
+        </p:spPr>
+      </p:pic>
+      <p:sp>
+        <p:nvSpPr>
+          <p:cNvPr id="11" name="sketchy line">
+            <a:extLst>
+              <a:ext uri="{FF2B5EF4-FFF2-40B4-BE49-F238E27FC236}">
+                <a16:creationId xmlns:a16="http://schemas.microsoft.com/office/drawing/2014/main" id="{21540236-BFD5-4A9D-8840-4703E7F76825}"/>
+              </a:ext>
+              <a:ext uri="{C183D7F6-B498-43B3-948B-1728B52AA6E4}">
+                <adec:decorative xmlns:adec="http://schemas.microsoft.com/office/drawing/2017/decorative" val="1"/>
+              </a:ext>
+            </a:extLst>
+          </p:cNvPr>
+          <p:cNvSpPr>
+            <a:spLocks noGrp="1" noRot="1" noChangeAspect="1" noMove="1" noResize="1" noEditPoints="1" noAdjustHandles="1" noChangeArrowheads="1" noChangeShapeType="1" noTextEdit="1"/>
+          </p:cNvSpPr>
+          <p:nvPr>
+            <p:extLst>
+              <p:ext uri="{386F3935-93C4-4BCD-93E2-E3B085C9AB24}">
+                <p16:designElem xmlns:p16="http://schemas.microsoft.com/office/powerpoint/2015/main" val="1"/>
+              </p:ext>
+            </p:extLst>
+          </p:nvPr>
+        </p:nvSpPr>
+        <p:spPr>
+          <a:xfrm>
+            <a:off x="5297762" y="2374947"/>
+            <a:ext cx="4243589" cy="18288"/>
+          </a:xfrm>
+          <a:custGeom>
+            <a:avLst/>
+            <a:gdLst>
+              <a:gd name="connsiteX0" fmla="*/ 0 w 4243589"/>
+              <a:gd name="connsiteY0" fmla="*/ 0 h 18288"/>
+              <a:gd name="connsiteX1" fmla="*/ 478919 w 4243589"/>
+              <a:gd name="connsiteY1" fmla="*/ 0 h 18288"/>
+              <a:gd name="connsiteX2" fmla="*/ 957839 w 4243589"/>
+              <a:gd name="connsiteY2" fmla="*/ 0 h 18288"/>
+              <a:gd name="connsiteX3" fmla="*/ 1521630 w 4243589"/>
+              <a:gd name="connsiteY3" fmla="*/ 0 h 18288"/>
+              <a:gd name="connsiteX4" fmla="*/ 2212729 w 4243589"/>
+              <a:gd name="connsiteY4" fmla="*/ 0 h 18288"/>
+              <a:gd name="connsiteX5" fmla="*/ 2734084 w 4243589"/>
+              <a:gd name="connsiteY5" fmla="*/ 0 h 18288"/>
+              <a:gd name="connsiteX6" fmla="*/ 3255439 w 4243589"/>
+              <a:gd name="connsiteY6" fmla="*/ 0 h 18288"/>
+              <a:gd name="connsiteX7" fmla="*/ 4243589 w 4243589"/>
+              <a:gd name="connsiteY7" fmla="*/ 0 h 18288"/>
+              <a:gd name="connsiteX8" fmla="*/ 4243589 w 4243589"/>
+              <a:gd name="connsiteY8" fmla="*/ 18288 h 18288"/>
+              <a:gd name="connsiteX9" fmla="*/ 3594926 w 4243589"/>
+              <a:gd name="connsiteY9" fmla="*/ 18288 h 18288"/>
+              <a:gd name="connsiteX10" fmla="*/ 3073571 w 4243589"/>
+              <a:gd name="connsiteY10" fmla="*/ 18288 h 18288"/>
+              <a:gd name="connsiteX11" fmla="*/ 2552216 w 4243589"/>
+              <a:gd name="connsiteY11" fmla="*/ 18288 h 18288"/>
+              <a:gd name="connsiteX12" fmla="*/ 1903553 w 4243589"/>
+              <a:gd name="connsiteY12" fmla="*/ 18288 h 18288"/>
+              <a:gd name="connsiteX13" fmla="*/ 1212454 w 4243589"/>
+              <a:gd name="connsiteY13" fmla="*/ 18288 h 18288"/>
+              <a:gd name="connsiteX14" fmla="*/ 733535 w 4243589"/>
+              <a:gd name="connsiteY14" fmla="*/ 18288 h 18288"/>
+              <a:gd name="connsiteX15" fmla="*/ 0 w 4243589"/>
+              <a:gd name="connsiteY15" fmla="*/ 18288 h 18288"/>
+              <a:gd name="connsiteX16" fmla="*/ 0 w 4243589"/>
+              <a:gd name="connsiteY16" fmla="*/ 0 h 18288"/>
+            </a:gdLst>
+            <a:ahLst/>
+            <a:cxnLst>
+              <a:cxn ang="0">
+                <a:pos x="connsiteX0" y="connsiteY0"/>
+              </a:cxn>
+              <a:cxn ang="0">
+                <a:pos x="connsiteX1" y="connsiteY1"/>
+              </a:cxn>
+              <a:cxn ang="0">
+                <a:pos x="connsiteX2" y="connsiteY2"/>
+              </a:cxn>
+              <a:cxn ang="0">
+                <a:pos x="connsiteX3" y="connsiteY3"/>
+              </a:cxn>
+              <a:cxn ang="0">
+                <a:pos x="connsiteX4" y="connsiteY4"/>
+              </a:cxn>
+              <a:cxn ang="0">
+                <a:pos x="connsiteX5" y="connsiteY5"/>
+              </a:cxn>
+              <a:cxn ang="0">
+                <a:pos x="connsiteX6" y="connsiteY6"/>
+              </a:cxn>
+              <a:cxn ang="0">
+                <a:pos x="connsiteX7" y="connsiteY7"/>
+              </a:cxn>
+              <a:cxn ang="0">
+                <a:pos x="connsiteX8" y="connsiteY8"/>
+              </a:cxn>
+              <a:cxn ang="0">
+                <a:pos x="connsiteX9" y="connsiteY9"/>
+              </a:cxn>
+              <a:cxn ang="0">
+                <a:pos x="connsiteX10" y="connsiteY10"/>
+              </a:cxn>
+              <a:cxn ang="0">
+                <a:pos x="connsiteX11" y="connsiteY11"/>
+              </a:cxn>
+              <a:cxn ang="0">
+                <a:pos x="connsiteX12" y="connsiteY12"/>
+              </a:cxn>
+              <a:cxn ang="0">
+                <a:pos x="connsiteX13" y="connsiteY13"/>
+              </a:cxn>
+              <a:cxn ang="0">
+                <a:pos x="connsiteX14" y="connsiteY14"/>
+              </a:cxn>
+              <a:cxn ang="0">
+                <a:pos x="connsiteX15" y="connsiteY15"/>
+              </a:cxn>
+              <a:cxn ang="0">
+                <a:pos x="connsiteX16" y="connsiteY16"/>
+              </a:cxn>
+            </a:cxnLst>
+            <a:rect l="l" t="t" r="r" b="b"/>
+            <a:pathLst>
+              <a:path w="4243589" h="18288" fill="none" extrusionOk="0">
+                <a:moveTo>
+                  <a:pt x="0" y="0"/>
+                </a:moveTo>
+                <a:cubicBezTo>
+                  <a:pt x="213395" y="-21006"/>
+                  <a:pt x="307421" y="-18116"/>
+                  <a:pt x="478919" y="0"/>
+                </a:cubicBezTo>
+                <a:cubicBezTo>
+                  <a:pt x="650417" y="18116"/>
+                  <a:pt x="831092" y="-21237"/>
+                  <a:pt x="957839" y="0"/>
+                </a:cubicBezTo>
+                <a:cubicBezTo>
+                  <a:pt x="1084586" y="21237"/>
+                  <a:pt x="1301682" y="25124"/>
+                  <a:pt x="1521630" y="0"/>
+                </a:cubicBezTo>
+                <a:cubicBezTo>
+                  <a:pt x="1741578" y="-25124"/>
+                  <a:pt x="1970269" y="-29139"/>
+                  <a:pt x="2212729" y="0"/>
+                </a:cubicBezTo>
+                <a:cubicBezTo>
+                  <a:pt x="2455189" y="29139"/>
+                  <a:pt x="2558847" y="-4796"/>
+                  <a:pt x="2734084" y="0"/>
+                </a:cubicBezTo>
+                <a:cubicBezTo>
+                  <a:pt x="2909321" y="4796"/>
+                  <a:pt x="3097217" y="-13409"/>
+                  <a:pt x="3255439" y="0"/>
+                </a:cubicBezTo>
+                <a:cubicBezTo>
+                  <a:pt x="3413662" y="13409"/>
+                  <a:pt x="3979999" y="-10121"/>
+                  <a:pt x="4243589" y="0"/>
+                </a:cubicBezTo>
+                <a:cubicBezTo>
+                  <a:pt x="4244484" y="8974"/>
+                  <a:pt x="4243043" y="9359"/>
+                  <a:pt x="4243589" y="18288"/>
+                </a:cubicBezTo>
+                <a:cubicBezTo>
+                  <a:pt x="4058777" y="31246"/>
+                  <a:pt x="3910348" y="3158"/>
+                  <a:pt x="3594926" y="18288"/>
+                </a:cubicBezTo>
+                <a:cubicBezTo>
+                  <a:pt x="3279504" y="33418"/>
+                  <a:pt x="3319955" y="-3977"/>
+                  <a:pt x="3073571" y="18288"/>
+                </a:cubicBezTo>
+                <a:cubicBezTo>
+                  <a:pt x="2827187" y="40553"/>
+                  <a:pt x="2767387" y="1863"/>
+                  <a:pt x="2552216" y="18288"/>
+                </a:cubicBezTo>
+                <a:cubicBezTo>
+                  <a:pt x="2337046" y="34713"/>
+                  <a:pt x="2181871" y="19527"/>
+                  <a:pt x="1903553" y="18288"/>
+                </a:cubicBezTo>
+                <a:cubicBezTo>
+                  <a:pt x="1625235" y="17049"/>
+                  <a:pt x="1557672" y="24174"/>
+                  <a:pt x="1212454" y="18288"/>
+                </a:cubicBezTo>
+                <a:cubicBezTo>
+                  <a:pt x="867236" y="12402"/>
+                  <a:pt x="874382" y="15627"/>
+                  <a:pt x="733535" y="18288"/>
+                </a:cubicBezTo>
+                <a:cubicBezTo>
+                  <a:pt x="592688" y="20949"/>
+                  <a:pt x="183477" y="14753"/>
+                  <a:pt x="0" y="18288"/>
+                </a:cubicBezTo>
+                <a:cubicBezTo>
+                  <a:pt x="-229" y="14222"/>
+                  <a:pt x="509" y="5816"/>
+                  <a:pt x="0" y="0"/>
+                </a:cubicBezTo>
+                <a:close/>
+              </a:path>
+              <a:path w="4243589" h="18288" stroke="0" extrusionOk="0">
+                <a:moveTo>
+                  <a:pt x="0" y="0"/>
+                </a:moveTo>
+                <a:cubicBezTo>
+                  <a:pt x="143690" y="16630"/>
+                  <a:pt x="266667" y="14847"/>
+                  <a:pt x="521355" y="0"/>
+                </a:cubicBezTo>
+                <a:cubicBezTo>
+                  <a:pt x="776043" y="-14847"/>
+                  <a:pt x="814491" y="-17363"/>
+                  <a:pt x="1000275" y="0"/>
+                </a:cubicBezTo>
+                <a:cubicBezTo>
+                  <a:pt x="1186059" y="17363"/>
+                  <a:pt x="1352504" y="-23507"/>
+                  <a:pt x="1521630" y="0"/>
+                </a:cubicBezTo>
+                <a:cubicBezTo>
+                  <a:pt x="1690756" y="23507"/>
+                  <a:pt x="1889525" y="5871"/>
+                  <a:pt x="2127857" y="0"/>
+                </a:cubicBezTo>
+                <a:cubicBezTo>
+                  <a:pt x="2366189" y="-5871"/>
+                  <a:pt x="2620628" y="-27997"/>
+                  <a:pt x="2776520" y="0"/>
+                </a:cubicBezTo>
+                <a:cubicBezTo>
+                  <a:pt x="2932412" y="27997"/>
+                  <a:pt x="3131683" y="-25073"/>
+                  <a:pt x="3467618" y="0"/>
+                </a:cubicBezTo>
+                <a:cubicBezTo>
+                  <a:pt x="3803553" y="25073"/>
+                  <a:pt x="4017371" y="3071"/>
+                  <a:pt x="4243589" y="0"/>
+                </a:cubicBezTo>
+                <a:cubicBezTo>
+                  <a:pt x="4243134" y="6162"/>
+                  <a:pt x="4243492" y="11775"/>
+                  <a:pt x="4243589" y="18288"/>
+                </a:cubicBezTo>
+                <a:cubicBezTo>
+                  <a:pt x="4017834" y="-5779"/>
+                  <a:pt x="3834586" y="13376"/>
+                  <a:pt x="3594926" y="18288"/>
+                </a:cubicBezTo>
+                <a:cubicBezTo>
+                  <a:pt x="3355266" y="23200"/>
+                  <a:pt x="3204179" y="2869"/>
+                  <a:pt x="2903827" y="18288"/>
+                </a:cubicBezTo>
+                <a:cubicBezTo>
+                  <a:pt x="2603475" y="33707"/>
+                  <a:pt x="2526187" y="46187"/>
+                  <a:pt x="2212729" y="18288"/>
+                </a:cubicBezTo>
+                <a:cubicBezTo>
+                  <a:pt x="1899271" y="-9611"/>
+                  <a:pt x="1966289" y="29692"/>
+                  <a:pt x="1733809" y="18288"/>
+                </a:cubicBezTo>
+                <a:cubicBezTo>
+                  <a:pt x="1501329" y="6884"/>
+                  <a:pt x="1343612" y="12492"/>
+                  <a:pt x="1085146" y="18288"/>
+                </a:cubicBezTo>
+                <a:cubicBezTo>
+                  <a:pt x="826680" y="24084"/>
+                  <a:pt x="778184" y="35607"/>
+                  <a:pt x="521355" y="18288"/>
+                </a:cubicBezTo>
+                <a:cubicBezTo>
+                  <a:pt x="264526" y="969"/>
+                  <a:pt x="120277" y="4268"/>
+                  <a:pt x="0" y="18288"/>
+                </a:cubicBezTo>
+                <a:cubicBezTo>
+                  <a:pt x="766" y="10800"/>
+                  <a:pt x="-457" y="8180"/>
+                  <a:pt x="0" y="0"/>
+                </a:cubicBezTo>
+                <a:close/>
+              </a:path>
+            </a:pathLst>
+          </a:custGeom>
+          <a:solidFill>
+            <a:schemeClr val="accent2"/>
+          </a:solidFill>
+          <a:ln w="44450" cap="rnd">
+            <a:solidFill>
+              <a:schemeClr val="accent2"/>
+            </a:solidFill>
+            <a:round/>
+            <a:extLst>
+              <a:ext uri="{C807C97D-BFC1-408E-A445-0C87EB9F89A2}">
+                <ask:lineSketchStyleProps xmlns:ask="http://schemas.microsoft.com/office/drawing/2018/sketchyshapes" sd="2727557108">
+                  <a:prstGeom prst="rect">
+                    <a:avLst/>
+                  </a:prstGeom>
+                  <ask:type>
+                    <ask:lineSketchFreehand/>
+                  </ask:type>
+                </ask:lineSketchStyleProps>
+              </a:ext>
+            </a:extLst>
+          </a:ln>
+        </p:spPr>
+        <p:style>
+          <a:lnRef idx="2">
+            <a:schemeClr val="accent1">
+              <a:shade val="50000"/>
+            </a:schemeClr>
+          </a:lnRef>
+          <a:fillRef idx="1">
+            <a:schemeClr val="accent1"/>
+          </a:fillRef>
+          <a:effectRef idx="0">
+            <a:schemeClr val="accent1"/>
+          </a:effectRef>
+          <a:fontRef idx="minor">
+            <a:schemeClr val="lt1"/>
+          </a:fontRef>
+        </p:style>
+        <p:txBody>
+          <a:bodyPr rtlCol="0" anchor="ctr"/>
+          <a:lstStyle/>
+          <a:p>
+            <a:pPr algn="ctr"/>
+            <a:endParaRPr lang="en-US"/>
+          </a:p>
+        </p:txBody>
+      </p:sp>
+      <p:sp>
+        <p:nvSpPr>
+          <p:cNvPr id="3" name="Content Placeholder 2">
+            <a:extLst>
+              <a:ext uri="{FF2B5EF4-FFF2-40B4-BE49-F238E27FC236}">
+                <a16:creationId xmlns:a16="http://schemas.microsoft.com/office/drawing/2014/main" id="{B17E19F3-FFF6-5824-0642-7F3FEB543BD8}"/>
+              </a:ext>
+            </a:extLst>
+          </p:cNvPr>
+          <p:cNvSpPr>
+            <a:spLocks noGrp="1"/>
+          </p:cNvSpPr>
+          <p:nvPr>
+            <p:ph idx="1"/>
+          </p:nvPr>
+        </p:nvSpPr>
+        <p:spPr>
+          <a:xfrm>
+            <a:off x="5297762" y="2706624"/>
+            <a:ext cx="6251110" cy="3483864"/>
+          </a:xfrm>
+        </p:spPr>
+        <p:txBody>
+          <a:bodyPr>
+            <a:normAutofit fontScale="77500" lnSpcReduction="20000"/>
+          </a:bodyPr>
+          <a:lstStyle/>
+          <a:p>
+            <a:pPr marL="0" indent="0">
+              <a:buNone/>
+            </a:pPr>
+            <a:r>
+              <a:rPr lang="en-US" sz="2900" b="1" dirty="0"/>
+              <a:t>Webpack 5 and the Birth of Module Federation</a:t>
+            </a:r>
+          </a:p>
+          <a:p>
+            <a:pPr algn="just"/>
+            <a:r>
+              <a:rPr lang="en-US" sz="2500" dirty="0"/>
+              <a:t>In 2020, Webpack 5 was released with a new feature called "Module Federation". This feature was a significant step forward in the evolution of code sharing in web development.</a:t>
+            </a:r>
+          </a:p>
+          <a:p>
+            <a:pPr algn="just"/>
+            <a:r>
+              <a:rPr lang="en-US" sz="2500" dirty="0"/>
+              <a:t>Module Federation allowed developers to share entire modules between multiple applications, not just Redux-related code. This was accomplished by extending the Webpack module bundler to support remote loading of modules and using a runtime called the "Module Federation Runtime" to handle the loading and dependency resolution of remote modules.</a:t>
+            </a:r>
+          </a:p>
+        </p:txBody>
+      </p:sp>
+    </p:spTree>
+    <p:extLst>
+      <p:ext uri="{BB962C8B-B14F-4D97-AF65-F5344CB8AC3E}">
+        <p14:creationId xmlns:p14="http://schemas.microsoft.com/office/powerpoint/2010/main" val="2409235495"/>
+      </p:ext>
+    </p:extLst>
+  </p:cSld>
+  <p:clrMapOvr>
+    <a:masterClrMapping/>
+  </p:clrMapOvr>
+</p:sld>
+</file>
+
+<file path=ppt/slides/slide4.xml><?xml version="1.0" encoding="utf-8"?>
+<p:sld xmlns:a="http://schemas.openxmlformats.org/drawingml/2006/main" xmlns:r="http://schemas.openxmlformats.org/officeDocument/2006/relationships" xmlns:p="http://schemas.openxmlformats.org/presentationml/2006/main">
+  <p:cSld>
+    <p:bg>
+      <p:bgPr>
+        <a:solidFill>
+          <a:schemeClr val="bg1"/>
+        </a:solidFill>
+        <a:effectLst/>
+      </p:bgPr>
+    </p:bg>
+    <p:spTree>
+      <p:nvGrpSpPr>
+        <p:cNvPr id="1" name=""/>
+        <p:cNvGrpSpPr/>
+        <p:nvPr/>
+      </p:nvGrpSpPr>
+      <p:grpSpPr>
+        <a:xfrm>
+          <a:off x="0" y="0"/>
+          <a:ext cx="0" cy="0"/>
+          <a:chOff x="0" y="0"/>
+          <a:chExt cx="0" cy="0"/>
+        </a:xfrm>
+      </p:grpSpPr>
+      <p:sp useBgFill="1">
+        <p:nvSpPr>
+          <p:cNvPr id="14" name="Rectangle 13">
+            <a:extLst>
+              <a:ext uri="{FF2B5EF4-FFF2-40B4-BE49-F238E27FC236}">
+                <a16:creationId xmlns:a16="http://schemas.microsoft.com/office/drawing/2014/main" id="{2C61293E-6EBE-43EF-A52C-9BEBFD7679D4}"/>
+              </a:ext>
+              <a:ext uri="{C183D7F6-B498-43B3-948B-1728B52AA6E4}">
+                <adec:decorative xmlns:adec="http://schemas.microsoft.com/office/drawing/2017/decorative" val="1"/>
+              </a:ext>
+            </a:extLst>
+          </p:cNvPr>
+          <p:cNvSpPr>
+            <a:spLocks noGrp="1" noRot="1" noChangeAspect="1" noMove="1" noResize="1" noEditPoints="1" noAdjustHandles="1" noChangeArrowheads="1" noChangeShapeType="1" noTextEdit="1"/>
+          </p:cNvSpPr>
+          <p:nvPr>
+            <p:extLst>
+              <p:ext uri="{386F3935-93C4-4BCD-93E2-E3B085C9AB24}">
+                <p16:designElem xmlns:p16="http://schemas.microsoft.com/office/powerpoint/2015/main" val="1"/>
+              </p:ext>
+            </p:extLst>
+          </p:nvPr>
+        </p:nvSpPr>
+        <p:spPr>
+          <a:xfrm>
+            <a:off x="0" y="0"/>
+            <a:ext cx="12188952" cy="6858000"/>
+          </a:xfrm>
+          <a:prstGeom prst="rect">
+            <a:avLst/>
+          </a:prstGeom>
+          <a:ln>
+            <a:noFill/>
+          </a:ln>
+        </p:spPr>
+        <p:style>
+          <a:lnRef idx="2">
+            <a:schemeClr val="accent1">
+              <a:shade val="50000"/>
+            </a:schemeClr>
+          </a:lnRef>
+          <a:fillRef idx="1">
+            <a:schemeClr val="accent1"/>
+          </a:fillRef>
+          <a:effectRef idx="0">
+            <a:schemeClr val="accent1"/>
+          </a:effectRef>
+          <a:fontRef idx="minor">
+            <a:schemeClr val="lt1"/>
+          </a:fontRef>
+        </p:style>
+        <p:txBody>
+          <a:bodyPr rtlCol="0" anchor="ctr"/>
+          <a:lstStyle/>
+          <a:p>
+            <a:pPr algn="ctr"/>
+            <a:endParaRPr lang="en-US"/>
+          </a:p>
+        </p:txBody>
+      </p:sp>
+      <p:sp>
+        <p:nvSpPr>
+          <p:cNvPr id="2" name="Title 1">
+            <a:extLst>
+              <a:ext uri="{FF2B5EF4-FFF2-40B4-BE49-F238E27FC236}">
+                <a16:creationId xmlns:a16="http://schemas.microsoft.com/office/drawing/2014/main" id="{6ED9164B-FDB8-E766-9776-05B6192D3FFD}"/>
+              </a:ext>
+            </a:extLst>
+          </p:cNvPr>
+          <p:cNvSpPr>
+            <a:spLocks noGrp="1"/>
+          </p:cNvSpPr>
+          <p:nvPr>
+            <p:ph type="title"/>
+          </p:nvPr>
+        </p:nvSpPr>
+        <p:spPr>
+          <a:xfrm>
+            <a:off x="5297762" y="329184"/>
+            <a:ext cx="6251110" cy="1783080"/>
+          </a:xfrm>
+        </p:spPr>
+        <p:txBody>
+          <a:bodyPr anchor="b">
+            <a:normAutofit/>
+          </a:bodyPr>
+          <a:lstStyle/>
+          <a:p>
+            <a:r>
+              <a:rPr lang="en-US" sz="5400" dirty="0"/>
+              <a:t>What is Module Federation</a:t>
+            </a:r>
+          </a:p>
+        </p:txBody>
+      </p:sp>
+      <p:pic>
+        <p:nvPicPr>
+          <p:cNvPr id="5" name="Picture 4" descr="Cubes connected with a red line">
+            <a:extLst>
+              <a:ext uri="{FF2B5EF4-FFF2-40B4-BE49-F238E27FC236}">
+                <a16:creationId xmlns:a16="http://schemas.microsoft.com/office/drawing/2014/main" id="{5B5CF781-B8BF-E119-E60F-B593EA7D7ED9}"/>
+              </a:ext>
+            </a:extLst>
+          </p:cNvPr>
+          <p:cNvPicPr>
+            <a:picLocks noChangeAspect="1"/>
+          </p:cNvPicPr>
+          <p:nvPr/>
+        </p:nvPicPr>
+        <p:blipFill rotWithShape="1">
+          <a:blip r:embed="rId2"/>
+          <a:srcRect l="29347" r="18361" b="-1"/>
+          <a:stretch/>
+        </p:blipFill>
+        <p:spPr>
+          <a:xfrm>
+            <a:off x="1" y="10"/>
+            <a:ext cx="4657344" cy="6857990"/>
+          </a:xfrm>
+          <a:custGeom>
+            <a:avLst/>
+            <a:gdLst/>
+            <a:ahLst/>
+            <a:cxnLst/>
+            <a:rect l="l" t="t" r="r" b="b"/>
+            <a:pathLst>
+              <a:path w="4657344" h="6858000">
+                <a:moveTo>
+                  <a:pt x="0" y="0"/>
+                </a:moveTo>
+                <a:lnTo>
+                  <a:pt x="3429755" y="0"/>
+                </a:lnTo>
+                <a:lnTo>
+                  <a:pt x="3526016" y="148742"/>
+                </a:lnTo>
+                <a:cubicBezTo>
+                  <a:pt x="3657740" y="365513"/>
+                  <a:pt x="3777402" y="589569"/>
+                  <a:pt x="3886489" y="819975"/>
+                </a:cubicBezTo>
+                <a:cubicBezTo>
+                  <a:pt x="3891856" y="833492"/>
+                  <a:pt x="3900663" y="845393"/>
+                  <a:pt x="3912049" y="854514"/>
+                </a:cubicBezTo>
+                <a:cubicBezTo>
+                  <a:pt x="3897352" y="819849"/>
+                  <a:pt x="3883037" y="784928"/>
+                  <a:pt x="3868083" y="750263"/>
+                </a:cubicBezTo>
+                <a:cubicBezTo>
+                  <a:pt x="3806989" y="608712"/>
+                  <a:pt x="3742478" y="469145"/>
+                  <a:pt x="3674155" y="331786"/>
+                </a:cubicBezTo>
+                <a:lnTo>
+                  <a:pt x="3496656" y="0"/>
+                </a:lnTo>
+                <a:lnTo>
+                  <a:pt x="3554371" y="0"/>
+                </a:lnTo>
+                <a:lnTo>
+                  <a:pt x="3661621" y="196614"/>
+                </a:lnTo>
+                <a:cubicBezTo>
+                  <a:pt x="3856899" y="573253"/>
+                  <a:pt x="4021071" y="966066"/>
+                  <a:pt x="4161279" y="1371196"/>
+                </a:cubicBezTo>
+                <a:cubicBezTo>
+                  <a:pt x="4379525" y="2007265"/>
+                  <a:pt x="4530141" y="2664286"/>
+                  <a:pt x="4610660" y="3331516"/>
+                </a:cubicBezTo>
+                <a:cubicBezTo>
+                  <a:pt x="4652837" y="3672965"/>
+                  <a:pt x="4671625" y="4013908"/>
+                  <a:pt x="4645040" y="4357388"/>
+                </a:cubicBezTo>
+                <a:cubicBezTo>
+                  <a:pt x="4613599" y="4758899"/>
+                  <a:pt x="4566181" y="5157998"/>
+                  <a:pt x="4485789" y="5552906"/>
+                </a:cubicBezTo>
+                <a:cubicBezTo>
+                  <a:pt x="4397121" y="5988893"/>
+                  <a:pt x="4276748" y="6414594"/>
+                  <a:pt x="4117769" y="6828295"/>
+                </a:cubicBezTo>
+                <a:lnTo>
+                  <a:pt x="4105288" y="6858000"/>
+                </a:lnTo>
+                <a:lnTo>
+                  <a:pt x="4052520" y="6858000"/>
+                </a:lnTo>
+                <a:lnTo>
+                  <a:pt x="4059369" y="6841549"/>
+                </a:lnTo>
+                <a:cubicBezTo>
+                  <a:pt x="4147276" y="6614016"/>
+                  <a:pt x="4224193" y="6380817"/>
+                  <a:pt x="4291518" y="6142729"/>
+                </a:cubicBezTo>
+                <a:cubicBezTo>
+                  <a:pt x="4350055" y="5935370"/>
+                  <a:pt x="4393256" y="5723695"/>
+                  <a:pt x="4443357" y="5513923"/>
+                </a:cubicBezTo>
+                <a:cubicBezTo>
+                  <a:pt x="4444541" y="5502788"/>
+                  <a:pt x="4445137" y="5491601"/>
+                  <a:pt x="4445146" y="5480401"/>
+                </a:cubicBezTo>
+                <a:cubicBezTo>
+                  <a:pt x="4408465" y="5607635"/>
+                  <a:pt x="4379196" y="5719759"/>
+                  <a:pt x="4344559" y="5830359"/>
+                </a:cubicBezTo>
+                <a:cubicBezTo>
+                  <a:pt x="4254261" y="6118381"/>
+                  <a:pt x="4150112" y="6398531"/>
+                  <a:pt x="4031702" y="6670527"/>
+                </a:cubicBezTo>
+                <a:lnTo>
+                  <a:pt x="3943824" y="6858000"/>
+                </a:lnTo>
+                <a:lnTo>
+                  <a:pt x="0" y="6858000"/>
+                </a:lnTo>
+                <a:close/>
+              </a:path>
+            </a:pathLst>
+          </a:custGeom>
+        </p:spPr>
+      </p:pic>
+      <p:sp>
+        <p:nvSpPr>
+          <p:cNvPr id="16" name="sketchy line">
+            <a:extLst>
+              <a:ext uri="{FF2B5EF4-FFF2-40B4-BE49-F238E27FC236}">
+                <a16:creationId xmlns:a16="http://schemas.microsoft.com/office/drawing/2014/main" id="{21540236-BFD5-4A9D-8840-4703E7F76825}"/>
+              </a:ext>
+              <a:ext uri="{C183D7F6-B498-43B3-948B-1728B52AA6E4}">
+                <adec:decorative xmlns:adec="http://schemas.microsoft.com/office/drawing/2017/decorative" val="1"/>
+              </a:ext>
+            </a:extLst>
+          </p:cNvPr>
+          <p:cNvSpPr>
+            <a:spLocks noGrp="1" noRot="1" noChangeAspect="1" noMove="1" noResize="1" noEditPoints="1" noAdjustHandles="1" noChangeArrowheads="1" noChangeShapeType="1" noTextEdit="1"/>
+          </p:cNvSpPr>
+          <p:nvPr>
+            <p:extLst>
+              <p:ext uri="{386F3935-93C4-4BCD-93E2-E3B085C9AB24}">
+                <p16:designElem xmlns:p16="http://schemas.microsoft.com/office/powerpoint/2015/main" val="1"/>
+              </p:ext>
+            </p:extLst>
+          </p:nvPr>
+        </p:nvSpPr>
+        <p:spPr>
+          <a:xfrm>
+            <a:off x="5297762" y="2374947"/>
+            <a:ext cx="4243589" cy="18288"/>
+          </a:xfrm>
+          <a:custGeom>
+            <a:avLst/>
+            <a:gdLst>
+              <a:gd name="connsiteX0" fmla="*/ 0 w 4243589"/>
+              <a:gd name="connsiteY0" fmla="*/ 0 h 18288"/>
+              <a:gd name="connsiteX1" fmla="*/ 478919 w 4243589"/>
+              <a:gd name="connsiteY1" fmla="*/ 0 h 18288"/>
+              <a:gd name="connsiteX2" fmla="*/ 957839 w 4243589"/>
+              <a:gd name="connsiteY2" fmla="*/ 0 h 18288"/>
+              <a:gd name="connsiteX3" fmla="*/ 1521630 w 4243589"/>
+              <a:gd name="connsiteY3" fmla="*/ 0 h 18288"/>
+              <a:gd name="connsiteX4" fmla="*/ 2212729 w 4243589"/>
+              <a:gd name="connsiteY4" fmla="*/ 0 h 18288"/>
+              <a:gd name="connsiteX5" fmla="*/ 2734084 w 4243589"/>
+              <a:gd name="connsiteY5" fmla="*/ 0 h 18288"/>
+              <a:gd name="connsiteX6" fmla="*/ 3255439 w 4243589"/>
+              <a:gd name="connsiteY6" fmla="*/ 0 h 18288"/>
+              <a:gd name="connsiteX7" fmla="*/ 4243589 w 4243589"/>
+              <a:gd name="connsiteY7" fmla="*/ 0 h 18288"/>
+              <a:gd name="connsiteX8" fmla="*/ 4243589 w 4243589"/>
+              <a:gd name="connsiteY8" fmla="*/ 18288 h 18288"/>
+              <a:gd name="connsiteX9" fmla="*/ 3594926 w 4243589"/>
+              <a:gd name="connsiteY9" fmla="*/ 18288 h 18288"/>
+              <a:gd name="connsiteX10" fmla="*/ 3073571 w 4243589"/>
+              <a:gd name="connsiteY10" fmla="*/ 18288 h 18288"/>
+              <a:gd name="connsiteX11" fmla="*/ 2552216 w 4243589"/>
+              <a:gd name="connsiteY11" fmla="*/ 18288 h 18288"/>
+              <a:gd name="connsiteX12" fmla="*/ 1903553 w 4243589"/>
+              <a:gd name="connsiteY12" fmla="*/ 18288 h 18288"/>
+              <a:gd name="connsiteX13" fmla="*/ 1212454 w 4243589"/>
+              <a:gd name="connsiteY13" fmla="*/ 18288 h 18288"/>
+              <a:gd name="connsiteX14" fmla="*/ 733535 w 4243589"/>
+              <a:gd name="connsiteY14" fmla="*/ 18288 h 18288"/>
+              <a:gd name="connsiteX15" fmla="*/ 0 w 4243589"/>
+              <a:gd name="connsiteY15" fmla="*/ 18288 h 18288"/>
+              <a:gd name="connsiteX16" fmla="*/ 0 w 4243589"/>
+              <a:gd name="connsiteY16" fmla="*/ 0 h 18288"/>
+            </a:gdLst>
+            <a:ahLst/>
+            <a:cxnLst>
+              <a:cxn ang="0">
+                <a:pos x="connsiteX0" y="connsiteY0"/>
+              </a:cxn>
+              <a:cxn ang="0">
+                <a:pos x="connsiteX1" y="connsiteY1"/>
+              </a:cxn>
+              <a:cxn ang="0">
+                <a:pos x="connsiteX2" y="connsiteY2"/>
+              </a:cxn>
+              <a:cxn ang="0">
+                <a:pos x="connsiteX3" y="connsiteY3"/>
+              </a:cxn>
+              <a:cxn ang="0">
+                <a:pos x="connsiteX4" y="connsiteY4"/>
+              </a:cxn>
+              <a:cxn ang="0">
+                <a:pos x="connsiteX5" y="connsiteY5"/>
+              </a:cxn>
+              <a:cxn ang="0">
+                <a:pos x="connsiteX6" y="connsiteY6"/>
+              </a:cxn>
+              <a:cxn ang="0">
+                <a:pos x="connsiteX7" y="connsiteY7"/>
+              </a:cxn>
+              <a:cxn ang="0">
+                <a:pos x="connsiteX8" y="connsiteY8"/>
+              </a:cxn>
+              <a:cxn ang="0">
+                <a:pos x="connsiteX9" y="connsiteY9"/>
+              </a:cxn>
+              <a:cxn ang="0">
+                <a:pos x="connsiteX10" y="connsiteY10"/>
+              </a:cxn>
+              <a:cxn ang="0">
+                <a:pos x="connsiteX11" y="connsiteY11"/>
+              </a:cxn>
+              <a:cxn ang="0">
+                <a:pos x="connsiteX12" y="connsiteY12"/>
+              </a:cxn>
+              <a:cxn ang="0">
+                <a:pos x="connsiteX13" y="connsiteY13"/>
+              </a:cxn>
+              <a:cxn ang="0">
+                <a:pos x="connsiteX14" y="connsiteY14"/>
+              </a:cxn>
+              <a:cxn ang="0">
+                <a:pos x="connsiteX15" y="connsiteY15"/>
+              </a:cxn>
+              <a:cxn ang="0">
+                <a:pos x="connsiteX16" y="connsiteY16"/>
+              </a:cxn>
+            </a:cxnLst>
+            <a:rect l="l" t="t" r="r" b="b"/>
+            <a:pathLst>
+              <a:path w="4243589" h="18288" fill="none" extrusionOk="0">
+                <a:moveTo>
+                  <a:pt x="0" y="0"/>
+                </a:moveTo>
+                <a:cubicBezTo>
+                  <a:pt x="213395" y="-21006"/>
+                  <a:pt x="307421" y="-18116"/>
+                  <a:pt x="478919" y="0"/>
+                </a:cubicBezTo>
+                <a:cubicBezTo>
+                  <a:pt x="650417" y="18116"/>
+                  <a:pt x="831092" y="-21237"/>
+                  <a:pt x="957839" y="0"/>
+                </a:cubicBezTo>
+                <a:cubicBezTo>
+                  <a:pt x="1084586" y="21237"/>
+                  <a:pt x="1301682" y="25124"/>
+                  <a:pt x="1521630" y="0"/>
+                </a:cubicBezTo>
+                <a:cubicBezTo>
+                  <a:pt x="1741578" y="-25124"/>
+                  <a:pt x="1970269" y="-29139"/>
+                  <a:pt x="2212729" y="0"/>
+                </a:cubicBezTo>
+                <a:cubicBezTo>
+                  <a:pt x="2455189" y="29139"/>
+                  <a:pt x="2558847" y="-4796"/>
+                  <a:pt x="2734084" y="0"/>
+                </a:cubicBezTo>
+                <a:cubicBezTo>
+                  <a:pt x="2909321" y="4796"/>
+                  <a:pt x="3097217" y="-13409"/>
+                  <a:pt x="3255439" y="0"/>
+                </a:cubicBezTo>
+                <a:cubicBezTo>
+                  <a:pt x="3413662" y="13409"/>
+                  <a:pt x="3979999" y="-10121"/>
+                  <a:pt x="4243589" y="0"/>
+                </a:cubicBezTo>
+                <a:cubicBezTo>
+                  <a:pt x="4244484" y="8974"/>
+                  <a:pt x="4243043" y="9359"/>
+                  <a:pt x="4243589" y="18288"/>
+                </a:cubicBezTo>
+                <a:cubicBezTo>
+                  <a:pt x="4058777" y="31246"/>
+                  <a:pt x="3910348" y="3158"/>
+                  <a:pt x="3594926" y="18288"/>
+                </a:cubicBezTo>
+                <a:cubicBezTo>
+                  <a:pt x="3279504" y="33418"/>
+                  <a:pt x="3319955" y="-3977"/>
+                  <a:pt x="3073571" y="18288"/>
+                </a:cubicBezTo>
+                <a:cubicBezTo>
+                  <a:pt x="2827187" y="40553"/>
+                  <a:pt x="2767387" y="1863"/>
+                  <a:pt x="2552216" y="18288"/>
+                </a:cubicBezTo>
+                <a:cubicBezTo>
+                  <a:pt x="2337046" y="34713"/>
+                  <a:pt x="2181871" y="19527"/>
+                  <a:pt x="1903553" y="18288"/>
+                </a:cubicBezTo>
+                <a:cubicBezTo>
+                  <a:pt x="1625235" y="17049"/>
+                  <a:pt x="1557672" y="24174"/>
+                  <a:pt x="1212454" y="18288"/>
+                </a:cubicBezTo>
+                <a:cubicBezTo>
+                  <a:pt x="867236" y="12402"/>
+                  <a:pt x="874382" y="15627"/>
+                  <a:pt x="733535" y="18288"/>
+                </a:cubicBezTo>
+                <a:cubicBezTo>
+                  <a:pt x="592688" y="20949"/>
+                  <a:pt x="183477" y="14753"/>
+                  <a:pt x="0" y="18288"/>
+                </a:cubicBezTo>
+                <a:cubicBezTo>
+                  <a:pt x="-229" y="14222"/>
+                  <a:pt x="509" y="5816"/>
+                  <a:pt x="0" y="0"/>
+                </a:cubicBezTo>
+                <a:close/>
+              </a:path>
+              <a:path w="4243589" h="18288" stroke="0" extrusionOk="0">
+                <a:moveTo>
+                  <a:pt x="0" y="0"/>
+                </a:moveTo>
+                <a:cubicBezTo>
+                  <a:pt x="143690" y="16630"/>
+                  <a:pt x="266667" y="14847"/>
+                  <a:pt x="521355" y="0"/>
+                </a:cubicBezTo>
+                <a:cubicBezTo>
+                  <a:pt x="776043" y="-14847"/>
+                  <a:pt x="814491" y="-17363"/>
+                  <a:pt x="1000275" y="0"/>
+                </a:cubicBezTo>
+                <a:cubicBezTo>
+                  <a:pt x="1186059" y="17363"/>
+                  <a:pt x="1352504" y="-23507"/>
+                  <a:pt x="1521630" y="0"/>
+                </a:cubicBezTo>
+                <a:cubicBezTo>
+                  <a:pt x="1690756" y="23507"/>
+                  <a:pt x="1889525" y="5871"/>
+                  <a:pt x="2127857" y="0"/>
+                </a:cubicBezTo>
+                <a:cubicBezTo>
+                  <a:pt x="2366189" y="-5871"/>
+                  <a:pt x="2620628" y="-27997"/>
+                  <a:pt x="2776520" y="0"/>
+                </a:cubicBezTo>
+                <a:cubicBezTo>
+                  <a:pt x="2932412" y="27997"/>
+                  <a:pt x="3131683" y="-25073"/>
+                  <a:pt x="3467618" y="0"/>
+                </a:cubicBezTo>
+                <a:cubicBezTo>
+                  <a:pt x="3803553" y="25073"/>
+                  <a:pt x="4017371" y="3071"/>
+                  <a:pt x="4243589" y="0"/>
+                </a:cubicBezTo>
+                <a:cubicBezTo>
+                  <a:pt x="4243134" y="6162"/>
+                  <a:pt x="4243492" y="11775"/>
+                  <a:pt x="4243589" y="18288"/>
+                </a:cubicBezTo>
+                <a:cubicBezTo>
+                  <a:pt x="4017834" y="-5779"/>
+                  <a:pt x="3834586" y="13376"/>
+                  <a:pt x="3594926" y="18288"/>
+                </a:cubicBezTo>
+                <a:cubicBezTo>
+                  <a:pt x="3355266" y="23200"/>
+                  <a:pt x="3204179" y="2869"/>
+                  <a:pt x="2903827" y="18288"/>
+                </a:cubicBezTo>
+                <a:cubicBezTo>
+                  <a:pt x="2603475" y="33707"/>
+                  <a:pt x="2526187" y="46187"/>
+                  <a:pt x="2212729" y="18288"/>
+                </a:cubicBezTo>
+                <a:cubicBezTo>
+                  <a:pt x="1899271" y="-9611"/>
+                  <a:pt x="1966289" y="29692"/>
+                  <a:pt x="1733809" y="18288"/>
+                </a:cubicBezTo>
+                <a:cubicBezTo>
+                  <a:pt x="1501329" y="6884"/>
+                  <a:pt x="1343612" y="12492"/>
+                  <a:pt x="1085146" y="18288"/>
+                </a:cubicBezTo>
+                <a:cubicBezTo>
+                  <a:pt x="826680" y="24084"/>
+                  <a:pt x="778184" y="35607"/>
+                  <a:pt x="521355" y="18288"/>
+                </a:cubicBezTo>
+                <a:cubicBezTo>
+                  <a:pt x="264526" y="969"/>
+                  <a:pt x="120277" y="4268"/>
+                  <a:pt x="0" y="18288"/>
+                </a:cubicBezTo>
+                <a:cubicBezTo>
+                  <a:pt x="766" y="10800"/>
+                  <a:pt x="-457" y="8180"/>
+                  <a:pt x="0" y="0"/>
+                </a:cubicBezTo>
+                <a:close/>
+              </a:path>
+            </a:pathLst>
+          </a:custGeom>
+          <a:solidFill>
+            <a:schemeClr val="accent2"/>
+          </a:solidFill>
+          <a:ln w="44450" cap="rnd">
+            <a:solidFill>
+              <a:schemeClr val="accent2"/>
+            </a:solidFill>
+            <a:round/>
+            <a:extLst>
+              <a:ext uri="{C807C97D-BFC1-408E-A445-0C87EB9F89A2}">
+                <ask:lineSketchStyleProps xmlns:ask="http://schemas.microsoft.com/office/drawing/2018/sketchyshapes" sd="2727557108">
+                  <a:prstGeom prst="rect">
+                    <a:avLst/>
+                  </a:prstGeom>
+                  <ask:type>
+                    <ask:lineSketchFreehand/>
+                  </ask:type>
+                </ask:lineSketchStyleProps>
+              </a:ext>
+            </a:extLst>
+          </a:ln>
+        </p:spPr>
+        <p:style>
+          <a:lnRef idx="2">
+            <a:schemeClr val="accent1">
+              <a:shade val="50000"/>
+            </a:schemeClr>
+          </a:lnRef>
+          <a:fillRef idx="1">
+            <a:schemeClr val="accent1"/>
+          </a:fillRef>
+          <a:effectRef idx="0">
+            <a:schemeClr val="accent1"/>
+          </a:effectRef>
+          <a:fontRef idx="minor">
+            <a:schemeClr val="lt1"/>
+          </a:fontRef>
+        </p:style>
+        <p:txBody>
+          <a:bodyPr rtlCol="0" anchor="ctr"/>
+          <a:lstStyle/>
+          <a:p>
+            <a:pPr algn="ctr"/>
+            <a:endParaRPr lang="en-US"/>
+          </a:p>
+        </p:txBody>
+      </p:sp>
+      <p:sp>
+        <p:nvSpPr>
+          <p:cNvPr id="3" name="Content Placeholder 2">
+            <a:extLst>
+              <a:ext uri="{FF2B5EF4-FFF2-40B4-BE49-F238E27FC236}">
+                <a16:creationId xmlns:a16="http://schemas.microsoft.com/office/drawing/2014/main" id="{104BCB20-6856-716E-24A0-9017AE9C5384}"/>
+              </a:ext>
+            </a:extLst>
+          </p:cNvPr>
+          <p:cNvSpPr>
+            <a:spLocks noGrp="1"/>
+          </p:cNvSpPr>
+          <p:nvPr>
+            <p:ph idx="1"/>
+          </p:nvPr>
+        </p:nvSpPr>
+        <p:spPr>
+          <a:xfrm>
+            <a:off x="5297762" y="2706624"/>
+            <a:ext cx="6251110" cy="3483864"/>
+          </a:xfrm>
+        </p:spPr>
+        <p:txBody>
+          <a:bodyPr>
+            <a:normAutofit/>
+          </a:bodyPr>
+          <a:lstStyle/>
+          <a:p>
+            <a:pPr marL="0" indent="0" algn="just">
+              <a:buNone/>
+            </a:pPr>
+            <a:r>
+              <a:rPr lang="en-US" sz="2200" dirty="0"/>
+              <a:t>Module Federation is a concept in the context of front-end development that enables the </a:t>
+            </a:r>
+            <a:r>
+              <a:rPr lang="en-US" sz="2200" b="1" dirty="0"/>
+              <a:t>sharing of code and resources across multiple independently deployed applications</a:t>
+            </a:r>
+            <a:r>
+              <a:rPr lang="en-US" sz="2200" dirty="0"/>
+              <a:t>. This concept is particularly relevant in the context of micro frontends, which is an architectural approach to building front-end applications by breaking them down into smaller, independently deployable and scalable units.</a:t>
+            </a:r>
+          </a:p>
+        </p:txBody>
+      </p:sp>
+    </p:spTree>
+    <p:extLst>
+      <p:ext uri="{BB962C8B-B14F-4D97-AF65-F5344CB8AC3E}">
+        <p14:creationId xmlns:p14="http://schemas.microsoft.com/office/powerpoint/2010/main" val="501006662"/>
+      </p:ext>
+    </p:extLst>
+  </p:cSld>
+  <p:clrMapOvr>
+    <a:masterClrMapping/>
+  </p:clrMapOvr>
+</p:sld>
+</file>
+
+<file path=ppt/slides/slide5.xml><?xml version="1.0" encoding="utf-8"?>
+<p:sld xmlns:a="http://schemas.openxmlformats.org/drawingml/2006/main" xmlns:r="http://schemas.openxmlformats.org/officeDocument/2006/relationships" xmlns:p="http://schemas.openxmlformats.org/presentationml/2006/main">
+  <p:cSld>
+    <p:bg>
+      <p:bgPr>
+        <a:solidFill>
+          <a:schemeClr val="bg1"/>
+        </a:solidFill>
+        <a:effectLst/>
+      </p:bgPr>
+    </p:bg>
+    <p:spTree>
+      <p:nvGrpSpPr>
+        <p:cNvPr id="1" name=""/>
+        <p:cNvGrpSpPr/>
+        <p:nvPr/>
+      </p:nvGrpSpPr>
+      <p:grpSpPr>
+        <a:xfrm>
+          <a:off x="0" y="0"/>
+          <a:ext cx="0" cy="0"/>
+          <a:chOff x="0" y="0"/>
+          <a:chExt cx="0" cy="0"/>
+        </a:xfrm>
+      </p:grpSpPr>
+      <p:sp useBgFill="1">
+        <p:nvSpPr>
+          <p:cNvPr id="19" name="Rectangle 18">
+            <a:extLst>
+              <a:ext uri="{FF2B5EF4-FFF2-40B4-BE49-F238E27FC236}">
+                <a16:creationId xmlns:a16="http://schemas.microsoft.com/office/drawing/2014/main" id="{743AA782-23D1-4521-8CAD-47662984AA08}"/>
+              </a:ext>
+              <a:ext uri="{C183D7F6-B498-43B3-948B-1728B52AA6E4}">
+                <adec:decorative xmlns:adec="http://schemas.microsoft.com/office/drawing/2017/decorative" val="1"/>
+              </a:ext>
+            </a:extLst>
+          </p:cNvPr>
+          <p:cNvSpPr>
+            <a:spLocks noGrp="1" noRot="1" noChangeAspect="1" noMove="1" noResize="1" noEditPoints="1" noAdjustHandles="1" noChangeArrowheads="1" noChangeShapeType="1" noTextEdit="1"/>
+          </p:cNvSpPr>
+          <p:nvPr>
+            <p:extLst>
+              <p:ext uri="{386F3935-93C4-4BCD-93E2-E3B085C9AB24}">
+                <p16:designElem xmlns:p16="http://schemas.microsoft.com/office/powerpoint/2015/main" val="1"/>
+              </p:ext>
+            </p:extLst>
+          </p:nvPr>
+        </p:nvSpPr>
+        <p:spPr>
+          <a:xfrm>
+            <a:off x="0" y="0"/>
+            <a:ext cx="12192000" cy="6858000"/>
+          </a:xfrm>
+          <a:prstGeom prst="rect">
+            <a:avLst/>
+          </a:prstGeom>
+          <a:ln>
+            <a:noFill/>
+          </a:ln>
+        </p:spPr>
+        <p:style>
+          <a:lnRef idx="2">
+            <a:schemeClr val="accent1">
+              <a:shade val="50000"/>
+            </a:schemeClr>
+          </a:lnRef>
+          <a:fillRef idx="1">
+            <a:schemeClr val="accent1"/>
+          </a:fillRef>
+          <a:effectRef idx="0">
+            <a:schemeClr val="accent1"/>
+          </a:effectRef>
+          <a:fontRef idx="minor">
+            <a:schemeClr val="lt1"/>
+          </a:fontRef>
+        </p:style>
+        <p:txBody>
+          <a:bodyPr rtlCol="0" anchor="ctr"/>
+          <a:lstStyle/>
+          <a:p>
+            <a:pPr algn="ctr"/>
+            <a:endParaRPr lang="en-US"/>
+          </a:p>
+        </p:txBody>
+      </p:sp>
+      <p:sp>
+        <p:nvSpPr>
+          <p:cNvPr id="2" name="Title 1">
+            <a:extLst>
+              <a:ext uri="{FF2B5EF4-FFF2-40B4-BE49-F238E27FC236}">
+                <a16:creationId xmlns:a16="http://schemas.microsoft.com/office/drawing/2014/main" id="{0B24761F-D6FC-8E02-B7E0-8E28EEFBC2C6}"/>
+              </a:ext>
+            </a:extLst>
+          </p:cNvPr>
+          <p:cNvSpPr>
+            <a:spLocks noGrp="1"/>
+          </p:cNvSpPr>
+          <p:nvPr>
+            <p:ph type="title"/>
+          </p:nvPr>
+        </p:nvSpPr>
+        <p:spPr>
+          <a:xfrm>
+            <a:off x="630936" y="640080"/>
+            <a:ext cx="4818888" cy="1481328"/>
+          </a:xfrm>
+        </p:spPr>
+        <p:txBody>
+          <a:bodyPr vert="horz" lIns="91440" tIns="45720" rIns="91440" bIns="45720" rtlCol="0" anchor="b">
+            <a:normAutofit/>
+          </a:bodyPr>
+          <a:lstStyle/>
+          <a:p>
+            <a:r>
+              <a:rPr lang="en-US" sz="5400" kern="1200" dirty="0">
+                <a:solidFill>
+                  <a:schemeClr val="tx1"/>
+                </a:solidFill>
+                <a:latin typeface="+mj-lt"/>
+                <a:ea typeface="+mj-ea"/>
+                <a:cs typeface="+mj-cs"/>
+              </a:rPr>
+              <a:t>How It Works</a:t>
+            </a:r>
+          </a:p>
+        </p:txBody>
+      </p:sp>
+      <p:sp>
+        <p:nvSpPr>
+          <p:cNvPr id="21" name="sketch line">
+            <a:extLst>
+              <a:ext uri="{FF2B5EF4-FFF2-40B4-BE49-F238E27FC236}">
+                <a16:creationId xmlns:a16="http://schemas.microsoft.com/office/drawing/2014/main" id="{650D18FE-0824-4A46-B22C-A86B52E5780A}"/>
+              </a:ext>
+              <a:ext uri="{C183D7F6-B498-43B3-948B-1728B52AA6E4}">
+                <adec:decorative xmlns:adec="http://schemas.microsoft.com/office/drawing/2017/decorative" val="1"/>
+              </a:ext>
+            </a:extLst>
+          </p:cNvPr>
+          <p:cNvSpPr>
+            <a:spLocks noGrp="1" noRot="1" noChangeAspect="1" noMove="1" noResize="1" noEditPoints="1" noAdjustHandles="1" noChangeArrowheads="1" noChangeShapeType="1" noTextEdit="1"/>
+          </p:cNvSpPr>
+          <p:nvPr>
+            <p:extLst>
+              <p:ext uri="{386F3935-93C4-4BCD-93E2-E3B085C9AB24}">
+                <p16:designElem xmlns:p16="http://schemas.microsoft.com/office/powerpoint/2015/main" val="1"/>
+              </p:ext>
+            </p:extLst>
+          </p:nvPr>
+        </p:nvSpPr>
+        <p:spPr>
+          <a:xfrm>
+            <a:off x="643278" y="2372868"/>
+            <a:ext cx="3255095" cy="18288"/>
+          </a:xfrm>
+          <a:custGeom>
+            <a:avLst/>
+            <a:gdLst>
+              <a:gd name="connsiteX0" fmla="*/ 0 w 3255095"/>
+              <a:gd name="connsiteY0" fmla="*/ 0 h 18288"/>
+              <a:gd name="connsiteX1" fmla="*/ 618468 w 3255095"/>
+              <a:gd name="connsiteY1" fmla="*/ 0 h 18288"/>
+              <a:gd name="connsiteX2" fmla="*/ 1269487 w 3255095"/>
+              <a:gd name="connsiteY2" fmla="*/ 0 h 18288"/>
+              <a:gd name="connsiteX3" fmla="*/ 1953057 w 3255095"/>
+              <a:gd name="connsiteY3" fmla="*/ 0 h 18288"/>
+              <a:gd name="connsiteX4" fmla="*/ 2636627 w 3255095"/>
+              <a:gd name="connsiteY4" fmla="*/ 0 h 18288"/>
+              <a:gd name="connsiteX5" fmla="*/ 3255095 w 3255095"/>
+              <a:gd name="connsiteY5" fmla="*/ 0 h 18288"/>
+              <a:gd name="connsiteX6" fmla="*/ 3255095 w 3255095"/>
+              <a:gd name="connsiteY6" fmla="*/ 18288 h 18288"/>
+              <a:gd name="connsiteX7" fmla="*/ 2538974 w 3255095"/>
+              <a:gd name="connsiteY7" fmla="*/ 18288 h 18288"/>
+              <a:gd name="connsiteX8" fmla="*/ 1822853 w 3255095"/>
+              <a:gd name="connsiteY8" fmla="*/ 18288 h 18288"/>
+              <a:gd name="connsiteX9" fmla="*/ 1171834 w 3255095"/>
+              <a:gd name="connsiteY9" fmla="*/ 18288 h 18288"/>
+              <a:gd name="connsiteX10" fmla="*/ 0 w 3255095"/>
+              <a:gd name="connsiteY10" fmla="*/ 18288 h 18288"/>
+              <a:gd name="connsiteX11" fmla="*/ 0 w 3255095"/>
+              <a:gd name="connsiteY11" fmla="*/ 0 h 18288"/>
+            </a:gdLst>
+            <a:ahLst/>
+            <a:cxnLst>
+              <a:cxn ang="0">
+                <a:pos x="connsiteX0" y="connsiteY0"/>
+              </a:cxn>
+              <a:cxn ang="0">
+                <a:pos x="connsiteX1" y="connsiteY1"/>
+              </a:cxn>
+              <a:cxn ang="0">
+                <a:pos x="connsiteX2" y="connsiteY2"/>
+              </a:cxn>
+              <a:cxn ang="0">
+                <a:pos x="connsiteX3" y="connsiteY3"/>
+              </a:cxn>
+              <a:cxn ang="0">
+                <a:pos x="connsiteX4" y="connsiteY4"/>
+              </a:cxn>
+              <a:cxn ang="0">
+                <a:pos x="connsiteX5" y="connsiteY5"/>
+              </a:cxn>
+              <a:cxn ang="0">
+                <a:pos x="connsiteX6" y="connsiteY6"/>
+              </a:cxn>
+              <a:cxn ang="0">
+                <a:pos x="connsiteX7" y="connsiteY7"/>
+              </a:cxn>
+              <a:cxn ang="0">
+                <a:pos x="connsiteX8" y="connsiteY8"/>
+              </a:cxn>
+              <a:cxn ang="0">
+                <a:pos x="connsiteX9" y="connsiteY9"/>
+              </a:cxn>
+              <a:cxn ang="0">
+                <a:pos x="connsiteX10" y="connsiteY10"/>
+              </a:cxn>
+              <a:cxn ang="0">
+                <a:pos x="connsiteX11" y="connsiteY11"/>
+              </a:cxn>
+            </a:cxnLst>
+            <a:rect l="l" t="t" r="r" b="b"/>
+            <a:pathLst>
+              <a:path w="3255095" h="18288" fill="none" extrusionOk="0">
+                <a:moveTo>
+                  <a:pt x="0" y="0"/>
+                </a:moveTo>
+                <a:cubicBezTo>
+                  <a:pt x="240201" y="-22123"/>
+                  <a:pt x="462021" y="-19623"/>
+                  <a:pt x="618468" y="0"/>
+                </a:cubicBezTo>
+                <a:cubicBezTo>
+                  <a:pt x="774915" y="19623"/>
+                  <a:pt x="974734" y="2035"/>
+                  <a:pt x="1269487" y="0"/>
+                </a:cubicBezTo>
+                <a:cubicBezTo>
+                  <a:pt x="1564240" y="-2035"/>
+                  <a:pt x="1733579" y="10639"/>
+                  <a:pt x="1953057" y="0"/>
+                </a:cubicBezTo>
+                <a:cubicBezTo>
+                  <a:pt x="2172535" y="-10639"/>
+                  <a:pt x="2453962" y="14018"/>
+                  <a:pt x="2636627" y="0"/>
+                </a:cubicBezTo>
+                <a:cubicBezTo>
+                  <a:pt x="2819292" y="-14018"/>
+                  <a:pt x="3121375" y="5399"/>
+                  <a:pt x="3255095" y="0"/>
+                </a:cubicBezTo>
+                <a:cubicBezTo>
+                  <a:pt x="3254386" y="8157"/>
+                  <a:pt x="3254682" y="12125"/>
+                  <a:pt x="3255095" y="18288"/>
+                </a:cubicBezTo>
+                <a:cubicBezTo>
+                  <a:pt x="3088545" y="23203"/>
+                  <a:pt x="2687475" y="7419"/>
+                  <a:pt x="2538974" y="18288"/>
+                </a:cubicBezTo>
+                <a:cubicBezTo>
+                  <a:pt x="2390473" y="29157"/>
+                  <a:pt x="2137381" y="-8959"/>
+                  <a:pt x="1822853" y="18288"/>
+                </a:cubicBezTo>
+                <a:cubicBezTo>
+                  <a:pt x="1508325" y="45535"/>
+                  <a:pt x="1466437" y="20385"/>
+                  <a:pt x="1171834" y="18288"/>
+                </a:cubicBezTo>
+                <a:cubicBezTo>
+                  <a:pt x="877231" y="16191"/>
+                  <a:pt x="561097" y="37643"/>
+                  <a:pt x="0" y="18288"/>
+                </a:cubicBezTo>
+                <a:cubicBezTo>
+                  <a:pt x="-46" y="12483"/>
+                  <a:pt x="-203" y="6491"/>
+                  <a:pt x="0" y="0"/>
+                </a:cubicBezTo>
+                <a:close/>
+              </a:path>
+              <a:path w="3255095" h="18288" stroke="0" extrusionOk="0">
+                <a:moveTo>
+                  <a:pt x="0" y="0"/>
+                </a:moveTo>
+                <a:cubicBezTo>
+                  <a:pt x="291965" y="19429"/>
+                  <a:pt x="363155" y="8568"/>
+                  <a:pt x="618468" y="0"/>
+                </a:cubicBezTo>
+                <a:cubicBezTo>
+                  <a:pt x="873781" y="-8568"/>
+                  <a:pt x="904459" y="-19505"/>
+                  <a:pt x="1171834" y="0"/>
+                </a:cubicBezTo>
+                <a:cubicBezTo>
+                  <a:pt x="1439209" y="19505"/>
+                  <a:pt x="1744369" y="9790"/>
+                  <a:pt x="1887955" y="0"/>
+                </a:cubicBezTo>
+                <a:cubicBezTo>
+                  <a:pt x="2031541" y="-9790"/>
+                  <a:pt x="2346378" y="21240"/>
+                  <a:pt x="2506423" y="0"/>
+                </a:cubicBezTo>
+                <a:cubicBezTo>
+                  <a:pt x="2666468" y="-21240"/>
+                  <a:pt x="2990257" y="30414"/>
+                  <a:pt x="3255095" y="0"/>
+                </a:cubicBezTo>
+                <a:cubicBezTo>
+                  <a:pt x="3254831" y="4493"/>
+                  <a:pt x="3255479" y="9472"/>
+                  <a:pt x="3255095" y="18288"/>
+                </a:cubicBezTo>
+                <a:cubicBezTo>
+                  <a:pt x="3120743" y="16690"/>
+                  <a:pt x="2759628" y="42462"/>
+                  <a:pt x="2604076" y="18288"/>
+                </a:cubicBezTo>
+                <a:cubicBezTo>
+                  <a:pt x="2448524" y="-5886"/>
+                  <a:pt x="2184336" y="19599"/>
+                  <a:pt x="1887955" y="18288"/>
+                </a:cubicBezTo>
+                <a:cubicBezTo>
+                  <a:pt x="1591574" y="16977"/>
+                  <a:pt x="1548845" y="6870"/>
+                  <a:pt x="1334589" y="18288"/>
+                </a:cubicBezTo>
+                <a:cubicBezTo>
+                  <a:pt x="1120333" y="29706"/>
+                  <a:pt x="996014" y="9662"/>
+                  <a:pt x="683570" y="18288"/>
+                </a:cubicBezTo>
+                <a:cubicBezTo>
+                  <a:pt x="371126" y="26914"/>
+                  <a:pt x="198687" y="16167"/>
+                  <a:pt x="0" y="18288"/>
+                </a:cubicBezTo>
+                <a:cubicBezTo>
+                  <a:pt x="843" y="9577"/>
+                  <a:pt x="371" y="6900"/>
+                  <a:pt x="0" y="0"/>
+                </a:cubicBezTo>
+                <a:close/>
+              </a:path>
+            </a:pathLst>
+          </a:custGeom>
+          <a:solidFill>
+            <a:schemeClr val="accent2"/>
+          </a:solidFill>
+          <a:ln w="38100" cap="rnd">
+            <a:solidFill>
+              <a:schemeClr val="accent2"/>
+            </a:solidFill>
+            <a:round/>
+            <a:extLst>
+              <a:ext uri="{C807C97D-BFC1-408E-A445-0C87EB9F89A2}">
+                <ask:lineSketchStyleProps xmlns:ask="http://schemas.microsoft.com/office/drawing/2018/sketchyshapes" sd="1219033472">
+                  <a:prstGeom prst="rect">
+                    <a:avLst/>
+                  </a:prstGeom>
+                  <ask:type>
+                    <ask:lineSketchFreehand/>
+                  </ask:type>
+                </ask:lineSketchStyleProps>
+              </a:ext>
+            </a:extLst>
+          </a:ln>
+        </p:spPr>
+        <p:style>
+          <a:lnRef idx="2">
+            <a:schemeClr val="accent1">
+              <a:shade val="50000"/>
+            </a:schemeClr>
+          </a:lnRef>
+          <a:fillRef idx="1">
+            <a:schemeClr val="accent1"/>
+          </a:fillRef>
+          <a:effectRef idx="0">
+            <a:schemeClr val="accent1"/>
+          </a:effectRef>
+          <a:fontRef idx="minor">
+            <a:schemeClr val="lt1"/>
+          </a:fontRef>
+        </p:style>
+        <p:txBody>
+          <a:bodyPr rtlCol="0" anchor="ctr"/>
+          <a:lstStyle/>
+          <a:p>
+            <a:pPr algn="ctr"/>
+            <a:endParaRPr lang="en-US"/>
+          </a:p>
+        </p:txBody>
+      </p:sp>
+      <p:sp>
+        <p:nvSpPr>
+          <p:cNvPr id="3" name="Content Placeholder 2">
+            <a:extLst>
+              <a:ext uri="{FF2B5EF4-FFF2-40B4-BE49-F238E27FC236}">
+                <a16:creationId xmlns:a16="http://schemas.microsoft.com/office/drawing/2014/main" id="{EF68E5F2-C2F9-F198-8233-3F624627A3F4}"/>
+              </a:ext>
+            </a:extLst>
+          </p:cNvPr>
+          <p:cNvSpPr>
+            <a:spLocks noGrp="1"/>
+          </p:cNvSpPr>
+          <p:nvPr>
+            <p:ph sz="half" idx="1"/>
+          </p:nvPr>
+        </p:nvSpPr>
+        <p:spPr>
+          <a:xfrm>
+            <a:off x="630936" y="2660904"/>
+            <a:ext cx="4818888" cy="3547872"/>
+          </a:xfrm>
+        </p:spPr>
+        <p:txBody>
+          <a:bodyPr vert="horz" lIns="91440" tIns="45720" rIns="91440" bIns="45720" rtlCol="0" anchor="t">
+            <a:normAutofit/>
+          </a:bodyPr>
+          <a:lstStyle/>
+          <a:p>
+            <a:pPr marL="0" indent="0" algn="just">
+              <a:buNone/>
+            </a:pPr>
+            <a:r>
+              <a:rPr lang="en-US" sz="2200" dirty="0"/>
+              <a:t>Each application </a:t>
+            </a:r>
+            <a:r>
+              <a:rPr lang="en-US" sz="2200" b="1" dirty="0"/>
+              <a:t>exposes specific modules</a:t>
+            </a:r>
+            <a:r>
+              <a:rPr lang="en-US" sz="2200" dirty="0"/>
+              <a:t> that other applications can consume. These modules can be dynamically loaded and executed in the consumer application, making it possible to share logic, components, and other resources across different parts of the system.</a:t>
+            </a:r>
+          </a:p>
+          <a:p>
+            <a:endParaRPr lang="en-US" sz="2200" dirty="0"/>
+          </a:p>
+        </p:txBody>
+      </p:sp>
+      <p:pic>
+        <p:nvPicPr>
+          <p:cNvPr id="7" name="Content Placeholder 6" descr="A diagram of a website&#10;&#10;Description automatically generated">
+            <a:extLst>
+              <a:ext uri="{FF2B5EF4-FFF2-40B4-BE49-F238E27FC236}">
+                <a16:creationId xmlns:a16="http://schemas.microsoft.com/office/drawing/2014/main" id="{1CE0079D-F46B-3CB2-DBD8-A5F0F85C07A4}"/>
+              </a:ext>
+            </a:extLst>
+          </p:cNvPr>
+          <p:cNvPicPr>
+            <a:picLocks noGrp="1" noChangeAspect="1"/>
+          </p:cNvPicPr>
+          <p:nvPr>
+            <p:ph sz="half" idx="2"/>
+          </p:nvPr>
+        </p:nvPicPr>
+        <p:blipFill>
+          <a:blip r:embed="rId3"/>
+          <a:stretch>
+            <a:fillRect/>
+          </a:stretch>
+        </p:blipFill>
+        <p:spPr>
+          <a:xfrm>
+            <a:off x="6099048" y="1661659"/>
+            <a:ext cx="5458968" cy="3534681"/>
+          </a:xfrm>
+          <a:prstGeom prst="rect">
+            <a:avLst/>
+          </a:prstGeom>
+        </p:spPr>
+      </p:pic>
+    </p:spTree>
+    <p:extLst>
+      <p:ext uri="{BB962C8B-B14F-4D97-AF65-F5344CB8AC3E}">
+        <p14:creationId xmlns:p14="http://schemas.microsoft.com/office/powerpoint/2010/main" val="1775464157"/>
+      </p:ext>
+    </p:extLst>
+  </p:cSld>
+  <p:clrMapOvr>
+    <a:masterClrMapping/>
+  </p:clrMapOvr>
+</p:sld>
+</file>
+
+<file path=ppt/slides/slide6.xml><?xml version="1.0" encoding="utf-8"?>
+<p:sld xmlns:a="http://schemas.openxmlformats.org/drawingml/2006/main" xmlns:r="http://schemas.openxmlformats.org/officeDocument/2006/relationships" xmlns:p="http://schemas.openxmlformats.org/presentationml/2006/main">
+  <p:cSld>
+    <p:bg>
+      <p:bgPr>
+        <a:solidFill>
+          <a:schemeClr val="bg1"/>
+        </a:solidFill>
+        <a:effectLst/>
+      </p:bgPr>
+    </p:bg>
+    <p:spTree>
+      <p:nvGrpSpPr>
+        <p:cNvPr id="1" name=""/>
+        <p:cNvGrpSpPr/>
+        <p:nvPr/>
+      </p:nvGrpSpPr>
+      <p:grpSpPr>
+        <a:xfrm>
+          <a:off x="0" y="0"/>
+          <a:ext cx="0" cy="0"/>
+          <a:chOff x="0" y="0"/>
+          <a:chExt cx="0" cy="0"/>
+        </a:xfrm>
+      </p:grpSpPr>
+      <p:sp useBgFill="1">
+        <p:nvSpPr>
+          <p:cNvPr id="21" name="Rectangle 20">
+            <a:extLst>
+              <a:ext uri="{FF2B5EF4-FFF2-40B4-BE49-F238E27FC236}">
+                <a16:creationId xmlns:a16="http://schemas.microsoft.com/office/drawing/2014/main" id="{2C61293E-6EBE-43EF-A52C-9BEBFD7679D4}"/>
+              </a:ext>
+              <a:ext uri="{C183D7F6-B498-43B3-948B-1728B52AA6E4}">
+                <adec:decorative xmlns:adec="http://schemas.microsoft.com/office/drawing/2017/decorative" val="1"/>
+              </a:ext>
+            </a:extLst>
+          </p:cNvPr>
+          <p:cNvSpPr>
+            <a:spLocks noGrp="1" noRot="1" noChangeAspect="1" noMove="1" noResize="1" noEditPoints="1" noAdjustHandles="1" noChangeArrowheads="1" noChangeShapeType="1" noTextEdit="1"/>
+          </p:cNvSpPr>
+          <p:nvPr>
+            <p:extLst>
+              <p:ext uri="{386F3935-93C4-4BCD-93E2-E3B085C9AB24}">
+                <p16:designElem xmlns:p16="http://schemas.microsoft.com/office/powerpoint/2015/main" val="1"/>
+              </p:ext>
+            </p:extLst>
+          </p:nvPr>
+        </p:nvSpPr>
+        <p:spPr>
+          <a:xfrm>
+            <a:off x="0" y="0"/>
+            <a:ext cx="12188952" cy="6858000"/>
+          </a:xfrm>
+          <a:prstGeom prst="rect">
+            <a:avLst/>
+          </a:prstGeom>
+          <a:ln>
+            <a:noFill/>
+          </a:ln>
+        </p:spPr>
+        <p:style>
+          <a:lnRef idx="2">
+            <a:schemeClr val="accent1">
+              <a:shade val="50000"/>
+            </a:schemeClr>
+          </a:lnRef>
+          <a:fillRef idx="1">
+            <a:schemeClr val="accent1"/>
+          </a:fillRef>
+          <a:effectRef idx="0">
+            <a:schemeClr val="accent1"/>
+          </a:effectRef>
+          <a:fontRef idx="minor">
+            <a:schemeClr val="lt1"/>
+          </a:fontRef>
+        </p:style>
+        <p:txBody>
+          <a:bodyPr rtlCol="0" anchor="ctr"/>
+          <a:lstStyle/>
+          <a:p>
+            <a:pPr algn="ctr"/>
+            <a:endParaRPr lang="en-US"/>
+          </a:p>
+        </p:txBody>
+      </p:sp>
+      <p:sp>
+        <p:nvSpPr>
+          <p:cNvPr id="2" name="Title 1">
+            <a:extLst>
+              <a:ext uri="{FF2B5EF4-FFF2-40B4-BE49-F238E27FC236}">
+                <a16:creationId xmlns:a16="http://schemas.microsoft.com/office/drawing/2014/main" id="{24D4FCCC-607B-BC64-43C7-206333C361B6}"/>
+              </a:ext>
+            </a:extLst>
+          </p:cNvPr>
+          <p:cNvSpPr>
+            <a:spLocks noGrp="1"/>
+          </p:cNvSpPr>
+          <p:nvPr>
+            <p:ph type="title"/>
+          </p:nvPr>
+        </p:nvSpPr>
+        <p:spPr>
+          <a:xfrm>
+            <a:off x="5297762" y="329184"/>
+            <a:ext cx="6251110" cy="1783080"/>
+          </a:xfrm>
+        </p:spPr>
+        <p:txBody>
+          <a:bodyPr anchor="b">
+            <a:normAutofit/>
+          </a:bodyPr>
+          <a:lstStyle/>
+          <a:p>
+            <a:r>
+              <a:rPr lang="en-US" sz="3800" dirty="0"/>
+              <a:t>Relationship between Module Federation and Micro-Frontends</a:t>
+            </a:r>
+          </a:p>
+        </p:txBody>
+      </p:sp>
+      <p:pic>
+        <p:nvPicPr>
+          <p:cNvPr id="16" name="Picture 15" descr="Close up of circuit board">
+            <a:extLst>
+              <a:ext uri="{FF2B5EF4-FFF2-40B4-BE49-F238E27FC236}">
+                <a16:creationId xmlns:a16="http://schemas.microsoft.com/office/drawing/2014/main" id="{D221FD1B-56C2-C1AD-4B0A-5546F8746655}"/>
+              </a:ext>
+            </a:extLst>
+          </p:cNvPr>
+          <p:cNvPicPr>
+            <a:picLocks noChangeAspect="1"/>
+          </p:cNvPicPr>
+          <p:nvPr/>
+        </p:nvPicPr>
+        <p:blipFill rotWithShape="1">
+          <a:blip r:embed="rId2"/>
+          <a:srcRect l="16551" r="38118" b="-1"/>
+          <a:stretch/>
+        </p:blipFill>
+        <p:spPr>
+          <a:xfrm>
+            <a:off x="1" y="10"/>
+            <a:ext cx="4657344" cy="6857990"/>
+          </a:xfrm>
+          <a:custGeom>
+            <a:avLst/>
+            <a:gdLst/>
+            <a:ahLst/>
+            <a:cxnLst/>
+            <a:rect l="l" t="t" r="r" b="b"/>
+            <a:pathLst>
+              <a:path w="4657344" h="6858000">
+                <a:moveTo>
+                  <a:pt x="0" y="0"/>
+                </a:moveTo>
+                <a:lnTo>
+                  <a:pt x="3429755" y="0"/>
+                </a:lnTo>
+                <a:lnTo>
+                  <a:pt x="3526016" y="148742"/>
+                </a:lnTo>
+                <a:cubicBezTo>
+                  <a:pt x="3657740" y="365513"/>
+                  <a:pt x="3777402" y="589569"/>
+                  <a:pt x="3886489" y="819975"/>
+                </a:cubicBezTo>
+                <a:cubicBezTo>
+                  <a:pt x="3891856" y="833492"/>
+                  <a:pt x="3900663" y="845393"/>
+                  <a:pt x="3912049" y="854514"/>
+                </a:cubicBezTo>
+                <a:cubicBezTo>
+                  <a:pt x="3897352" y="819849"/>
+                  <a:pt x="3883037" y="784928"/>
+                  <a:pt x="3868083" y="750263"/>
+                </a:cubicBezTo>
+                <a:cubicBezTo>
+                  <a:pt x="3806989" y="608712"/>
+                  <a:pt x="3742478" y="469145"/>
+                  <a:pt x="3674155" y="331786"/>
+                </a:cubicBezTo>
+                <a:lnTo>
+                  <a:pt x="3496656" y="0"/>
+                </a:lnTo>
+                <a:lnTo>
+                  <a:pt x="3554371" y="0"/>
+                </a:lnTo>
+                <a:lnTo>
+                  <a:pt x="3661621" y="196614"/>
+                </a:lnTo>
+                <a:cubicBezTo>
+                  <a:pt x="3856899" y="573253"/>
+                  <a:pt x="4021071" y="966066"/>
+                  <a:pt x="4161279" y="1371196"/>
+                </a:cubicBezTo>
+                <a:cubicBezTo>
+                  <a:pt x="4379525" y="2007265"/>
+                  <a:pt x="4530141" y="2664286"/>
+                  <a:pt x="4610660" y="3331516"/>
+                </a:cubicBezTo>
+                <a:cubicBezTo>
+                  <a:pt x="4652837" y="3672965"/>
+                  <a:pt x="4671625" y="4013908"/>
+                  <a:pt x="4645040" y="4357388"/>
+                </a:cubicBezTo>
+                <a:cubicBezTo>
+                  <a:pt x="4613599" y="4758899"/>
+                  <a:pt x="4566181" y="5157998"/>
+                  <a:pt x="4485789" y="5552906"/>
+                </a:cubicBezTo>
+                <a:cubicBezTo>
+                  <a:pt x="4397121" y="5988893"/>
+                  <a:pt x="4276748" y="6414594"/>
+                  <a:pt x="4117769" y="6828295"/>
+                </a:cubicBezTo>
+                <a:lnTo>
+                  <a:pt x="4105288" y="6858000"/>
+                </a:lnTo>
+                <a:lnTo>
+                  <a:pt x="4052520" y="6858000"/>
+                </a:lnTo>
+                <a:lnTo>
+                  <a:pt x="4059369" y="6841549"/>
+                </a:lnTo>
+                <a:cubicBezTo>
+                  <a:pt x="4147276" y="6614016"/>
+                  <a:pt x="4224193" y="6380817"/>
+                  <a:pt x="4291518" y="6142729"/>
+                </a:cubicBezTo>
+                <a:cubicBezTo>
+                  <a:pt x="4350055" y="5935370"/>
+                  <a:pt x="4393256" y="5723695"/>
+                  <a:pt x="4443357" y="5513923"/>
+                </a:cubicBezTo>
+                <a:cubicBezTo>
+                  <a:pt x="4444541" y="5502788"/>
+                  <a:pt x="4445137" y="5491601"/>
+                  <a:pt x="4445146" y="5480401"/>
+                </a:cubicBezTo>
+                <a:cubicBezTo>
+                  <a:pt x="4408465" y="5607635"/>
+                  <a:pt x="4379196" y="5719759"/>
+                  <a:pt x="4344559" y="5830359"/>
+                </a:cubicBezTo>
+                <a:cubicBezTo>
+                  <a:pt x="4254261" y="6118381"/>
+                  <a:pt x="4150112" y="6398531"/>
+                  <a:pt x="4031702" y="6670527"/>
+                </a:cubicBezTo>
+                <a:lnTo>
+                  <a:pt x="3943824" y="6858000"/>
+                </a:lnTo>
+                <a:lnTo>
+                  <a:pt x="0" y="6858000"/>
+                </a:lnTo>
+                <a:close/>
+              </a:path>
+            </a:pathLst>
+          </a:custGeom>
+        </p:spPr>
+      </p:pic>
+      <p:sp>
+        <p:nvSpPr>
+          <p:cNvPr id="23" name="sketchy line">
+            <a:extLst>
+              <a:ext uri="{FF2B5EF4-FFF2-40B4-BE49-F238E27FC236}">
+                <a16:creationId xmlns:a16="http://schemas.microsoft.com/office/drawing/2014/main" id="{21540236-BFD5-4A9D-8840-4703E7F76825}"/>
+              </a:ext>
+              <a:ext uri="{C183D7F6-B498-43B3-948B-1728B52AA6E4}">
+                <adec:decorative xmlns:adec="http://schemas.microsoft.com/office/drawing/2017/decorative" val="1"/>
+              </a:ext>
+            </a:extLst>
+          </p:cNvPr>
+          <p:cNvSpPr>
+            <a:spLocks noGrp="1" noRot="1" noChangeAspect="1" noMove="1" noResize="1" noEditPoints="1" noAdjustHandles="1" noChangeArrowheads="1" noChangeShapeType="1" noTextEdit="1"/>
+          </p:cNvSpPr>
+          <p:nvPr>
+            <p:extLst>
+              <p:ext uri="{386F3935-93C4-4BCD-93E2-E3B085C9AB24}">
+                <p16:designElem xmlns:p16="http://schemas.microsoft.com/office/powerpoint/2015/main" val="1"/>
+              </p:ext>
+            </p:extLst>
+          </p:nvPr>
+        </p:nvSpPr>
+        <p:spPr>
+          <a:xfrm>
+            <a:off x="5297762" y="2374947"/>
+            <a:ext cx="4243589" cy="18288"/>
+          </a:xfrm>
+          <a:custGeom>
+            <a:avLst/>
+            <a:gdLst>
+              <a:gd name="connsiteX0" fmla="*/ 0 w 4243589"/>
+              <a:gd name="connsiteY0" fmla="*/ 0 h 18288"/>
+              <a:gd name="connsiteX1" fmla="*/ 478919 w 4243589"/>
+              <a:gd name="connsiteY1" fmla="*/ 0 h 18288"/>
+              <a:gd name="connsiteX2" fmla="*/ 957839 w 4243589"/>
+              <a:gd name="connsiteY2" fmla="*/ 0 h 18288"/>
+              <a:gd name="connsiteX3" fmla="*/ 1521630 w 4243589"/>
+              <a:gd name="connsiteY3" fmla="*/ 0 h 18288"/>
+              <a:gd name="connsiteX4" fmla="*/ 2212729 w 4243589"/>
+              <a:gd name="connsiteY4" fmla="*/ 0 h 18288"/>
+              <a:gd name="connsiteX5" fmla="*/ 2734084 w 4243589"/>
+              <a:gd name="connsiteY5" fmla="*/ 0 h 18288"/>
+              <a:gd name="connsiteX6" fmla="*/ 3255439 w 4243589"/>
+              <a:gd name="connsiteY6" fmla="*/ 0 h 18288"/>
+              <a:gd name="connsiteX7" fmla="*/ 4243589 w 4243589"/>
+              <a:gd name="connsiteY7" fmla="*/ 0 h 18288"/>
+              <a:gd name="connsiteX8" fmla="*/ 4243589 w 4243589"/>
+              <a:gd name="connsiteY8" fmla="*/ 18288 h 18288"/>
+              <a:gd name="connsiteX9" fmla="*/ 3594926 w 4243589"/>
+              <a:gd name="connsiteY9" fmla="*/ 18288 h 18288"/>
+              <a:gd name="connsiteX10" fmla="*/ 3073571 w 4243589"/>
+              <a:gd name="connsiteY10" fmla="*/ 18288 h 18288"/>
+              <a:gd name="connsiteX11" fmla="*/ 2552216 w 4243589"/>
+              <a:gd name="connsiteY11" fmla="*/ 18288 h 18288"/>
+              <a:gd name="connsiteX12" fmla="*/ 1903553 w 4243589"/>
+              <a:gd name="connsiteY12" fmla="*/ 18288 h 18288"/>
+              <a:gd name="connsiteX13" fmla="*/ 1212454 w 4243589"/>
+              <a:gd name="connsiteY13" fmla="*/ 18288 h 18288"/>
+              <a:gd name="connsiteX14" fmla="*/ 733535 w 4243589"/>
+              <a:gd name="connsiteY14" fmla="*/ 18288 h 18288"/>
+              <a:gd name="connsiteX15" fmla="*/ 0 w 4243589"/>
+              <a:gd name="connsiteY15" fmla="*/ 18288 h 18288"/>
+              <a:gd name="connsiteX16" fmla="*/ 0 w 4243589"/>
+              <a:gd name="connsiteY16" fmla="*/ 0 h 18288"/>
+            </a:gdLst>
+            <a:ahLst/>
+            <a:cxnLst>
+              <a:cxn ang="0">
+                <a:pos x="connsiteX0" y="connsiteY0"/>
+              </a:cxn>
+              <a:cxn ang="0">
+                <a:pos x="connsiteX1" y="connsiteY1"/>
+              </a:cxn>
+              <a:cxn ang="0">
+                <a:pos x="connsiteX2" y="connsiteY2"/>
+              </a:cxn>
+              <a:cxn ang="0">
+                <a:pos x="connsiteX3" y="connsiteY3"/>
+              </a:cxn>
+              <a:cxn ang="0">
+                <a:pos x="connsiteX4" y="connsiteY4"/>
+              </a:cxn>
+              <a:cxn ang="0">
+                <a:pos x="connsiteX5" y="connsiteY5"/>
+              </a:cxn>
+              <a:cxn ang="0">
+                <a:pos x="connsiteX6" y="connsiteY6"/>
+              </a:cxn>
+              <a:cxn ang="0">
+                <a:pos x="connsiteX7" y="connsiteY7"/>
+              </a:cxn>
+              <a:cxn ang="0">
+                <a:pos x="connsiteX8" y="connsiteY8"/>
+              </a:cxn>
+              <a:cxn ang="0">
+                <a:pos x="connsiteX9" y="connsiteY9"/>
+              </a:cxn>
+              <a:cxn ang="0">
+                <a:pos x="connsiteX10" y="connsiteY10"/>
+              </a:cxn>
+              <a:cxn ang="0">
+                <a:pos x="connsiteX11" y="connsiteY11"/>
+              </a:cxn>
+              <a:cxn ang="0">
+                <a:pos x="connsiteX12" y="connsiteY12"/>
+              </a:cxn>
+              <a:cxn ang="0">
+                <a:pos x="connsiteX13" y="connsiteY13"/>
+              </a:cxn>
+              <a:cxn ang="0">
+                <a:pos x="connsiteX14" y="connsiteY14"/>
+              </a:cxn>
+              <a:cxn ang="0">
+                <a:pos x="connsiteX15" y="connsiteY15"/>
+              </a:cxn>
+              <a:cxn ang="0">
+                <a:pos x="connsiteX16" y="connsiteY16"/>
+              </a:cxn>
+            </a:cxnLst>
+            <a:rect l="l" t="t" r="r" b="b"/>
+            <a:pathLst>
+              <a:path w="4243589" h="18288" fill="none" extrusionOk="0">
+                <a:moveTo>
+                  <a:pt x="0" y="0"/>
+                </a:moveTo>
+                <a:cubicBezTo>
+                  <a:pt x="213395" y="-21006"/>
+                  <a:pt x="307421" y="-18116"/>
+                  <a:pt x="478919" y="0"/>
+                </a:cubicBezTo>
+                <a:cubicBezTo>
+                  <a:pt x="650417" y="18116"/>
+                  <a:pt x="831092" y="-21237"/>
+                  <a:pt x="957839" y="0"/>
+                </a:cubicBezTo>
+                <a:cubicBezTo>
+                  <a:pt x="1084586" y="21237"/>
+                  <a:pt x="1301682" y="25124"/>
+                  <a:pt x="1521630" y="0"/>
+                </a:cubicBezTo>
+                <a:cubicBezTo>
+                  <a:pt x="1741578" y="-25124"/>
+                  <a:pt x="1970269" y="-29139"/>
+                  <a:pt x="2212729" y="0"/>
+                </a:cubicBezTo>
+                <a:cubicBezTo>
+                  <a:pt x="2455189" y="29139"/>
+                  <a:pt x="2558847" y="-4796"/>
+                  <a:pt x="2734084" y="0"/>
+                </a:cubicBezTo>
+                <a:cubicBezTo>
+                  <a:pt x="2909321" y="4796"/>
+                  <a:pt x="3097217" y="-13409"/>
+                  <a:pt x="3255439" y="0"/>
+                </a:cubicBezTo>
+                <a:cubicBezTo>
+                  <a:pt x="3413662" y="13409"/>
+                  <a:pt x="3979999" y="-10121"/>
+                  <a:pt x="4243589" y="0"/>
+                </a:cubicBezTo>
+                <a:cubicBezTo>
+                  <a:pt x="4244484" y="8974"/>
+                  <a:pt x="4243043" y="9359"/>
+                  <a:pt x="4243589" y="18288"/>
+                </a:cubicBezTo>
+                <a:cubicBezTo>
+                  <a:pt x="4058777" y="31246"/>
+                  <a:pt x="3910348" y="3158"/>
+                  <a:pt x="3594926" y="18288"/>
+                </a:cubicBezTo>
+                <a:cubicBezTo>
+                  <a:pt x="3279504" y="33418"/>
+                  <a:pt x="3319955" y="-3977"/>
+                  <a:pt x="3073571" y="18288"/>
+                </a:cubicBezTo>
+                <a:cubicBezTo>
+                  <a:pt x="2827187" y="40553"/>
+                  <a:pt x="2767387" y="1863"/>
+                  <a:pt x="2552216" y="18288"/>
+                </a:cubicBezTo>
+                <a:cubicBezTo>
+                  <a:pt x="2337046" y="34713"/>
+                  <a:pt x="2181871" y="19527"/>
+                  <a:pt x="1903553" y="18288"/>
+                </a:cubicBezTo>
+                <a:cubicBezTo>
+                  <a:pt x="1625235" y="17049"/>
+                  <a:pt x="1557672" y="24174"/>
+                  <a:pt x="1212454" y="18288"/>
+                </a:cubicBezTo>
+                <a:cubicBezTo>
+                  <a:pt x="867236" y="12402"/>
+                  <a:pt x="874382" y="15627"/>
+                  <a:pt x="733535" y="18288"/>
+                </a:cubicBezTo>
+                <a:cubicBezTo>
+                  <a:pt x="592688" y="20949"/>
+                  <a:pt x="183477" y="14753"/>
+                  <a:pt x="0" y="18288"/>
+                </a:cubicBezTo>
+                <a:cubicBezTo>
+                  <a:pt x="-229" y="14222"/>
+                  <a:pt x="509" y="5816"/>
+                  <a:pt x="0" y="0"/>
+                </a:cubicBezTo>
+                <a:close/>
+              </a:path>
+              <a:path w="4243589" h="18288" stroke="0" extrusionOk="0">
+                <a:moveTo>
+                  <a:pt x="0" y="0"/>
+                </a:moveTo>
+                <a:cubicBezTo>
+                  <a:pt x="143690" y="16630"/>
+                  <a:pt x="266667" y="14847"/>
+                  <a:pt x="521355" y="0"/>
+                </a:cubicBezTo>
+                <a:cubicBezTo>
+                  <a:pt x="776043" y="-14847"/>
+                  <a:pt x="814491" y="-17363"/>
+                  <a:pt x="1000275" y="0"/>
+                </a:cubicBezTo>
+                <a:cubicBezTo>
+                  <a:pt x="1186059" y="17363"/>
+                  <a:pt x="1352504" y="-23507"/>
+                  <a:pt x="1521630" y="0"/>
+                </a:cubicBezTo>
+                <a:cubicBezTo>
+                  <a:pt x="1690756" y="23507"/>
+                  <a:pt x="1889525" y="5871"/>
+                  <a:pt x="2127857" y="0"/>
+                </a:cubicBezTo>
+                <a:cubicBezTo>
+                  <a:pt x="2366189" y="-5871"/>
+                  <a:pt x="2620628" y="-27997"/>
+                  <a:pt x="2776520" y="0"/>
+                </a:cubicBezTo>
+                <a:cubicBezTo>
+                  <a:pt x="2932412" y="27997"/>
+                  <a:pt x="3131683" y="-25073"/>
+                  <a:pt x="3467618" y="0"/>
+                </a:cubicBezTo>
+                <a:cubicBezTo>
+                  <a:pt x="3803553" y="25073"/>
+                  <a:pt x="4017371" y="3071"/>
+                  <a:pt x="4243589" y="0"/>
+                </a:cubicBezTo>
+                <a:cubicBezTo>
+                  <a:pt x="4243134" y="6162"/>
+                  <a:pt x="4243492" y="11775"/>
+                  <a:pt x="4243589" y="18288"/>
+                </a:cubicBezTo>
+                <a:cubicBezTo>
+                  <a:pt x="4017834" y="-5779"/>
+                  <a:pt x="3834586" y="13376"/>
+                  <a:pt x="3594926" y="18288"/>
+                </a:cubicBezTo>
+                <a:cubicBezTo>
+                  <a:pt x="3355266" y="23200"/>
+                  <a:pt x="3204179" y="2869"/>
+                  <a:pt x="2903827" y="18288"/>
+                </a:cubicBezTo>
+                <a:cubicBezTo>
+                  <a:pt x="2603475" y="33707"/>
+                  <a:pt x="2526187" y="46187"/>
+                  <a:pt x="2212729" y="18288"/>
+                </a:cubicBezTo>
+                <a:cubicBezTo>
+                  <a:pt x="1899271" y="-9611"/>
+                  <a:pt x="1966289" y="29692"/>
+                  <a:pt x="1733809" y="18288"/>
+                </a:cubicBezTo>
+                <a:cubicBezTo>
+                  <a:pt x="1501329" y="6884"/>
+                  <a:pt x="1343612" y="12492"/>
+                  <a:pt x="1085146" y="18288"/>
+                </a:cubicBezTo>
+                <a:cubicBezTo>
+                  <a:pt x="826680" y="24084"/>
+                  <a:pt x="778184" y="35607"/>
+                  <a:pt x="521355" y="18288"/>
+                </a:cubicBezTo>
+                <a:cubicBezTo>
+                  <a:pt x="264526" y="969"/>
+                  <a:pt x="120277" y="4268"/>
+                  <a:pt x="0" y="18288"/>
+                </a:cubicBezTo>
+                <a:cubicBezTo>
+                  <a:pt x="766" y="10800"/>
+                  <a:pt x="-457" y="8180"/>
+                  <a:pt x="0" y="0"/>
+                </a:cubicBezTo>
+                <a:close/>
+              </a:path>
+            </a:pathLst>
+          </a:custGeom>
+          <a:solidFill>
+            <a:schemeClr val="accent2"/>
+          </a:solidFill>
+          <a:ln w="44450" cap="rnd">
+            <a:solidFill>
+              <a:schemeClr val="accent2"/>
+            </a:solidFill>
+            <a:round/>
+            <a:extLst>
+              <a:ext uri="{C807C97D-BFC1-408E-A445-0C87EB9F89A2}">
+                <ask:lineSketchStyleProps xmlns:ask="http://schemas.microsoft.com/office/drawing/2018/sketchyshapes" sd="2727557108">
+                  <a:prstGeom prst="rect">
+                    <a:avLst/>
+                  </a:prstGeom>
+                  <ask:type>
+                    <ask:lineSketchFreehand/>
+                  </ask:type>
+                </ask:lineSketchStyleProps>
+              </a:ext>
+            </a:extLst>
+          </a:ln>
+        </p:spPr>
+        <p:style>
+          <a:lnRef idx="2">
+            <a:schemeClr val="accent1">
+              <a:shade val="50000"/>
+            </a:schemeClr>
+          </a:lnRef>
+          <a:fillRef idx="1">
+            <a:schemeClr val="accent1"/>
+          </a:fillRef>
+          <a:effectRef idx="0">
+            <a:schemeClr val="accent1"/>
+          </a:effectRef>
+          <a:fontRef idx="minor">
+            <a:schemeClr val="lt1"/>
+          </a:fontRef>
+        </p:style>
+        <p:txBody>
+          <a:bodyPr rtlCol="0" anchor="ctr"/>
+          <a:lstStyle/>
+          <a:p>
+            <a:pPr algn="ctr"/>
+            <a:endParaRPr lang="en-US"/>
+          </a:p>
+        </p:txBody>
+      </p:sp>
+      <p:sp>
+        <p:nvSpPr>
+          <p:cNvPr id="3" name="Content Placeholder 2">
+            <a:extLst>
+              <a:ext uri="{FF2B5EF4-FFF2-40B4-BE49-F238E27FC236}">
+                <a16:creationId xmlns:a16="http://schemas.microsoft.com/office/drawing/2014/main" id="{8D2A1E6F-7175-2DEF-F43E-82D385F1E384}"/>
+              </a:ext>
+            </a:extLst>
+          </p:cNvPr>
+          <p:cNvSpPr>
+            <a:spLocks noGrp="1"/>
+          </p:cNvSpPr>
+          <p:nvPr>
+            <p:ph idx="1"/>
+          </p:nvPr>
+        </p:nvSpPr>
+        <p:spPr>
+          <a:xfrm>
+            <a:off x="5297762" y="2706624"/>
+            <a:ext cx="6251110" cy="3483864"/>
+          </a:xfrm>
+        </p:spPr>
+        <p:txBody>
+          <a:bodyPr>
+            <a:normAutofit/>
+          </a:bodyPr>
+          <a:lstStyle/>
+          <a:p>
+            <a:pPr algn="just"/>
+            <a:r>
+              <a:rPr lang="en-US" sz="2200" dirty="0"/>
+              <a:t>Module Federation is a technique that can be used to implement the principles of Micro Frontends. By using Module Federation, different micro frontends can dynamically import and use modules from each other, allowing for better code sharing and collaboration between independent teams.</a:t>
+            </a:r>
+          </a:p>
+          <a:p>
+            <a:pPr algn="just"/>
+            <a:r>
+              <a:rPr lang="en-US" sz="2200" dirty="0"/>
+              <a:t>With Module Federation, each micro frontend can expose specific modules that other micro frontends can consume, creating a more modular and flexible front-end architecture.</a:t>
+            </a:r>
+          </a:p>
+        </p:txBody>
+      </p:sp>
+    </p:spTree>
+    <p:extLst>
+      <p:ext uri="{BB962C8B-B14F-4D97-AF65-F5344CB8AC3E}">
+        <p14:creationId xmlns:p14="http://schemas.microsoft.com/office/powerpoint/2010/main" val="4053268598"/>
+      </p:ext>
+    </p:extLst>
+  </p:cSld>
+  <p:clrMapOvr>
+    <a:masterClrMapping/>
+  </p:clrMapOvr>
+</p:sld>
+</file>
+
+<file path=ppt/slides/slide7.xml><?xml version="1.0" encoding="utf-8"?>
+<p:sld xmlns:a="http://schemas.openxmlformats.org/drawingml/2006/main" xmlns:r="http://schemas.openxmlformats.org/officeDocument/2006/relationships" xmlns:p="http://schemas.openxmlformats.org/presentationml/2006/main">
+  <p:cSld>
+    <p:bg>
+      <p:bgPr>
+        <a:solidFill>
+          <a:schemeClr val="bg1"/>
+        </a:solidFill>
+        <a:effectLst/>
+      </p:bgPr>
+    </p:bg>
+    <p:spTree>
+      <p:nvGrpSpPr>
+        <p:cNvPr id="1" name=""/>
+        <p:cNvGrpSpPr/>
+        <p:nvPr/>
+      </p:nvGrpSpPr>
+      <p:grpSpPr>
+        <a:xfrm>
+          <a:off x="0" y="0"/>
+          <a:ext cx="0" cy="0"/>
+          <a:chOff x="0" y="0"/>
+          <a:chExt cx="0" cy="0"/>
+        </a:xfrm>
+      </p:grpSpPr>
+      <p:sp useBgFill="1">
+        <p:nvSpPr>
+          <p:cNvPr id="14" name="Rectangle 13">
+            <a:extLst>
+              <a:ext uri="{FF2B5EF4-FFF2-40B4-BE49-F238E27FC236}">
+                <a16:creationId xmlns:a16="http://schemas.microsoft.com/office/drawing/2014/main" id="{35DB3719-6FDC-4E5D-891D-FF40B7300F64}"/>
+              </a:ext>
+              <a:ext uri="{C183D7F6-B498-43B3-948B-1728B52AA6E4}">
+                <adec:decorative xmlns:adec="http://schemas.microsoft.com/office/drawing/2017/decorative" val="1"/>
+              </a:ext>
+            </a:extLst>
+          </p:cNvPr>
+          <p:cNvSpPr>
+            <a:spLocks noGrp="1" noRot="1" noChangeAspect="1" noMove="1" noResize="1" noEditPoints="1" noAdjustHandles="1" noChangeArrowheads="1" noChangeShapeType="1" noTextEdit="1"/>
+          </p:cNvSpPr>
+          <p:nvPr>
+            <p:extLst>
+              <p:ext uri="{386F3935-93C4-4BCD-93E2-E3B085C9AB24}">
+                <p16:designElem xmlns:p16="http://schemas.microsoft.com/office/powerpoint/2015/main" val="1"/>
+              </p:ext>
+            </p:extLst>
+          </p:nvPr>
+        </p:nvSpPr>
+        <p:spPr>
+          <a:xfrm>
+            <a:off x="0" y="0"/>
+            <a:ext cx="12188952" cy="6858000"/>
+          </a:xfrm>
+          <a:prstGeom prst="rect">
+            <a:avLst/>
+          </a:prstGeom>
+          <a:ln>
+            <a:noFill/>
+          </a:ln>
+        </p:spPr>
+        <p:style>
+          <a:lnRef idx="2">
+            <a:schemeClr val="accent1">
+              <a:shade val="50000"/>
+            </a:schemeClr>
+          </a:lnRef>
+          <a:fillRef idx="1">
+            <a:schemeClr val="accent1"/>
+          </a:fillRef>
+          <a:effectRef idx="0">
+            <a:schemeClr val="accent1"/>
+          </a:effectRef>
+          <a:fontRef idx="minor">
+            <a:schemeClr val="lt1"/>
+          </a:fontRef>
+        </p:style>
+        <p:txBody>
+          <a:bodyPr rtlCol="0" anchor="ctr"/>
+          <a:lstStyle/>
+          <a:p>
+            <a:pPr algn="ctr"/>
+            <a:endParaRPr lang="en-US"/>
+          </a:p>
+        </p:txBody>
+      </p:sp>
+      <p:sp>
+        <p:nvSpPr>
+          <p:cNvPr id="2" name="Title 1">
+            <a:extLst>
+              <a:ext uri="{FF2B5EF4-FFF2-40B4-BE49-F238E27FC236}">
+                <a16:creationId xmlns:a16="http://schemas.microsoft.com/office/drawing/2014/main" id="{24D4FCCC-607B-BC64-43C7-206333C361B6}"/>
+              </a:ext>
+            </a:extLst>
+          </p:cNvPr>
+          <p:cNvSpPr>
+            <a:spLocks noGrp="1"/>
+          </p:cNvSpPr>
+          <p:nvPr>
+            <p:ph type="title"/>
+          </p:nvPr>
+        </p:nvSpPr>
+        <p:spPr>
+          <a:xfrm>
+            <a:off x="838200" y="365125"/>
+            <a:ext cx="10515600" cy="1325563"/>
+          </a:xfrm>
+        </p:spPr>
+        <p:txBody>
+          <a:bodyPr>
+            <a:normAutofit/>
+          </a:bodyPr>
+          <a:lstStyle/>
+          <a:p>
+            <a:r>
+              <a:rPr lang="en-US" sz="5400" dirty="0"/>
+              <a:t>Key Concepts of Module Federation</a:t>
+            </a:r>
+          </a:p>
+        </p:txBody>
+      </p:sp>
+      <p:sp>
+        <p:nvSpPr>
+          <p:cNvPr id="11" name="sketch line">
+            <a:extLst>
+              <a:ext uri="{FF2B5EF4-FFF2-40B4-BE49-F238E27FC236}">
+                <a16:creationId xmlns:a16="http://schemas.microsoft.com/office/drawing/2014/main" id="{E0CBAC23-2E3F-4A90-BA59-F8299F6A5439}"/>
+              </a:ext>
+              <a:ext uri="{C183D7F6-B498-43B3-948B-1728B52AA6E4}">
+                <adec:decorative xmlns:adec="http://schemas.microsoft.com/office/drawing/2017/decorative" val="1"/>
+              </a:ext>
+            </a:extLst>
+          </p:cNvPr>
+          <p:cNvSpPr>
+            <a:spLocks noGrp="1" noRot="1" noChangeAspect="1" noMove="1" noResize="1" noEditPoints="1" noAdjustHandles="1" noChangeArrowheads="1" noChangeShapeType="1" noTextEdit="1"/>
+          </p:cNvSpPr>
+          <p:nvPr>
+            <p:extLst>
+              <p:ext uri="{386F3935-93C4-4BCD-93E2-E3B085C9AB24}">
+                <p16:designElem xmlns:p16="http://schemas.microsoft.com/office/powerpoint/2015/main" val="1"/>
+              </p:ext>
+            </p:extLst>
+          </p:nvPr>
+        </p:nvSpPr>
+        <p:spPr>
+          <a:xfrm>
+            <a:off x="838200" y="1865313"/>
+            <a:ext cx="10424160" cy="18288"/>
+          </a:xfrm>
+          <a:custGeom>
+            <a:avLst/>
+            <a:gdLst>
+              <a:gd name="connsiteX0" fmla="*/ 0 w 10424160"/>
+              <a:gd name="connsiteY0" fmla="*/ 0 h 18288"/>
+              <a:gd name="connsiteX1" fmla="*/ 903427 w 10424160"/>
+              <a:gd name="connsiteY1" fmla="*/ 0 h 18288"/>
+              <a:gd name="connsiteX2" fmla="*/ 1389888 w 10424160"/>
+              <a:gd name="connsiteY2" fmla="*/ 0 h 18288"/>
+              <a:gd name="connsiteX3" fmla="*/ 2189074 w 10424160"/>
+              <a:gd name="connsiteY3" fmla="*/ 0 h 18288"/>
+              <a:gd name="connsiteX4" fmla="*/ 2675534 w 10424160"/>
+              <a:gd name="connsiteY4" fmla="*/ 0 h 18288"/>
+              <a:gd name="connsiteX5" fmla="*/ 3370478 w 10424160"/>
+              <a:gd name="connsiteY5" fmla="*/ 0 h 18288"/>
+              <a:gd name="connsiteX6" fmla="*/ 4169664 w 10424160"/>
+              <a:gd name="connsiteY6" fmla="*/ 0 h 18288"/>
+              <a:gd name="connsiteX7" fmla="*/ 4551883 w 10424160"/>
+              <a:gd name="connsiteY7" fmla="*/ 0 h 18288"/>
+              <a:gd name="connsiteX8" fmla="*/ 4934102 w 10424160"/>
+              <a:gd name="connsiteY8" fmla="*/ 0 h 18288"/>
+              <a:gd name="connsiteX9" fmla="*/ 5837530 w 10424160"/>
+              <a:gd name="connsiteY9" fmla="*/ 0 h 18288"/>
+              <a:gd name="connsiteX10" fmla="*/ 6532474 w 10424160"/>
+              <a:gd name="connsiteY10" fmla="*/ 0 h 18288"/>
+              <a:gd name="connsiteX11" fmla="*/ 6914693 w 10424160"/>
+              <a:gd name="connsiteY11" fmla="*/ 0 h 18288"/>
+              <a:gd name="connsiteX12" fmla="*/ 7609637 w 10424160"/>
+              <a:gd name="connsiteY12" fmla="*/ 0 h 18288"/>
+              <a:gd name="connsiteX13" fmla="*/ 8513064 w 10424160"/>
+              <a:gd name="connsiteY13" fmla="*/ 0 h 18288"/>
+              <a:gd name="connsiteX14" fmla="*/ 9103766 w 10424160"/>
+              <a:gd name="connsiteY14" fmla="*/ 0 h 18288"/>
+              <a:gd name="connsiteX15" fmla="*/ 9694469 w 10424160"/>
+              <a:gd name="connsiteY15" fmla="*/ 0 h 18288"/>
+              <a:gd name="connsiteX16" fmla="*/ 10424160 w 10424160"/>
+              <a:gd name="connsiteY16" fmla="*/ 0 h 18288"/>
+              <a:gd name="connsiteX17" fmla="*/ 10424160 w 10424160"/>
+              <a:gd name="connsiteY17" fmla="*/ 18288 h 18288"/>
+              <a:gd name="connsiteX18" fmla="*/ 9729216 w 10424160"/>
+              <a:gd name="connsiteY18" fmla="*/ 18288 h 18288"/>
+              <a:gd name="connsiteX19" fmla="*/ 8930030 w 10424160"/>
+              <a:gd name="connsiteY19" fmla="*/ 18288 h 18288"/>
+              <a:gd name="connsiteX20" fmla="*/ 8130845 w 10424160"/>
+              <a:gd name="connsiteY20" fmla="*/ 18288 h 18288"/>
+              <a:gd name="connsiteX21" fmla="*/ 7644384 w 10424160"/>
+              <a:gd name="connsiteY21" fmla="*/ 18288 h 18288"/>
+              <a:gd name="connsiteX22" fmla="*/ 6740957 w 10424160"/>
+              <a:gd name="connsiteY22" fmla="*/ 18288 h 18288"/>
+              <a:gd name="connsiteX23" fmla="*/ 6046013 w 10424160"/>
+              <a:gd name="connsiteY23" fmla="*/ 18288 h 18288"/>
+              <a:gd name="connsiteX24" fmla="*/ 5663794 w 10424160"/>
+              <a:gd name="connsiteY24" fmla="*/ 18288 h 18288"/>
+              <a:gd name="connsiteX25" fmla="*/ 4968850 w 10424160"/>
+              <a:gd name="connsiteY25" fmla="*/ 18288 h 18288"/>
+              <a:gd name="connsiteX26" fmla="*/ 4378147 w 10424160"/>
+              <a:gd name="connsiteY26" fmla="*/ 18288 h 18288"/>
+              <a:gd name="connsiteX27" fmla="*/ 3787445 w 10424160"/>
+              <a:gd name="connsiteY27" fmla="*/ 18288 h 18288"/>
+              <a:gd name="connsiteX28" fmla="*/ 3196742 w 10424160"/>
+              <a:gd name="connsiteY28" fmla="*/ 18288 h 18288"/>
+              <a:gd name="connsiteX29" fmla="*/ 2606040 w 10424160"/>
+              <a:gd name="connsiteY29" fmla="*/ 18288 h 18288"/>
+              <a:gd name="connsiteX30" fmla="*/ 1806854 w 10424160"/>
+              <a:gd name="connsiteY30" fmla="*/ 18288 h 18288"/>
+              <a:gd name="connsiteX31" fmla="*/ 1111910 w 10424160"/>
+              <a:gd name="connsiteY31" fmla="*/ 18288 h 18288"/>
+              <a:gd name="connsiteX32" fmla="*/ 729691 w 10424160"/>
+              <a:gd name="connsiteY32" fmla="*/ 18288 h 18288"/>
+              <a:gd name="connsiteX33" fmla="*/ 0 w 10424160"/>
+              <a:gd name="connsiteY33" fmla="*/ 18288 h 18288"/>
+              <a:gd name="connsiteX34" fmla="*/ 0 w 10424160"/>
+              <a:gd name="connsiteY34" fmla="*/ 0 h 18288"/>
+            </a:gdLst>
+            <a:ahLst/>
+            <a:cxnLst>
+              <a:cxn ang="0">
+                <a:pos x="connsiteX0" y="connsiteY0"/>
+              </a:cxn>
+              <a:cxn ang="0">
+                <a:pos x="connsiteX1" y="connsiteY1"/>
+              </a:cxn>
+              <a:cxn ang="0">
+                <a:pos x="connsiteX2" y="connsiteY2"/>
+              </a:cxn>
+              <a:cxn ang="0">
+                <a:pos x="connsiteX3" y="connsiteY3"/>
+              </a:cxn>
+              <a:cxn ang="0">
+                <a:pos x="connsiteX4" y="connsiteY4"/>
+              </a:cxn>
+              <a:cxn ang="0">
+                <a:pos x="connsiteX5" y="connsiteY5"/>
+              </a:cxn>
+              <a:cxn ang="0">
+                <a:pos x="connsiteX6" y="connsiteY6"/>
+              </a:cxn>
+              <a:cxn ang="0">
+                <a:pos x="connsiteX7" y="connsiteY7"/>
+              </a:cxn>
+              <a:cxn ang="0">
+                <a:pos x="connsiteX8" y="connsiteY8"/>
+              </a:cxn>
+              <a:cxn ang="0">
+                <a:pos x="connsiteX9" y="connsiteY9"/>
+              </a:cxn>
+              <a:cxn ang="0">
+                <a:pos x="connsiteX10" y="connsiteY10"/>
+              </a:cxn>
+              <a:cxn ang="0">
+                <a:pos x="connsiteX11" y="connsiteY11"/>
+              </a:cxn>
+              <a:cxn ang="0">
+                <a:pos x="connsiteX12" y="connsiteY12"/>
+              </a:cxn>
+              <a:cxn ang="0">
+                <a:pos x="connsiteX13" y="connsiteY13"/>
+              </a:cxn>
+              <a:cxn ang="0">
+                <a:pos x="connsiteX14" y="connsiteY14"/>
+              </a:cxn>
+              <a:cxn ang="0">
+                <a:pos x="connsiteX15" y="connsiteY15"/>
+              </a:cxn>
+              <a:cxn ang="0">
+                <a:pos x="connsiteX16" y="connsiteY16"/>
+              </a:cxn>
+              <a:cxn ang="0">
+                <a:pos x="connsiteX17" y="connsiteY17"/>
+              </a:cxn>
+              <a:cxn ang="0">
+                <a:pos x="connsiteX18" y="connsiteY18"/>
+              </a:cxn>
+              <a:cxn ang="0">
+                <a:pos x="connsiteX19" y="connsiteY19"/>
+              </a:cxn>
+              <a:cxn ang="0">
+                <a:pos x="connsiteX20" y="connsiteY20"/>
+              </a:cxn>
+              <a:cxn ang="0">
+                <a:pos x="connsiteX21" y="connsiteY21"/>
+              </a:cxn>
+              <a:cxn ang="0">
+                <a:pos x="connsiteX22" y="connsiteY22"/>
+              </a:cxn>
+              <a:cxn ang="0">
+                <a:pos x="connsiteX23" y="connsiteY23"/>
+              </a:cxn>
+              <a:cxn ang="0">
+                <a:pos x="connsiteX24" y="connsiteY24"/>
+              </a:cxn>
+              <a:cxn ang="0">
+                <a:pos x="connsiteX25" y="connsiteY25"/>
+              </a:cxn>
+              <a:cxn ang="0">
+                <a:pos x="connsiteX26" y="connsiteY26"/>
+              </a:cxn>
+              <a:cxn ang="0">
+                <a:pos x="connsiteX27" y="connsiteY27"/>
+              </a:cxn>
+              <a:cxn ang="0">
+                <a:pos x="connsiteX28" y="connsiteY28"/>
+              </a:cxn>
+              <a:cxn ang="0">
+                <a:pos x="connsiteX29" y="connsiteY29"/>
+              </a:cxn>
+              <a:cxn ang="0">
+                <a:pos x="connsiteX30" y="connsiteY30"/>
+              </a:cxn>
+              <a:cxn ang="0">
+                <a:pos x="connsiteX31" y="connsiteY31"/>
+              </a:cxn>
+              <a:cxn ang="0">
+                <a:pos x="connsiteX32" y="connsiteY32"/>
+              </a:cxn>
+              <a:cxn ang="0">
+                <a:pos x="connsiteX33" y="connsiteY33"/>
+              </a:cxn>
+              <a:cxn ang="0">
+                <a:pos x="connsiteX34" y="connsiteY34"/>
+              </a:cxn>
+            </a:cxnLst>
+            <a:rect l="l" t="t" r="r" b="b"/>
+            <a:pathLst>
+              <a:path w="10424160" h="18288" fill="none" extrusionOk="0">
+                <a:moveTo>
+                  <a:pt x="0" y="0"/>
+                </a:moveTo>
+                <a:cubicBezTo>
+                  <a:pt x="251416" y="-3874"/>
+                  <a:pt x="479411" y="-20508"/>
+                  <a:pt x="903427" y="0"/>
+                </a:cubicBezTo>
+                <a:cubicBezTo>
+                  <a:pt x="1327443" y="20508"/>
+                  <a:pt x="1177990" y="-7387"/>
+                  <a:pt x="1389888" y="0"/>
+                </a:cubicBezTo>
+                <a:cubicBezTo>
+                  <a:pt x="1601786" y="7387"/>
+                  <a:pt x="1928602" y="-6697"/>
+                  <a:pt x="2189074" y="0"/>
+                </a:cubicBezTo>
+                <a:cubicBezTo>
+                  <a:pt x="2449546" y="6697"/>
+                  <a:pt x="2440085" y="-21144"/>
+                  <a:pt x="2675534" y="0"/>
+                </a:cubicBezTo>
+                <a:cubicBezTo>
+                  <a:pt x="2910983" y="21144"/>
+                  <a:pt x="3026158" y="-11124"/>
+                  <a:pt x="3370478" y="0"/>
+                </a:cubicBezTo>
+                <a:cubicBezTo>
+                  <a:pt x="3714798" y="11124"/>
+                  <a:pt x="3864539" y="-10660"/>
+                  <a:pt x="4169664" y="0"/>
+                </a:cubicBezTo>
+                <a:cubicBezTo>
+                  <a:pt x="4474789" y="10660"/>
+                  <a:pt x="4471218" y="16488"/>
+                  <a:pt x="4551883" y="0"/>
+                </a:cubicBezTo>
+                <a:cubicBezTo>
+                  <a:pt x="4632548" y="-16488"/>
+                  <a:pt x="4786830" y="7986"/>
+                  <a:pt x="4934102" y="0"/>
+                </a:cubicBezTo>
+                <a:cubicBezTo>
+                  <a:pt x="5081374" y="-7986"/>
+                  <a:pt x="5575881" y="-33003"/>
+                  <a:pt x="5837530" y="0"/>
+                </a:cubicBezTo>
+                <a:cubicBezTo>
+                  <a:pt x="6099179" y="33003"/>
+                  <a:pt x="6305895" y="14170"/>
+                  <a:pt x="6532474" y="0"/>
+                </a:cubicBezTo>
+                <a:cubicBezTo>
+                  <a:pt x="6759053" y="-14170"/>
+                  <a:pt x="6726707" y="16121"/>
+                  <a:pt x="6914693" y="0"/>
+                </a:cubicBezTo>
+                <a:cubicBezTo>
+                  <a:pt x="7102679" y="-16121"/>
+                  <a:pt x="7397857" y="32594"/>
+                  <a:pt x="7609637" y="0"/>
+                </a:cubicBezTo>
+                <a:cubicBezTo>
+                  <a:pt x="7821417" y="-32594"/>
+                  <a:pt x="8141235" y="-3745"/>
+                  <a:pt x="8513064" y="0"/>
+                </a:cubicBezTo>
+                <a:cubicBezTo>
+                  <a:pt x="8884893" y="3745"/>
+                  <a:pt x="8877548" y="3359"/>
+                  <a:pt x="9103766" y="0"/>
+                </a:cubicBezTo>
+                <a:cubicBezTo>
+                  <a:pt x="9329984" y="-3359"/>
+                  <a:pt x="9545570" y="-17843"/>
+                  <a:pt x="9694469" y="0"/>
+                </a:cubicBezTo>
+                <a:cubicBezTo>
+                  <a:pt x="9843368" y="17843"/>
+                  <a:pt x="10162477" y="-1217"/>
+                  <a:pt x="10424160" y="0"/>
+                </a:cubicBezTo>
+                <a:cubicBezTo>
+                  <a:pt x="10424498" y="7640"/>
+                  <a:pt x="10423710" y="11289"/>
+                  <a:pt x="10424160" y="18288"/>
+                </a:cubicBezTo>
+                <a:cubicBezTo>
+                  <a:pt x="10184680" y="20716"/>
+                  <a:pt x="10034768" y="-9357"/>
+                  <a:pt x="9729216" y="18288"/>
+                </a:cubicBezTo>
+                <a:cubicBezTo>
+                  <a:pt x="9423664" y="45933"/>
+                  <a:pt x="9309220" y="36372"/>
+                  <a:pt x="8930030" y="18288"/>
+                </a:cubicBezTo>
+                <a:cubicBezTo>
+                  <a:pt x="8550840" y="204"/>
+                  <a:pt x="8513376" y="34707"/>
+                  <a:pt x="8130845" y="18288"/>
+                </a:cubicBezTo>
+                <a:cubicBezTo>
+                  <a:pt x="7748315" y="1869"/>
+                  <a:pt x="7864674" y="19659"/>
+                  <a:pt x="7644384" y="18288"/>
+                </a:cubicBezTo>
+                <a:cubicBezTo>
+                  <a:pt x="7424094" y="16917"/>
+                  <a:pt x="6947001" y="55680"/>
+                  <a:pt x="6740957" y="18288"/>
+                </a:cubicBezTo>
+                <a:cubicBezTo>
+                  <a:pt x="6534913" y="-19104"/>
+                  <a:pt x="6313809" y="33391"/>
+                  <a:pt x="6046013" y="18288"/>
+                </a:cubicBezTo>
+                <a:cubicBezTo>
+                  <a:pt x="5778217" y="3185"/>
+                  <a:pt x="5786775" y="1439"/>
+                  <a:pt x="5663794" y="18288"/>
+                </a:cubicBezTo>
+                <a:cubicBezTo>
+                  <a:pt x="5540813" y="35137"/>
+                  <a:pt x="5204724" y="25434"/>
+                  <a:pt x="4968850" y="18288"/>
+                </a:cubicBezTo>
+                <a:cubicBezTo>
+                  <a:pt x="4732976" y="11142"/>
+                  <a:pt x="4559928" y="34568"/>
+                  <a:pt x="4378147" y="18288"/>
+                </a:cubicBezTo>
+                <a:cubicBezTo>
+                  <a:pt x="4196366" y="2008"/>
+                  <a:pt x="3992200" y="35409"/>
+                  <a:pt x="3787445" y="18288"/>
+                </a:cubicBezTo>
+                <a:cubicBezTo>
+                  <a:pt x="3582690" y="1167"/>
+                  <a:pt x="3488876" y="-7583"/>
+                  <a:pt x="3196742" y="18288"/>
+                </a:cubicBezTo>
+                <a:cubicBezTo>
+                  <a:pt x="2904608" y="44159"/>
+                  <a:pt x="2729828" y="45906"/>
+                  <a:pt x="2606040" y="18288"/>
+                </a:cubicBezTo>
+                <a:cubicBezTo>
+                  <a:pt x="2482252" y="-9330"/>
+                  <a:pt x="2000672" y="-5498"/>
+                  <a:pt x="1806854" y="18288"/>
+                </a:cubicBezTo>
+                <a:cubicBezTo>
+                  <a:pt x="1613036" y="42074"/>
+                  <a:pt x="1310933" y="-4240"/>
+                  <a:pt x="1111910" y="18288"/>
+                </a:cubicBezTo>
+                <a:cubicBezTo>
+                  <a:pt x="912887" y="40816"/>
+                  <a:pt x="891560" y="1701"/>
+                  <a:pt x="729691" y="18288"/>
+                </a:cubicBezTo>
+                <a:cubicBezTo>
+                  <a:pt x="567822" y="34875"/>
+                  <a:pt x="203025" y="34462"/>
+                  <a:pt x="0" y="18288"/>
+                </a:cubicBezTo>
+                <a:cubicBezTo>
+                  <a:pt x="-82" y="11708"/>
+                  <a:pt x="-178" y="8956"/>
+                  <a:pt x="0" y="0"/>
+                </a:cubicBezTo>
+                <a:close/>
+              </a:path>
+              <a:path w="10424160" h="18288" stroke="0" extrusionOk="0">
+                <a:moveTo>
+                  <a:pt x="0" y="0"/>
+                </a:moveTo>
+                <a:cubicBezTo>
+                  <a:pt x="119910" y="17195"/>
+                  <a:pt x="345032" y="1652"/>
+                  <a:pt x="590702" y="0"/>
+                </a:cubicBezTo>
+                <a:cubicBezTo>
+                  <a:pt x="836372" y="-1652"/>
+                  <a:pt x="830717" y="-10944"/>
+                  <a:pt x="972922" y="0"/>
+                </a:cubicBezTo>
+                <a:cubicBezTo>
+                  <a:pt x="1115127" y="10944"/>
+                  <a:pt x="1638708" y="17269"/>
+                  <a:pt x="1876349" y="0"/>
+                </a:cubicBezTo>
+                <a:cubicBezTo>
+                  <a:pt x="2113990" y="-17269"/>
+                  <a:pt x="2263529" y="27642"/>
+                  <a:pt x="2467051" y="0"/>
+                </a:cubicBezTo>
+                <a:cubicBezTo>
+                  <a:pt x="2670573" y="-27642"/>
+                  <a:pt x="2867743" y="-1552"/>
+                  <a:pt x="3057754" y="0"/>
+                </a:cubicBezTo>
+                <a:cubicBezTo>
+                  <a:pt x="3247765" y="1552"/>
+                  <a:pt x="3729099" y="45169"/>
+                  <a:pt x="3961181" y="0"/>
+                </a:cubicBezTo>
+                <a:cubicBezTo>
+                  <a:pt x="4193263" y="-45169"/>
+                  <a:pt x="4313735" y="4067"/>
+                  <a:pt x="4447642" y="0"/>
+                </a:cubicBezTo>
+                <a:cubicBezTo>
+                  <a:pt x="4581549" y="-4067"/>
+                  <a:pt x="5123626" y="11867"/>
+                  <a:pt x="5351069" y="0"/>
+                </a:cubicBezTo>
+                <a:cubicBezTo>
+                  <a:pt x="5578512" y="-11867"/>
+                  <a:pt x="6044105" y="-19983"/>
+                  <a:pt x="6254496" y="0"/>
+                </a:cubicBezTo>
+                <a:cubicBezTo>
+                  <a:pt x="6464887" y="19983"/>
+                  <a:pt x="6664731" y="4232"/>
+                  <a:pt x="6949440" y="0"/>
+                </a:cubicBezTo>
+                <a:cubicBezTo>
+                  <a:pt x="7234149" y="-4232"/>
+                  <a:pt x="7497205" y="28731"/>
+                  <a:pt x="7852867" y="0"/>
+                </a:cubicBezTo>
+                <a:cubicBezTo>
+                  <a:pt x="8208529" y="-28731"/>
+                  <a:pt x="8287556" y="2616"/>
+                  <a:pt x="8443570" y="0"/>
+                </a:cubicBezTo>
+                <a:cubicBezTo>
+                  <a:pt x="8599584" y="-2616"/>
+                  <a:pt x="8871283" y="-14113"/>
+                  <a:pt x="9034272" y="0"/>
+                </a:cubicBezTo>
+                <a:cubicBezTo>
+                  <a:pt x="9197261" y="14113"/>
+                  <a:pt x="9604978" y="-35623"/>
+                  <a:pt x="9833458" y="0"/>
+                </a:cubicBezTo>
+                <a:cubicBezTo>
+                  <a:pt x="10061938" y="35623"/>
+                  <a:pt x="10231944" y="-8194"/>
+                  <a:pt x="10424160" y="0"/>
+                </a:cubicBezTo>
+                <a:cubicBezTo>
+                  <a:pt x="10424285" y="4395"/>
+                  <a:pt x="10424085" y="9776"/>
+                  <a:pt x="10424160" y="18288"/>
+                </a:cubicBezTo>
+                <a:cubicBezTo>
+                  <a:pt x="10058736" y="-5772"/>
+                  <a:pt x="9942989" y="-18764"/>
+                  <a:pt x="9624974" y="18288"/>
+                </a:cubicBezTo>
+                <a:cubicBezTo>
+                  <a:pt x="9306959" y="55340"/>
+                  <a:pt x="9229263" y="24995"/>
+                  <a:pt x="8930030" y="18288"/>
+                </a:cubicBezTo>
+                <a:cubicBezTo>
+                  <a:pt x="8630797" y="11581"/>
+                  <a:pt x="8647263" y="10931"/>
+                  <a:pt x="8547811" y="18288"/>
+                </a:cubicBezTo>
+                <a:cubicBezTo>
+                  <a:pt x="8448359" y="25645"/>
+                  <a:pt x="8173221" y="219"/>
+                  <a:pt x="8061350" y="18288"/>
+                </a:cubicBezTo>
+                <a:cubicBezTo>
+                  <a:pt x="7949479" y="36357"/>
+                  <a:pt x="7437002" y="17516"/>
+                  <a:pt x="7157923" y="18288"/>
+                </a:cubicBezTo>
+                <a:cubicBezTo>
+                  <a:pt x="6878844" y="19060"/>
+                  <a:pt x="6610241" y="8864"/>
+                  <a:pt x="6462979" y="18288"/>
+                </a:cubicBezTo>
+                <a:cubicBezTo>
+                  <a:pt x="6315717" y="27712"/>
+                  <a:pt x="6124879" y="4989"/>
+                  <a:pt x="5976518" y="18288"/>
+                </a:cubicBezTo>
+                <a:cubicBezTo>
+                  <a:pt x="5828157" y="31587"/>
+                  <a:pt x="5566880" y="7112"/>
+                  <a:pt x="5281574" y="18288"/>
+                </a:cubicBezTo>
+                <a:cubicBezTo>
+                  <a:pt x="4996268" y="29464"/>
+                  <a:pt x="5085614" y="20493"/>
+                  <a:pt x="4899355" y="18288"/>
+                </a:cubicBezTo>
+                <a:cubicBezTo>
+                  <a:pt x="4713096" y="16083"/>
+                  <a:pt x="4606138" y="34359"/>
+                  <a:pt x="4517136" y="18288"/>
+                </a:cubicBezTo>
+                <a:cubicBezTo>
+                  <a:pt x="4428134" y="2217"/>
+                  <a:pt x="4125335" y="52414"/>
+                  <a:pt x="3822192" y="18288"/>
+                </a:cubicBezTo>
+                <a:cubicBezTo>
+                  <a:pt x="3519049" y="-15838"/>
+                  <a:pt x="3453132" y="3859"/>
+                  <a:pt x="3335731" y="18288"/>
+                </a:cubicBezTo>
+                <a:cubicBezTo>
+                  <a:pt x="3218330" y="32717"/>
+                  <a:pt x="2718749" y="-13936"/>
+                  <a:pt x="2536546" y="18288"/>
+                </a:cubicBezTo>
+                <a:cubicBezTo>
+                  <a:pt x="2354343" y="50512"/>
+                  <a:pt x="2190669" y="3238"/>
+                  <a:pt x="2050085" y="18288"/>
+                </a:cubicBezTo>
+                <a:cubicBezTo>
+                  <a:pt x="1909501" y="33338"/>
+                  <a:pt x="1520975" y="3062"/>
+                  <a:pt x="1250899" y="18288"/>
+                </a:cubicBezTo>
+                <a:cubicBezTo>
+                  <a:pt x="980823" y="33514"/>
+                  <a:pt x="992936" y="28036"/>
+                  <a:pt x="868680" y="18288"/>
+                </a:cubicBezTo>
+                <a:cubicBezTo>
+                  <a:pt x="744424" y="8540"/>
+                  <a:pt x="230364" y="33365"/>
+                  <a:pt x="0" y="18288"/>
+                </a:cubicBezTo>
+                <a:cubicBezTo>
+                  <a:pt x="-504" y="12101"/>
+                  <a:pt x="-591" y="7719"/>
+                  <a:pt x="0" y="0"/>
+                </a:cubicBezTo>
+                <a:close/>
+              </a:path>
+            </a:pathLst>
+          </a:custGeom>
+          <a:solidFill>
+            <a:schemeClr val="accent2"/>
+          </a:solidFill>
+          <a:ln w="41275" cap="rnd">
+            <a:solidFill>
+              <a:schemeClr val="accent2"/>
+            </a:solidFill>
+            <a:round/>
+            <a:extLst>
+              <a:ext uri="{C807C97D-BFC1-408E-A445-0C87EB9F89A2}">
+                <ask:lineSketchStyleProps xmlns:ask="http://schemas.microsoft.com/office/drawing/2018/sketchyshapes" sd="1219033472">
+                  <a:prstGeom prst="rect">
+                    <a:avLst/>
+                  </a:prstGeom>
+                  <ask:type>
+                    <ask:lineSketchFreehand/>
+                  </ask:type>
+                </ask:lineSketchStyleProps>
+              </a:ext>
+            </a:extLst>
+          </a:ln>
+        </p:spPr>
+        <p:style>
+          <a:lnRef idx="2">
+            <a:schemeClr val="accent1">
+              <a:shade val="50000"/>
+            </a:schemeClr>
+          </a:lnRef>
+          <a:fillRef idx="1">
+            <a:schemeClr val="accent1"/>
+          </a:fillRef>
+          <a:effectRef idx="0">
+            <a:schemeClr val="accent1"/>
+          </a:effectRef>
+          <a:fontRef idx="minor">
+            <a:schemeClr val="lt1"/>
+          </a:fontRef>
+        </p:style>
+        <p:txBody>
+          <a:bodyPr rtlCol="0" anchor="ctr"/>
+          <a:lstStyle/>
+          <a:p>
+            <a:pPr algn="ctr"/>
+            <a:endParaRPr lang="en-US"/>
+          </a:p>
+        </p:txBody>
+      </p:sp>
+      <p:graphicFrame>
+        <p:nvGraphicFramePr>
           <p:cNvPr id="5" name="Content Placeholder 2">
             <a:extLst>
               <a:ext uri="{FF2B5EF4-FFF2-40B4-BE49-F238E27FC236}">
@@ -9114,7 +15061,7 @@
 </p:sld>
 </file>
 
-<file path=ppt/slides/slide6.xml><?xml version="1.0" encoding="utf-8"?>
+<file path=ppt/slides/slide8.xml><?xml version="1.0" encoding="utf-8"?>
 <p:sld xmlns:a="http://schemas.openxmlformats.org/drawingml/2006/main" xmlns:r="http://schemas.openxmlformats.org/officeDocument/2006/relationships" xmlns:p="http://schemas.openxmlformats.org/presentationml/2006/main">
   <p:cSld>
     <p:bg>
@@ -9606,50 +15553,52 @@
           </a:bodyPr>
           <a:lstStyle/>
           <a:p>
-            <a:pPr marL="0" indent="0">
+            <a:pPr marL="0" indent="0" algn="just">
               <a:buNone/>
             </a:pPr>
             <a:r>
-              <a:rPr lang="en-US" sz="2000"/>
+              <a:rPr lang="en-US" sz="2000" dirty="0"/>
               <a:t>These are independent modules or components that reside in separate codebases or repositories. They are designed to be loaded dynamically at runtime by other applications, typically referred to as host applications.</a:t>
             </a:r>
           </a:p>
           <a:p>
+            <a:pPr algn="just"/>
             <a:r>
-              <a:rPr lang="en-US" sz="2000"/>
+              <a:rPr lang="en-US" sz="2000" b="1" dirty="0"/>
               <a:t>Dynamic Loading:</a:t>
             </a:r>
           </a:p>
           <a:p>
-            <a:pPr marL="0" indent="0">
+            <a:pPr marL="0" indent="0" algn="just">
               <a:buNone/>
             </a:pPr>
             <a:r>
-              <a:rPr lang="en-US" sz="2000"/>
+              <a:rPr lang="en-US" sz="2000" dirty="0"/>
               <a:t>Remote modules are loaded on demand, meaning they are not bundled with the main application during build time. Instead, they are fetched and integrated into the host application at runtime.</a:t>
             </a:r>
           </a:p>
           <a:p>
+            <a:pPr algn="just"/>
             <a:r>
-              <a:rPr lang="en-US" sz="2000"/>
+              <a:rPr lang="en-US" sz="2000" b="1" dirty="0"/>
               <a:t>Role of Dynamic Loading:</a:t>
             </a:r>
           </a:p>
           <a:p>
-            <a:pPr marL="0" indent="0">
+            <a:pPr marL="0" indent="0" algn="just">
               <a:buNone/>
             </a:pPr>
             <a:r>
-              <a:rPr lang="en-US" sz="2000"/>
+              <a:rPr lang="en-US" sz="2000" dirty="0"/>
               <a:t>Enables a more flexible and efficient system by loading only the modules needed for a specific functionality.</a:t>
             </a:r>
           </a:p>
           <a:p>
-            <a:pPr marL="0" indent="0">
+            <a:pPr marL="0" indent="0" algn="just">
               <a:buNone/>
             </a:pPr>
             <a:r>
-              <a:rPr lang="en-US" sz="2000"/>
+              <a:rPr lang="en-US" sz="2000" dirty="0"/>
               <a:t>Allows for updates and changes to remote modules without requiring a full application redeployment.</a:t>
             </a:r>
           </a:p>
@@ -9668,7 +15617,7 @@
 </p:sld>
 </file>
 
-<file path=ppt/slides/slide7.xml><?xml version="1.0" encoding="utf-8"?>
+<file path=ppt/slides/slide9.xml><?xml version="1.0" encoding="utf-8"?>
 <p:sld xmlns:a="http://schemas.openxmlformats.org/drawingml/2006/main" xmlns:r="http://schemas.openxmlformats.org/officeDocument/2006/relationships" xmlns:p="http://schemas.openxmlformats.org/presentationml/2006/main">
   <p:cSld>
     <p:bg>
@@ -10160,34 +16109,35 @@
           </a:bodyPr>
           <a:lstStyle/>
           <a:p>
-            <a:pPr marL="0" indent="0">
+            <a:pPr marL="0" indent="0" algn="just">
               <a:buNone/>
             </a:pPr>
             <a:r>
-              <a:rPr lang="en-US" sz="2200"/>
+              <a:rPr lang="en-US" sz="2200" dirty="0"/>
               <a:t>In the context of Module Federation, exposing modules means making </a:t>
             </a:r>
             <a:r>
-              <a:rPr lang="en-US" sz="2200" b="1"/>
+              <a:rPr lang="en-US" sz="2200" b="1" dirty="0"/>
               <a:t>certain components</a:t>
             </a:r>
             <a:r>
-              <a:rPr lang="en-US" sz="2200"/>
+              <a:rPr lang="en-US" sz="2200" dirty="0"/>
               <a:t> or functionalities available for consumption by other applications. This is achieved by explicitly defining which parts of a module are meant to be shared.</a:t>
             </a:r>
           </a:p>
           <a:p>
+            <a:pPr algn="just"/>
             <a:r>
-              <a:rPr lang="en-US" sz="2200"/>
+              <a:rPr lang="en-US" sz="2200" b="1" dirty="0"/>
               <a:t>Selective Sharing:</a:t>
             </a:r>
           </a:p>
           <a:p>
-            <a:pPr marL="0" indent="0">
+            <a:pPr marL="0" indent="0" algn="just">
               <a:buNone/>
             </a:pPr>
             <a:r>
-              <a:rPr lang="en-US" sz="2200"/>
+              <a:rPr lang="en-US" sz="2200" dirty="0"/>
               <a:t>Exposed modules allow developers to selectively share specific functionalities while keeping others private.</a:t>
             </a:r>
           </a:p>
@@ -10197,551 +16147,6 @@
     <p:extLst>
       <p:ext uri="{BB962C8B-B14F-4D97-AF65-F5344CB8AC3E}">
         <p14:creationId xmlns:p14="http://schemas.microsoft.com/office/powerpoint/2010/main" val="2874665478"/>
-      </p:ext>
-    </p:extLst>
-  </p:cSld>
-  <p:clrMapOvr>
-    <a:masterClrMapping/>
-  </p:clrMapOvr>
-</p:sld>
-</file>
-
-<file path=ppt/slides/slide8.xml><?xml version="1.0" encoding="utf-8"?>
-<p:sld xmlns:a="http://schemas.openxmlformats.org/drawingml/2006/main" xmlns:r="http://schemas.openxmlformats.org/officeDocument/2006/relationships" xmlns:p="http://schemas.openxmlformats.org/presentationml/2006/main">
-  <p:cSld>
-    <p:bg>
-      <p:bgPr>
-        <a:solidFill>
-          <a:schemeClr val="bg1"/>
-        </a:solidFill>
-        <a:effectLst/>
-      </p:bgPr>
-    </p:bg>
-    <p:spTree>
-      <p:nvGrpSpPr>
-        <p:cNvPr id="1" name=""/>
-        <p:cNvGrpSpPr/>
-        <p:nvPr/>
-      </p:nvGrpSpPr>
-      <p:grpSpPr>
-        <a:xfrm>
-          <a:off x="0" y="0"/>
-          <a:ext cx="0" cy="0"/>
-          <a:chOff x="0" y="0"/>
-          <a:chExt cx="0" cy="0"/>
-        </a:xfrm>
-      </p:grpSpPr>
-      <p:sp useBgFill="1">
-        <p:nvSpPr>
-          <p:cNvPr id="8" name="Rectangle 7">
-            <a:extLst>
-              <a:ext uri="{FF2B5EF4-FFF2-40B4-BE49-F238E27FC236}">
-                <a16:creationId xmlns:a16="http://schemas.microsoft.com/office/drawing/2014/main" id="{777A147A-9ED8-46B4-8660-1B3C2AA880B5}"/>
-              </a:ext>
-              <a:ext uri="{C183D7F6-B498-43B3-948B-1728B52AA6E4}">
-                <adec:decorative xmlns:adec="http://schemas.microsoft.com/office/drawing/2017/decorative" val="1"/>
-              </a:ext>
-            </a:extLst>
-          </p:cNvPr>
-          <p:cNvSpPr>
-            <a:spLocks noGrp="1" noRot="1" noChangeAspect="1" noMove="1" noResize="1" noEditPoints="1" noAdjustHandles="1" noChangeArrowheads="1" noChangeShapeType="1" noTextEdit="1"/>
-          </p:cNvSpPr>
-          <p:nvPr>
-            <p:extLst>
-              <p:ext uri="{386F3935-93C4-4BCD-93E2-E3B085C9AB24}">
-                <p16:designElem xmlns:p16="http://schemas.microsoft.com/office/powerpoint/2015/main" val="1"/>
-              </p:ext>
-            </p:extLst>
-          </p:nvPr>
-        </p:nvSpPr>
-        <p:spPr>
-          <a:xfrm>
-            <a:off x="0" y="0"/>
-            <a:ext cx="12188952" cy="6858000"/>
-          </a:xfrm>
-          <a:prstGeom prst="rect">
-            <a:avLst/>
-          </a:prstGeom>
-          <a:ln>
-            <a:noFill/>
-          </a:ln>
-        </p:spPr>
-        <p:style>
-          <a:lnRef idx="2">
-            <a:schemeClr val="accent1">
-              <a:shade val="50000"/>
-            </a:schemeClr>
-          </a:lnRef>
-          <a:fillRef idx="1">
-            <a:schemeClr val="accent1"/>
-          </a:fillRef>
-          <a:effectRef idx="0">
-            <a:schemeClr val="accent1"/>
-          </a:effectRef>
-          <a:fontRef idx="minor">
-            <a:schemeClr val="lt1"/>
-          </a:fontRef>
-        </p:style>
-        <p:txBody>
-          <a:bodyPr rtlCol="0" anchor="ctr"/>
-          <a:lstStyle/>
-          <a:p>
-            <a:pPr algn="ctr"/>
-            <a:endParaRPr lang="en-US"/>
-          </a:p>
-        </p:txBody>
-      </p:sp>
-      <p:sp>
-        <p:nvSpPr>
-          <p:cNvPr id="2" name="Title 1">
-            <a:extLst>
-              <a:ext uri="{FF2B5EF4-FFF2-40B4-BE49-F238E27FC236}">
-                <a16:creationId xmlns:a16="http://schemas.microsoft.com/office/drawing/2014/main" id="{480281DD-6CD0-E608-E215-821E64C33CB5}"/>
-              </a:ext>
-            </a:extLst>
-          </p:cNvPr>
-          <p:cNvSpPr>
-            <a:spLocks noGrp="1"/>
-          </p:cNvSpPr>
-          <p:nvPr>
-            <p:ph type="title"/>
-          </p:nvPr>
-        </p:nvSpPr>
-        <p:spPr>
-          <a:xfrm>
-            <a:off x="841248" y="548640"/>
-            <a:ext cx="3600860" cy="5431536"/>
-          </a:xfrm>
-        </p:spPr>
-        <p:txBody>
-          <a:bodyPr>
-            <a:normAutofit/>
-          </a:bodyPr>
-          <a:lstStyle/>
-          <a:p>
-            <a:pPr algn="ctr"/>
-            <a:r>
-              <a:rPr lang="en-US" sz="5400" dirty="0"/>
-              <a:t>Shared Modules</a:t>
-            </a:r>
-          </a:p>
-        </p:txBody>
-      </p:sp>
-      <p:sp>
-        <p:nvSpPr>
-          <p:cNvPr id="10" name="sketch line">
-            <a:extLst>
-              <a:ext uri="{FF2B5EF4-FFF2-40B4-BE49-F238E27FC236}">
-                <a16:creationId xmlns:a16="http://schemas.microsoft.com/office/drawing/2014/main" id="{5D6C15A0-C087-4593-8414-2B4EC1CDC3DE}"/>
-              </a:ext>
-              <a:ext uri="{C183D7F6-B498-43B3-948B-1728B52AA6E4}">
-                <adec:decorative xmlns:adec="http://schemas.microsoft.com/office/drawing/2017/decorative" val="1"/>
-              </a:ext>
-            </a:extLst>
-          </p:cNvPr>
-          <p:cNvSpPr>
-            <a:spLocks noGrp="1" noRot="1" noChangeAspect="1" noMove="1" noResize="1" noEditPoints="1" noAdjustHandles="1" noChangeArrowheads="1" noChangeShapeType="1" noTextEdit="1"/>
-          </p:cNvSpPr>
-          <p:nvPr>
-            <p:extLst>
-              <p:ext uri="{386F3935-93C4-4BCD-93E2-E3B085C9AB24}">
-                <p16:designElem xmlns:p16="http://schemas.microsoft.com/office/powerpoint/2015/main" val="1"/>
-              </p:ext>
-            </p:extLst>
-          </p:nvPr>
-        </p:nvSpPr>
-        <p:spPr>
-          <a:xfrm rot="5400000">
-            <a:off x="2543983" y="3258715"/>
-            <a:ext cx="4480560" cy="18288"/>
-          </a:xfrm>
-          <a:custGeom>
-            <a:avLst/>
-            <a:gdLst>
-              <a:gd name="connsiteX0" fmla="*/ 0 w 4480560"/>
-              <a:gd name="connsiteY0" fmla="*/ 0 h 18288"/>
-              <a:gd name="connsiteX1" fmla="*/ 595274 w 4480560"/>
-              <a:gd name="connsiteY1" fmla="*/ 0 h 18288"/>
-              <a:gd name="connsiteX2" fmla="*/ 1100938 w 4480560"/>
-              <a:gd name="connsiteY2" fmla="*/ 0 h 18288"/>
-              <a:gd name="connsiteX3" fmla="*/ 1651406 w 4480560"/>
-              <a:gd name="connsiteY3" fmla="*/ 0 h 18288"/>
-              <a:gd name="connsiteX4" fmla="*/ 2336292 w 4480560"/>
-              <a:gd name="connsiteY4" fmla="*/ 0 h 18288"/>
-              <a:gd name="connsiteX5" fmla="*/ 2931566 w 4480560"/>
-              <a:gd name="connsiteY5" fmla="*/ 0 h 18288"/>
-              <a:gd name="connsiteX6" fmla="*/ 3482035 w 4480560"/>
-              <a:gd name="connsiteY6" fmla="*/ 0 h 18288"/>
-              <a:gd name="connsiteX7" fmla="*/ 4480560 w 4480560"/>
-              <a:gd name="connsiteY7" fmla="*/ 0 h 18288"/>
-              <a:gd name="connsiteX8" fmla="*/ 4480560 w 4480560"/>
-              <a:gd name="connsiteY8" fmla="*/ 18288 h 18288"/>
-              <a:gd name="connsiteX9" fmla="*/ 3840480 w 4480560"/>
-              <a:gd name="connsiteY9" fmla="*/ 18288 h 18288"/>
-              <a:gd name="connsiteX10" fmla="*/ 3290011 w 4480560"/>
-              <a:gd name="connsiteY10" fmla="*/ 18288 h 18288"/>
-              <a:gd name="connsiteX11" fmla="*/ 2560320 w 4480560"/>
-              <a:gd name="connsiteY11" fmla="*/ 18288 h 18288"/>
-              <a:gd name="connsiteX12" fmla="*/ 1965046 w 4480560"/>
-              <a:gd name="connsiteY12" fmla="*/ 18288 h 18288"/>
-              <a:gd name="connsiteX13" fmla="*/ 1459382 w 4480560"/>
-              <a:gd name="connsiteY13" fmla="*/ 18288 h 18288"/>
-              <a:gd name="connsiteX14" fmla="*/ 774497 w 4480560"/>
-              <a:gd name="connsiteY14" fmla="*/ 18288 h 18288"/>
-              <a:gd name="connsiteX15" fmla="*/ 0 w 4480560"/>
-              <a:gd name="connsiteY15" fmla="*/ 18288 h 18288"/>
-              <a:gd name="connsiteX16" fmla="*/ 0 w 4480560"/>
-              <a:gd name="connsiteY16" fmla="*/ 0 h 18288"/>
-            </a:gdLst>
-            <a:ahLst/>
-            <a:cxnLst>
-              <a:cxn ang="0">
-                <a:pos x="connsiteX0" y="connsiteY0"/>
-              </a:cxn>
-              <a:cxn ang="0">
-                <a:pos x="connsiteX1" y="connsiteY1"/>
-              </a:cxn>
-              <a:cxn ang="0">
-                <a:pos x="connsiteX2" y="connsiteY2"/>
-              </a:cxn>
-              <a:cxn ang="0">
-                <a:pos x="connsiteX3" y="connsiteY3"/>
-              </a:cxn>
-              <a:cxn ang="0">
-                <a:pos x="connsiteX4" y="connsiteY4"/>
-              </a:cxn>
-              <a:cxn ang="0">
-                <a:pos x="connsiteX5" y="connsiteY5"/>
-              </a:cxn>
-              <a:cxn ang="0">
-                <a:pos x="connsiteX6" y="connsiteY6"/>
-              </a:cxn>
-              <a:cxn ang="0">
-                <a:pos x="connsiteX7" y="connsiteY7"/>
-              </a:cxn>
-              <a:cxn ang="0">
-                <a:pos x="connsiteX8" y="connsiteY8"/>
-              </a:cxn>
-              <a:cxn ang="0">
-                <a:pos x="connsiteX9" y="connsiteY9"/>
-              </a:cxn>
-              <a:cxn ang="0">
-                <a:pos x="connsiteX10" y="connsiteY10"/>
-              </a:cxn>
-              <a:cxn ang="0">
-                <a:pos x="connsiteX11" y="connsiteY11"/>
-              </a:cxn>
-              <a:cxn ang="0">
-                <a:pos x="connsiteX12" y="connsiteY12"/>
-              </a:cxn>
-              <a:cxn ang="0">
-                <a:pos x="connsiteX13" y="connsiteY13"/>
-              </a:cxn>
-              <a:cxn ang="0">
-                <a:pos x="connsiteX14" y="connsiteY14"/>
-              </a:cxn>
-              <a:cxn ang="0">
-                <a:pos x="connsiteX15" y="connsiteY15"/>
-              </a:cxn>
-              <a:cxn ang="0">
-                <a:pos x="connsiteX16" y="connsiteY16"/>
-              </a:cxn>
-            </a:cxnLst>
-            <a:rect l="l" t="t" r="r" b="b"/>
-            <a:pathLst>
-              <a:path w="4480560" h="18288" fill="none" extrusionOk="0">
-                <a:moveTo>
-                  <a:pt x="0" y="0"/>
-                </a:moveTo>
-                <a:cubicBezTo>
-                  <a:pt x="267821" y="8731"/>
-                  <a:pt x="334105" y="2629"/>
-                  <a:pt x="595274" y="0"/>
-                </a:cubicBezTo>
-                <a:cubicBezTo>
-                  <a:pt x="856443" y="-2629"/>
-                  <a:pt x="863808" y="-13353"/>
-                  <a:pt x="1100938" y="0"/>
-                </a:cubicBezTo>
-                <a:cubicBezTo>
-                  <a:pt x="1338068" y="13353"/>
-                  <a:pt x="1431663" y="-25862"/>
-                  <a:pt x="1651406" y="0"/>
-                </a:cubicBezTo>
-                <a:cubicBezTo>
-                  <a:pt x="1871149" y="25862"/>
-                  <a:pt x="2173163" y="23827"/>
-                  <a:pt x="2336292" y="0"/>
-                </a:cubicBezTo>
-                <a:cubicBezTo>
-                  <a:pt x="2499421" y="-23827"/>
-                  <a:pt x="2720589" y="28148"/>
-                  <a:pt x="2931566" y="0"/>
-                </a:cubicBezTo>
-                <a:cubicBezTo>
-                  <a:pt x="3142543" y="-28148"/>
-                  <a:pt x="3323630" y="27022"/>
-                  <a:pt x="3482035" y="0"/>
-                </a:cubicBezTo>
-                <a:cubicBezTo>
-                  <a:pt x="3640440" y="-27022"/>
-                  <a:pt x="4012110" y="-20118"/>
-                  <a:pt x="4480560" y="0"/>
-                </a:cubicBezTo>
-                <a:cubicBezTo>
-                  <a:pt x="4480958" y="7429"/>
-                  <a:pt x="4480540" y="10822"/>
-                  <a:pt x="4480560" y="18288"/>
-                </a:cubicBezTo>
-                <a:cubicBezTo>
-                  <a:pt x="4314132" y="14924"/>
-                  <a:pt x="4028383" y="36632"/>
-                  <a:pt x="3840480" y="18288"/>
-                </a:cubicBezTo>
-                <a:cubicBezTo>
-                  <a:pt x="3652577" y="-56"/>
-                  <a:pt x="3547615" y="2848"/>
-                  <a:pt x="3290011" y="18288"/>
-                </a:cubicBezTo>
-                <a:cubicBezTo>
-                  <a:pt x="3032407" y="33728"/>
-                  <a:pt x="2830268" y="8719"/>
-                  <a:pt x="2560320" y="18288"/>
-                </a:cubicBezTo>
-                <a:cubicBezTo>
-                  <a:pt x="2290372" y="27857"/>
-                  <a:pt x="2147422" y="6728"/>
-                  <a:pt x="1965046" y="18288"/>
-                </a:cubicBezTo>
-                <a:cubicBezTo>
-                  <a:pt x="1782670" y="29848"/>
-                  <a:pt x="1689791" y="40680"/>
-                  <a:pt x="1459382" y="18288"/>
-                </a:cubicBezTo>
-                <a:cubicBezTo>
-                  <a:pt x="1228973" y="-4104"/>
-                  <a:pt x="915486" y="36501"/>
-                  <a:pt x="774497" y="18288"/>
-                </a:cubicBezTo>
-                <a:cubicBezTo>
-                  <a:pt x="633508" y="75"/>
-                  <a:pt x="361442" y="-11107"/>
-                  <a:pt x="0" y="18288"/>
-                </a:cubicBezTo>
-                <a:cubicBezTo>
-                  <a:pt x="-591" y="13205"/>
-                  <a:pt x="-663" y="6329"/>
-                  <a:pt x="0" y="0"/>
-                </a:cubicBezTo>
-                <a:close/>
-              </a:path>
-              <a:path w="4480560" h="18288" stroke="0" extrusionOk="0">
-                <a:moveTo>
-                  <a:pt x="0" y="0"/>
-                </a:moveTo>
-                <a:cubicBezTo>
-                  <a:pt x="285465" y="225"/>
-                  <a:pt x="322691" y="16223"/>
-                  <a:pt x="595274" y="0"/>
-                </a:cubicBezTo>
-                <a:cubicBezTo>
-                  <a:pt x="867857" y="-16223"/>
-                  <a:pt x="989129" y="-11242"/>
-                  <a:pt x="1100938" y="0"/>
-                </a:cubicBezTo>
-                <a:cubicBezTo>
-                  <a:pt x="1212747" y="11242"/>
-                  <a:pt x="1574350" y="-36410"/>
-                  <a:pt x="1830629" y="0"/>
-                </a:cubicBezTo>
-                <a:cubicBezTo>
-                  <a:pt x="2086908" y="36410"/>
-                  <a:pt x="2180922" y="4645"/>
-                  <a:pt x="2425903" y="0"/>
-                </a:cubicBezTo>
-                <a:cubicBezTo>
-                  <a:pt x="2670884" y="-4645"/>
-                  <a:pt x="2782024" y="22929"/>
-                  <a:pt x="3021178" y="0"/>
-                </a:cubicBezTo>
-                <a:cubicBezTo>
-                  <a:pt x="3260332" y="-22929"/>
-                  <a:pt x="3456982" y="-1586"/>
-                  <a:pt x="3750869" y="0"/>
-                </a:cubicBezTo>
-                <a:cubicBezTo>
-                  <a:pt x="4044756" y="1586"/>
-                  <a:pt x="4302726" y="17043"/>
-                  <a:pt x="4480560" y="0"/>
-                </a:cubicBezTo>
-                <a:cubicBezTo>
-                  <a:pt x="4479674" y="5429"/>
-                  <a:pt x="4481381" y="14046"/>
-                  <a:pt x="4480560" y="18288"/>
-                </a:cubicBezTo>
-                <a:cubicBezTo>
-                  <a:pt x="4279652" y="-6850"/>
-                  <a:pt x="4200762" y="41566"/>
-                  <a:pt x="3930091" y="18288"/>
-                </a:cubicBezTo>
-                <a:cubicBezTo>
-                  <a:pt x="3659420" y="-4990"/>
-                  <a:pt x="3456052" y="22294"/>
-                  <a:pt x="3290011" y="18288"/>
-                </a:cubicBezTo>
-                <a:cubicBezTo>
-                  <a:pt x="3123970" y="14282"/>
-                  <a:pt x="2882392" y="32818"/>
-                  <a:pt x="2649931" y="18288"/>
-                </a:cubicBezTo>
-                <a:cubicBezTo>
-                  <a:pt x="2417470" y="3758"/>
-                  <a:pt x="2238426" y="7337"/>
-                  <a:pt x="2054657" y="18288"/>
-                </a:cubicBezTo>
-                <a:cubicBezTo>
-                  <a:pt x="1870888" y="29239"/>
-                  <a:pt x="1566368" y="45040"/>
-                  <a:pt x="1324966" y="18288"/>
-                </a:cubicBezTo>
-                <a:cubicBezTo>
-                  <a:pt x="1083564" y="-8464"/>
-                  <a:pt x="787410" y="10946"/>
-                  <a:pt x="595274" y="18288"/>
-                </a:cubicBezTo>
-                <a:cubicBezTo>
-                  <a:pt x="403138" y="25630"/>
-                  <a:pt x="169622" y="10499"/>
-                  <a:pt x="0" y="18288"/>
-                </a:cubicBezTo>
-                <a:cubicBezTo>
-                  <a:pt x="668" y="13665"/>
-                  <a:pt x="578" y="5675"/>
-                  <a:pt x="0" y="0"/>
-                </a:cubicBezTo>
-                <a:close/>
-              </a:path>
-            </a:pathLst>
-          </a:custGeom>
-          <a:solidFill>
-            <a:schemeClr val="accent2"/>
-          </a:solidFill>
-          <a:ln w="41275" cap="rnd">
-            <a:solidFill>
-              <a:schemeClr val="accent2"/>
-            </a:solidFill>
-            <a:round/>
-            <a:extLst>
-              <a:ext uri="{C807C97D-BFC1-408E-A445-0C87EB9F89A2}">
-                <ask:lineSketchStyleProps xmlns:ask="http://schemas.microsoft.com/office/drawing/2018/sketchyshapes" sd="1219033472">
-                  <a:prstGeom prst="rect">
-                    <a:avLst/>
-                  </a:prstGeom>
-                  <ask:type>
-                    <ask:lineSketchFreehand/>
-                  </ask:type>
-                </ask:lineSketchStyleProps>
-              </a:ext>
-            </a:extLst>
-          </a:ln>
-        </p:spPr>
-        <p:style>
-          <a:lnRef idx="2">
-            <a:schemeClr val="accent1">
-              <a:shade val="50000"/>
-            </a:schemeClr>
-          </a:lnRef>
-          <a:fillRef idx="1">
-            <a:schemeClr val="accent1"/>
-          </a:fillRef>
-          <a:effectRef idx="0">
-            <a:schemeClr val="accent1"/>
-          </a:effectRef>
-          <a:fontRef idx="minor">
-            <a:schemeClr val="lt1"/>
-          </a:fontRef>
-        </p:style>
-        <p:txBody>
-          <a:bodyPr rtlCol="0" anchor="ctr"/>
-          <a:lstStyle/>
-          <a:p>
-            <a:pPr algn="ctr"/>
-            <a:endParaRPr lang="en-US"/>
-          </a:p>
-        </p:txBody>
-      </p:sp>
-      <p:sp>
-        <p:nvSpPr>
-          <p:cNvPr id="3" name="Content Placeholder 2">
-            <a:extLst>
-              <a:ext uri="{FF2B5EF4-FFF2-40B4-BE49-F238E27FC236}">
-                <a16:creationId xmlns:a16="http://schemas.microsoft.com/office/drawing/2014/main" id="{5130D005-DBEA-18FE-9D7E-B412A548022A}"/>
-              </a:ext>
-            </a:extLst>
-          </p:cNvPr>
-          <p:cNvSpPr>
-            <a:spLocks noGrp="1"/>
-          </p:cNvSpPr>
-          <p:nvPr>
-            <p:ph idx="1"/>
-          </p:nvPr>
-        </p:nvSpPr>
-        <p:spPr>
-          <a:xfrm>
-            <a:off x="5126418" y="552091"/>
-            <a:ext cx="6224335" cy="5431536"/>
-          </a:xfrm>
-        </p:spPr>
-        <p:txBody>
-          <a:bodyPr anchor="ctr">
-            <a:normAutofit/>
-          </a:bodyPr>
-          <a:lstStyle/>
-          <a:p>
-            <a:pPr marL="0" indent="0">
-              <a:buNone/>
-            </a:pPr>
-            <a:r>
-              <a:rPr lang="en-US" sz="2200"/>
-              <a:t>These are modules that contain shared code, assets, or resources that can be utilized by multiple micro frontends. Shared modules promote code reusability and maintainability across the application landscape.</a:t>
-            </a:r>
-          </a:p>
-          <a:p>
-            <a:r>
-              <a:rPr lang="en-US" sz="2200"/>
-              <a:t>Code and Resource Sharing: </a:t>
-            </a:r>
-          </a:p>
-          <a:p>
-            <a:pPr marL="0" indent="0">
-              <a:buNone/>
-            </a:pPr>
-            <a:r>
-              <a:rPr lang="en-US" sz="2200"/>
-              <a:t>Shared modules facilitate the sharing of common functionalities, such as utility functions, styles, or assets, reducing duplication across micro frontends.</a:t>
-            </a:r>
-          </a:p>
-          <a:p>
-            <a:r>
-              <a:rPr lang="en-US" sz="2200"/>
-              <a:t>Version Control: </a:t>
-            </a:r>
-          </a:p>
-          <a:p>
-            <a:pPr marL="0" indent="0">
-              <a:buNone/>
-            </a:pPr>
-            <a:r>
-              <a:rPr lang="en-US" sz="2200"/>
-              <a:t>Shared modules can be versioned and updated independently, allowing for a more modular and decentralized approach to development.</a:t>
-            </a:r>
-          </a:p>
-        </p:txBody>
-      </p:sp>
-    </p:spTree>
-    <p:extLst>
-      <p:ext uri="{BB962C8B-B14F-4D97-AF65-F5344CB8AC3E}">
-        <p14:creationId xmlns:p14="http://schemas.microsoft.com/office/powerpoint/2010/main" val="632979393"/>
       </p:ext>
     </p:extLst>
   </p:cSld>
@@ -11044,4 +16449,299 @@
     </a:ext>
   </a:extLst>
 </a:theme>
+</file>
+
+<file path=ppt/theme/theme2.xml><?xml version="1.0" encoding="utf-8"?>
+<a:theme xmlns:a="http://schemas.openxmlformats.org/drawingml/2006/main" name="Office Theme">
+  <a:themeElements>
+    <a:clrScheme name="Office">
+      <a:dk1>
+        <a:sysClr val="windowText" lastClr="000000"/>
+      </a:dk1>
+      <a:lt1>
+        <a:sysClr val="window" lastClr="FFFFFF"/>
+      </a:lt1>
+      <a:dk2>
+        <a:srgbClr val="44546A"/>
+      </a:dk2>
+      <a:lt2>
+        <a:srgbClr val="E7E6E6"/>
+      </a:lt2>
+      <a:accent1>
+        <a:srgbClr val="4472C4"/>
+      </a:accent1>
+      <a:accent2>
+        <a:srgbClr val="ED7D31"/>
+      </a:accent2>
+      <a:accent3>
+        <a:srgbClr val="A5A5A5"/>
+      </a:accent3>
+      <a:accent4>
+        <a:srgbClr val="FFC000"/>
+      </a:accent4>
+      <a:accent5>
+        <a:srgbClr val="5B9BD5"/>
+      </a:accent5>
+      <a:accent6>
+        <a:srgbClr val="70AD47"/>
+      </a:accent6>
+      <a:hlink>
+        <a:srgbClr val="0563C1"/>
+      </a:hlink>
+      <a:folHlink>
+        <a:srgbClr val="954F72"/>
+      </a:folHlink>
+    </a:clrScheme>
+    <a:fontScheme name="Office">
+      <a:majorFont>
+        <a:latin typeface="Calibri Light" panose="020F0302020204030204"/>
+        <a:ea typeface=""/>
+        <a:cs typeface=""/>
+        <a:font script="Jpan" typeface="游ゴシック Light"/>
+        <a:font script="Hang" typeface="맑은 고딕"/>
+        <a:font script="Hans" typeface="等线 Light"/>
+        <a:font script="Hant" typeface="新細明體"/>
+        <a:font script="Arab" typeface="Times New Roman"/>
+        <a:font script="Hebr" typeface="Times New Roman"/>
+        <a:font script="Thai" typeface="Angsana New"/>
+        <a:font script="Ethi" typeface="Nyala"/>
+        <a:font script="Beng" typeface="Vrinda"/>
+        <a:font script="Gujr" typeface="Shruti"/>
+        <a:font script="Khmr" typeface="MoolBoran"/>
+        <a:font script="Knda" typeface="Tunga"/>
+        <a:font script="Guru" typeface="Raavi"/>
+        <a:font script="Cans" typeface="Euphemia"/>
+        <a:font script="Cher" typeface="Plantagenet Cherokee"/>
+        <a:font script="Yiii" typeface="Microsoft Yi Baiti"/>
+        <a:font script="Tibt" typeface="Microsoft Himalaya"/>
+        <a:font script="Thaa" typeface="MV Boli"/>
+        <a:font script="Deva" typeface="Mangal"/>
+        <a:font script="Telu" typeface="Gautami"/>
+        <a:font script="Taml" typeface="Latha"/>
+        <a:font script="Syrc" typeface="Estrangelo Edessa"/>
+        <a:font script="Orya" typeface="Kalinga"/>
+        <a:font script="Mlym" typeface="Kartika"/>
+        <a:font script="Laoo" typeface="DokChampa"/>
+        <a:font script="Sinh" typeface="Iskoola Pota"/>
+        <a:font script="Mong" typeface="Mongolian Baiti"/>
+        <a:font script="Viet" typeface="Times New Roman"/>
+        <a:font script="Uigh" typeface="Microsoft Uighur"/>
+        <a:font script="Geor" typeface="Sylfaen"/>
+        <a:font script="Armn" typeface="Arial"/>
+        <a:font script="Bugi" typeface="Leelawadee UI"/>
+        <a:font script="Bopo" typeface="Microsoft JhengHei"/>
+        <a:font script="Java" typeface="Javanese Text"/>
+        <a:font script="Lisu" typeface="Segoe UI"/>
+        <a:font script="Mymr" typeface="Myanmar Text"/>
+        <a:font script="Nkoo" typeface="Ebrima"/>
+        <a:font script="Olck" typeface="Nirmala UI"/>
+        <a:font script="Osma" typeface="Ebrima"/>
+        <a:font script="Phag" typeface="Phagspa"/>
+        <a:font script="Syrn" typeface="Estrangelo Edessa"/>
+        <a:font script="Syrj" typeface="Estrangelo Edessa"/>
+        <a:font script="Syre" typeface="Estrangelo Edessa"/>
+        <a:font script="Sora" typeface="Nirmala UI"/>
+        <a:font script="Tale" typeface="Microsoft Tai Le"/>
+        <a:font script="Talu" typeface="Microsoft New Tai Lue"/>
+        <a:font script="Tfng" typeface="Ebrima"/>
+      </a:majorFont>
+      <a:minorFont>
+        <a:latin typeface="Calibri" panose="020F0502020204030204"/>
+        <a:ea typeface=""/>
+        <a:cs typeface=""/>
+        <a:font script="Jpan" typeface="游ゴシック"/>
+        <a:font script="Hang" typeface="맑은 고딕"/>
+        <a:font script="Hans" typeface="等线"/>
+        <a:font script="Hant" typeface="新細明體"/>
+        <a:font script="Arab" typeface="Arial"/>
+        <a:font script="Hebr" typeface="Arial"/>
+        <a:font script="Thai" typeface="Cordia New"/>
+        <a:font script="Ethi" typeface="Nyala"/>
+        <a:font script="Beng" typeface="Vrinda"/>
+        <a:font script="Gujr" typeface="Shruti"/>
+        <a:font script="Khmr" typeface="DaunPenh"/>
+        <a:font script="Knda" typeface="Tunga"/>
+        <a:font script="Guru" typeface="Raavi"/>
+        <a:font script="Cans" typeface="Euphemia"/>
+        <a:font script="Cher" typeface="Plantagenet Cherokee"/>
+        <a:font script="Yiii" typeface="Microsoft Yi Baiti"/>
+        <a:font script="Tibt" typeface="Microsoft Himalaya"/>
+        <a:font script="Thaa" typeface="MV Boli"/>
+        <a:font script="Deva" typeface="Mangal"/>
+        <a:font script="Telu" typeface="Gautami"/>
+        <a:font script="Taml" typeface="Latha"/>
+        <a:font script="Syrc" typeface="Estrangelo Edessa"/>
+        <a:font script="Orya" typeface="Kalinga"/>
+        <a:font script="Mlym" typeface="Kartika"/>
+        <a:font script="Laoo" typeface="DokChampa"/>
+        <a:font script="Sinh" typeface="Iskoola Pota"/>
+        <a:font script="Mong" typeface="Mongolian Baiti"/>
+        <a:font script="Viet" typeface="Arial"/>
+        <a:font script="Uigh" typeface="Microsoft Uighur"/>
+        <a:font script="Geor" typeface="Sylfaen"/>
+        <a:font script="Armn" typeface="Arial"/>
+        <a:font script="Bugi" typeface="Leelawadee UI"/>
+        <a:font script="Bopo" typeface="Microsoft JhengHei"/>
+        <a:font script="Java" typeface="Javanese Text"/>
+        <a:font script="Lisu" typeface="Segoe UI"/>
+        <a:font script="Mymr" typeface="Myanmar Text"/>
+        <a:font script="Nkoo" typeface="Ebrima"/>
+        <a:font script="Olck" typeface="Nirmala UI"/>
+        <a:font script="Osma" typeface="Ebrima"/>
+        <a:font script="Phag" typeface="Phagspa"/>
+        <a:font script="Syrn" typeface="Estrangelo Edessa"/>
+        <a:font script="Syrj" typeface="Estrangelo Edessa"/>
+        <a:font script="Syre" typeface="Estrangelo Edessa"/>
+        <a:font script="Sora" typeface="Nirmala UI"/>
+        <a:font script="Tale" typeface="Microsoft Tai Le"/>
+        <a:font script="Talu" typeface="Microsoft New Tai Lue"/>
+        <a:font script="Tfng" typeface="Ebrima"/>
+      </a:minorFont>
+    </a:fontScheme>
+    <a:fmtScheme name="Office">
+      <a:fillStyleLst>
+        <a:solidFill>
+          <a:schemeClr val="phClr"/>
+        </a:solidFill>
+        <a:gradFill rotWithShape="1">
+          <a:gsLst>
+            <a:gs pos="0">
+              <a:schemeClr val="phClr">
+                <a:lumMod val="110000"/>
+                <a:satMod val="105000"/>
+                <a:tint val="67000"/>
+              </a:schemeClr>
+            </a:gs>
+            <a:gs pos="50000">
+              <a:schemeClr val="phClr">
+                <a:lumMod val="105000"/>
+                <a:satMod val="103000"/>
+                <a:tint val="73000"/>
+              </a:schemeClr>
+            </a:gs>
+            <a:gs pos="100000">
+              <a:schemeClr val="phClr">
+                <a:lumMod val="105000"/>
+                <a:satMod val="109000"/>
+                <a:tint val="81000"/>
+              </a:schemeClr>
+            </a:gs>
+          </a:gsLst>
+          <a:lin ang="5400000" scaled="0"/>
+        </a:gradFill>
+        <a:gradFill rotWithShape="1">
+          <a:gsLst>
+            <a:gs pos="0">
+              <a:schemeClr val="phClr">
+                <a:satMod val="103000"/>
+                <a:lumMod val="102000"/>
+                <a:tint val="94000"/>
+              </a:schemeClr>
+            </a:gs>
+            <a:gs pos="50000">
+              <a:schemeClr val="phClr">
+                <a:satMod val="110000"/>
+                <a:lumMod val="100000"/>
+                <a:shade val="100000"/>
+              </a:schemeClr>
+            </a:gs>
+            <a:gs pos="100000">
+              <a:schemeClr val="phClr">
+                <a:lumMod val="99000"/>
+                <a:satMod val="120000"/>
+                <a:shade val="78000"/>
+              </a:schemeClr>
+            </a:gs>
+          </a:gsLst>
+          <a:lin ang="5400000" scaled="0"/>
+        </a:gradFill>
+      </a:fillStyleLst>
+      <a:lnStyleLst>
+        <a:ln w="6350" cap="flat" cmpd="sng" algn="ctr">
+          <a:solidFill>
+            <a:schemeClr val="phClr"/>
+          </a:solidFill>
+          <a:prstDash val="solid"/>
+          <a:miter lim="800000"/>
+        </a:ln>
+        <a:ln w="12700" cap="flat" cmpd="sng" algn="ctr">
+          <a:solidFill>
+            <a:schemeClr val="phClr"/>
+          </a:solidFill>
+          <a:prstDash val="solid"/>
+          <a:miter lim="800000"/>
+        </a:ln>
+        <a:ln w="19050" cap="flat" cmpd="sng" algn="ctr">
+          <a:solidFill>
+            <a:schemeClr val="phClr"/>
+          </a:solidFill>
+          <a:prstDash val="solid"/>
+          <a:miter lim="800000"/>
+        </a:ln>
+      </a:lnStyleLst>
+      <a:effectStyleLst>
+        <a:effectStyle>
+          <a:effectLst/>
+        </a:effectStyle>
+        <a:effectStyle>
+          <a:effectLst/>
+        </a:effectStyle>
+        <a:effectStyle>
+          <a:effectLst>
+            <a:outerShdw blurRad="57150" dist="19050" dir="5400000" algn="ctr" rotWithShape="0">
+              <a:srgbClr val="000000">
+                <a:alpha val="63000"/>
+              </a:srgbClr>
+            </a:outerShdw>
+          </a:effectLst>
+        </a:effectStyle>
+      </a:effectStyleLst>
+      <a:bgFillStyleLst>
+        <a:solidFill>
+          <a:schemeClr val="phClr"/>
+        </a:solidFill>
+        <a:solidFill>
+          <a:schemeClr val="phClr">
+            <a:tint val="95000"/>
+            <a:satMod val="170000"/>
+          </a:schemeClr>
+        </a:solidFill>
+        <a:gradFill rotWithShape="1">
+          <a:gsLst>
+            <a:gs pos="0">
+              <a:schemeClr val="phClr">
+                <a:tint val="93000"/>
+                <a:satMod val="150000"/>
+                <a:shade val="98000"/>
+                <a:lumMod val="102000"/>
+              </a:schemeClr>
+            </a:gs>
+            <a:gs pos="50000">
+              <a:schemeClr val="phClr">
+                <a:tint val="98000"/>
+                <a:satMod val="130000"/>
+                <a:shade val="90000"/>
+                <a:lumMod val="103000"/>
+              </a:schemeClr>
+            </a:gs>
+            <a:gs pos="100000">
+              <a:schemeClr val="phClr">
+                <a:shade val="63000"/>
+                <a:satMod val="120000"/>
+              </a:schemeClr>
+            </a:gs>
+          </a:gsLst>
+          <a:lin ang="5400000" scaled="0"/>
+        </a:gradFill>
+      </a:bgFillStyleLst>
+    </a:fmtScheme>
+  </a:themeElements>
+  <a:objectDefaults/>
+  <a:extraClrSchemeLst/>
+  <a:extLst>
+    <a:ext uri="{05A4C25C-085E-4340-85A3-A5531E510DB2}">
+      <thm15:themeFamily xmlns:thm15="http://schemas.microsoft.com/office/thememl/2012/main" name="Office Theme" id="{62F939B6-93AF-4DB8-9C6B-D6C7DFDC589F}" vid="{4A3C46E8-61CC-4603-A589-7422A47A8E4A}"/>
+    </a:ext>
+  </a:extLst>
+</a:theme>
 </file>
--- a/Module Federation.pptx
+++ b/Module Federation.pptx
@@ -5,26 +5,27 @@
     <p:sldMasterId id="2147483648" r:id="rId1"/>
   </p:sldMasterIdLst>
   <p:notesMasterIdLst>
-    <p:notesMasterId r:id="rId19"/>
+    <p:notesMasterId r:id="rId20"/>
   </p:notesMasterIdLst>
   <p:sldIdLst>
     <p:sldId id="256" r:id="rId2"/>
-    <p:sldId id="265" r:id="rId3"/>
-    <p:sldId id="267" r:id="rId4"/>
-    <p:sldId id="257" r:id="rId5"/>
-    <p:sldId id="261" r:id="rId6"/>
-    <p:sldId id="259" r:id="rId7"/>
-    <p:sldId id="264" r:id="rId8"/>
-    <p:sldId id="260" r:id="rId9"/>
-    <p:sldId id="263" r:id="rId10"/>
-    <p:sldId id="262" r:id="rId11"/>
-    <p:sldId id="268" r:id="rId12"/>
-    <p:sldId id="269" r:id="rId13"/>
-    <p:sldId id="273" r:id="rId14"/>
-    <p:sldId id="274" r:id="rId15"/>
-    <p:sldId id="275" r:id="rId16"/>
-    <p:sldId id="276" r:id="rId17"/>
-    <p:sldId id="277" r:id="rId18"/>
+    <p:sldId id="278" r:id="rId3"/>
+    <p:sldId id="265" r:id="rId4"/>
+    <p:sldId id="267" r:id="rId5"/>
+    <p:sldId id="257" r:id="rId6"/>
+    <p:sldId id="261" r:id="rId7"/>
+    <p:sldId id="259" r:id="rId8"/>
+    <p:sldId id="264" r:id="rId9"/>
+    <p:sldId id="260" r:id="rId10"/>
+    <p:sldId id="263" r:id="rId11"/>
+    <p:sldId id="262" r:id="rId12"/>
+    <p:sldId id="268" r:id="rId13"/>
+    <p:sldId id="269" r:id="rId14"/>
+    <p:sldId id="273" r:id="rId15"/>
+    <p:sldId id="274" r:id="rId16"/>
+    <p:sldId id="275" r:id="rId17"/>
+    <p:sldId id="276" r:id="rId18"/>
+    <p:sldId id="277" r:id="rId19"/>
   </p:sldIdLst>
   <p:sldSz cx="12192000" cy="6858000"/>
   <p:notesSz cx="6858000" cy="9144000"/>
@@ -132,6 +133,790 @@
 </file>
 
 <file path=ppt/diagrams/colors1.xml><?xml version="1.0" encoding="utf-8"?>
+<dgm:colorsDef xmlns:dgm="http://schemas.openxmlformats.org/drawingml/2006/diagram" xmlns:a="http://schemas.openxmlformats.org/drawingml/2006/main" uniqueId="urn:microsoft.com/office/officeart/2018/5/colors/Iconchunking_neutralbg_colorful5">
+  <dgm:title val=""/>
+  <dgm:desc val=""/>
+  <dgm:catLst>
+    <dgm:cat type="colorful" pri="10500"/>
+  </dgm:catLst>
+  <dgm:styleLbl name="node0">
+    <dgm:fillClrLst meth="repeat">
+      <a:schemeClr val="accent4"/>
+    </dgm:fillClrLst>
+    <dgm:linClrLst meth="repeat">
+      <a:schemeClr val="lt1"/>
+    </dgm:linClrLst>
+    <dgm:effectClrLst/>
+    <dgm:txLinClrLst/>
+    <dgm:txFillClrLst/>
+    <dgm:txEffectClrLst/>
+  </dgm:styleLbl>
+  <dgm:styleLbl name="node1">
+    <dgm:fillClrLst>
+      <a:schemeClr val="accent5"/>
+      <a:schemeClr val="accent6"/>
+    </dgm:fillClrLst>
+    <dgm:linClrLst meth="repeat">
+      <a:schemeClr val="lt1">
+        <a:alpha val="0"/>
+      </a:schemeClr>
+    </dgm:linClrLst>
+    <dgm:effectClrLst/>
+    <dgm:txLinClrLst/>
+    <dgm:txFillClrLst/>
+    <dgm:txEffectClrLst/>
+  </dgm:styleLbl>
+  <dgm:styleLbl name="alignNode1">
+    <dgm:fillClrLst>
+      <a:schemeClr val="accent5"/>
+      <a:schemeClr val="accent6"/>
+    </dgm:fillClrLst>
+    <dgm:linClrLst>
+      <a:schemeClr val="accent5"/>
+      <a:schemeClr val="accent6"/>
+    </dgm:linClrLst>
+    <dgm:effectClrLst/>
+    <dgm:txLinClrLst/>
+    <dgm:txFillClrLst/>
+    <dgm:txEffectClrLst/>
+  </dgm:styleLbl>
+  <dgm:styleLbl name="lnNode1">
+    <dgm:fillClrLst>
+      <a:schemeClr val="accent5"/>
+      <a:schemeClr val="accent6"/>
+    </dgm:fillClrLst>
+    <dgm:linClrLst meth="repeat">
+      <a:schemeClr val="lt1"/>
+    </dgm:linClrLst>
+    <dgm:effectClrLst/>
+    <dgm:txLinClrLst/>
+    <dgm:txFillClrLst/>
+    <dgm:txEffectClrLst/>
+  </dgm:styleLbl>
+  <dgm:styleLbl name="vennNode1">
+    <dgm:fillClrLst>
+      <a:schemeClr val="accent5">
+        <a:alpha val="50000"/>
+      </a:schemeClr>
+      <a:schemeClr val="accent6">
+        <a:alpha val="50000"/>
+      </a:schemeClr>
+    </dgm:fillClrLst>
+    <dgm:linClrLst meth="repeat">
+      <a:schemeClr val="lt1"/>
+    </dgm:linClrLst>
+    <dgm:effectClrLst/>
+    <dgm:txLinClrLst/>
+    <dgm:txFillClrLst/>
+    <dgm:txEffectClrLst/>
+  </dgm:styleLbl>
+  <dgm:styleLbl name="node2">
+    <dgm:fillClrLst>
+      <a:schemeClr val="accent6"/>
+    </dgm:fillClrLst>
+    <dgm:linClrLst meth="repeat">
+      <a:schemeClr val="lt1"/>
+    </dgm:linClrLst>
+    <dgm:effectClrLst/>
+    <dgm:txLinClrLst/>
+    <dgm:txFillClrLst/>
+    <dgm:txEffectClrLst/>
+  </dgm:styleLbl>
+  <dgm:styleLbl name="node3">
+    <dgm:fillClrLst>
+      <a:schemeClr val="accent1"/>
+    </dgm:fillClrLst>
+    <dgm:linClrLst meth="repeat">
+      <a:schemeClr val="lt1"/>
+    </dgm:linClrLst>
+    <dgm:effectClrLst/>
+    <dgm:txLinClrLst/>
+    <dgm:txFillClrLst/>
+    <dgm:txEffectClrLst/>
+  </dgm:styleLbl>
+  <dgm:styleLbl name="node4">
+    <dgm:fillClrLst>
+      <a:schemeClr val="accent2"/>
+    </dgm:fillClrLst>
+    <dgm:linClrLst meth="repeat">
+      <a:schemeClr val="lt1"/>
+    </dgm:linClrLst>
+    <dgm:effectClrLst/>
+    <dgm:txLinClrLst/>
+    <dgm:txFillClrLst/>
+    <dgm:txEffectClrLst/>
+  </dgm:styleLbl>
+  <dgm:styleLbl name="fgImgPlace1">
+    <dgm:fillClrLst>
+      <a:schemeClr val="accent5">
+        <a:tint val="50000"/>
+      </a:schemeClr>
+      <a:schemeClr val="accent6">
+        <a:tint val="50000"/>
+      </a:schemeClr>
+    </dgm:fillClrLst>
+    <dgm:linClrLst meth="repeat">
+      <a:schemeClr val="lt1"/>
+    </dgm:linClrLst>
+    <dgm:effectClrLst/>
+    <dgm:txLinClrLst/>
+    <dgm:txFillClrLst meth="repeat">
+      <a:schemeClr val="lt1"/>
+    </dgm:txFillClrLst>
+    <dgm:txEffectClrLst/>
+  </dgm:styleLbl>
+  <dgm:styleLbl name="alignImgPlace1">
+    <dgm:fillClrLst>
+      <a:schemeClr val="accent5">
+        <a:tint val="50000"/>
+      </a:schemeClr>
+      <a:schemeClr val="accent6">
+        <a:tint val="20000"/>
+      </a:schemeClr>
+    </dgm:fillClrLst>
+    <dgm:linClrLst meth="repeat">
+      <a:schemeClr val="lt1"/>
+    </dgm:linClrLst>
+    <dgm:effectClrLst/>
+    <dgm:txLinClrLst/>
+    <dgm:txFillClrLst meth="repeat">
+      <a:schemeClr val="lt1"/>
+    </dgm:txFillClrLst>
+    <dgm:txEffectClrLst/>
+  </dgm:styleLbl>
+  <dgm:styleLbl name="bgImgPlace1">
+    <dgm:fillClrLst>
+      <a:schemeClr val="accent5">
+        <a:tint val="50000"/>
+      </a:schemeClr>
+      <a:schemeClr val="accent6">
+        <a:tint val="20000"/>
+      </a:schemeClr>
+    </dgm:fillClrLst>
+    <dgm:linClrLst meth="repeat">
+      <a:schemeClr val="lt1"/>
+    </dgm:linClrLst>
+    <dgm:effectClrLst/>
+    <dgm:txLinClrLst/>
+    <dgm:txFillClrLst meth="repeat">
+      <a:schemeClr val="lt1"/>
+    </dgm:txFillClrLst>
+    <dgm:txEffectClrLst/>
+  </dgm:styleLbl>
+  <dgm:styleLbl name="sibTrans2D1">
+    <dgm:fillClrLst>
+      <a:schemeClr val="accent5"/>
+      <a:schemeClr val="accent6"/>
+    </dgm:fillClrLst>
+    <dgm:linClrLst meth="repeat">
+      <a:schemeClr val="lt1"/>
+    </dgm:linClrLst>
+    <dgm:effectClrLst/>
+    <dgm:txLinClrLst/>
+    <dgm:txFillClrLst/>
+    <dgm:txEffectClrLst/>
+  </dgm:styleLbl>
+  <dgm:styleLbl name="fgSibTrans2D1">
+    <dgm:fillClrLst>
+      <a:schemeClr val="accent5"/>
+      <a:schemeClr val="accent6"/>
+    </dgm:fillClrLst>
+    <dgm:linClrLst meth="repeat">
+      <a:schemeClr val="lt1"/>
+    </dgm:linClrLst>
+    <dgm:effectClrLst/>
+    <dgm:txLinClrLst/>
+    <dgm:txFillClrLst meth="repeat">
+      <a:schemeClr val="lt1"/>
+    </dgm:txFillClrLst>
+    <dgm:txEffectClrLst/>
+  </dgm:styleLbl>
+  <dgm:styleLbl name="bgSibTrans2D1">
+    <dgm:fillClrLst>
+      <a:schemeClr val="accent5"/>
+      <a:schemeClr val="accent6"/>
+    </dgm:fillClrLst>
+    <dgm:linClrLst meth="repeat">
+      <a:schemeClr val="lt1"/>
+    </dgm:linClrLst>
+    <dgm:effectClrLst/>
+    <dgm:txLinClrLst/>
+    <dgm:txFillClrLst meth="repeat">
+      <a:schemeClr val="lt1"/>
+    </dgm:txFillClrLst>
+    <dgm:txEffectClrLst/>
+  </dgm:styleLbl>
+  <dgm:styleLbl name="sibTrans1D1">
+    <dgm:fillClrLst/>
+    <dgm:linClrLst>
+      <a:schemeClr val="accent5"/>
+      <a:schemeClr val="accent6"/>
+    </dgm:linClrLst>
+    <dgm:effectClrLst/>
+    <dgm:txLinClrLst/>
+    <dgm:txFillClrLst meth="repeat">
+      <a:schemeClr val="tx1"/>
+    </dgm:txFillClrLst>
+    <dgm:txEffectClrLst/>
+  </dgm:styleLbl>
+  <dgm:styleLbl name="callout">
+    <dgm:fillClrLst meth="repeat">
+      <a:schemeClr val="accent5"/>
+    </dgm:fillClrLst>
+    <dgm:linClrLst meth="repeat">
+      <a:schemeClr val="accent5">
+        <a:tint val="50000"/>
+      </a:schemeClr>
+    </dgm:linClrLst>
+    <dgm:effectClrLst/>
+    <dgm:txLinClrLst/>
+    <dgm:txFillClrLst meth="repeat">
+      <a:schemeClr val="tx1"/>
+    </dgm:txFillClrLst>
+    <dgm:txEffectClrLst/>
+  </dgm:styleLbl>
+  <dgm:styleLbl name="asst0">
+    <dgm:fillClrLst meth="repeat">
+      <a:schemeClr val="accent5"/>
+    </dgm:fillClrLst>
+    <dgm:linClrLst meth="repeat">
+      <a:schemeClr val="lt1">
+        <a:shade val="80000"/>
+      </a:schemeClr>
+    </dgm:linClrLst>
+    <dgm:effectClrLst/>
+    <dgm:txLinClrLst/>
+    <dgm:txFillClrLst/>
+    <dgm:txEffectClrLst/>
+  </dgm:styleLbl>
+  <dgm:styleLbl name="asst1">
+    <dgm:fillClrLst meth="repeat">
+      <a:schemeClr val="accent6"/>
+    </dgm:fillClrLst>
+    <dgm:linClrLst meth="repeat">
+      <a:schemeClr val="lt1">
+        <a:shade val="80000"/>
+      </a:schemeClr>
+    </dgm:linClrLst>
+    <dgm:effectClrLst/>
+    <dgm:txLinClrLst/>
+    <dgm:txFillClrLst/>
+    <dgm:txEffectClrLst/>
+  </dgm:styleLbl>
+  <dgm:styleLbl name="asst2">
+    <dgm:fillClrLst>
+      <a:schemeClr val="accent1"/>
+    </dgm:fillClrLst>
+    <dgm:linClrLst meth="repeat">
+      <a:schemeClr val="lt1"/>
+    </dgm:linClrLst>
+    <dgm:effectClrLst/>
+    <dgm:txLinClrLst/>
+    <dgm:txFillClrLst/>
+    <dgm:txEffectClrLst/>
+  </dgm:styleLbl>
+  <dgm:styleLbl name="asst3">
+    <dgm:fillClrLst>
+      <a:schemeClr val="accent2"/>
+    </dgm:fillClrLst>
+    <dgm:linClrLst meth="repeat">
+      <a:schemeClr val="lt1"/>
+    </dgm:linClrLst>
+    <dgm:effectClrLst/>
+    <dgm:txLinClrLst/>
+    <dgm:txFillClrLst/>
+    <dgm:txEffectClrLst/>
+  </dgm:styleLbl>
+  <dgm:styleLbl name="asst4">
+    <dgm:fillClrLst>
+      <a:schemeClr val="accent3"/>
+    </dgm:fillClrLst>
+    <dgm:linClrLst meth="repeat">
+      <a:schemeClr val="lt1"/>
+    </dgm:linClrLst>
+    <dgm:effectClrLst/>
+    <dgm:txLinClrLst/>
+    <dgm:txFillClrLst/>
+    <dgm:txEffectClrLst/>
+  </dgm:styleLbl>
+  <dgm:styleLbl name="parChTrans2D1">
+    <dgm:fillClrLst meth="repeat">
+      <a:schemeClr val="accent5"/>
+    </dgm:fillClrLst>
+    <dgm:linClrLst meth="repeat">
+      <a:schemeClr val="lt1"/>
+    </dgm:linClrLst>
+    <dgm:effectClrLst/>
+    <dgm:txLinClrLst/>
+    <dgm:txFillClrLst meth="repeat">
+      <a:schemeClr val="lt1"/>
+    </dgm:txFillClrLst>
+    <dgm:txEffectClrLst/>
+  </dgm:styleLbl>
+  <dgm:styleLbl name="parChTrans2D2">
+    <dgm:fillClrLst meth="repeat">
+      <a:schemeClr val="accent6"/>
+    </dgm:fillClrLst>
+    <dgm:linClrLst meth="repeat">
+      <a:schemeClr val="lt1"/>
+    </dgm:linClrLst>
+    <dgm:effectClrLst/>
+    <dgm:txLinClrLst/>
+    <dgm:txFillClrLst/>
+    <dgm:txEffectClrLst/>
+  </dgm:styleLbl>
+  <dgm:styleLbl name="parChTrans2D3">
+    <dgm:fillClrLst meth="repeat">
+      <a:schemeClr val="accent6"/>
+    </dgm:fillClrLst>
+    <dgm:linClrLst meth="repeat">
+      <a:schemeClr val="lt1"/>
+    </dgm:linClrLst>
+    <dgm:effectClrLst/>
+    <dgm:txLinClrLst/>
+    <dgm:txFillClrLst/>
+    <dgm:txEffectClrLst/>
+  </dgm:styleLbl>
+  <dgm:styleLbl name="parChTrans2D4">
+    <dgm:fillClrLst meth="repeat">
+      <a:schemeClr val="accent1"/>
+    </dgm:fillClrLst>
+    <dgm:linClrLst meth="repeat">
+      <a:schemeClr val="lt1"/>
+    </dgm:linClrLst>
+    <dgm:effectClrLst/>
+    <dgm:txLinClrLst/>
+    <dgm:txFillClrLst meth="repeat">
+      <a:schemeClr val="lt1"/>
+    </dgm:txFillClrLst>
+    <dgm:txEffectClrLst/>
+  </dgm:styleLbl>
+  <dgm:styleLbl name="parChTrans1D1">
+    <dgm:fillClrLst meth="repeat">
+      <a:schemeClr val="accent5"/>
+    </dgm:fillClrLst>
+    <dgm:linClrLst meth="repeat">
+      <a:schemeClr val="accent5"/>
+    </dgm:linClrLst>
+    <dgm:effectClrLst/>
+    <dgm:txLinClrLst/>
+    <dgm:txFillClrLst meth="repeat">
+      <a:schemeClr val="tx1"/>
+    </dgm:txFillClrLst>
+    <dgm:txEffectClrLst/>
+  </dgm:styleLbl>
+  <dgm:styleLbl name="parChTrans1D2">
+    <dgm:fillClrLst meth="repeat">
+      <a:schemeClr val="accent6">
+        <a:tint val="90000"/>
+      </a:schemeClr>
+    </dgm:fillClrLst>
+    <dgm:linClrLst meth="repeat">
+      <a:schemeClr val="accent6"/>
+    </dgm:linClrLst>
+    <dgm:effectClrLst/>
+    <dgm:txLinClrLst/>
+    <dgm:txFillClrLst meth="repeat">
+      <a:schemeClr val="tx1"/>
+    </dgm:txFillClrLst>
+    <dgm:txEffectClrLst/>
+  </dgm:styleLbl>
+  <dgm:styleLbl name="parChTrans1D3">
+    <dgm:fillClrLst meth="repeat">
+      <a:schemeClr val="accent6">
+        <a:tint val="70000"/>
+      </a:schemeClr>
+    </dgm:fillClrLst>
+    <dgm:linClrLst meth="repeat">
+      <a:schemeClr val="accent1"/>
+    </dgm:linClrLst>
+    <dgm:effectClrLst/>
+    <dgm:txLinClrLst/>
+    <dgm:txFillClrLst meth="repeat">
+      <a:schemeClr val="tx1"/>
+    </dgm:txFillClrLst>
+    <dgm:txEffectClrLst/>
+  </dgm:styleLbl>
+  <dgm:styleLbl name="parChTrans1D4">
+    <dgm:fillClrLst meth="repeat">
+      <a:schemeClr val="accent6">
+        <a:tint val="50000"/>
+      </a:schemeClr>
+    </dgm:fillClrLst>
+    <dgm:linClrLst meth="repeat">
+      <a:schemeClr val="accent2"/>
+    </dgm:linClrLst>
+    <dgm:effectClrLst/>
+    <dgm:txLinClrLst/>
+    <dgm:txFillClrLst meth="repeat">
+      <a:schemeClr val="tx1"/>
+    </dgm:txFillClrLst>
+    <dgm:txEffectClrLst/>
+  </dgm:styleLbl>
+  <dgm:styleLbl name="fgAcc1">
+    <dgm:fillClrLst meth="repeat">
+      <a:schemeClr val="lt1">
+        <a:alpha val="90000"/>
+      </a:schemeClr>
+    </dgm:fillClrLst>
+    <dgm:linClrLst>
+      <a:schemeClr val="accent5"/>
+      <a:schemeClr val="accent6"/>
+    </dgm:linClrLst>
+    <dgm:effectClrLst/>
+    <dgm:txLinClrLst/>
+    <dgm:txFillClrLst meth="repeat">
+      <a:schemeClr val="dk1"/>
+    </dgm:txFillClrLst>
+    <dgm:txEffectClrLst/>
+  </dgm:styleLbl>
+  <dgm:styleLbl name="conFgAcc1">
+    <dgm:fillClrLst meth="repeat">
+      <a:schemeClr val="lt1">
+        <a:alpha val="90000"/>
+      </a:schemeClr>
+    </dgm:fillClrLst>
+    <dgm:linClrLst>
+      <a:schemeClr val="accent5"/>
+      <a:schemeClr val="accent6"/>
+    </dgm:linClrLst>
+    <dgm:effectClrLst/>
+    <dgm:txLinClrLst/>
+    <dgm:txFillClrLst meth="repeat">
+      <a:schemeClr val="dk1"/>
+    </dgm:txFillClrLst>
+    <dgm:txEffectClrLst/>
+  </dgm:styleLbl>
+  <dgm:styleLbl name="alignAcc1">
+    <dgm:fillClrLst meth="repeat">
+      <a:schemeClr val="lt1">
+        <a:alpha val="90000"/>
+      </a:schemeClr>
+    </dgm:fillClrLst>
+    <dgm:linClrLst>
+      <a:schemeClr val="accent5"/>
+      <a:schemeClr val="accent6"/>
+    </dgm:linClrLst>
+    <dgm:effectClrLst/>
+    <dgm:txLinClrLst/>
+    <dgm:txFillClrLst meth="repeat">
+      <a:schemeClr val="dk1"/>
+    </dgm:txFillClrLst>
+    <dgm:txEffectClrLst/>
+  </dgm:styleLbl>
+  <dgm:styleLbl name="trAlignAcc1">
+    <dgm:fillClrLst meth="repeat">
+      <a:schemeClr val="lt1">
+        <a:alpha val="40000"/>
+      </a:schemeClr>
+    </dgm:fillClrLst>
+    <dgm:linClrLst meth="repeat">
+      <a:schemeClr val="accent5"/>
+    </dgm:linClrLst>
+    <dgm:effectClrLst/>
+    <dgm:txLinClrLst/>
+    <dgm:txFillClrLst meth="repeat">
+      <a:schemeClr val="dk1"/>
+    </dgm:txFillClrLst>
+    <dgm:txEffectClrLst/>
+  </dgm:styleLbl>
+  <dgm:styleLbl name="bgAcc1">
+    <dgm:fillClrLst meth="repeat">
+      <a:schemeClr val="lt1">
+        <a:alpha val="90000"/>
+      </a:schemeClr>
+    </dgm:fillClrLst>
+    <dgm:linClrLst>
+      <a:schemeClr val="accent5"/>
+      <a:schemeClr val="accent6"/>
+    </dgm:linClrLst>
+    <dgm:effectClrLst/>
+    <dgm:txLinClrLst/>
+    <dgm:txFillClrLst meth="repeat">
+      <a:schemeClr val="dk1"/>
+    </dgm:txFillClrLst>
+    <dgm:txEffectClrLst/>
+  </dgm:styleLbl>
+  <dgm:styleLbl name="solidFgAcc1">
+    <dgm:fillClrLst meth="repeat">
+      <a:schemeClr val="lt1"/>
+    </dgm:fillClrLst>
+    <dgm:linClrLst>
+      <a:schemeClr val="accent5"/>
+      <a:schemeClr val="accent6"/>
+    </dgm:linClrLst>
+    <dgm:effectClrLst/>
+    <dgm:txLinClrLst/>
+    <dgm:txFillClrLst meth="repeat">
+      <a:schemeClr val="dk1"/>
+    </dgm:txFillClrLst>
+    <dgm:txEffectClrLst/>
+  </dgm:styleLbl>
+  <dgm:styleLbl name="solidAlignAcc1">
+    <dgm:fillClrLst meth="repeat">
+      <a:schemeClr val="lt1"/>
+    </dgm:fillClrLst>
+    <dgm:linClrLst>
+      <a:schemeClr val="accent5"/>
+      <a:schemeClr val="accent6"/>
+    </dgm:linClrLst>
+    <dgm:effectClrLst/>
+    <dgm:txLinClrLst/>
+    <dgm:txFillClrLst meth="repeat">
+      <a:schemeClr val="dk1"/>
+    </dgm:txFillClrLst>
+    <dgm:txEffectClrLst/>
+  </dgm:styleLbl>
+  <dgm:styleLbl name="solidBgAcc1">
+    <dgm:fillClrLst meth="repeat">
+      <a:schemeClr val="lt1"/>
+    </dgm:fillClrLst>
+    <dgm:linClrLst>
+      <a:schemeClr val="accent5"/>
+      <a:schemeClr val="accent6"/>
+    </dgm:linClrLst>
+    <dgm:effectClrLst/>
+    <dgm:txLinClrLst/>
+    <dgm:txFillClrLst meth="repeat">
+      <a:schemeClr val="dk1"/>
+    </dgm:txFillClrLst>
+    <dgm:txEffectClrLst/>
+  </dgm:styleLbl>
+  <dgm:styleLbl name="fgAccFollowNode1">
+    <dgm:fillClrLst>
+      <a:schemeClr val="accent5">
+        <a:tint val="40000"/>
+        <a:alpha val="90000"/>
+      </a:schemeClr>
+      <a:schemeClr val="accent6">
+        <a:tint val="40000"/>
+        <a:alpha val="90000"/>
+      </a:schemeClr>
+    </dgm:fillClrLst>
+    <dgm:linClrLst>
+      <a:schemeClr val="accent5">
+        <a:tint val="40000"/>
+        <a:alpha val="90000"/>
+      </a:schemeClr>
+      <a:schemeClr val="accent5">
+        <a:tint val="40000"/>
+        <a:alpha val="90000"/>
+      </a:schemeClr>
+    </dgm:linClrLst>
+    <dgm:effectClrLst/>
+    <dgm:txLinClrLst/>
+    <dgm:txFillClrLst meth="repeat">
+      <a:schemeClr val="dk1"/>
+    </dgm:txFillClrLst>
+    <dgm:txEffectClrLst/>
+  </dgm:styleLbl>
+  <dgm:styleLbl name="alignAccFollowNode1">
+    <dgm:fillClrLst>
+      <a:schemeClr val="accent5">
+        <a:tint val="40000"/>
+        <a:alpha val="90000"/>
+      </a:schemeClr>
+      <a:schemeClr val="accent6">
+        <a:tint val="40000"/>
+        <a:alpha val="90000"/>
+      </a:schemeClr>
+    </dgm:fillClrLst>
+    <dgm:linClrLst>
+      <a:schemeClr val="accent5">
+        <a:tint val="40000"/>
+        <a:alpha val="90000"/>
+      </a:schemeClr>
+      <a:schemeClr val="accent6">
+        <a:tint val="40000"/>
+        <a:alpha val="90000"/>
+      </a:schemeClr>
+    </dgm:linClrLst>
+    <dgm:effectClrLst/>
+    <dgm:txLinClrLst/>
+    <dgm:txFillClrLst meth="repeat">
+      <a:schemeClr val="dk1"/>
+    </dgm:txFillClrLst>
+    <dgm:txEffectClrLst/>
+  </dgm:styleLbl>
+  <dgm:styleLbl name="bgAccFollowNode1">
+    <dgm:fillClrLst>
+      <a:schemeClr val="accent5">
+        <a:tint val="40000"/>
+        <a:alpha val="90000"/>
+      </a:schemeClr>
+      <a:schemeClr val="accent6">
+        <a:tint val="40000"/>
+        <a:alpha val="90000"/>
+      </a:schemeClr>
+    </dgm:fillClrLst>
+    <dgm:linClrLst>
+      <a:schemeClr val="accent5">
+        <a:tint val="40000"/>
+        <a:alpha val="90000"/>
+      </a:schemeClr>
+      <a:schemeClr val="accent6">
+        <a:tint val="40000"/>
+        <a:alpha val="90000"/>
+      </a:schemeClr>
+    </dgm:linClrLst>
+    <dgm:effectClrLst/>
+    <dgm:txLinClrLst/>
+    <dgm:txFillClrLst meth="repeat">
+      <a:schemeClr val="dk1"/>
+    </dgm:txFillClrLst>
+    <dgm:txEffectClrLst/>
+  </dgm:styleLbl>
+  <dgm:styleLbl name="fgAcc0">
+    <dgm:fillClrLst meth="repeat">
+      <a:schemeClr val="lt1">
+        <a:alpha val="90000"/>
+      </a:schemeClr>
+    </dgm:fillClrLst>
+    <dgm:linClrLst>
+      <a:schemeClr val="accent4"/>
+    </dgm:linClrLst>
+    <dgm:effectClrLst/>
+    <dgm:txLinClrLst/>
+    <dgm:txFillClrLst meth="repeat">
+      <a:schemeClr val="dk1"/>
+    </dgm:txFillClrLst>
+    <dgm:txEffectClrLst/>
+  </dgm:styleLbl>
+  <dgm:styleLbl name="fgAcc2">
+    <dgm:fillClrLst meth="repeat">
+      <a:schemeClr val="lt1">
+        <a:alpha val="90000"/>
+      </a:schemeClr>
+    </dgm:fillClrLst>
+    <dgm:linClrLst>
+      <a:schemeClr val="accent6"/>
+    </dgm:linClrLst>
+    <dgm:effectClrLst/>
+    <dgm:txLinClrLst/>
+    <dgm:txFillClrLst meth="repeat">
+      <a:schemeClr val="dk1"/>
+    </dgm:txFillClrLst>
+    <dgm:txEffectClrLst/>
+  </dgm:styleLbl>
+  <dgm:styleLbl name="fgAcc3">
+    <dgm:fillClrLst meth="repeat">
+      <a:schemeClr val="lt1">
+        <a:alpha val="90000"/>
+      </a:schemeClr>
+    </dgm:fillClrLst>
+    <dgm:linClrLst>
+      <a:schemeClr val="accent1"/>
+    </dgm:linClrLst>
+    <dgm:effectClrLst/>
+    <dgm:txLinClrLst/>
+    <dgm:txFillClrLst meth="repeat">
+      <a:schemeClr val="dk1"/>
+    </dgm:txFillClrLst>
+    <dgm:txEffectClrLst/>
+  </dgm:styleLbl>
+  <dgm:styleLbl name="fgAcc4">
+    <dgm:fillClrLst meth="repeat">
+      <a:schemeClr val="lt1">
+        <a:alpha val="90000"/>
+      </a:schemeClr>
+    </dgm:fillClrLst>
+    <dgm:linClrLst>
+      <a:schemeClr val="accent2"/>
+    </dgm:linClrLst>
+    <dgm:effectClrLst/>
+    <dgm:txLinClrLst/>
+    <dgm:txFillClrLst meth="repeat">
+      <a:schemeClr val="dk1"/>
+    </dgm:txFillClrLst>
+    <dgm:txEffectClrLst/>
+  </dgm:styleLbl>
+  <dgm:styleLbl name="bgShp">
+    <dgm:fillClrLst meth="repeat">
+      <a:schemeClr val="bg1">
+        <a:lumMod val="95000"/>
+      </a:schemeClr>
+    </dgm:fillClrLst>
+    <dgm:linClrLst meth="repeat">
+      <a:schemeClr val="dk1"/>
+    </dgm:linClrLst>
+    <dgm:effectClrLst/>
+    <dgm:txLinClrLst/>
+    <dgm:txFillClrLst meth="repeat">
+      <a:schemeClr val="dk1"/>
+    </dgm:txFillClrLst>
+    <dgm:txEffectClrLst/>
+  </dgm:styleLbl>
+  <dgm:styleLbl name="dkBgShp">
+    <dgm:fillClrLst meth="repeat">
+      <a:schemeClr val="accent5">
+        <a:shade val="90000"/>
+      </a:schemeClr>
+    </dgm:fillClrLst>
+    <dgm:linClrLst meth="repeat">
+      <a:schemeClr val="dk1"/>
+    </dgm:linClrLst>
+    <dgm:effectClrLst/>
+    <dgm:txLinClrLst/>
+    <dgm:txFillClrLst meth="repeat">
+      <a:schemeClr val="lt1"/>
+    </dgm:txFillClrLst>
+    <dgm:txEffectClrLst/>
+  </dgm:styleLbl>
+  <dgm:styleLbl name="trBgShp">
+    <dgm:fillClrLst meth="repeat">
+      <a:schemeClr val="accent5">
+        <a:tint val="50000"/>
+        <a:alpha val="40000"/>
+      </a:schemeClr>
+    </dgm:fillClrLst>
+    <dgm:linClrLst meth="repeat">
+      <a:schemeClr val="accent5"/>
+    </dgm:linClrLst>
+    <dgm:effectClrLst/>
+    <dgm:txLinClrLst/>
+    <dgm:txFillClrLst meth="repeat">
+      <a:schemeClr val="lt1"/>
+    </dgm:txFillClrLst>
+    <dgm:txEffectClrLst/>
+  </dgm:styleLbl>
+  <dgm:styleLbl name="fgShp">
+    <dgm:fillClrLst meth="repeat">
+      <a:schemeClr val="accent5">
+        <a:tint val="40000"/>
+      </a:schemeClr>
+    </dgm:fillClrLst>
+    <dgm:linClrLst meth="repeat">
+      <a:schemeClr val="lt1"/>
+    </dgm:linClrLst>
+    <dgm:effectClrLst/>
+    <dgm:txLinClrLst/>
+    <dgm:txFillClrLst meth="repeat">
+      <a:schemeClr val="dk1"/>
+    </dgm:txFillClrLst>
+    <dgm:txEffectClrLst/>
+  </dgm:styleLbl>
+  <dgm:styleLbl name="revTx">
+    <dgm:fillClrLst meth="repeat">
+      <a:schemeClr val="lt1">
+        <a:alpha val="0"/>
+      </a:schemeClr>
+    </dgm:fillClrLst>
+    <dgm:linClrLst meth="repeat">
+      <a:schemeClr val="dk1">
+        <a:alpha val="0"/>
+      </a:schemeClr>
+    </dgm:linClrLst>
+    <dgm:effectClrLst/>
+    <dgm:txLinClrLst/>
+    <dgm:txFillClrLst meth="repeat">
+      <a:schemeClr val="tx1"/>
+    </dgm:txFillClrLst>
+    <dgm:txEffectClrLst/>
+  </dgm:styleLbl>
+</dgm:colorsDef>
+</file>
+
+<file path=ppt/diagrams/colors2.xml><?xml version="1.0" encoding="utf-8"?>
 <dgm:colorsDef xmlns:dgm="http://schemas.openxmlformats.org/drawingml/2006/diagram" xmlns:a="http://schemas.openxmlformats.org/drawingml/2006/main" uniqueId="urn:microsoft.com/office/officeart/2018/5/colors/Iconchunking_coloredtext_colorful1">
   <dgm:title val=""/>
   <dgm:desc val=""/>
@@ -1063,6 +1848,822 @@
 <file path=ppt/diagrams/data1.xml><?xml version="1.0" encoding="utf-8"?>
 <dgm:dataModel xmlns:dgm="http://schemas.openxmlformats.org/drawingml/2006/diagram" xmlns:a="http://schemas.openxmlformats.org/drawingml/2006/main">
   <dgm:ptLst>
+    <dgm:pt modelId="{FF35ADA0-620D-4959-AE18-641CB60BA7E5}" type="doc">
+      <dgm:prSet loTypeId="urn:microsoft.com/office/officeart/2018/2/layout/IconVerticalSolidList" loCatId="icon" qsTypeId="urn:microsoft.com/office/officeart/2005/8/quickstyle/simple1" qsCatId="simple" csTypeId="urn:microsoft.com/office/officeart/2018/5/colors/Iconchunking_neutralbg_colorful5" csCatId="colorful" phldr="1"/>
+      <dgm:spPr/>
+      <dgm:t>
+        <a:bodyPr/>
+        <a:lstStyle/>
+        <a:p>
+          <a:endParaRPr lang="en-US"/>
+        </a:p>
+      </dgm:t>
+    </dgm:pt>
+    <dgm:pt modelId="{A74E36C5-25BE-4A37-AAA2-CAA999CFA330}">
+      <dgm:prSet/>
+      <dgm:spPr/>
+      <dgm:t>
+        <a:bodyPr/>
+        <a:lstStyle/>
+        <a:p>
+          <a:r>
+            <a:rPr lang="en-US" b="1"/>
+            <a:t>History of Module Federation</a:t>
+          </a:r>
+          <a:endParaRPr lang="en-US"/>
+        </a:p>
+      </dgm:t>
+    </dgm:pt>
+    <dgm:pt modelId="{46C1E2D1-D491-4C86-8179-F72D6CC5C987}" type="parTrans" cxnId="{BB0FF2C3-B1A9-4929-8696-2482F7539D7C}">
+      <dgm:prSet/>
+      <dgm:spPr/>
+      <dgm:t>
+        <a:bodyPr/>
+        <a:lstStyle/>
+        <a:p>
+          <a:endParaRPr lang="en-US"/>
+        </a:p>
+      </dgm:t>
+    </dgm:pt>
+    <dgm:pt modelId="{90FD2AC4-653E-4E62-9A1F-6B3660CE1CEA}" type="sibTrans" cxnId="{BB0FF2C3-B1A9-4929-8696-2482F7539D7C}">
+      <dgm:prSet/>
+      <dgm:spPr/>
+      <dgm:t>
+        <a:bodyPr/>
+        <a:lstStyle/>
+        <a:p>
+          <a:endParaRPr lang="en-US"/>
+        </a:p>
+      </dgm:t>
+    </dgm:pt>
+    <dgm:pt modelId="{A94BF994-5F07-412A-BBB9-90399420F63E}">
+      <dgm:prSet/>
+      <dgm:spPr/>
+      <dgm:t>
+        <a:bodyPr/>
+        <a:lstStyle/>
+        <a:p>
+          <a:r>
+            <a:rPr lang="en-US" b="1"/>
+            <a:t>What is Module Federation</a:t>
+          </a:r>
+          <a:endParaRPr lang="en-US"/>
+        </a:p>
+      </dgm:t>
+    </dgm:pt>
+    <dgm:pt modelId="{78B53711-3BCA-45CF-8462-46E363328F8F}" type="parTrans" cxnId="{11AF5FE2-EE0F-4052-AAB2-DB2CE86A8053}">
+      <dgm:prSet/>
+      <dgm:spPr/>
+      <dgm:t>
+        <a:bodyPr/>
+        <a:lstStyle/>
+        <a:p>
+          <a:endParaRPr lang="en-US"/>
+        </a:p>
+      </dgm:t>
+    </dgm:pt>
+    <dgm:pt modelId="{E82FA550-5B67-487E-B57A-E843712BA85A}" type="sibTrans" cxnId="{11AF5FE2-EE0F-4052-AAB2-DB2CE86A8053}">
+      <dgm:prSet/>
+      <dgm:spPr/>
+      <dgm:t>
+        <a:bodyPr/>
+        <a:lstStyle/>
+        <a:p>
+          <a:endParaRPr lang="en-US"/>
+        </a:p>
+      </dgm:t>
+    </dgm:pt>
+    <dgm:pt modelId="{175C7B44-FB8B-4CF6-A230-6A3D7B5F0E54}">
+      <dgm:prSet/>
+      <dgm:spPr/>
+      <dgm:t>
+        <a:bodyPr/>
+        <a:lstStyle/>
+        <a:p>
+          <a:r>
+            <a:rPr lang="en-US" b="1"/>
+            <a:t>How It Works</a:t>
+          </a:r>
+          <a:endParaRPr lang="en-US"/>
+        </a:p>
+      </dgm:t>
+    </dgm:pt>
+    <dgm:pt modelId="{281991C3-0F12-40EF-847A-EC74214BCC5A}" type="parTrans" cxnId="{1A9210CA-3B7E-4C06-9A33-40E40D46B40D}">
+      <dgm:prSet/>
+      <dgm:spPr/>
+      <dgm:t>
+        <a:bodyPr/>
+        <a:lstStyle/>
+        <a:p>
+          <a:endParaRPr lang="en-US"/>
+        </a:p>
+      </dgm:t>
+    </dgm:pt>
+    <dgm:pt modelId="{60F27EEF-63A7-49FD-A439-36798B26CFBC}" type="sibTrans" cxnId="{1A9210CA-3B7E-4C06-9A33-40E40D46B40D}">
+      <dgm:prSet/>
+      <dgm:spPr/>
+      <dgm:t>
+        <a:bodyPr/>
+        <a:lstStyle/>
+        <a:p>
+          <a:endParaRPr lang="en-US"/>
+        </a:p>
+      </dgm:t>
+    </dgm:pt>
+    <dgm:pt modelId="{7E7352AD-BC20-494E-9D6C-DE7FC704430A}">
+      <dgm:prSet/>
+      <dgm:spPr/>
+      <dgm:t>
+        <a:bodyPr/>
+        <a:lstStyle/>
+        <a:p>
+          <a:r>
+            <a:rPr lang="en-US" b="1"/>
+            <a:t>Relationship between Module Federation and Micro-Frontends</a:t>
+          </a:r>
+          <a:endParaRPr lang="en-US"/>
+        </a:p>
+      </dgm:t>
+    </dgm:pt>
+    <dgm:pt modelId="{D9C4220A-2096-403E-B5BE-6DB29669D611}" type="parTrans" cxnId="{74DB3E25-2E69-46C7-B5C8-CC44E096C1CF}">
+      <dgm:prSet/>
+      <dgm:spPr/>
+      <dgm:t>
+        <a:bodyPr/>
+        <a:lstStyle/>
+        <a:p>
+          <a:endParaRPr lang="en-US"/>
+        </a:p>
+      </dgm:t>
+    </dgm:pt>
+    <dgm:pt modelId="{1D976E2F-BD25-48E1-8143-4EEE146C71D8}" type="sibTrans" cxnId="{74DB3E25-2E69-46C7-B5C8-CC44E096C1CF}">
+      <dgm:prSet/>
+      <dgm:spPr/>
+      <dgm:t>
+        <a:bodyPr/>
+        <a:lstStyle/>
+        <a:p>
+          <a:endParaRPr lang="en-US"/>
+        </a:p>
+      </dgm:t>
+    </dgm:pt>
+    <dgm:pt modelId="{C579173E-B5F8-4D43-9F24-BB9D8327424A}">
+      <dgm:prSet/>
+      <dgm:spPr/>
+      <dgm:t>
+        <a:bodyPr/>
+        <a:lstStyle/>
+        <a:p>
+          <a:r>
+            <a:rPr lang="en-US" b="1"/>
+            <a:t>Key Concepts of Module Federation</a:t>
+          </a:r>
+          <a:endParaRPr lang="en-US"/>
+        </a:p>
+      </dgm:t>
+    </dgm:pt>
+    <dgm:pt modelId="{4985AE22-99CB-4807-B352-42AF9B91B82C}" type="parTrans" cxnId="{E1C67B35-8C62-47C8-8645-3CF919E0CF60}">
+      <dgm:prSet/>
+      <dgm:spPr/>
+      <dgm:t>
+        <a:bodyPr/>
+        <a:lstStyle/>
+        <a:p>
+          <a:endParaRPr lang="en-US"/>
+        </a:p>
+      </dgm:t>
+    </dgm:pt>
+    <dgm:pt modelId="{8BC71388-8A49-40BA-8553-93CDEC2EDD3E}" type="sibTrans" cxnId="{E1C67B35-8C62-47C8-8645-3CF919E0CF60}">
+      <dgm:prSet/>
+      <dgm:spPr/>
+      <dgm:t>
+        <a:bodyPr/>
+        <a:lstStyle/>
+        <a:p>
+          <a:endParaRPr lang="en-US"/>
+        </a:p>
+      </dgm:t>
+    </dgm:pt>
+    <dgm:pt modelId="{DCAC3498-46F4-4612-B615-6DF5BC9ED9B0}">
+      <dgm:prSet/>
+      <dgm:spPr/>
+      <dgm:t>
+        <a:bodyPr/>
+        <a:lstStyle/>
+        <a:p>
+          <a:r>
+            <a:rPr lang="en-US" b="1"/>
+            <a:t>Use Cases for Module Federation</a:t>
+          </a:r>
+          <a:endParaRPr lang="en-US"/>
+        </a:p>
+      </dgm:t>
+    </dgm:pt>
+    <dgm:pt modelId="{5614E413-D67A-49F4-86F8-465BEFC622DE}" type="parTrans" cxnId="{4AB9A436-CA1F-40BC-9435-12B58DA8A3A9}">
+      <dgm:prSet/>
+      <dgm:spPr/>
+      <dgm:t>
+        <a:bodyPr/>
+        <a:lstStyle/>
+        <a:p>
+          <a:endParaRPr lang="en-US"/>
+        </a:p>
+      </dgm:t>
+    </dgm:pt>
+    <dgm:pt modelId="{3EBF9196-029B-4AAF-8CC5-E7EAE3E25448}" type="sibTrans" cxnId="{4AB9A436-CA1F-40BC-9435-12B58DA8A3A9}">
+      <dgm:prSet/>
+      <dgm:spPr/>
+      <dgm:t>
+        <a:bodyPr/>
+        <a:lstStyle/>
+        <a:p>
+          <a:endParaRPr lang="en-US"/>
+        </a:p>
+      </dgm:t>
+    </dgm:pt>
+    <dgm:pt modelId="{C83F9DD6-99B7-47C7-A57A-B88B018C6DF2}">
+      <dgm:prSet/>
+      <dgm:spPr/>
+      <dgm:t>
+        <a:bodyPr/>
+        <a:lstStyle/>
+        <a:p>
+          <a:r>
+            <a:rPr lang="en-US" b="1"/>
+            <a:t>Pros and Cons of Module Federation</a:t>
+          </a:r>
+          <a:endParaRPr lang="en-US"/>
+        </a:p>
+      </dgm:t>
+    </dgm:pt>
+    <dgm:pt modelId="{41AC4102-3AE0-454C-8C87-516148E037B8}" type="parTrans" cxnId="{523B38FA-C4C6-4A6E-B803-6FB13E3991DA}">
+      <dgm:prSet/>
+      <dgm:spPr/>
+      <dgm:t>
+        <a:bodyPr/>
+        <a:lstStyle/>
+        <a:p>
+          <a:endParaRPr lang="en-US"/>
+        </a:p>
+      </dgm:t>
+    </dgm:pt>
+    <dgm:pt modelId="{9DD61638-608D-4337-A37E-56A07452B721}" type="sibTrans" cxnId="{523B38FA-C4C6-4A6E-B803-6FB13E3991DA}">
+      <dgm:prSet/>
+      <dgm:spPr/>
+      <dgm:t>
+        <a:bodyPr/>
+        <a:lstStyle/>
+        <a:p>
+          <a:endParaRPr lang="en-US"/>
+        </a:p>
+      </dgm:t>
+    </dgm:pt>
+    <dgm:pt modelId="{0E2193A0-AC71-4502-9AA7-27E463AC71EB}">
+      <dgm:prSet/>
+      <dgm:spPr/>
+      <dgm:t>
+        <a:bodyPr/>
+        <a:lstStyle/>
+        <a:p>
+          <a:r>
+            <a:rPr lang="en-US" b="1"/>
+            <a:t>Module Federation Demo</a:t>
+          </a:r>
+          <a:endParaRPr lang="en-US"/>
+        </a:p>
+      </dgm:t>
+    </dgm:pt>
+    <dgm:pt modelId="{E76674F6-1778-4574-9170-0E19219A27AA}" type="parTrans" cxnId="{4F456D72-0150-4BD9-AA79-F1328E0F3948}">
+      <dgm:prSet/>
+      <dgm:spPr/>
+      <dgm:t>
+        <a:bodyPr/>
+        <a:lstStyle/>
+        <a:p>
+          <a:endParaRPr lang="en-US"/>
+        </a:p>
+      </dgm:t>
+    </dgm:pt>
+    <dgm:pt modelId="{813C2480-8B26-4560-8AD9-504BA7738733}" type="sibTrans" cxnId="{4F456D72-0150-4BD9-AA79-F1328E0F3948}">
+      <dgm:prSet/>
+      <dgm:spPr/>
+      <dgm:t>
+        <a:bodyPr/>
+        <a:lstStyle/>
+        <a:p>
+          <a:endParaRPr lang="en-US"/>
+        </a:p>
+      </dgm:t>
+    </dgm:pt>
+    <dgm:pt modelId="{953DABBF-D12A-4222-96DE-68FA80DAFE8D}" type="pres">
+      <dgm:prSet presAssocID="{FF35ADA0-620D-4959-AE18-641CB60BA7E5}" presName="root" presStyleCnt="0">
+        <dgm:presLayoutVars>
+          <dgm:dir/>
+          <dgm:resizeHandles val="exact"/>
+        </dgm:presLayoutVars>
+      </dgm:prSet>
+      <dgm:spPr/>
+    </dgm:pt>
+    <dgm:pt modelId="{89A5ECBF-2297-479A-B23E-3D356570D69F}" type="pres">
+      <dgm:prSet presAssocID="{A74E36C5-25BE-4A37-AAA2-CAA999CFA330}" presName="compNode" presStyleCnt="0"/>
+      <dgm:spPr/>
+    </dgm:pt>
+    <dgm:pt modelId="{151455EF-A067-4A1A-BC4B-763F8EF3B5D3}" type="pres">
+      <dgm:prSet presAssocID="{A74E36C5-25BE-4A37-AAA2-CAA999CFA330}" presName="bgRect" presStyleLbl="bgShp" presStyleIdx="0" presStyleCnt="8"/>
+      <dgm:spPr/>
+    </dgm:pt>
+    <dgm:pt modelId="{64134F0D-2CF8-42C6-8B48-BF8BAEB6F408}" type="pres">
+      <dgm:prSet presAssocID="{A74E36C5-25BE-4A37-AAA2-CAA999CFA330}" presName="iconRect" presStyleLbl="node1" presStyleIdx="0" presStyleCnt="8"/>
+      <dgm:spPr>
+        <a:blipFill>
+          <a:blip xmlns:r="http://schemas.openxmlformats.org/officeDocument/2006/relationships" r:embed="rId1">
+            <a:extLst>
+              <a:ext uri="{28A0092B-C50C-407E-A947-70E740481C1C}">
+                <a14:useLocalDpi xmlns:a14="http://schemas.microsoft.com/office/drawing/2010/main" val="0"/>
+              </a:ext>
+              <a:ext uri="{96DAC541-7B7A-43D3-8B79-37D633B846F1}">
+                <asvg:svgBlip xmlns:asvg="http://schemas.microsoft.com/office/drawing/2016/SVG/main" r:embed="rId2"/>
+              </a:ext>
+            </a:extLst>
+          </a:blip>
+          <a:stretch>
+            <a:fillRect/>
+          </a:stretch>
+        </a:blipFill>
+        <a:ln>
+          <a:noFill/>
+        </a:ln>
+      </dgm:spPr>
+      <dgm:extLst>
+        <a:ext uri="{E40237B7-FDA0-4F09-8148-C483321AD2D9}">
+          <dgm14:cNvPr xmlns:dgm14="http://schemas.microsoft.com/office/drawing/2010/diagram" id="0" name="" descr="Books"/>
+        </a:ext>
+      </dgm:extLst>
+    </dgm:pt>
+    <dgm:pt modelId="{FF95596A-3B5C-4F3B-8927-DF40FE5AA84B}" type="pres">
+      <dgm:prSet presAssocID="{A74E36C5-25BE-4A37-AAA2-CAA999CFA330}" presName="spaceRect" presStyleCnt="0"/>
+      <dgm:spPr/>
+    </dgm:pt>
+    <dgm:pt modelId="{A0FF6FF0-9F0A-4470-B20C-38482C4F7CD6}" type="pres">
+      <dgm:prSet presAssocID="{A74E36C5-25BE-4A37-AAA2-CAA999CFA330}" presName="parTx" presStyleLbl="revTx" presStyleIdx="0" presStyleCnt="8">
+        <dgm:presLayoutVars>
+          <dgm:chMax val="0"/>
+          <dgm:chPref val="0"/>
+        </dgm:presLayoutVars>
+      </dgm:prSet>
+      <dgm:spPr/>
+    </dgm:pt>
+    <dgm:pt modelId="{76A70535-52C0-45B6-9FFF-569455AF58C3}" type="pres">
+      <dgm:prSet presAssocID="{90FD2AC4-653E-4E62-9A1F-6B3660CE1CEA}" presName="sibTrans" presStyleCnt="0"/>
+      <dgm:spPr/>
+    </dgm:pt>
+    <dgm:pt modelId="{2DAE245C-CC71-4EB9-8D7E-EBB402DEBE63}" type="pres">
+      <dgm:prSet presAssocID="{A94BF994-5F07-412A-BBB9-90399420F63E}" presName="compNode" presStyleCnt="0"/>
+      <dgm:spPr/>
+    </dgm:pt>
+    <dgm:pt modelId="{20ACD798-EB77-4481-A374-3FCCD7E79689}" type="pres">
+      <dgm:prSet presAssocID="{A94BF994-5F07-412A-BBB9-90399420F63E}" presName="bgRect" presStyleLbl="bgShp" presStyleIdx="1" presStyleCnt="8"/>
+      <dgm:spPr/>
+    </dgm:pt>
+    <dgm:pt modelId="{2DCC11FE-CB48-4606-9964-FF39B3760049}" type="pres">
+      <dgm:prSet presAssocID="{A94BF994-5F07-412A-BBB9-90399420F63E}" presName="iconRect" presStyleLbl="node1" presStyleIdx="1" presStyleCnt="8"/>
+      <dgm:spPr>
+        <a:blipFill>
+          <a:blip xmlns:r="http://schemas.openxmlformats.org/officeDocument/2006/relationships" r:embed="rId3">
+            <a:extLst>
+              <a:ext uri="{28A0092B-C50C-407E-A947-70E740481C1C}">
+                <a14:useLocalDpi xmlns:a14="http://schemas.microsoft.com/office/drawing/2010/main" val="0"/>
+              </a:ext>
+              <a:ext uri="{96DAC541-7B7A-43D3-8B79-37D633B846F1}">
+                <asvg:svgBlip xmlns:asvg="http://schemas.microsoft.com/office/drawing/2016/SVG/main" r:embed="rId4"/>
+              </a:ext>
+            </a:extLst>
+          </a:blip>
+          <a:stretch>
+            <a:fillRect/>
+          </a:stretch>
+        </a:blipFill>
+        <a:ln>
+          <a:noFill/>
+        </a:ln>
+      </dgm:spPr>
+      <dgm:extLst>
+        <a:ext uri="{E40237B7-FDA0-4F09-8148-C483321AD2D9}">
+          <dgm14:cNvPr xmlns:dgm14="http://schemas.microsoft.com/office/drawing/2010/diagram" id="0" name="" descr="Head with Gears"/>
+        </a:ext>
+      </dgm:extLst>
+    </dgm:pt>
+    <dgm:pt modelId="{ACDA5009-6E87-4DF0-9932-CA512B6464D3}" type="pres">
+      <dgm:prSet presAssocID="{A94BF994-5F07-412A-BBB9-90399420F63E}" presName="spaceRect" presStyleCnt="0"/>
+      <dgm:spPr/>
+    </dgm:pt>
+    <dgm:pt modelId="{4BFDF471-3BA9-4522-A8CD-0C11E85244BB}" type="pres">
+      <dgm:prSet presAssocID="{A94BF994-5F07-412A-BBB9-90399420F63E}" presName="parTx" presStyleLbl="revTx" presStyleIdx="1" presStyleCnt="8">
+        <dgm:presLayoutVars>
+          <dgm:chMax val="0"/>
+          <dgm:chPref val="0"/>
+        </dgm:presLayoutVars>
+      </dgm:prSet>
+      <dgm:spPr/>
+    </dgm:pt>
+    <dgm:pt modelId="{1BFF4F33-ADD1-4A06-8082-592A2B98111A}" type="pres">
+      <dgm:prSet presAssocID="{E82FA550-5B67-487E-B57A-E843712BA85A}" presName="sibTrans" presStyleCnt="0"/>
+      <dgm:spPr/>
+    </dgm:pt>
+    <dgm:pt modelId="{1273307E-7B39-41AB-BAF7-A4B0957DB483}" type="pres">
+      <dgm:prSet presAssocID="{175C7B44-FB8B-4CF6-A230-6A3D7B5F0E54}" presName="compNode" presStyleCnt="0"/>
+      <dgm:spPr/>
+    </dgm:pt>
+    <dgm:pt modelId="{BB678E43-7ACC-4772-9FBF-A3158788F1DB}" type="pres">
+      <dgm:prSet presAssocID="{175C7B44-FB8B-4CF6-A230-6A3D7B5F0E54}" presName="bgRect" presStyleLbl="bgShp" presStyleIdx="2" presStyleCnt="8"/>
+      <dgm:spPr/>
+    </dgm:pt>
+    <dgm:pt modelId="{39B88968-D9F9-4FE1-80E9-9D252365E815}" type="pres">
+      <dgm:prSet presAssocID="{175C7B44-FB8B-4CF6-A230-6A3D7B5F0E54}" presName="iconRect" presStyleLbl="node1" presStyleIdx="2" presStyleCnt="8"/>
+      <dgm:spPr>
+        <a:blipFill>
+          <a:blip xmlns:r="http://schemas.openxmlformats.org/officeDocument/2006/relationships" r:embed="rId5">
+            <a:extLst>
+              <a:ext uri="{28A0092B-C50C-407E-A947-70E740481C1C}">
+                <a14:useLocalDpi xmlns:a14="http://schemas.microsoft.com/office/drawing/2010/main" val="0"/>
+              </a:ext>
+              <a:ext uri="{96DAC541-7B7A-43D3-8B79-37D633B846F1}">
+                <asvg:svgBlip xmlns:asvg="http://schemas.microsoft.com/office/drawing/2016/SVG/main" r:embed="rId6"/>
+              </a:ext>
+            </a:extLst>
+          </a:blip>
+          <a:stretch>
+            <a:fillRect/>
+          </a:stretch>
+        </a:blipFill>
+        <a:ln>
+          <a:noFill/>
+        </a:ln>
+      </dgm:spPr>
+      <dgm:extLst>
+        <a:ext uri="{E40237B7-FDA0-4F09-8148-C483321AD2D9}">
+          <dgm14:cNvPr xmlns:dgm14="http://schemas.microsoft.com/office/drawing/2010/diagram" id="0" name="" descr="User"/>
+        </a:ext>
+      </dgm:extLst>
+    </dgm:pt>
+    <dgm:pt modelId="{69987CD1-A135-4C65-BCED-E8315B1F90BA}" type="pres">
+      <dgm:prSet presAssocID="{175C7B44-FB8B-4CF6-A230-6A3D7B5F0E54}" presName="spaceRect" presStyleCnt="0"/>
+      <dgm:spPr/>
+    </dgm:pt>
+    <dgm:pt modelId="{36E7BDD8-5618-4FC3-A53F-018A419F4AC4}" type="pres">
+      <dgm:prSet presAssocID="{175C7B44-FB8B-4CF6-A230-6A3D7B5F0E54}" presName="parTx" presStyleLbl="revTx" presStyleIdx="2" presStyleCnt="8">
+        <dgm:presLayoutVars>
+          <dgm:chMax val="0"/>
+          <dgm:chPref val="0"/>
+        </dgm:presLayoutVars>
+      </dgm:prSet>
+      <dgm:spPr/>
+    </dgm:pt>
+    <dgm:pt modelId="{6D876BA5-D66E-4DEA-9BB1-54D40C5A36C0}" type="pres">
+      <dgm:prSet presAssocID="{60F27EEF-63A7-49FD-A439-36798B26CFBC}" presName="sibTrans" presStyleCnt="0"/>
+      <dgm:spPr/>
+    </dgm:pt>
+    <dgm:pt modelId="{3442F176-0E89-483E-A5D4-106D39522BC0}" type="pres">
+      <dgm:prSet presAssocID="{7E7352AD-BC20-494E-9D6C-DE7FC704430A}" presName="compNode" presStyleCnt="0"/>
+      <dgm:spPr/>
+    </dgm:pt>
+    <dgm:pt modelId="{1B551B4D-4187-48B0-BA72-1D2D47018888}" type="pres">
+      <dgm:prSet presAssocID="{7E7352AD-BC20-494E-9D6C-DE7FC704430A}" presName="bgRect" presStyleLbl="bgShp" presStyleIdx="3" presStyleCnt="8"/>
+      <dgm:spPr/>
+    </dgm:pt>
+    <dgm:pt modelId="{2238F1FC-E26D-453D-A783-E3DCD7685DC0}" type="pres">
+      <dgm:prSet presAssocID="{7E7352AD-BC20-494E-9D6C-DE7FC704430A}" presName="iconRect" presStyleLbl="node1" presStyleIdx="3" presStyleCnt="8"/>
+      <dgm:spPr>
+        <a:blipFill>
+          <a:blip xmlns:r="http://schemas.openxmlformats.org/officeDocument/2006/relationships" r:embed="rId7">
+            <a:extLst>
+              <a:ext uri="{28A0092B-C50C-407E-A947-70E740481C1C}">
+                <a14:useLocalDpi xmlns:a14="http://schemas.microsoft.com/office/drawing/2010/main" val="0"/>
+              </a:ext>
+              <a:ext uri="{96DAC541-7B7A-43D3-8B79-37D633B846F1}">
+                <asvg:svgBlip xmlns:asvg="http://schemas.microsoft.com/office/drawing/2016/SVG/main" r:embed="rId8"/>
+              </a:ext>
+            </a:extLst>
+          </a:blip>
+          <a:stretch>
+            <a:fillRect/>
+          </a:stretch>
+        </a:blipFill>
+        <a:ln>
+          <a:noFill/>
+        </a:ln>
+      </dgm:spPr>
+      <dgm:extLst>
+        <a:ext uri="{E40237B7-FDA0-4F09-8148-C483321AD2D9}">
+          <dgm14:cNvPr xmlns:dgm14="http://schemas.microsoft.com/office/drawing/2010/diagram" id="0" name="" descr="Disconnected"/>
+        </a:ext>
+      </dgm:extLst>
+    </dgm:pt>
+    <dgm:pt modelId="{89C5B049-C953-4E38-BD24-F3DAA6D8B115}" type="pres">
+      <dgm:prSet presAssocID="{7E7352AD-BC20-494E-9D6C-DE7FC704430A}" presName="spaceRect" presStyleCnt="0"/>
+      <dgm:spPr/>
+    </dgm:pt>
+    <dgm:pt modelId="{B69D0082-6059-47BF-93AD-14512DEC99DB}" type="pres">
+      <dgm:prSet presAssocID="{7E7352AD-BC20-494E-9D6C-DE7FC704430A}" presName="parTx" presStyleLbl="revTx" presStyleIdx="3" presStyleCnt="8">
+        <dgm:presLayoutVars>
+          <dgm:chMax val="0"/>
+          <dgm:chPref val="0"/>
+        </dgm:presLayoutVars>
+      </dgm:prSet>
+      <dgm:spPr/>
+    </dgm:pt>
+    <dgm:pt modelId="{DBCCFB6B-0912-4374-A793-044E83728AFB}" type="pres">
+      <dgm:prSet presAssocID="{1D976E2F-BD25-48E1-8143-4EEE146C71D8}" presName="sibTrans" presStyleCnt="0"/>
+      <dgm:spPr/>
+    </dgm:pt>
+    <dgm:pt modelId="{B61F3778-8167-4DDF-80BF-5B012CB551D3}" type="pres">
+      <dgm:prSet presAssocID="{C579173E-B5F8-4D43-9F24-BB9D8327424A}" presName="compNode" presStyleCnt="0"/>
+      <dgm:spPr/>
+    </dgm:pt>
+    <dgm:pt modelId="{D949840E-18C9-4411-9652-2C74F0313870}" type="pres">
+      <dgm:prSet presAssocID="{C579173E-B5F8-4D43-9F24-BB9D8327424A}" presName="bgRect" presStyleLbl="bgShp" presStyleIdx="4" presStyleCnt="8"/>
+      <dgm:spPr/>
+    </dgm:pt>
+    <dgm:pt modelId="{0DD8CEE0-ED4C-4AA7-8336-A5696934D682}" type="pres">
+      <dgm:prSet presAssocID="{C579173E-B5F8-4D43-9F24-BB9D8327424A}" presName="iconRect" presStyleLbl="node1" presStyleIdx="4" presStyleCnt="8"/>
+      <dgm:spPr>
+        <a:blipFill>
+          <a:blip xmlns:r="http://schemas.openxmlformats.org/officeDocument/2006/relationships" r:embed="rId9">
+            <a:extLst>
+              <a:ext uri="{28A0092B-C50C-407E-A947-70E740481C1C}">
+                <a14:useLocalDpi xmlns:a14="http://schemas.microsoft.com/office/drawing/2010/main" val="0"/>
+              </a:ext>
+              <a:ext uri="{96DAC541-7B7A-43D3-8B79-37D633B846F1}">
+                <asvg:svgBlip xmlns:asvg="http://schemas.microsoft.com/office/drawing/2016/SVG/main" r:embed="rId10"/>
+              </a:ext>
+            </a:extLst>
+          </a:blip>
+          <a:stretch>
+            <a:fillRect/>
+          </a:stretch>
+        </a:blipFill>
+        <a:ln>
+          <a:noFill/>
+        </a:ln>
+      </dgm:spPr>
+      <dgm:extLst>
+        <a:ext uri="{E40237B7-FDA0-4F09-8148-C483321AD2D9}">
+          <dgm14:cNvPr xmlns:dgm14="http://schemas.microsoft.com/office/drawing/2010/diagram" id="0" name="" descr="Checkmark"/>
+        </a:ext>
+      </dgm:extLst>
+    </dgm:pt>
+    <dgm:pt modelId="{03B33C3C-1D34-46EB-B99F-E9E1FB49914B}" type="pres">
+      <dgm:prSet presAssocID="{C579173E-B5F8-4D43-9F24-BB9D8327424A}" presName="spaceRect" presStyleCnt="0"/>
+      <dgm:spPr/>
+    </dgm:pt>
+    <dgm:pt modelId="{06E3D4A0-2A8A-4FF8-8247-EF91A9E96DC7}" type="pres">
+      <dgm:prSet presAssocID="{C579173E-B5F8-4D43-9F24-BB9D8327424A}" presName="parTx" presStyleLbl="revTx" presStyleIdx="4" presStyleCnt="8">
+        <dgm:presLayoutVars>
+          <dgm:chMax val="0"/>
+          <dgm:chPref val="0"/>
+        </dgm:presLayoutVars>
+      </dgm:prSet>
+      <dgm:spPr/>
+    </dgm:pt>
+    <dgm:pt modelId="{3E3B0861-F3AF-4B18-A0C0-937B4ED8BE0E}" type="pres">
+      <dgm:prSet presAssocID="{8BC71388-8A49-40BA-8553-93CDEC2EDD3E}" presName="sibTrans" presStyleCnt="0"/>
+      <dgm:spPr/>
+    </dgm:pt>
+    <dgm:pt modelId="{7C4D0F2E-8276-4D28-BD95-60C07726B018}" type="pres">
+      <dgm:prSet presAssocID="{DCAC3498-46F4-4612-B615-6DF5BC9ED9B0}" presName="compNode" presStyleCnt="0"/>
+      <dgm:spPr/>
+    </dgm:pt>
+    <dgm:pt modelId="{DD372A80-C85B-47DA-B70D-B71F0BF9389D}" type="pres">
+      <dgm:prSet presAssocID="{DCAC3498-46F4-4612-B615-6DF5BC9ED9B0}" presName="bgRect" presStyleLbl="bgShp" presStyleIdx="5" presStyleCnt="8"/>
+      <dgm:spPr/>
+    </dgm:pt>
+    <dgm:pt modelId="{1E42162B-62E0-4533-B85A-50EA595FF885}" type="pres">
+      <dgm:prSet presAssocID="{DCAC3498-46F4-4612-B615-6DF5BC9ED9B0}" presName="iconRect" presStyleLbl="node1" presStyleIdx="5" presStyleCnt="8"/>
+      <dgm:spPr>
+        <a:blipFill>
+          <a:blip xmlns:r="http://schemas.openxmlformats.org/officeDocument/2006/relationships" r:embed="rId11">
+            <a:extLst>
+              <a:ext uri="{28A0092B-C50C-407E-A947-70E740481C1C}">
+                <a14:useLocalDpi xmlns:a14="http://schemas.microsoft.com/office/drawing/2010/main" val="0"/>
+              </a:ext>
+              <a:ext uri="{96DAC541-7B7A-43D3-8B79-37D633B846F1}">
+                <asvg:svgBlip xmlns:asvg="http://schemas.microsoft.com/office/drawing/2016/SVG/main" r:embed="rId12"/>
+              </a:ext>
+            </a:extLst>
+          </a:blip>
+          <a:stretch>
+            <a:fillRect/>
+          </a:stretch>
+        </a:blipFill>
+        <a:ln>
+          <a:noFill/>
+        </a:ln>
+      </dgm:spPr>
+      <dgm:extLst>
+        <a:ext uri="{E40237B7-FDA0-4F09-8148-C483321AD2D9}">
+          <dgm14:cNvPr xmlns:dgm14="http://schemas.microsoft.com/office/drawing/2010/diagram" id="0" name="" descr="Users"/>
+        </a:ext>
+      </dgm:extLst>
+    </dgm:pt>
+    <dgm:pt modelId="{8F495146-19CD-4658-8DEC-210E8BC6B09F}" type="pres">
+      <dgm:prSet presAssocID="{DCAC3498-46F4-4612-B615-6DF5BC9ED9B0}" presName="spaceRect" presStyleCnt="0"/>
+      <dgm:spPr/>
+    </dgm:pt>
+    <dgm:pt modelId="{B17FFBB9-5235-43DC-9D1A-55E433315F09}" type="pres">
+      <dgm:prSet presAssocID="{DCAC3498-46F4-4612-B615-6DF5BC9ED9B0}" presName="parTx" presStyleLbl="revTx" presStyleIdx="5" presStyleCnt="8">
+        <dgm:presLayoutVars>
+          <dgm:chMax val="0"/>
+          <dgm:chPref val="0"/>
+        </dgm:presLayoutVars>
+      </dgm:prSet>
+      <dgm:spPr/>
+    </dgm:pt>
+    <dgm:pt modelId="{43D222B7-3DE0-45EB-825C-7CC9CC293E16}" type="pres">
+      <dgm:prSet presAssocID="{3EBF9196-029B-4AAF-8CC5-E7EAE3E25448}" presName="sibTrans" presStyleCnt="0"/>
+      <dgm:spPr/>
+    </dgm:pt>
+    <dgm:pt modelId="{2E728837-3C39-4B9B-ABB5-052720D88437}" type="pres">
+      <dgm:prSet presAssocID="{C83F9DD6-99B7-47C7-A57A-B88B018C6DF2}" presName="compNode" presStyleCnt="0"/>
+      <dgm:spPr/>
+    </dgm:pt>
+    <dgm:pt modelId="{1AC7FEFA-8B65-4532-AE53-B804C4EA61C7}" type="pres">
+      <dgm:prSet presAssocID="{C83F9DD6-99B7-47C7-A57A-B88B018C6DF2}" presName="bgRect" presStyleLbl="bgShp" presStyleIdx="6" presStyleCnt="8"/>
+      <dgm:spPr/>
+    </dgm:pt>
+    <dgm:pt modelId="{C35AC7F8-D150-44F3-96E0-7DCE774EEAD9}" type="pres">
+      <dgm:prSet presAssocID="{C83F9DD6-99B7-47C7-A57A-B88B018C6DF2}" presName="iconRect" presStyleLbl="node1" presStyleIdx="6" presStyleCnt="8"/>
+      <dgm:spPr>
+        <a:blipFill>
+          <a:blip xmlns:r="http://schemas.openxmlformats.org/officeDocument/2006/relationships" r:embed="rId13">
+            <a:extLst>
+              <a:ext uri="{28A0092B-C50C-407E-A947-70E740481C1C}">
+                <a14:useLocalDpi xmlns:a14="http://schemas.microsoft.com/office/drawing/2010/main" val="0"/>
+              </a:ext>
+              <a:ext uri="{96DAC541-7B7A-43D3-8B79-37D633B846F1}">
+                <asvg:svgBlip xmlns:asvg="http://schemas.microsoft.com/office/drawing/2016/SVG/main" r:embed="rId14"/>
+              </a:ext>
+            </a:extLst>
+          </a:blip>
+          <a:stretch>
+            <a:fillRect/>
+          </a:stretch>
+        </a:blipFill>
+        <a:ln>
+          <a:noFill/>
+        </a:ln>
+      </dgm:spPr>
+      <dgm:extLst>
+        <a:ext uri="{E40237B7-FDA0-4F09-8148-C483321AD2D9}">
+          <dgm14:cNvPr xmlns:dgm14="http://schemas.microsoft.com/office/drawing/2010/diagram" id="0" name="" descr="Thumbs Up Sign"/>
+        </a:ext>
+      </dgm:extLst>
+    </dgm:pt>
+    <dgm:pt modelId="{D64E3506-4E5D-446E-9C1F-A5D5CC25201A}" type="pres">
+      <dgm:prSet presAssocID="{C83F9DD6-99B7-47C7-A57A-B88B018C6DF2}" presName="spaceRect" presStyleCnt="0"/>
+      <dgm:spPr/>
+    </dgm:pt>
+    <dgm:pt modelId="{0D6BC204-85DB-432F-AFA6-9F3BD82191C5}" type="pres">
+      <dgm:prSet presAssocID="{C83F9DD6-99B7-47C7-A57A-B88B018C6DF2}" presName="parTx" presStyleLbl="revTx" presStyleIdx="6" presStyleCnt="8">
+        <dgm:presLayoutVars>
+          <dgm:chMax val="0"/>
+          <dgm:chPref val="0"/>
+        </dgm:presLayoutVars>
+      </dgm:prSet>
+      <dgm:spPr/>
+    </dgm:pt>
+    <dgm:pt modelId="{2A490F5A-B293-4D0A-9D40-C6B1B145EFB9}" type="pres">
+      <dgm:prSet presAssocID="{9DD61638-608D-4337-A37E-56A07452B721}" presName="sibTrans" presStyleCnt="0"/>
+      <dgm:spPr/>
+    </dgm:pt>
+    <dgm:pt modelId="{212C803A-82A9-4C8C-8917-80DC7B50BA7D}" type="pres">
+      <dgm:prSet presAssocID="{0E2193A0-AC71-4502-9AA7-27E463AC71EB}" presName="compNode" presStyleCnt="0"/>
+      <dgm:spPr/>
+    </dgm:pt>
+    <dgm:pt modelId="{6A2CDADC-7750-42CB-97C8-7F1A59318EDE}" type="pres">
+      <dgm:prSet presAssocID="{0E2193A0-AC71-4502-9AA7-27E463AC71EB}" presName="bgRect" presStyleLbl="bgShp" presStyleIdx="7" presStyleCnt="8"/>
+      <dgm:spPr/>
+    </dgm:pt>
+    <dgm:pt modelId="{1AAC9D6C-A11F-4C4F-807A-7119F8053F89}" type="pres">
+      <dgm:prSet presAssocID="{0E2193A0-AC71-4502-9AA7-27E463AC71EB}" presName="iconRect" presStyleLbl="node1" presStyleIdx="7" presStyleCnt="8"/>
+      <dgm:spPr>
+        <a:blipFill>
+          <a:blip xmlns:r="http://schemas.openxmlformats.org/officeDocument/2006/relationships" r:embed="rId15">
+            <a:extLst>
+              <a:ext uri="{28A0092B-C50C-407E-A947-70E740481C1C}">
+                <a14:useLocalDpi xmlns:a14="http://schemas.microsoft.com/office/drawing/2010/main" val="0"/>
+              </a:ext>
+              <a:ext uri="{96DAC541-7B7A-43D3-8B79-37D633B846F1}">
+                <asvg:svgBlip xmlns:asvg="http://schemas.microsoft.com/office/drawing/2016/SVG/main" r:embed="rId16"/>
+              </a:ext>
+            </a:extLst>
+          </a:blip>
+          <a:stretch>
+            <a:fillRect/>
+          </a:stretch>
+        </a:blipFill>
+        <a:ln>
+          <a:noFill/>
+        </a:ln>
+      </dgm:spPr>
+      <dgm:extLst>
+        <a:ext uri="{E40237B7-FDA0-4F09-8148-C483321AD2D9}">
+          <dgm14:cNvPr xmlns:dgm14="http://schemas.microsoft.com/office/drawing/2010/diagram" id="0" name="" descr="Teacher"/>
+        </a:ext>
+      </dgm:extLst>
+    </dgm:pt>
+    <dgm:pt modelId="{99E5F23B-4FE6-4357-BF0E-C2AA24895F5C}" type="pres">
+      <dgm:prSet presAssocID="{0E2193A0-AC71-4502-9AA7-27E463AC71EB}" presName="spaceRect" presStyleCnt="0"/>
+      <dgm:spPr/>
+    </dgm:pt>
+    <dgm:pt modelId="{8B9394E5-D21D-4B07-9AC2-2193898D4C7F}" type="pres">
+      <dgm:prSet presAssocID="{0E2193A0-AC71-4502-9AA7-27E463AC71EB}" presName="parTx" presStyleLbl="revTx" presStyleIdx="7" presStyleCnt="8">
+        <dgm:presLayoutVars>
+          <dgm:chMax val="0"/>
+          <dgm:chPref val="0"/>
+        </dgm:presLayoutVars>
+      </dgm:prSet>
+      <dgm:spPr/>
+    </dgm:pt>
+  </dgm:ptLst>
+  <dgm:cxnLst>
+    <dgm:cxn modelId="{74DB3E25-2E69-46C7-B5C8-CC44E096C1CF}" srcId="{FF35ADA0-620D-4959-AE18-641CB60BA7E5}" destId="{7E7352AD-BC20-494E-9D6C-DE7FC704430A}" srcOrd="3" destOrd="0" parTransId="{D9C4220A-2096-403E-B5BE-6DB29669D611}" sibTransId="{1D976E2F-BD25-48E1-8143-4EEE146C71D8}"/>
+    <dgm:cxn modelId="{E1C67B35-8C62-47C8-8645-3CF919E0CF60}" srcId="{FF35ADA0-620D-4959-AE18-641CB60BA7E5}" destId="{C579173E-B5F8-4D43-9F24-BB9D8327424A}" srcOrd="4" destOrd="0" parTransId="{4985AE22-99CB-4807-B352-42AF9B91B82C}" sibTransId="{8BC71388-8A49-40BA-8553-93CDEC2EDD3E}"/>
+    <dgm:cxn modelId="{4AB9A436-CA1F-40BC-9435-12B58DA8A3A9}" srcId="{FF35ADA0-620D-4959-AE18-641CB60BA7E5}" destId="{DCAC3498-46F4-4612-B615-6DF5BC9ED9B0}" srcOrd="5" destOrd="0" parTransId="{5614E413-D67A-49F4-86F8-465BEFC622DE}" sibTransId="{3EBF9196-029B-4AAF-8CC5-E7EAE3E25448}"/>
+    <dgm:cxn modelId="{A6A2EE5E-B761-4E1E-8D05-596CAEFD9DC0}" type="presOf" srcId="{0E2193A0-AC71-4502-9AA7-27E463AC71EB}" destId="{8B9394E5-D21D-4B07-9AC2-2193898D4C7F}" srcOrd="0" destOrd="0" presId="urn:microsoft.com/office/officeart/2018/2/layout/IconVerticalSolidList"/>
+    <dgm:cxn modelId="{2C2F9141-4614-43C5-A57A-FA7D277A1E28}" type="presOf" srcId="{C579173E-B5F8-4D43-9F24-BB9D8327424A}" destId="{06E3D4A0-2A8A-4FF8-8247-EF91A9E96DC7}" srcOrd="0" destOrd="0" presId="urn:microsoft.com/office/officeart/2018/2/layout/IconVerticalSolidList"/>
+    <dgm:cxn modelId="{0601A643-2B85-41C8-B1A2-47AA691BD2AC}" type="presOf" srcId="{A94BF994-5F07-412A-BBB9-90399420F63E}" destId="{4BFDF471-3BA9-4522-A8CD-0C11E85244BB}" srcOrd="0" destOrd="0" presId="urn:microsoft.com/office/officeart/2018/2/layout/IconVerticalSolidList"/>
+    <dgm:cxn modelId="{4F456D72-0150-4BD9-AA79-F1328E0F3948}" srcId="{FF35ADA0-620D-4959-AE18-641CB60BA7E5}" destId="{0E2193A0-AC71-4502-9AA7-27E463AC71EB}" srcOrd="7" destOrd="0" parTransId="{E76674F6-1778-4574-9170-0E19219A27AA}" sibTransId="{813C2480-8B26-4560-8AD9-504BA7738733}"/>
+    <dgm:cxn modelId="{2CEC9A90-4580-4F0A-89EC-3658E0F7CB4D}" type="presOf" srcId="{C83F9DD6-99B7-47C7-A57A-B88B018C6DF2}" destId="{0D6BC204-85DB-432F-AFA6-9F3BD82191C5}" srcOrd="0" destOrd="0" presId="urn:microsoft.com/office/officeart/2018/2/layout/IconVerticalSolidList"/>
+    <dgm:cxn modelId="{05FA5992-B2BB-4ECC-BE1B-3DA98B1C22E5}" type="presOf" srcId="{7E7352AD-BC20-494E-9D6C-DE7FC704430A}" destId="{B69D0082-6059-47BF-93AD-14512DEC99DB}" srcOrd="0" destOrd="0" presId="urn:microsoft.com/office/officeart/2018/2/layout/IconVerticalSolidList"/>
+    <dgm:cxn modelId="{963C629D-1FD6-4FE8-8499-8443C0C32A9C}" type="presOf" srcId="{A74E36C5-25BE-4A37-AAA2-CAA999CFA330}" destId="{A0FF6FF0-9F0A-4470-B20C-38482C4F7CD6}" srcOrd="0" destOrd="0" presId="urn:microsoft.com/office/officeart/2018/2/layout/IconVerticalSolidList"/>
+    <dgm:cxn modelId="{BB0FF2C3-B1A9-4929-8696-2482F7539D7C}" srcId="{FF35ADA0-620D-4959-AE18-641CB60BA7E5}" destId="{A74E36C5-25BE-4A37-AAA2-CAA999CFA330}" srcOrd="0" destOrd="0" parTransId="{46C1E2D1-D491-4C86-8179-F72D6CC5C987}" sibTransId="{90FD2AC4-653E-4E62-9A1F-6B3660CE1CEA}"/>
+    <dgm:cxn modelId="{1A9210CA-3B7E-4C06-9A33-40E40D46B40D}" srcId="{FF35ADA0-620D-4959-AE18-641CB60BA7E5}" destId="{175C7B44-FB8B-4CF6-A230-6A3D7B5F0E54}" srcOrd="2" destOrd="0" parTransId="{281991C3-0F12-40EF-847A-EC74214BCC5A}" sibTransId="{60F27EEF-63A7-49FD-A439-36798B26CFBC}"/>
+    <dgm:cxn modelId="{A2BC55D0-B8EE-4AEB-ABF5-53FD8FCE16FB}" type="presOf" srcId="{FF35ADA0-620D-4959-AE18-641CB60BA7E5}" destId="{953DABBF-D12A-4222-96DE-68FA80DAFE8D}" srcOrd="0" destOrd="0" presId="urn:microsoft.com/office/officeart/2018/2/layout/IconVerticalSolidList"/>
+    <dgm:cxn modelId="{11AF5FE2-EE0F-4052-AAB2-DB2CE86A8053}" srcId="{FF35ADA0-620D-4959-AE18-641CB60BA7E5}" destId="{A94BF994-5F07-412A-BBB9-90399420F63E}" srcOrd="1" destOrd="0" parTransId="{78B53711-3BCA-45CF-8462-46E363328F8F}" sibTransId="{E82FA550-5B67-487E-B57A-E843712BA85A}"/>
+    <dgm:cxn modelId="{D870B2F9-9EC6-411F-9091-84E6929CB262}" type="presOf" srcId="{DCAC3498-46F4-4612-B615-6DF5BC9ED9B0}" destId="{B17FFBB9-5235-43DC-9D1A-55E433315F09}" srcOrd="0" destOrd="0" presId="urn:microsoft.com/office/officeart/2018/2/layout/IconVerticalSolidList"/>
+    <dgm:cxn modelId="{523B38FA-C4C6-4A6E-B803-6FB13E3991DA}" srcId="{FF35ADA0-620D-4959-AE18-641CB60BA7E5}" destId="{C83F9DD6-99B7-47C7-A57A-B88B018C6DF2}" srcOrd="6" destOrd="0" parTransId="{41AC4102-3AE0-454C-8C87-516148E037B8}" sibTransId="{9DD61638-608D-4337-A37E-56A07452B721}"/>
+    <dgm:cxn modelId="{944653FD-4406-4484-B180-867F99A085FA}" type="presOf" srcId="{175C7B44-FB8B-4CF6-A230-6A3D7B5F0E54}" destId="{36E7BDD8-5618-4FC3-A53F-018A419F4AC4}" srcOrd="0" destOrd="0" presId="urn:microsoft.com/office/officeart/2018/2/layout/IconVerticalSolidList"/>
+    <dgm:cxn modelId="{61538A2E-0C07-4B58-9CE1-13508415AC90}" type="presParOf" srcId="{953DABBF-D12A-4222-96DE-68FA80DAFE8D}" destId="{89A5ECBF-2297-479A-B23E-3D356570D69F}" srcOrd="0" destOrd="0" presId="urn:microsoft.com/office/officeart/2018/2/layout/IconVerticalSolidList"/>
+    <dgm:cxn modelId="{E9F2A85E-E507-40E8-B550-F3D21E343572}" type="presParOf" srcId="{89A5ECBF-2297-479A-B23E-3D356570D69F}" destId="{151455EF-A067-4A1A-BC4B-763F8EF3B5D3}" srcOrd="0" destOrd="0" presId="urn:microsoft.com/office/officeart/2018/2/layout/IconVerticalSolidList"/>
+    <dgm:cxn modelId="{F1A8BF2B-B12E-427A-83A6-D19A8224FC6C}" type="presParOf" srcId="{89A5ECBF-2297-479A-B23E-3D356570D69F}" destId="{64134F0D-2CF8-42C6-8B48-BF8BAEB6F408}" srcOrd="1" destOrd="0" presId="urn:microsoft.com/office/officeart/2018/2/layout/IconVerticalSolidList"/>
+    <dgm:cxn modelId="{0B5B0D6A-346A-453E-8669-8555EFF07663}" type="presParOf" srcId="{89A5ECBF-2297-479A-B23E-3D356570D69F}" destId="{FF95596A-3B5C-4F3B-8927-DF40FE5AA84B}" srcOrd="2" destOrd="0" presId="urn:microsoft.com/office/officeart/2018/2/layout/IconVerticalSolidList"/>
+    <dgm:cxn modelId="{8446248C-CA6A-40E6-B468-F3C93C321D12}" type="presParOf" srcId="{89A5ECBF-2297-479A-B23E-3D356570D69F}" destId="{A0FF6FF0-9F0A-4470-B20C-38482C4F7CD6}" srcOrd="3" destOrd="0" presId="urn:microsoft.com/office/officeart/2018/2/layout/IconVerticalSolidList"/>
+    <dgm:cxn modelId="{A0AA61DD-49F4-4456-8834-09CBF454688C}" type="presParOf" srcId="{953DABBF-D12A-4222-96DE-68FA80DAFE8D}" destId="{76A70535-52C0-45B6-9FFF-569455AF58C3}" srcOrd="1" destOrd="0" presId="urn:microsoft.com/office/officeart/2018/2/layout/IconVerticalSolidList"/>
+    <dgm:cxn modelId="{A3605ABA-9D7F-4729-AE97-77B5920AD12D}" type="presParOf" srcId="{953DABBF-D12A-4222-96DE-68FA80DAFE8D}" destId="{2DAE245C-CC71-4EB9-8D7E-EBB402DEBE63}" srcOrd="2" destOrd="0" presId="urn:microsoft.com/office/officeart/2018/2/layout/IconVerticalSolidList"/>
+    <dgm:cxn modelId="{BCFE4B4F-554F-47D3-AF29-9F8169992992}" type="presParOf" srcId="{2DAE245C-CC71-4EB9-8D7E-EBB402DEBE63}" destId="{20ACD798-EB77-4481-A374-3FCCD7E79689}" srcOrd="0" destOrd="0" presId="urn:microsoft.com/office/officeart/2018/2/layout/IconVerticalSolidList"/>
+    <dgm:cxn modelId="{92972A14-6B2A-4CA5-8B56-E906F0C9EE75}" type="presParOf" srcId="{2DAE245C-CC71-4EB9-8D7E-EBB402DEBE63}" destId="{2DCC11FE-CB48-4606-9964-FF39B3760049}" srcOrd="1" destOrd="0" presId="urn:microsoft.com/office/officeart/2018/2/layout/IconVerticalSolidList"/>
+    <dgm:cxn modelId="{B3897AA5-3CFE-497A-9FD4-04D2BBEC88AD}" type="presParOf" srcId="{2DAE245C-CC71-4EB9-8D7E-EBB402DEBE63}" destId="{ACDA5009-6E87-4DF0-9932-CA512B6464D3}" srcOrd="2" destOrd="0" presId="urn:microsoft.com/office/officeart/2018/2/layout/IconVerticalSolidList"/>
+    <dgm:cxn modelId="{1F92122A-73A4-4AF0-BA56-1AECAB7AE7F8}" type="presParOf" srcId="{2DAE245C-CC71-4EB9-8D7E-EBB402DEBE63}" destId="{4BFDF471-3BA9-4522-A8CD-0C11E85244BB}" srcOrd="3" destOrd="0" presId="urn:microsoft.com/office/officeart/2018/2/layout/IconVerticalSolidList"/>
+    <dgm:cxn modelId="{808E6619-EF40-44A1-93A2-079DD92C069C}" type="presParOf" srcId="{953DABBF-D12A-4222-96DE-68FA80DAFE8D}" destId="{1BFF4F33-ADD1-4A06-8082-592A2B98111A}" srcOrd="3" destOrd="0" presId="urn:microsoft.com/office/officeart/2018/2/layout/IconVerticalSolidList"/>
+    <dgm:cxn modelId="{37919AB0-72B4-46BC-9D9F-9AA9B8264B29}" type="presParOf" srcId="{953DABBF-D12A-4222-96DE-68FA80DAFE8D}" destId="{1273307E-7B39-41AB-BAF7-A4B0957DB483}" srcOrd="4" destOrd="0" presId="urn:microsoft.com/office/officeart/2018/2/layout/IconVerticalSolidList"/>
+    <dgm:cxn modelId="{925E5697-30C8-46B2-83B0-5916E1AC5B7D}" type="presParOf" srcId="{1273307E-7B39-41AB-BAF7-A4B0957DB483}" destId="{BB678E43-7ACC-4772-9FBF-A3158788F1DB}" srcOrd="0" destOrd="0" presId="urn:microsoft.com/office/officeart/2018/2/layout/IconVerticalSolidList"/>
+    <dgm:cxn modelId="{20EBA6A2-8537-4BD0-BF7E-6F1D6A82F31D}" type="presParOf" srcId="{1273307E-7B39-41AB-BAF7-A4B0957DB483}" destId="{39B88968-D9F9-4FE1-80E9-9D252365E815}" srcOrd="1" destOrd="0" presId="urn:microsoft.com/office/officeart/2018/2/layout/IconVerticalSolidList"/>
+    <dgm:cxn modelId="{1FB76D9D-7A2F-48A0-92EC-0AE4FE352FBE}" type="presParOf" srcId="{1273307E-7B39-41AB-BAF7-A4B0957DB483}" destId="{69987CD1-A135-4C65-BCED-E8315B1F90BA}" srcOrd="2" destOrd="0" presId="urn:microsoft.com/office/officeart/2018/2/layout/IconVerticalSolidList"/>
+    <dgm:cxn modelId="{73A49C7A-BAF1-4F35-B325-06B9F5809B20}" type="presParOf" srcId="{1273307E-7B39-41AB-BAF7-A4B0957DB483}" destId="{36E7BDD8-5618-4FC3-A53F-018A419F4AC4}" srcOrd="3" destOrd="0" presId="urn:microsoft.com/office/officeart/2018/2/layout/IconVerticalSolidList"/>
+    <dgm:cxn modelId="{7ED6258B-AF51-419B-92A9-A6B1A69ECAC3}" type="presParOf" srcId="{953DABBF-D12A-4222-96DE-68FA80DAFE8D}" destId="{6D876BA5-D66E-4DEA-9BB1-54D40C5A36C0}" srcOrd="5" destOrd="0" presId="urn:microsoft.com/office/officeart/2018/2/layout/IconVerticalSolidList"/>
+    <dgm:cxn modelId="{805579DB-22B0-44F9-9958-E4AD993A794A}" type="presParOf" srcId="{953DABBF-D12A-4222-96DE-68FA80DAFE8D}" destId="{3442F176-0E89-483E-A5D4-106D39522BC0}" srcOrd="6" destOrd="0" presId="urn:microsoft.com/office/officeart/2018/2/layout/IconVerticalSolidList"/>
+    <dgm:cxn modelId="{FC4D0FCD-598B-4F97-9B1B-1ADC4510404F}" type="presParOf" srcId="{3442F176-0E89-483E-A5D4-106D39522BC0}" destId="{1B551B4D-4187-48B0-BA72-1D2D47018888}" srcOrd="0" destOrd="0" presId="urn:microsoft.com/office/officeart/2018/2/layout/IconVerticalSolidList"/>
+    <dgm:cxn modelId="{28D7C2FB-E7F1-434D-8EC3-0714D58A1346}" type="presParOf" srcId="{3442F176-0E89-483E-A5D4-106D39522BC0}" destId="{2238F1FC-E26D-453D-A783-E3DCD7685DC0}" srcOrd="1" destOrd="0" presId="urn:microsoft.com/office/officeart/2018/2/layout/IconVerticalSolidList"/>
+    <dgm:cxn modelId="{C8BC275D-9D64-46FA-9549-33BBFC488B8E}" type="presParOf" srcId="{3442F176-0E89-483E-A5D4-106D39522BC0}" destId="{89C5B049-C953-4E38-BD24-F3DAA6D8B115}" srcOrd="2" destOrd="0" presId="urn:microsoft.com/office/officeart/2018/2/layout/IconVerticalSolidList"/>
+    <dgm:cxn modelId="{FABAD1D0-1146-41AB-87A5-CAC752FEE932}" type="presParOf" srcId="{3442F176-0E89-483E-A5D4-106D39522BC0}" destId="{B69D0082-6059-47BF-93AD-14512DEC99DB}" srcOrd="3" destOrd="0" presId="urn:microsoft.com/office/officeart/2018/2/layout/IconVerticalSolidList"/>
+    <dgm:cxn modelId="{6B0F4AF0-9056-4ADF-B2D1-37A1D564158F}" type="presParOf" srcId="{953DABBF-D12A-4222-96DE-68FA80DAFE8D}" destId="{DBCCFB6B-0912-4374-A793-044E83728AFB}" srcOrd="7" destOrd="0" presId="urn:microsoft.com/office/officeart/2018/2/layout/IconVerticalSolidList"/>
+    <dgm:cxn modelId="{B44451B8-9CB2-45AF-A92A-419BCDE29654}" type="presParOf" srcId="{953DABBF-D12A-4222-96DE-68FA80DAFE8D}" destId="{B61F3778-8167-4DDF-80BF-5B012CB551D3}" srcOrd="8" destOrd="0" presId="urn:microsoft.com/office/officeart/2018/2/layout/IconVerticalSolidList"/>
+    <dgm:cxn modelId="{7D41BD89-85E2-4FE2-B236-4833B51C1FF5}" type="presParOf" srcId="{B61F3778-8167-4DDF-80BF-5B012CB551D3}" destId="{D949840E-18C9-4411-9652-2C74F0313870}" srcOrd="0" destOrd="0" presId="urn:microsoft.com/office/officeart/2018/2/layout/IconVerticalSolidList"/>
+    <dgm:cxn modelId="{7D5A76B8-7D0E-41B1-BD19-6F8D1ED187BC}" type="presParOf" srcId="{B61F3778-8167-4DDF-80BF-5B012CB551D3}" destId="{0DD8CEE0-ED4C-4AA7-8336-A5696934D682}" srcOrd="1" destOrd="0" presId="urn:microsoft.com/office/officeart/2018/2/layout/IconVerticalSolidList"/>
+    <dgm:cxn modelId="{882C4C35-2CD2-4A19-8FD2-03B7CAA9F801}" type="presParOf" srcId="{B61F3778-8167-4DDF-80BF-5B012CB551D3}" destId="{03B33C3C-1D34-46EB-B99F-E9E1FB49914B}" srcOrd="2" destOrd="0" presId="urn:microsoft.com/office/officeart/2018/2/layout/IconVerticalSolidList"/>
+    <dgm:cxn modelId="{6519EAA1-FB25-40F4-9B25-B9E2858183E8}" type="presParOf" srcId="{B61F3778-8167-4DDF-80BF-5B012CB551D3}" destId="{06E3D4A0-2A8A-4FF8-8247-EF91A9E96DC7}" srcOrd="3" destOrd="0" presId="urn:microsoft.com/office/officeart/2018/2/layout/IconVerticalSolidList"/>
+    <dgm:cxn modelId="{5A8C95DC-8A5C-471C-AD5F-3EA3C1B9AA68}" type="presParOf" srcId="{953DABBF-D12A-4222-96DE-68FA80DAFE8D}" destId="{3E3B0861-F3AF-4B18-A0C0-937B4ED8BE0E}" srcOrd="9" destOrd="0" presId="urn:microsoft.com/office/officeart/2018/2/layout/IconVerticalSolidList"/>
+    <dgm:cxn modelId="{8F72B90C-0D4D-4DE9-B07C-E9C300B10587}" type="presParOf" srcId="{953DABBF-D12A-4222-96DE-68FA80DAFE8D}" destId="{7C4D0F2E-8276-4D28-BD95-60C07726B018}" srcOrd="10" destOrd="0" presId="urn:microsoft.com/office/officeart/2018/2/layout/IconVerticalSolidList"/>
+    <dgm:cxn modelId="{D0DF71EF-F76A-4D87-ACBE-4F7C6B8E96E8}" type="presParOf" srcId="{7C4D0F2E-8276-4D28-BD95-60C07726B018}" destId="{DD372A80-C85B-47DA-B70D-B71F0BF9389D}" srcOrd="0" destOrd="0" presId="urn:microsoft.com/office/officeart/2018/2/layout/IconVerticalSolidList"/>
+    <dgm:cxn modelId="{84CA0C0F-DD52-4217-AEF8-E3132DD8193D}" type="presParOf" srcId="{7C4D0F2E-8276-4D28-BD95-60C07726B018}" destId="{1E42162B-62E0-4533-B85A-50EA595FF885}" srcOrd="1" destOrd="0" presId="urn:microsoft.com/office/officeart/2018/2/layout/IconVerticalSolidList"/>
+    <dgm:cxn modelId="{1312AF3B-1692-46D6-85B3-6C720EE86010}" type="presParOf" srcId="{7C4D0F2E-8276-4D28-BD95-60C07726B018}" destId="{8F495146-19CD-4658-8DEC-210E8BC6B09F}" srcOrd="2" destOrd="0" presId="urn:microsoft.com/office/officeart/2018/2/layout/IconVerticalSolidList"/>
+    <dgm:cxn modelId="{3181B780-149B-4C90-A064-9D5C07BF6DD0}" type="presParOf" srcId="{7C4D0F2E-8276-4D28-BD95-60C07726B018}" destId="{B17FFBB9-5235-43DC-9D1A-55E433315F09}" srcOrd="3" destOrd="0" presId="urn:microsoft.com/office/officeart/2018/2/layout/IconVerticalSolidList"/>
+    <dgm:cxn modelId="{F6F16F90-5548-4528-835F-5A5E39670B46}" type="presParOf" srcId="{953DABBF-D12A-4222-96DE-68FA80DAFE8D}" destId="{43D222B7-3DE0-45EB-825C-7CC9CC293E16}" srcOrd="11" destOrd="0" presId="urn:microsoft.com/office/officeart/2018/2/layout/IconVerticalSolidList"/>
+    <dgm:cxn modelId="{2E10BB23-40AE-4A57-8B30-C016249A27BB}" type="presParOf" srcId="{953DABBF-D12A-4222-96DE-68FA80DAFE8D}" destId="{2E728837-3C39-4B9B-ABB5-052720D88437}" srcOrd="12" destOrd="0" presId="urn:microsoft.com/office/officeart/2018/2/layout/IconVerticalSolidList"/>
+    <dgm:cxn modelId="{54BB08FC-6E3F-41B5-BA9B-BBD9BC674166}" type="presParOf" srcId="{2E728837-3C39-4B9B-ABB5-052720D88437}" destId="{1AC7FEFA-8B65-4532-AE53-B804C4EA61C7}" srcOrd="0" destOrd="0" presId="urn:microsoft.com/office/officeart/2018/2/layout/IconVerticalSolidList"/>
+    <dgm:cxn modelId="{87CA8871-CA77-4710-BC1B-7966502A7F18}" type="presParOf" srcId="{2E728837-3C39-4B9B-ABB5-052720D88437}" destId="{C35AC7F8-D150-44F3-96E0-7DCE774EEAD9}" srcOrd="1" destOrd="0" presId="urn:microsoft.com/office/officeart/2018/2/layout/IconVerticalSolidList"/>
+    <dgm:cxn modelId="{42213D1B-7661-4768-AFCF-4C047FD5AE3F}" type="presParOf" srcId="{2E728837-3C39-4B9B-ABB5-052720D88437}" destId="{D64E3506-4E5D-446E-9C1F-A5D5CC25201A}" srcOrd="2" destOrd="0" presId="urn:microsoft.com/office/officeart/2018/2/layout/IconVerticalSolidList"/>
+    <dgm:cxn modelId="{27957A62-E2F9-4289-A65C-8432ADB36B71}" type="presParOf" srcId="{2E728837-3C39-4B9B-ABB5-052720D88437}" destId="{0D6BC204-85DB-432F-AFA6-9F3BD82191C5}" srcOrd="3" destOrd="0" presId="urn:microsoft.com/office/officeart/2018/2/layout/IconVerticalSolidList"/>
+    <dgm:cxn modelId="{4B0DFBE2-EFA2-406E-9DC0-EF42989286A2}" type="presParOf" srcId="{953DABBF-D12A-4222-96DE-68FA80DAFE8D}" destId="{2A490F5A-B293-4D0A-9D40-C6B1B145EFB9}" srcOrd="13" destOrd="0" presId="urn:microsoft.com/office/officeart/2018/2/layout/IconVerticalSolidList"/>
+    <dgm:cxn modelId="{F72D5C66-A998-4E3C-B643-9BC8F4CAB170}" type="presParOf" srcId="{953DABBF-D12A-4222-96DE-68FA80DAFE8D}" destId="{212C803A-82A9-4C8C-8917-80DC7B50BA7D}" srcOrd="14" destOrd="0" presId="urn:microsoft.com/office/officeart/2018/2/layout/IconVerticalSolidList"/>
+    <dgm:cxn modelId="{E0E1F35A-B72B-441E-B6A4-378A76A65DDF}" type="presParOf" srcId="{212C803A-82A9-4C8C-8917-80DC7B50BA7D}" destId="{6A2CDADC-7750-42CB-97C8-7F1A59318EDE}" srcOrd="0" destOrd="0" presId="urn:microsoft.com/office/officeart/2018/2/layout/IconVerticalSolidList"/>
+    <dgm:cxn modelId="{EB84A44A-7601-42A3-9A0E-4A36C9839B52}" type="presParOf" srcId="{212C803A-82A9-4C8C-8917-80DC7B50BA7D}" destId="{1AAC9D6C-A11F-4C4F-807A-7119F8053F89}" srcOrd="1" destOrd="0" presId="urn:microsoft.com/office/officeart/2018/2/layout/IconVerticalSolidList"/>
+    <dgm:cxn modelId="{A25563DE-9BA3-47A7-BC69-BDC197905639}" type="presParOf" srcId="{212C803A-82A9-4C8C-8917-80DC7B50BA7D}" destId="{99E5F23B-4FE6-4357-BF0E-C2AA24895F5C}" srcOrd="2" destOrd="0" presId="urn:microsoft.com/office/officeart/2018/2/layout/IconVerticalSolidList"/>
+    <dgm:cxn modelId="{8B0AF3B9-B397-499A-873F-08FA6BCA2354}" type="presParOf" srcId="{212C803A-82A9-4C8C-8917-80DC7B50BA7D}" destId="{8B9394E5-D21D-4B07-9AC2-2193898D4C7F}" srcOrd="3" destOrd="0" presId="urn:microsoft.com/office/officeart/2018/2/layout/IconVerticalSolidList"/>
+  </dgm:cxnLst>
+  <dgm:bg/>
+  <dgm:whole/>
+  <dgm:extLst>
+    <a:ext uri="http://schemas.microsoft.com/office/drawing/2008/diagram">
+      <dsp:dataModelExt xmlns:dsp="http://schemas.microsoft.com/office/drawing/2008/diagram" relId="rId6" minVer="http://schemas.openxmlformats.org/drawingml/2006/diagram"/>
+    </a:ext>
+  </dgm:extLst>
+</dgm:dataModel>
+</file>
+
+<file path=ppt/diagrams/data2.xml><?xml version="1.0" encoding="utf-8"?>
+<dgm:dataModel xmlns:dgm="http://schemas.openxmlformats.org/drawingml/2006/diagram" xmlns:a="http://schemas.openxmlformats.org/drawingml/2006/main">
+  <dgm:ptLst>
     <dgm:pt modelId="{4BB3E280-F39E-4E55-956D-B2E035E276DC}" type="doc">
       <dgm:prSet loTypeId="urn:microsoft.com/office/officeart/2018/5/layout/IconLeafLabelList" loCatId="icon" qsTypeId="urn:microsoft.com/office/officeart/2005/8/quickstyle/simple1" qsCatId="simple" csTypeId="urn:microsoft.com/office/officeart/2018/5/colors/Iconchunking_coloredtext_colorful1" csCatId="colorful" phldr="1"/>
       <dgm:spPr/>
@@ -1421,6 +3022,1242 @@
       <dsp:cNvGrpSpPr/>
     </dsp:nvGrpSpPr>
     <dsp:grpSpPr/>
+    <dsp:sp modelId="{151455EF-A067-4A1A-BC4B-763F8EF3B5D3}">
+      <dsp:nvSpPr>
+        <dsp:cNvPr id="0" name=""/>
+        <dsp:cNvSpPr/>
+      </dsp:nvSpPr>
+      <dsp:spPr>
+        <a:xfrm>
+          <a:off x="0" y="673"/>
+          <a:ext cx="6364224" cy="565383"/>
+        </a:xfrm>
+        <a:prstGeom prst="roundRect">
+          <a:avLst>
+            <a:gd name="adj" fmla="val 10000"/>
+          </a:avLst>
+        </a:prstGeom>
+        <a:solidFill>
+          <a:schemeClr val="bg1">
+            <a:lumMod val="95000"/>
+            <a:hueOff val="0"/>
+            <a:satOff val="0"/>
+            <a:lumOff val="0"/>
+            <a:alphaOff val="0"/>
+          </a:schemeClr>
+        </a:solidFill>
+        <a:ln>
+          <a:noFill/>
+        </a:ln>
+        <a:effectLst/>
+      </dsp:spPr>
+      <dsp:style>
+        <a:lnRef idx="0">
+          <a:scrgbClr r="0" g="0" b="0"/>
+        </a:lnRef>
+        <a:fillRef idx="1">
+          <a:scrgbClr r="0" g="0" b="0"/>
+        </a:fillRef>
+        <a:effectRef idx="0">
+          <a:scrgbClr r="0" g="0" b="0"/>
+        </a:effectRef>
+        <a:fontRef idx="minor"/>
+      </dsp:style>
+    </dsp:sp>
+    <dsp:sp modelId="{64134F0D-2CF8-42C6-8B48-BF8BAEB6F408}">
+      <dsp:nvSpPr>
+        <dsp:cNvPr id="0" name=""/>
+        <dsp:cNvSpPr/>
+      </dsp:nvSpPr>
+      <dsp:spPr>
+        <a:xfrm>
+          <a:off x="171028" y="127884"/>
+          <a:ext cx="310960" cy="310960"/>
+        </a:xfrm>
+        <a:prstGeom prst="rect">
+          <a:avLst/>
+        </a:prstGeom>
+        <a:blipFill>
+          <a:blip xmlns:r="http://schemas.openxmlformats.org/officeDocument/2006/relationships" r:embed="rId1">
+            <a:extLst>
+              <a:ext uri="{28A0092B-C50C-407E-A947-70E740481C1C}">
+                <a14:useLocalDpi xmlns:a14="http://schemas.microsoft.com/office/drawing/2010/main" val="0"/>
+              </a:ext>
+              <a:ext uri="{96DAC541-7B7A-43D3-8B79-37D633B846F1}">
+                <asvg:svgBlip xmlns:asvg="http://schemas.microsoft.com/office/drawing/2016/SVG/main" r:embed="rId2"/>
+              </a:ext>
+            </a:extLst>
+          </a:blip>
+          <a:stretch>
+            <a:fillRect/>
+          </a:stretch>
+        </a:blipFill>
+        <a:ln w="12700" cap="flat" cmpd="sng" algn="ctr">
+          <a:noFill/>
+          <a:prstDash val="solid"/>
+          <a:miter lim="800000"/>
+        </a:ln>
+        <a:effectLst/>
+      </dsp:spPr>
+      <dsp:style>
+        <a:lnRef idx="2">
+          <a:scrgbClr r="0" g="0" b="0"/>
+        </a:lnRef>
+        <a:fillRef idx="1">
+          <a:scrgbClr r="0" g="0" b="0"/>
+        </a:fillRef>
+        <a:effectRef idx="0">
+          <a:scrgbClr r="0" g="0" b="0"/>
+        </a:effectRef>
+        <a:fontRef idx="minor">
+          <a:schemeClr val="lt1"/>
+        </a:fontRef>
+      </dsp:style>
+    </dsp:sp>
+    <dsp:sp modelId="{A0FF6FF0-9F0A-4470-B20C-38482C4F7CD6}">
+      <dsp:nvSpPr>
+        <dsp:cNvPr id="0" name=""/>
+        <dsp:cNvSpPr/>
+      </dsp:nvSpPr>
+      <dsp:spPr>
+        <a:xfrm>
+          <a:off x="653017" y="673"/>
+          <a:ext cx="5711206" cy="565383"/>
+        </a:xfrm>
+        <a:prstGeom prst="rect">
+          <a:avLst/>
+        </a:prstGeom>
+        <a:noFill/>
+        <a:ln>
+          <a:noFill/>
+        </a:ln>
+        <a:effectLst/>
+      </dsp:spPr>
+      <dsp:style>
+        <a:lnRef idx="0">
+          <a:scrgbClr r="0" g="0" b="0"/>
+        </a:lnRef>
+        <a:fillRef idx="0">
+          <a:scrgbClr r="0" g="0" b="0"/>
+        </a:fillRef>
+        <a:effectRef idx="0">
+          <a:scrgbClr r="0" g="0" b="0"/>
+        </a:effectRef>
+        <a:fontRef idx="minor"/>
+      </dsp:style>
+      <dsp:txBody>
+        <a:bodyPr spcFirstLastPara="0" vert="horz" wrap="square" lIns="59836" tIns="59836" rIns="59836" bIns="59836" numCol="1" spcCol="1270" anchor="ctr" anchorCtr="0">
+          <a:noAutofit/>
+        </a:bodyPr>
+        <a:lstStyle/>
+        <a:p>
+          <a:pPr marL="0" lvl="0" indent="0" algn="l" defTabSz="711200">
+            <a:lnSpc>
+              <a:spcPct val="90000"/>
+            </a:lnSpc>
+            <a:spcBef>
+              <a:spcPct val="0"/>
+            </a:spcBef>
+            <a:spcAft>
+              <a:spcPct val="35000"/>
+            </a:spcAft>
+            <a:buNone/>
+          </a:pPr>
+          <a:r>
+            <a:rPr lang="en-US" sz="1600" b="1" kern="1200"/>
+            <a:t>History of Module Federation</a:t>
+          </a:r>
+          <a:endParaRPr lang="en-US" sz="1600" kern="1200"/>
+        </a:p>
+      </dsp:txBody>
+      <dsp:txXfrm>
+        <a:off x="653017" y="673"/>
+        <a:ext cx="5711206" cy="565383"/>
+      </dsp:txXfrm>
+    </dsp:sp>
+    <dsp:sp modelId="{20ACD798-EB77-4481-A374-3FCCD7E79689}">
+      <dsp:nvSpPr>
+        <dsp:cNvPr id="0" name=""/>
+        <dsp:cNvSpPr/>
+      </dsp:nvSpPr>
+      <dsp:spPr>
+        <a:xfrm>
+          <a:off x="0" y="707402"/>
+          <a:ext cx="6364224" cy="565383"/>
+        </a:xfrm>
+        <a:prstGeom prst="roundRect">
+          <a:avLst>
+            <a:gd name="adj" fmla="val 10000"/>
+          </a:avLst>
+        </a:prstGeom>
+        <a:solidFill>
+          <a:schemeClr val="bg1">
+            <a:lumMod val="95000"/>
+            <a:hueOff val="0"/>
+            <a:satOff val="0"/>
+            <a:lumOff val="0"/>
+            <a:alphaOff val="0"/>
+          </a:schemeClr>
+        </a:solidFill>
+        <a:ln>
+          <a:noFill/>
+        </a:ln>
+        <a:effectLst/>
+      </dsp:spPr>
+      <dsp:style>
+        <a:lnRef idx="0">
+          <a:scrgbClr r="0" g="0" b="0"/>
+        </a:lnRef>
+        <a:fillRef idx="1">
+          <a:scrgbClr r="0" g="0" b="0"/>
+        </a:fillRef>
+        <a:effectRef idx="0">
+          <a:scrgbClr r="0" g="0" b="0"/>
+        </a:effectRef>
+        <a:fontRef idx="minor"/>
+      </dsp:style>
+    </dsp:sp>
+    <dsp:sp modelId="{2DCC11FE-CB48-4606-9964-FF39B3760049}">
+      <dsp:nvSpPr>
+        <dsp:cNvPr id="0" name=""/>
+        <dsp:cNvSpPr/>
+      </dsp:nvSpPr>
+      <dsp:spPr>
+        <a:xfrm>
+          <a:off x="171028" y="834613"/>
+          <a:ext cx="310960" cy="310960"/>
+        </a:xfrm>
+        <a:prstGeom prst="rect">
+          <a:avLst/>
+        </a:prstGeom>
+        <a:blipFill>
+          <a:blip xmlns:r="http://schemas.openxmlformats.org/officeDocument/2006/relationships" r:embed="rId3">
+            <a:extLst>
+              <a:ext uri="{28A0092B-C50C-407E-A947-70E740481C1C}">
+                <a14:useLocalDpi xmlns:a14="http://schemas.microsoft.com/office/drawing/2010/main" val="0"/>
+              </a:ext>
+              <a:ext uri="{96DAC541-7B7A-43D3-8B79-37D633B846F1}">
+                <asvg:svgBlip xmlns:asvg="http://schemas.microsoft.com/office/drawing/2016/SVG/main" r:embed="rId4"/>
+              </a:ext>
+            </a:extLst>
+          </a:blip>
+          <a:stretch>
+            <a:fillRect/>
+          </a:stretch>
+        </a:blipFill>
+        <a:ln w="12700" cap="flat" cmpd="sng" algn="ctr">
+          <a:noFill/>
+          <a:prstDash val="solid"/>
+          <a:miter lim="800000"/>
+        </a:ln>
+        <a:effectLst/>
+      </dsp:spPr>
+      <dsp:style>
+        <a:lnRef idx="2">
+          <a:scrgbClr r="0" g="0" b="0"/>
+        </a:lnRef>
+        <a:fillRef idx="1">
+          <a:scrgbClr r="0" g="0" b="0"/>
+        </a:fillRef>
+        <a:effectRef idx="0">
+          <a:scrgbClr r="0" g="0" b="0"/>
+        </a:effectRef>
+        <a:fontRef idx="minor">
+          <a:schemeClr val="lt1"/>
+        </a:fontRef>
+      </dsp:style>
+    </dsp:sp>
+    <dsp:sp modelId="{4BFDF471-3BA9-4522-A8CD-0C11E85244BB}">
+      <dsp:nvSpPr>
+        <dsp:cNvPr id="0" name=""/>
+        <dsp:cNvSpPr/>
+      </dsp:nvSpPr>
+      <dsp:spPr>
+        <a:xfrm>
+          <a:off x="653017" y="707402"/>
+          <a:ext cx="5711206" cy="565383"/>
+        </a:xfrm>
+        <a:prstGeom prst="rect">
+          <a:avLst/>
+        </a:prstGeom>
+        <a:noFill/>
+        <a:ln>
+          <a:noFill/>
+        </a:ln>
+        <a:effectLst/>
+      </dsp:spPr>
+      <dsp:style>
+        <a:lnRef idx="0">
+          <a:scrgbClr r="0" g="0" b="0"/>
+        </a:lnRef>
+        <a:fillRef idx="0">
+          <a:scrgbClr r="0" g="0" b="0"/>
+        </a:fillRef>
+        <a:effectRef idx="0">
+          <a:scrgbClr r="0" g="0" b="0"/>
+        </a:effectRef>
+        <a:fontRef idx="minor"/>
+      </dsp:style>
+      <dsp:txBody>
+        <a:bodyPr spcFirstLastPara="0" vert="horz" wrap="square" lIns="59836" tIns="59836" rIns="59836" bIns="59836" numCol="1" spcCol="1270" anchor="ctr" anchorCtr="0">
+          <a:noAutofit/>
+        </a:bodyPr>
+        <a:lstStyle/>
+        <a:p>
+          <a:pPr marL="0" lvl="0" indent="0" algn="l" defTabSz="711200">
+            <a:lnSpc>
+              <a:spcPct val="90000"/>
+            </a:lnSpc>
+            <a:spcBef>
+              <a:spcPct val="0"/>
+            </a:spcBef>
+            <a:spcAft>
+              <a:spcPct val="35000"/>
+            </a:spcAft>
+            <a:buNone/>
+          </a:pPr>
+          <a:r>
+            <a:rPr lang="en-US" sz="1600" b="1" kern="1200"/>
+            <a:t>What is Module Federation</a:t>
+          </a:r>
+          <a:endParaRPr lang="en-US" sz="1600" kern="1200"/>
+        </a:p>
+      </dsp:txBody>
+      <dsp:txXfrm>
+        <a:off x="653017" y="707402"/>
+        <a:ext cx="5711206" cy="565383"/>
+      </dsp:txXfrm>
+    </dsp:sp>
+    <dsp:sp modelId="{BB678E43-7ACC-4772-9FBF-A3158788F1DB}">
+      <dsp:nvSpPr>
+        <dsp:cNvPr id="0" name=""/>
+        <dsp:cNvSpPr/>
+      </dsp:nvSpPr>
+      <dsp:spPr>
+        <a:xfrm>
+          <a:off x="0" y="1414130"/>
+          <a:ext cx="6364224" cy="565383"/>
+        </a:xfrm>
+        <a:prstGeom prst="roundRect">
+          <a:avLst>
+            <a:gd name="adj" fmla="val 10000"/>
+          </a:avLst>
+        </a:prstGeom>
+        <a:solidFill>
+          <a:schemeClr val="bg1">
+            <a:lumMod val="95000"/>
+            <a:hueOff val="0"/>
+            <a:satOff val="0"/>
+            <a:lumOff val="0"/>
+            <a:alphaOff val="0"/>
+          </a:schemeClr>
+        </a:solidFill>
+        <a:ln>
+          <a:noFill/>
+        </a:ln>
+        <a:effectLst/>
+      </dsp:spPr>
+      <dsp:style>
+        <a:lnRef idx="0">
+          <a:scrgbClr r="0" g="0" b="0"/>
+        </a:lnRef>
+        <a:fillRef idx="1">
+          <a:scrgbClr r="0" g="0" b="0"/>
+        </a:fillRef>
+        <a:effectRef idx="0">
+          <a:scrgbClr r="0" g="0" b="0"/>
+        </a:effectRef>
+        <a:fontRef idx="minor"/>
+      </dsp:style>
+    </dsp:sp>
+    <dsp:sp modelId="{39B88968-D9F9-4FE1-80E9-9D252365E815}">
+      <dsp:nvSpPr>
+        <dsp:cNvPr id="0" name=""/>
+        <dsp:cNvSpPr/>
+      </dsp:nvSpPr>
+      <dsp:spPr>
+        <a:xfrm>
+          <a:off x="171028" y="1541342"/>
+          <a:ext cx="310960" cy="310960"/>
+        </a:xfrm>
+        <a:prstGeom prst="rect">
+          <a:avLst/>
+        </a:prstGeom>
+        <a:blipFill>
+          <a:blip xmlns:r="http://schemas.openxmlformats.org/officeDocument/2006/relationships" r:embed="rId5">
+            <a:extLst>
+              <a:ext uri="{28A0092B-C50C-407E-A947-70E740481C1C}">
+                <a14:useLocalDpi xmlns:a14="http://schemas.microsoft.com/office/drawing/2010/main" val="0"/>
+              </a:ext>
+              <a:ext uri="{96DAC541-7B7A-43D3-8B79-37D633B846F1}">
+                <asvg:svgBlip xmlns:asvg="http://schemas.microsoft.com/office/drawing/2016/SVG/main" r:embed="rId6"/>
+              </a:ext>
+            </a:extLst>
+          </a:blip>
+          <a:stretch>
+            <a:fillRect/>
+          </a:stretch>
+        </a:blipFill>
+        <a:ln w="12700" cap="flat" cmpd="sng" algn="ctr">
+          <a:noFill/>
+          <a:prstDash val="solid"/>
+          <a:miter lim="800000"/>
+        </a:ln>
+        <a:effectLst/>
+      </dsp:spPr>
+      <dsp:style>
+        <a:lnRef idx="2">
+          <a:scrgbClr r="0" g="0" b="0"/>
+        </a:lnRef>
+        <a:fillRef idx="1">
+          <a:scrgbClr r="0" g="0" b="0"/>
+        </a:fillRef>
+        <a:effectRef idx="0">
+          <a:scrgbClr r="0" g="0" b="0"/>
+        </a:effectRef>
+        <a:fontRef idx="minor">
+          <a:schemeClr val="lt1"/>
+        </a:fontRef>
+      </dsp:style>
+    </dsp:sp>
+    <dsp:sp modelId="{36E7BDD8-5618-4FC3-A53F-018A419F4AC4}">
+      <dsp:nvSpPr>
+        <dsp:cNvPr id="0" name=""/>
+        <dsp:cNvSpPr/>
+      </dsp:nvSpPr>
+      <dsp:spPr>
+        <a:xfrm>
+          <a:off x="653017" y="1414130"/>
+          <a:ext cx="5711206" cy="565383"/>
+        </a:xfrm>
+        <a:prstGeom prst="rect">
+          <a:avLst/>
+        </a:prstGeom>
+        <a:noFill/>
+        <a:ln>
+          <a:noFill/>
+        </a:ln>
+        <a:effectLst/>
+      </dsp:spPr>
+      <dsp:style>
+        <a:lnRef idx="0">
+          <a:scrgbClr r="0" g="0" b="0"/>
+        </a:lnRef>
+        <a:fillRef idx="0">
+          <a:scrgbClr r="0" g="0" b="0"/>
+        </a:fillRef>
+        <a:effectRef idx="0">
+          <a:scrgbClr r="0" g="0" b="0"/>
+        </a:effectRef>
+        <a:fontRef idx="minor"/>
+      </dsp:style>
+      <dsp:txBody>
+        <a:bodyPr spcFirstLastPara="0" vert="horz" wrap="square" lIns="59836" tIns="59836" rIns="59836" bIns="59836" numCol="1" spcCol="1270" anchor="ctr" anchorCtr="0">
+          <a:noAutofit/>
+        </a:bodyPr>
+        <a:lstStyle/>
+        <a:p>
+          <a:pPr marL="0" lvl="0" indent="0" algn="l" defTabSz="711200">
+            <a:lnSpc>
+              <a:spcPct val="90000"/>
+            </a:lnSpc>
+            <a:spcBef>
+              <a:spcPct val="0"/>
+            </a:spcBef>
+            <a:spcAft>
+              <a:spcPct val="35000"/>
+            </a:spcAft>
+            <a:buNone/>
+          </a:pPr>
+          <a:r>
+            <a:rPr lang="en-US" sz="1600" b="1" kern="1200"/>
+            <a:t>How It Works</a:t>
+          </a:r>
+          <a:endParaRPr lang="en-US" sz="1600" kern="1200"/>
+        </a:p>
+      </dsp:txBody>
+      <dsp:txXfrm>
+        <a:off x="653017" y="1414130"/>
+        <a:ext cx="5711206" cy="565383"/>
+      </dsp:txXfrm>
+    </dsp:sp>
+    <dsp:sp modelId="{1B551B4D-4187-48B0-BA72-1D2D47018888}">
+      <dsp:nvSpPr>
+        <dsp:cNvPr id="0" name=""/>
+        <dsp:cNvSpPr/>
+      </dsp:nvSpPr>
+      <dsp:spPr>
+        <a:xfrm>
+          <a:off x="0" y="2120859"/>
+          <a:ext cx="6364224" cy="565383"/>
+        </a:xfrm>
+        <a:prstGeom prst="roundRect">
+          <a:avLst>
+            <a:gd name="adj" fmla="val 10000"/>
+          </a:avLst>
+        </a:prstGeom>
+        <a:solidFill>
+          <a:schemeClr val="bg1">
+            <a:lumMod val="95000"/>
+            <a:hueOff val="0"/>
+            <a:satOff val="0"/>
+            <a:lumOff val="0"/>
+            <a:alphaOff val="0"/>
+          </a:schemeClr>
+        </a:solidFill>
+        <a:ln>
+          <a:noFill/>
+        </a:ln>
+        <a:effectLst/>
+      </dsp:spPr>
+      <dsp:style>
+        <a:lnRef idx="0">
+          <a:scrgbClr r="0" g="0" b="0"/>
+        </a:lnRef>
+        <a:fillRef idx="1">
+          <a:scrgbClr r="0" g="0" b="0"/>
+        </a:fillRef>
+        <a:effectRef idx="0">
+          <a:scrgbClr r="0" g="0" b="0"/>
+        </a:effectRef>
+        <a:fontRef idx="minor"/>
+      </dsp:style>
+    </dsp:sp>
+    <dsp:sp modelId="{2238F1FC-E26D-453D-A783-E3DCD7685DC0}">
+      <dsp:nvSpPr>
+        <dsp:cNvPr id="0" name=""/>
+        <dsp:cNvSpPr/>
+      </dsp:nvSpPr>
+      <dsp:spPr>
+        <a:xfrm>
+          <a:off x="171028" y="2248071"/>
+          <a:ext cx="310960" cy="310960"/>
+        </a:xfrm>
+        <a:prstGeom prst="rect">
+          <a:avLst/>
+        </a:prstGeom>
+        <a:blipFill>
+          <a:blip xmlns:r="http://schemas.openxmlformats.org/officeDocument/2006/relationships" r:embed="rId7">
+            <a:extLst>
+              <a:ext uri="{28A0092B-C50C-407E-A947-70E740481C1C}">
+                <a14:useLocalDpi xmlns:a14="http://schemas.microsoft.com/office/drawing/2010/main" val="0"/>
+              </a:ext>
+              <a:ext uri="{96DAC541-7B7A-43D3-8B79-37D633B846F1}">
+                <asvg:svgBlip xmlns:asvg="http://schemas.microsoft.com/office/drawing/2016/SVG/main" r:embed="rId8"/>
+              </a:ext>
+            </a:extLst>
+          </a:blip>
+          <a:stretch>
+            <a:fillRect/>
+          </a:stretch>
+        </a:blipFill>
+        <a:ln w="12700" cap="flat" cmpd="sng" algn="ctr">
+          <a:noFill/>
+          <a:prstDash val="solid"/>
+          <a:miter lim="800000"/>
+        </a:ln>
+        <a:effectLst/>
+      </dsp:spPr>
+      <dsp:style>
+        <a:lnRef idx="2">
+          <a:scrgbClr r="0" g="0" b="0"/>
+        </a:lnRef>
+        <a:fillRef idx="1">
+          <a:scrgbClr r="0" g="0" b="0"/>
+        </a:fillRef>
+        <a:effectRef idx="0">
+          <a:scrgbClr r="0" g="0" b="0"/>
+        </a:effectRef>
+        <a:fontRef idx="minor">
+          <a:schemeClr val="lt1"/>
+        </a:fontRef>
+      </dsp:style>
+    </dsp:sp>
+    <dsp:sp modelId="{B69D0082-6059-47BF-93AD-14512DEC99DB}">
+      <dsp:nvSpPr>
+        <dsp:cNvPr id="0" name=""/>
+        <dsp:cNvSpPr/>
+      </dsp:nvSpPr>
+      <dsp:spPr>
+        <a:xfrm>
+          <a:off x="653017" y="2120859"/>
+          <a:ext cx="5711206" cy="565383"/>
+        </a:xfrm>
+        <a:prstGeom prst="rect">
+          <a:avLst/>
+        </a:prstGeom>
+        <a:noFill/>
+        <a:ln>
+          <a:noFill/>
+        </a:ln>
+        <a:effectLst/>
+      </dsp:spPr>
+      <dsp:style>
+        <a:lnRef idx="0">
+          <a:scrgbClr r="0" g="0" b="0"/>
+        </a:lnRef>
+        <a:fillRef idx="0">
+          <a:scrgbClr r="0" g="0" b="0"/>
+        </a:fillRef>
+        <a:effectRef idx="0">
+          <a:scrgbClr r="0" g="0" b="0"/>
+        </a:effectRef>
+        <a:fontRef idx="minor"/>
+      </dsp:style>
+      <dsp:txBody>
+        <a:bodyPr spcFirstLastPara="0" vert="horz" wrap="square" lIns="59836" tIns="59836" rIns="59836" bIns="59836" numCol="1" spcCol="1270" anchor="ctr" anchorCtr="0">
+          <a:noAutofit/>
+        </a:bodyPr>
+        <a:lstStyle/>
+        <a:p>
+          <a:pPr marL="0" lvl="0" indent="0" algn="l" defTabSz="711200">
+            <a:lnSpc>
+              <a:spcPct val="90000"/>
+            </a:lnSpc>
+            <a:spcBef>
+              <a:spcPct val="0"/>
+            </a:spcBef>
+            <a:spcAft>
+              <a:spcPct val="35000"/>
+            </a:spcAft>
+            <a:buNone/>
+          </a:pPr>
+          <a:r>
+            <a:rPr lang="en-US" sz="1600" b="1" kern="1200"/>
+            <a:t>Relationship between Module Federation and Micro-Frontends</a:t>
+          </a:r>
+          <a:endParaRPr lang="en-US" sz="1600" kern="1200"/>
+        </a:p>
+      </dsp:txBody>
+      <dsp:txXfrm>
+        <a:off x="653017" y="2120859"/>
+        <a:ext cx="5711206" cy="565383"/>
+      </dsp:txXfrm>
+    </dsp:sp>
+    <dsp:sp modelId="{D949840E-18C9-4411-9652-2C74F0313870}">
+      <dsp:nvSpPr>
+        <dsp:cNvPr id="0" name=""/>
+        <dsp:cNvSpPr/>
+      </dsp:nvSpPr>
+      <dsp:spPr>
+        <a:xfrm>
+          <a:off x="0" y="2827588"/>
+          <a:ext cx="6364224" cy="565383"/>
+        </a:xfrm>
+        <a:prstGeom prst="roundRect">
+          <a:avLst>
+            <a:gd name="adj" fmla="val 10000"/>
+          </a:avLst>
+        </a:prstGeom>
+        <a:solidFill>
+          <a:schemeClr val="bg1">
+            <a:lumMod val="95000"/>
+            <a:hueOff val="0"/>
+            <a:satOff val="0"/>
+            <a:lumOff val="0"/>
+            <a:alphaOff val="0"/>
+          </a:schemeClr>
+        </a:solidFill>
+        <a:ln>
+          <a:noFill/>
+        </a:ln>
+        <a:effectLst/>
+      </dsp:spPr>
+      <dsp:style>
+        <a:lnRef idx="0">
+          <a:scrgbClr r="0" g="0" b="0"/>
+        </a:lnRef>
+        <a:fillRef idx="1">
+          <a:scrgbClr r="0" g="0" b="0"/>
+        </a:fillRef>
+        <a:effectRef idx="0">
+          <a:scrgbClr r="0" g="0" b="0"/>
+        </a:effectRef>
+        <a:fontRef idx="minor"/>
+      </dsp:style>
+    </dsp:sp>
+    <dsp:sp modelId="{0DD8CEE0-ED4C-4AA7-8336-A5696934D682}">
+      <dsp:nvSpPr>
+        <dsp:cNvPr id="0" name=""/>
+        <dsp:cNvSpPr/>
+      </dsp:nvSpPr>
+      <dsp:spPr>
+        <a:xfrm>
+          <a:off x="171028" y="2954800"/>
+          <a:ext cx="310960" cy="310960"/>
+        </a:xfrm>
+        <a:prstGeom prst="rect">
+          <a:avLst/>
+        </a:prstGeom>
+        <a:blipFill>
+          <a:blip xmlns:r="http://schemas.openxmlformats.org/officeDocument/2006/relationships" r:embed="rId9">
+            <a:extLst>
+              <a:ext uri="{28A0092B-C50C-407E-A947-70E740481C1C}">
+                <a14:useLocalDpi xmlns:a14="http://schemas.microsoft.com/office/drawing/2010/main" val="0"/>
+              </a:ext>
+              <a:ext uri="{96DAC541-7B7A-43D3-8B79-37D633B846F1}">
+                <asvg:svgBlip xmlns:asvg="http://schemas.microsoft.com/office/drawing/2016/SVG/main" r:embed="rId10"/>
+              </a:ext>
+            </a:extLst>
+          </a:blip>
+          <a:stretch>
+            <a:fillRect/>
+          </a:stretch>
+        </a:blipFill>
+        <a:ln w="12700" cap="flat" cmpd="sng" algn="ctr">
+          <a:noFill/>
+          <a:prstDash val="solid"/>
+          <a:miter lim="800000"/>
+        </a:ln>
+        <a:effectLst/>
+      </dsp:spPr>
+      <dsp:style>
+        <a:lnRef idx="2">
+          <a:scrgbClr r="0" g="0" b="0"/>
+        </a:lnRef>
+        <a:fillRef idx="1">
+          <a:scrgbClr r="0" g="0" b="0"/>
+        </a:fillRef>
+        <a:effectRef idx="0">
+          <a:scrgbClr r="0" g="0" b="0"/>
+        </a:effectRef>
+        <a:fontRef idx="minor">
+          <a:schemeClr val="lt1"/>
+        </a:fontRef>
+      </dsp:style>
+    </dsp:sp>
+    <dsp:sp modelId="{06E3D4A0-2A8A-4FF8-8247-EF91A9E96DC7}">
+      <dsp:nvSpPr>
+        <dsp:cNvPr id="0" name=""/>
+        <dsp:cNvSpPr/>
+      </dsp:nvSpPr>
+      <dsp:spPr>
+        <a:xfrm>
+          <a:off x="653017" y="2827588"/>
+          <a:ext cx="5711206" cy="565383"/>
+        </a:xfrm>
+        <a:prstGeom prst="rect">
+          <a:avLst/>
+        </a:prstGeom>
+        <a:noFill/>
+        <a:ln>
+          <a:noFill/>
+        </a:ln>
+        <a:effectLst/>
+      </dsp:spPr>
+      <dsp:style>
+        <a:lnRef idx="0">
+          <a:scrgbClr r="0" g="0" b="0"/>
+        </a:lnRef>
+        <a:fillRef idx="0">
+          <a:scrgbClr r="0" g="0" b="0"/>
+        </a:fillRef>
+        <a:effectRef idx="0">
+          <a:scrgbClr r="0" g="0" b="0"/>
+        </a:effectRef>
+        <a:fontRef idx="minor"/>
+      </dsp:style>
+      <dsp:txBody>
+        <a:bodyPr spcFirstLastPara="0" vert="horz" wrap="square" lIns="59836" tIns="59836" rIns="59836" bIns="59836" numCol="1" spcCol="1270" anchor="ctr" anchorCtr="0">
+          <a:noAutofit/>
+        </a:bodyPr>
+        <a:lstStyle/>
+        <a:p>
+          <a:pPr marL="0" lvl="0" indent="0" algn="l" defTabSz="711200">
+            <a:lnSpc>
+              <a:spcPct val="90000"/>
+            </a:lnSpc>
+            <a:spcBef>
+              <a:spcPct val="0"/>
+            </a:spcBef>
+            <a:spcAft>
+              <a:spcPct val="35000"/>
+            </a:spcAft>
+            <a:buNone/>
+          </a:pPr>
+          <a:r>
+            <a:rPr lang="en-US" sz="1600" b="1" kern="1200"/>
+            <a:t>Key Concepts of Module Federation</a:t>
+          </a:r>
+          <a:endParaRPr lang="en-US" sz="1600" kern="1200"/>
+        </a:p>
+      </dsp:txBody>
+      <dsp:txXfrm>
+        <a:off x="653017" y="2827588"/>
+        <a:ext cx="5711206" cy="565383"/>
+      </dsp:txXfrm>
+    </dsp:sp>
+    <dsp:sp modelId="{DD372A80-C85B-47DA-B70D-B71F0BF9389D}">
+      <dsp:nvSpPr>
+        <dsp:cNvPr id="0" name=""/>
+        <dsp:cNvSpPr/>
+      </dsp:nvSpPr>
+      <dsp:spPr>
+        <a:xfrm>
+          <a:off x="0" y="3534317"/>
+          <a:ext cx="6364224" cy="565383"/>
+        </a:xfrm>
+        <a:prstGeom prst="roundRect">
+          <a:avLst>
+            <a:gd name="adj" fmla="val 10000"/>
+          </a:avLst>
+        </a:prstGeom>
+        <a:solidFill>
+          <a:schemeClr val="bg1">
+            <a:lumMod val="95000"/>
+            <a:hueOff val="0"/>
+            <a:satOff val="0"/>
+            <a:lumOff val="0"/>
+            <a:alphaOff val="0"/>
+          </a:schemeClr>
+        </a:solidFill>
+        <a:ln>
+          <a:noFill/>
+        </a:ln>
+        <a:effectLst/>
+      </dsp:spPr>
+      <dsp:style>
+        <a:lnRef idx="0">
+          <a:scrgbClr r="0" g="0" b="0"/>
+        </a:lnRef>
+        <a:fillRef idx="1">
+          <a:scrgbClr r="0" g="0" b="0"/>
+        </a:fillRef>
+        <a:effectRef idx="0">
+          <a:scrgbClr r="0" g="0" b="0"/>
+        </a:effectRef>
+        <a:fontRef idx="minor"/>
+      </dsp:style>
+    </dsp:sp>
+    <dsp:sp modelId="{1E42162B-62E0-4533-B85A-50EA595FF885}">
+      <dsp:nvSpPr>
+        <dsp:cNvPr id="0" name=""/>
+        <dsp:cNvSpPr/>
+      </dsp:nvSpPr>
+      <dsp:spPr>
+        <a:xfrm>
+          <a:off x="171028" y="3661529"/>
+          <a:ext cx="310960" cy="310960"/>
+        </a:xfrm>
+        <a:prstGeom prst="rect">
+          <a:avLst/>
+        </a:prstGeom>
+        <a:blipFill>
+          <a:blip xmlns:r="http://schemas.openxmlformats.org/officeDocument/2006/relationships" r:embed="rId11">
+            <a:extLst>
+              <a:ext uri="{28A0092B-C50C-407E-A947-70E740481C1C}">
+                <a14:useLocalDpi xmlns:a14="http://schemas.microsoft.com/office/drawing/2010/main" val="0"/>
+              </a:ext>
+              <a:ext uri="{96DAC541-7B7A-43D3-8B79-37D633B846F1}">
+                <asvg:svgBlip xmlns:asvg="http://schemas.microsoft.com/office/drawing/2016/SVG/main" r:embed="rId12"/>
+              </a:ext>
+            </a:extLst>
+          </a:blip>
+          <a:stretch>
+            <a:fillRect/>
+          </a:stretch>
+        </a:blipFill>
+        <a:ln w="12700" cap="flat" cmpd="sng" algn="ctr">
+          <a:noFill/>
+          <a:prstDash val="solid"/>
+          <a:miter lim="800000"/>
+        </a:ln>
+        <a:effectLst/>
+      </dsp:spPr>
+      <dsp:style>
+        <a:lnRef idx="2">
+          <a:scrgbClr r="0" g="0" b="0"/>
+        </a:lnRef>
+        <a:fillRef idx="1">
+          <a:scrgbClr r="0" g="0" b="0"/>
+        </a:fillRef>
+        <a:effectRef idx="0">
+          <a:scrgbClr r="0" g="0" b="0"/>
+        </a:effectRef>
+        <a:fontRef idx="minor">
+          <a:schemeClr val="lt1"/>
+        </a:fontRef>
+      </dsp:style>
+    </dsp:sp>
+    <dsp:sp modelId="{B17FFBB9-5235-43DC-9D1A-55E433315F09}">
+      <dsp:nvSpPr>
+        <dsp:cNvPr id="0" name=""/>
+        <dsp:cNvSpPr/>
+      </dsp:nvSpPr>
+      <dsp:spPr>
+        <a:xfrm>
+          <a:off x="653017" y="3534317"/>
+          <a:ext cx="5711206" cy="565383"/>
+        </a:xfrm>
+        <a:prstGeom prst="rect">
+          <a:avLst/>
+        </a:prstGeom>
+        <a:noFill/>
+        <a:ln>
+          <a:noFill/>
+        </a:ln>
+        <a:effectLst/>
+      </dsp:spPr>
+      <dsp:style>
+        <a:lnRef idx="0">
+          <a:scrgbClr r="0" g="0" b="0"/>
+        </a:lnRef>
+        <a:fillRef idx="0">
+          <a:scrgbClr r="0" g="0" b="0"/>
+        </a:fillRef>
+        <a:effectRef idx="0">
+          <a:scrgbClr r="0" g="0" b="0"/>
+        </a:effectRef>
+        <a:fontRef idx="minor"/>
+      </dsp:style>
+      <dsp:txBody>
+        <a:bodyPr spcFirstLastPara="0" vert="horz" wrap="square" lIns="59836" tIns="59836" rIns="59836" bIns="59836" numCol="1" spcCol="1270" anchor="ctr" anchorCtr="0">
+          <a:noAutofit/>
+        </a:bodyPr>
+        <a:lstStyle/>
+        <a:p>
+          <a:pPr marL="0" lvl="0" indent="0" algn="l" defTabSz="711200">
+            <a:lnSpc>
+              <a:spcPct val="90000"/>
+            </a:lnSpc>
+            <a:spcBef>
+              <a:spcPct val="0"/>
+            </a:spcBef>
+            <a:spcAft>
+              <a:spcPct val="35000"/>
+            </a:spcAft>
+            <a:buNone/>
+          </a:pPr>
+          <a:r>
+            <a:rPr lang="en-US" sz="1600" b="1" kern="1200"/>
+            <a:t>Use Cases for Module Federation</a:t>
+          </a:r>
+          <a:endParaRPr lang="en-US" sz="1600" kern="1200"/>
+        </a:p>
+      </dsp:txBody>
+      <dsp:txXfrm>
+        <a:off x="653017" y="3534317"/>
+        <a:ext cx="5711206" cy="565383"/>
+      </dsp:txXfrm>
+    </dsp:sp>
+    <dsp:sp modelId="{1AC7FEFA-8B65-4532-AE53-B804C4EA61C7}">
+      <dsp:nvSpPr>
+        <dsp:cNvPr id="0" name=""/>
+        <dsp:cNvSpPr/>
+      </dsp:nvSpPr>
+      <dsp:spPr>
+        <a:xfrm>
+          <a:off x="0" y="4241046"/>
+          <a:ext cx="6364224" cy="565383"/>
+        </a:xfrm>
+        <a:prstGeom prst="roundRect">
+          <a:avLst>
+            <a:gd name="adj" fmla="val 10000"/>
+          </a:avLst>
+        </a:prstGeom>
+        <a:solidFill>
+          <a:schemeClr val="bg1">
+            <a:lumMod val="95000"/>
+            <a:hueOff val="0"/>
+            <a:satOff val="0"/>
+            <a:lumOff val="0"/>
+            <a:alphaOff val="0"/>
+          </a:schemeClr>
+        </a:solidFill>
+        <a:ln>
+          <a:noFill/>
+        </a:ln>
+        <a:effectLst/>
+      </dsp:spPr>
+      <dsp:style>
+        <a:lnRef idx="0">
+          <a:scrgbClr r="0" g="0" b="0"/>
+        </a:lnRef>
+        <a:fillRef idx="1">
+          <a:scrgbClr r="0" g="0" b="0"/>
+        </a:fillRef>
+        <a:effectRef idx="0">
+          <a:scrgbClr r="0" g="0" b="0"/>
+        </a:effectRef>
+        <a:fontRef idx="minor"/>
+      </dsp:style>
+    </dsp:sp>
+    <dsp:sp modelId="{C35AC7F8-D150-44F3-96E0-7DCE774EEAD9}">
+      <dsp:nvSpPr>
+        <dsp:cNvPr id="0" name=""/>
+        <dsp:cNvSpPr/>
+      </dsp:nvSpPr>
+      <dsp:spPr>
+        <a:xfrm>
+          <a:off x="171028" y="4368258"/>
+          <a:ext cx="310960" cy="310960"/>
+        </a:xfrm>
+        <a:prstGeom prst="rect">
+          <a:avLst/>
+        </a:prstGeom>
+        <a:blipFill>
+          <a:blip xmlns:r="http://schemas.openxmlformats.org/officeDocument/2006/relationships" r:embed="rId13">
+            <a:extLst>
+              <a:ext uri="{28A0092B-C50C-407E-A947-70E740481C1C}">
+                <a14:useLocalDpi xmlns:a14="http://schemas.microsoft.com/office/drawing/2010/main" val="0"/>
+              </a:ext>
+              <a:ext uri="{96DAC541-7B7A-43D3-8B79-37D633B846F1}">
+                <asvg:svgBlip xmlns:asvg="http://schemas.microsoft.com/office/drawing/2016/SVG/main" r:embed="rId14"/>
+              </a:ext>
+            </a:extLst>
+          </a:blip>
+          <a:stretch>
+            <a:fillRect/>
+          </a:stretch>
+        </a:blipFill>
+        <a:ln w="12700" cap="flat" cmpd="sng" algn="ctr">
+          <a:noFill/>
+          <a:prstDash val="solid"/>
+          <a:miter lim="800000"/>
+        </a:ln>
+        <a:effectLst/>
+      </dsp:spPr>
+      <dsp:style>
+        <a:lnRef idx="2">
+          <a:scrgbClr r="0" g="0" b="0"/>
+        </a:lnRef>
+        <a:fillRef idx="1">
+          <a:scrgbClr r="0" g="0" b="0"/>
+        </a:fillRef>
+        <a:effectRef idx="0">
+          <a:scrgbClr r="0" g="0" b="0"/>
+        </a:effectRef>
+        <a:fontRef idx="minor">
+          <a:schemeClr val="lt1"/>
+        </a:fontRef>
+      </dsp:style>
+    </dsp:sp>
+    <dsp:sp modelId="{0D6BC204-85DB-432F-AFA6-9F3BD82191C5}">
+      <dsp:nvSpPr>
+        <dsp:cNvPr id="0" name=""/>
+        <dsp:cNvSpPr/>
+      </dsp:nvSpPr>
+      <dsp:spPr>
+        <a:xfrm>
+          <a:off x="653017" y="4241046"/>
+          <a:ext cx="5711206" cy="565383"/>
+        </a:xfrm>
+        <a:prstGeom prst="rect">
+          <a:avLst/>
+        </a:prstGeom>
+        <a:noFill/>
+        <a:ln>
+          <a:noFill/>
+        </a:ln>
+        <a:effectLst/>
+      </dsp:spPr>
+      <dsp:style>
+        <a:lnRef idx="0">
+          <a:scrgbClr r="0" g="0" b="0"/>
+        </a:lnRef>
+        <a:fillRef idx="0">
+          <a:scrgbClr r="0" g="0" b="0"/>
+        </a:fillRef>
+        <a:effectRef idx="0">
+          <a:scrgbClr r="0" g="0" b="0"/>
+        </a:effectRef>
+        <a:fontRef idx="minor"/>
+      </dsp:style>
+      <dsp:txBody>
+        <a:bodyPr spcFirstLastPara="0" vert="horz" wrap="square" lIns="59836" tIns="59836" rIns="59836" bIns="59836" numCol="1" spcCol="1270" anchor="ctr" anchorCtr="0">
+          <a:noAutofit/>
+        </a:bodyPr>
+        <a:lstStyle/>
+        <a:p>
+          <a:pPr marL="0" lvl="0" indent="0" algn="l" defTabSz="711200">
+            <a:lnSpc>
+              <a:spcPct val="90000"/>
+            </a:lnSpc>
+            <a:spcBef>
+              <a:spcPct val="0"/>
+            </a:spcBef>
+            <a:spcAft>
+              <a:spcPct val="35000"/>
+            </a:spcAft>
+            <a:buNone/>
+          </a:pPr>
+          <a:r>
+            <a:rPr lang="en-US" sz="1600" b="1" kern="1200"/>
+            <a:t>Pros and Cons of Module Federation</a:t>
+          </a:r>
+          <a:endParaRPr lang="en-US" sz="1600" kern="1200"/>
+        </a:p>
+      </dsp:txBody>
+      <dsp:txXfrm>
+        <a:off x="653017" y="4241046"/>
+        <a:ext cx="5711206" cy="565383"/>
+      </dsp:txXfrm>
+    </dsp:sp>
+    <dsp:sp modelId="{6A2CDADC-7750-42CB-97C8-7F1A59318EDE}">
+      <dsp:nvSpPr>
+        <dsp:cNvPr id="0" name=""/>
+        <dsp:cNvSpPr/>
+      </dsp:nvSpPr>
+      <dsp:spPr>
+        <a:xfrm>
+          <a:off x="0" y="4947775"/>
+          <a:ext cx="6364224" cy="565383"/>
+        </a:xfrm>
+        <a:prstGeom prst="roundRect">
+          <a:avLst>
+            <a:gd name="adj" fmla="val 10000"/>
+          </a:avLst>
+        </a:prstGeom>
+        <a:solidFill>
+          <a:schemeClr val="bg1">
+            <a:lumMod val="95000"/>
+            <a:hueOff val="0"/>
+            <a:satOff val="0"/>
+            <a:lumOff val="0"/>
+            <a:alphaOff val="0"/>
+          </a:schemeClr>
+        </a:solidFill>
+        <a:ln>
+          <a:noFill/>
+        </a:ln>
+        <a:effectLst/>
+      </dsp:spPr>
+      <dsp:style>
+        <a:lnRef idx="0">
+          <a:scrgbClr r="0" g="0" b="0"/>
+        </a:lnRef>
+        <a:fillRef idx="1">
+          <a:scrgbClr r="0" g="0" b="0"/>
+        </a:fillRef>
+        <a:effectRef idx="0">
+          <a:scrgbClr r="0" g="0" b="0"/>
+        </a:effectRef>
+        <a:fontRef idx="minor"/>
+      </dsp:style>
+    </dsp:sp>
+    <dsp:sp modelId="{1AAC9D6C-A11F-4C4F-807A-7119F8053F89}">
+      <dsp:nvSpPr>
+        <dsp:cNvPr id="0" name=""/>
+        <dsp:cNvSpPr/>
+      </dsp:nvSpPr>
+      <dsp:spPr>
+        <a:xfrm>
+          <a:off x="171028" y="5074986"/>
+          <a:ext cx="310960" cy="310960"/>
+        </a:xfrm>
+        <a:prstGeom prst="rect">
+          <a:avLst/>
+        </a:prstGeom>
+        <a:blipFill>
+          <a:blip xmlns:r="http://schemas.openxmlformats.org/officeDocument/2006/relationships" r:embed="rId15">
+            <a:extLst>
+              <a:ext uri="{28A0092B-C50C-407E-A947-70E740481C1C}">
+                <a14:useLocalDpi xmlns:a14="http://schemas.microsoft.com/office/drawing/2010/main" val="0"/>
+              </a:ext>
+              <a:ext uri="{96DAC541-7B7A-43D3-8B79-37D633B846F1}">
+                <asvg:svgBlip xmlns:asvg="http://schemas.microsoft.com/office/drawing/2016/SVG/main" r:embed="rId16"/>
+              </a:ext>
+            </a:extLst>
+          </a:blip>
+          <a:stretch>
+            <a:fillRect/>
+          </a:stretch>
+        </a:blipFill>
+        <a:ln w="12700" cap="flat" cmpd="sng" algn="ctr">
+          <a:noFill/>
+          <a:prstDash val="solid"/>
+          <a:miter lim="800000"/>
+        </a:ln>
+        <a:effectLst/>
+      </dsp:spPr>
+      <dsp:style>
+        <a:lnRef idx="2">
+          <a:scrgbClr r="0" g="0" b="0"/>
+        </a:lnRef>
+        <a:fillRef idx="1">
+          <a:scrgbClr r="0" g="0" b="0"/>
+        </a:fillRef>
+        <a:effectRef idx="0">
+          <a:scrgbClr r="0" g="0" b="0"/>
+        </a:effectRef>
+        <a:fontRef idx="minor">
+          <a:schemeClr val="lt1"/>
+        </a:fontRef>
+      </dsp:style>
+    </dsp:sp>
+    <dsp:sp modelId="{8B9394E5-D21D-4B07-9AC2-2193898D4C7F}">
+      <dsp:nvSpPr>
+        <dsp:cNvPr id="0" name=""/>
+        <dsp:cNvSpPr/>
+      </dsp:nvSpPr>
+      <dsp:spPr>
+        <a:xfrm>
+          <a:off x="653017" y="4947775"/>
+          <a:ext cx="5711206" cy="565383"/>
+        </a:xfrm>
+        <a:prstGeom prst="rect">
+          <a:avLst/>
+        </a:prstGeom>
+        <a:noFill/>
+        <a:ln>
+          <a:noFill/>
+        </a:ln>
+        <a:effectLst/>
+      </dsp:spPr>
+      <dsp:style>
+        <a:lnRef idx="0">
+          <a:scrgbClr r="0" g="0" b="0"/>
+        </a:lnRef>
+        <a:fillRef idx="0">
+          <a:scrgbClr r="0" g="0" b="0"/>
+        </a:fillRef>
+        <a:effectRef idx="0">
+          <a:scrgbClr r="0" g="0" b="0"/>
+        </a:effectRef>
+        <a:fontRef idx="minor"/>
+      </dsp:style>
+      <dsp:txBody>
+        <a:bodyPr spcFirstLastPara="0" vert="horz" wrap="square" lIns="59836" tIns="59836" rIns="59836" bIns="59836" numCol="1" spcCol="1270" anchor="ctr" anchorCtr="0">
+          <a:noAutofit/>
+        </a:bodyPr>
+        <a:lstStyle/>
+        <a:p>
+          <a:pPr marL="0" lvl="0" indent="0" algn="l" defTabSz="711200">
+            <a:lnSpc>
+              <a:spcPct val="90000"/>
+            </a:lnSpc>
+            <a:spcBef>
+              <a:spcPct val="0"/>
+            </a:spcBef>
+            <a:spcAft>
+              <a:spcPct val="35000"/>
+            </a:spcAft>
+            <a:buNone/>
+          </a:pPr>
+          <a:r>
+            <a:rPr lang="en-US" sz="1600" b="1" kern="1200"/>
+            <a:t>Module Federation Demo</a:t>
+          </a:r>
+          <a:endParaRPr lang="en-US" sz="1600" kern="1200"/>
+        </a:p>
+      </dsp:txBody>
+      <dsp:txXfrm>
+        <a:off x="653017" y="4947775"/>
+        <a:ext cx="5711206" cy="565383"/>
+      </dsp:txXfrm>
+    </dsp:sp>
+  </dsp:spTree>
+</dsp:drawing>
+</file>
+
+<file path=ppt/diagrams/drawing2.xml><?xml version="1.0" encoding="utf-8"?>
+<dsp:drawing xmlns:dgm="http://schemas.openxmlformats.org/drawingml/2006/diagram" xmlns:dsp="http://schemas.microsoft.com/office/drawing/2008/diagram" xmlns:a="http://schemas.openxmlformats.org/drawingml/2006/main">
+  <dsp:spTree>
+    <dsp:nvGrpSpPr>
+      <dsp:cNvPr id="0" name=""/>
+      <dsp:cNvGrpSpPr/>
+    </dsp:nvGrpSpPr>
+    <dsp:grpSpPr/>
     <dsp:sp modelId="{B4935A7C-7664-470A-84B1-48D2C769FA2B}">
       <dsp:nvSpPr>
         <dsp:cNvPr id="0" name=""/>
@@ -1885,6 +4722,300 @@
 </file>
 
 <file path=ppt/diagrams/layout1.xml><?xml version="1.0" encoding="utf-8"?>
+<dgm:layoutDef xmlns:dgm="http://schemas.openxmlformats.org/drawingml/2006/diagram" xmlns:a="http://schemas.openxmlformats.org/drawingml/2006/main" uniqueId="urn:microsoft.com/office/officeart/2018/2/layout/IconVerticalSolidList">
+  <dgm:title val="Icon Vertical Solid List"/>
+  <dgm:desc val="Use to show a series of visuals from top to bottom with Level 1 or Level 1 and Level 2 text grouped in a shape. Works best with icons or small pictures with lengthier descriptions."/>
+  <dgm:catLst>
+    <dgm:cat type="icon" pri="500"/>
+  </dgm:catLst>
+  <dgm:sampData useDef="1">
+    <dgm:dataModel>
+      <dgm:ptLst/>
+      <dgm:bg/>
+      <dgm:whole/>
+    </dgm:dataModel>
+  </dgm:sampData>
+  <dgm:styleData useDef="1">
+    <dgm:dataModel>
+      <dgm:ptLst/>
+      <dgm:bg/>
+      <dgm:whole/>
+    </dgm:dataModel>
+  </dgm:styleData>
+  <dgm:clrData useDef="1">
+    <dgm:dataModel>
+      <dgm:ptLst/>
+      <dgm:bg/>
+      <dgm:whole/>
+    </dgm:dataModel>
+  </dgm:clrData>
+  <dgm:layoutNode name="root">
+    <dgm:varLst>
+      <dgm:dir/>
+      <dgm:resizeHandles val="exact"/>
+    </dgm:varLst>
+    <dgm:choose name="Name0">
+      <dgm:if name="Name1" axis="self" func="var" arg="dir" op="equ" val="norm">
+        <dgm:alg type="lin">
+          <dgm:param type="linDir" val="fromT"/>
+          <dgm:param type="nodeHorzAlign" val="l"/>
+        </dgm:alg>
+      </dgm:if>
+      <dgm:else name="Name2">
+        <dgm:alg type="lin">
+          <dgm:param type="linDir" val="fromT"/>
+          <dgm:param type="nodeHorzAlign" val="r"/>
+        </dgm:alg>
+      </dgm:else>
+    </dgm:choose>
+    <dgm:shape xmlns:r="http://schemas.openxmlformats.org/officeDocument/2006/relationships" r:blip="">
+      <dgm:adjLst/>
+    </dgm:shape>
+    <dgm:presOf/>
+    <dgm:choose name="Name3">
+      <dgm:if name="Name4" axis="ch" ptType="node" func="cnt" op="lte" val="3">
+        <dgm:constrLst>
+          <dgm:constr type="h" for="ch" forName="compNode" refType="h" fact="0.3"/>
+          <dgm:constr type="w" for="ch" forName="compNode" refType="w"/>
+          <dgm:constr type="h" for="ch" forName="sibTrans" refType="h" refFor="ch" refForName="compNode" fact="0.25"/>
+          <dgm:constr type="primFontSz" for="des" forName="parTx" val="25"/>
+          <dgm:constr type="primFontSz" for="des" forName="desTx" refType="primFontSz" refFor="des" refForName="parTx" op="lte" fact="0.75"/>
+          <dgm:constr type="h" for="des" forName="compNode" op="equ"/>
+          <dgm:constr type="h" for="des" forName="bgRect" op="equ"/>
+          <dgm:constr type="h" for="des" forName="iconRect" op="equ"/>
+          <dgm:constr type="w" for="des" forName="iconRect" op="equ"/>
+          <dgm:constr type="h" for="des" forName="spaceRect" op="equ"/>
+          <dgm:constr type="h" for="des" forName="parTx" op="equ"/>
+          <dgm:constr type="h" for="des" forName="desTx" op="equ"/>
+        </dgm:constrLst>
+      </dgm:if>
+      <dgm:if name="Name5" axis="ch" ptType="node" func="cnt" op="lte" val="4">
+        <dgm:constrLst>
+          <dgm:constr type="h" for="ch" forName="compNode" refType="h" fact="0.3"/>
+          <dgm:constr type="w" for="ch" forName="compNode" refType="w"/>
+          <dgm:constr type="h" for="ch" forName="sibTrans" refType="h" refFor="ch" refForName="compNode" fact="0.25"/>
+          <dgm:constr type="primFontSz" for="des" forName="parTx" val="22"/>
+          <dgm:constr type="primFontSz" for="des" forName="desTx" refType="primFontSz" refFor="des" refForName="parTx" op="lte" fact="0.75"/>
+          <dgm:constr type="h" for="des" forName="compNode" op="equ"/>
+          <dgm:constr type="h" for="des" forName="bgRect" op="equ"/>
+          <dgm:constr type="h" for="des" forName="iconRect" op="equ"/>
+          <dgm:constr type="w" for="des" forName="iconRect" op="equ"/>
+          <dgm:constr type="h" for="des" forName="spaceRect" op="equ"/>
+          <dgm:constr type="h" for="des" forName="parTx" op="equ"/>
+          <dgm:constr type="h" for="des" forName="desTx" op="equ"/>
+        </dgm:constrLst>
+      </dgm:if>
+      <dgm:if name="Name6" axis="ch" ptType="node" func="cnt" op="lte" val="6">
+        <dgm:constrLst>
+          <dgm:constr type="h" for="ch" forName="compNode" refType="h" fact="0.3"/>
+          <dgm:constr type="w" for="ch" forName="compNode" refType="w"/>
+          <dgm:constr type="h" for="ch" forName="sibTrans" refType="h" refFor="ch" refForName="compNode" fact="0.25"/>
+          <dgm:constr type="primFontSz" for="des" forName="parTx" val="19"/>
+          <dgm:constr type="primFontSz" for="des" forName="desTx" refType="primFontSz" refFor="des" refForName="parTx" op="lte" fact="0.75"/>
+          <dgm:constr type="h" for="des" forName="compNode" op="equ"/>
+          <dgm:constr type="h" for="des" forName="bgRect" op="equ"/>
+          <dgm:constr type="h" for="des" forName="iconRect" op="equ"/>
+          <dgm:constr type="w" for="des" forName="iconRect" op="equ"/>
+          <dgm:constr type="h" for="des" forName="spaceRect" op="equ"/>
+          <dgm:constr type="h" for="des" forName="parTx" op="equ"/>
+          <dgm:constr type="h" for="des" forName="desTx" op="equ"/>
+        </dgm:constrLst>
+      </dgm:if>
+      <dgm:else name="Name7">
+        <dgm:constrLst>
+          <dgm:constr type="h" for="ch" forName="compNode" refType="h" fact="0.3"/>
+          <dgm:constr type="w" for="ch" forName="compNode" refType="w"/>
+          <dgm:constr type="h" for="ch" forName="sibTrans" refType="h" refFor="ch" refForName="compNode" fact="0.25"/>
+          <dgm:constr type="primFontSz" for="des" forName="parTx" val="16"/>
+          <dgm:constr type="primFontSz" for="des" forName="desTx" refType="primFontSz" refFor="des" refForName="parTx" op="lte" fact="0.75"/>
+          <dgm:constr type="h" for="des" forName="compNode" op="equ"/>
+          <dgm:constr type="h" for="des" forName="bgRect" op="equ"/>
+          <dgm:constr type="h" for="des" forName="iconRect" op="equ"/>
+          <dgm:constr type="w" for="des" forName="iconRect" op="equ"/>
+          <dgm:constr type="h" for="des" forName="spaceRect" op="equ"/>
+          <dgm:constr type="h" for="des" forName="parTx" op="equ"/>
+          <dgm:constr type="h" for="des" forName="desTx" op="equ"/>
+        </dgm:constrLst>
+      </dgm:else>
+    </dgm:choose>
+    <dgm:ruleLst>
+      <dgm:rule type="h" for="ch" forName="compNode" val="0" fact="NaN" max="NaN"/>
+    </dgm:ruleLst>
+    <dgm:forEach name="Name8" axis="ch" ptType="node">
+      <dgm:layoutNode name="compNode">
+        <dgm:alg type="composite"/>
+        <dgm:shape xmlns:r="http://schemas.openxmlformats.org/officeDocument/2006/relationships" r:blip="">
+          <dgm:adjLst/>
+        </dgm:shape>
+        <dgm:presOf axis="self"/>
+        <dgm:choose name="Name9">
+          <dgm:if name="Name10" axis="ch" ptType="node" func="cnt" op="gte" val="1">
+            <dgm:constrLst>
+              <dgm:constr type="w" for="ch" forName="bgRect" refType="w"/>
+              <dgm:constr type="h" for="ch" forName="bgRect" refType="h"/>
+              <dgm:constr type="l" for="ch" forName="bgRect"/>
+              <dgm:constr type="t" for="ch" forName="bgRect"/>
+              <dgm:constr type="h" for="ch" forName="iconRect" refType="h" fact="0.55"/>
+              <dgm:constr type="w" for="ch" forName="iconRect" refType="h" refFor="ch" refForName="iconRect"/>
+              <dgm:constr type="l" for="ch" forName="iconRect" refType="h" refFor="ch" refForName="iconRect" fact="0.55"/>
+              <dgm:constr type="ctrY" for="ch" forName="iconRect" refType="ctrY" refFor="ch" refForName="bgRect"/>
+              <dgm:constr type="w" for="ch" forName="spaceRect" refType="l" refFor="ch" refForName="iconRect"/>
+              <dgm:constr type="h" for="ch" forName="spaceRect" refType="h"/>
+              <dgm:constr type="l" for="ch" forName="spaceRect" refType="r" refFor="ch" refForName="iconRect"/>
+              <dgm:constr type="t" for="ch" forName="spaceRect"/>
+              <dgm:constr type="w" for="ch" forName="parTx" refType="w" fact="0.45"/>
+              <dgm:constr type="h" for="ch" forName="parTx" refType="h"/>
+              <dgm:constr type="l" for="ch" forName="parTx" refType="r" refFor="ch" refForName="spaceRect"/>
+              <dgm:constr type="t" for="ch" forName="parTx"/>
+              <dgm:constr type="h" for="ch" forName="desTx" refType="h"/>
+              <dgm:constr type="l" for="ch" forName="desTx" refType="r" refFor="ch" refForName="parTx"/>
+              <dgm:constr type="t" for="ch" forName="desTx"/>
+            </dgm:constrLst>
+          </dgm:if>
+          <dgm:else name="Name11">
+            <dgm:constrLst>
+              <dgm:constr type="w" for="ch" forName="bgRect" refType="w"/>
+              <dgm:constr type="h" for="ch" forName="bgRect" refType="h"/>
+              <dgm:constr type="l" for="ch" forName="bgRect"/>
+              <dgm:constr type="t" for="ch" forName="bgRect"/>
+              <dgm:constr type="h" for="ch" forName="iconRect" refType="h" fact="0.55"/>
+              <dgm:constr type="w" for="ch" forName="iconRect" refType="h" refFor="ch" refForName="iconRect"/>
+              <dgm:constr type="l" for="ch" forName="iconRect" refType="h" refFor="ch" refForName="iconRect" fact="0.55"/>
+              <dgm:constr type="ctrY" for="ch" forName="iconRect" refType="ctrY" refFor="ch" refForName="bgRect"/>
+              <dgm:constr type="w" for="ch" forName="spaceRect" refType="l" refFor="ch" refForName="iconRect"/>
+              <dgm:constr type="h" for="ch" forName="spaceRect" refType="h"/>
+              <dgm:constr type="l" for="ch" forName="spaceRect" refType="r" refFor="ch" refForName="iconRect"/>
+              <dgm:constr type="t" for="ch" forName="spaceRect"/>
+              <dgm:constr type="h" for="ch" forName="parTx" refType="h"/>
+              <dgm:constr type="l" for="ch" forName="parTx" refType="r" refFor="ch" refForName="spaceRect"/>
+              <dgm:constr type="t" for="ch" forName="parTx"/>
+            </dgm:constrLst>
+          </dgm:else>
+        </dgm:choose>
+        <dgm:ruleLst>
+          <dgm:rule type="h" val="INF" fact="NaN" max="NaN"/>
+        </dgm:ruleLst>
+        <dgm:layoutNode name="bgRect" styleLbl="bgShp">
+          <dgm:alg type="sp"/>
+          <dgm:shape xmlns:r="http://schemas.openxmlformats.org/officeDocument/2006/relationships" type="roundRect" r:blip="">
+            <dgm:adjLst>
+              <dgm:adj idx="1" val="0.1"/>
+            </dgm:adjLst>
+          </dgm:shape>
+          <dgm:presOf/>
+          <dgm:constrLst/>
+          <dgm:ruleLst/>
+        </dgm:layoutNode>
+        <dgm:layoutNode name="iconRect" styleLbl="node1">
+          <dgm:alg type="sp"/>
+          <dgm:shape xmlns:r="http://schemas.openxmlformats.org/officeDocument/2006/relationships" type="rect" r:blip="" blipPhldr="1">
+            <dgm:adjLst/>
+          </dgm:shape>
+          <dgm:presOf/>
+          <dgm:constrLst/>
+          <dgm:ruleLst/>
+        </dgm:layoutNode>
+        <dgm:layoutNode name="spaceRect">
+          <dgm:alg type="sp"/>
+          <dgm:shape xmlns:r="http://schemas.openxmlformats.org/officeDocument/2006/relationships" r:blip="">
+            <dgm:adjLst/>
+          </dgm:shape>
+          <dgm:presOf/>
+          <dgm:constrLst/>
+          <dgm:ruleLst/>
+        </dgm:layoutNode>
+        <dgm:layoutNode name="parTx" styleLbl="revTx">
+          <dgm:varLst>
+            <dgm:chMax val="0"/>
+            <dgm:chPref val="0"/>
+          </dgm:varLst>
+          <dgm:alg type="tx">
+            <dgm:param type="txAnchorVert" val="mid"/>
+            <dgm:param type="parTxLTRAlign" val="l"/>
+            <dgm:param type="shpTxLTRAlignCh" val="l"/>
+            <dgm:param type="parTxRTLAlign" val="r"/>
+            <dgm:param type="shpTxRTLAlignCh" val="r"/>
+          </dgm:alg>
+          <dgm:shape xmlns:r="http://schemas.openxmlformats.org/officeDocument/2006/relationships" type="rect" r:blip="">
+            <dgm:adjLst/>
+          </dgm:shape>
+          <dgm:presOf axis="self" ptType="node"/>
+          <dgm:constrLst>
+            <dgm:constr type="lMarg" refType="h" fact="0.3"/>
+            <dgm:constr type="rMarg" refType="h" fact="0.3"/>
+            <dgm:constr type="tMarg" refType="h" fact="0.3"/>
+            <dgm:constr type="bMarg" refType="h" fact="0.3"/>
+          </dgm:constrLst>
+          <dgm:ruleLst>
+            <dgm:rule type="primFontSz" val="14" fact="NaN" max="NaN"/>
+            <dgm:rule type="h" val="INF" fact="NaN" max="NaN"/>
+          </dgm:ruleLst>
+        </dgm:layoutNode>
+        <dgm:choose name="Name12">
+          <dgm:if name="Name13" axis="ch" ptType="node" func="cnt" op="gte" val="1">
+            <dgm:layoutNode name="desTx" styleLbl="revTx">
+              <dgm:varLst/>
+              <dgm:alg type="tx">
+                <dgm:param type="txAnchorVertCh" val="mid"/>
+                <dgm:param type="parTxLTRAlign" val="l"/>
+                <dgm:param type="shpTxLTRAlignCh" val="l"/>
+                <dgm:param type="parTxRTLAlign" val="r"/>
+                <dgm:param type="shpTxRTLAlignCh" val="r"/>
+                <dgm:param type="stBulletLvl" val="0"/>
+              </dgm:alg>
+              <dgm:shape xmlns:r="http://schemas.openxmlformats.org/officeDocument/2006/relationships" type="rect" r:blip="">
+                <dgm:adjLst/>
+              </dgm:shape>
+              <dgm:presOf axis="des" ptType="node"/>
+              <dgm:constrLst>
+                <dgm:constr type="primFontSz" val="18"/>
+                <dgm:constr type="secFontSz" refType="primFontSz"/>
+                <dgm:constr type="lMarg" refType="h" fact="0.3"/>
+                <dgm:constr type="rMarg" refType="h" fact="0.3"/>
+                <dgm:constr type="tMarg" refType="h" fact="0.3"/>
+                <dgm:constr type="bMarg" refType="h" fact="0.3"/>
+              </dgm:constrLst>
+              <dgm:ruleLst>
+                <dgm:rule type="primFontSz" val="11" fact="NaN" max="NaN"/>
+              </dgm:ruleLst>
+            </dgm:layoutNode>
+          </dgm:if>
+          <dgm:else name="Name14"/>
+        </dgm:choose>
+      </dgm:layoutNode>
+      <dgm:forEach name="Name15" axis="followSib" ptType="sibTrans" cnt="1">
+        <dgm:layoutNode name="sibTrans">
+          <dgm:alg type="sp"/>
+          <dgm:shape xmlns:r="http://schemas.openxmlformats.org/officeDocument/2006/relationships" r:blip="">
+            <dgm:adjLst/>
+          </dgm:shape>
+          <dgm:presOf axis="self"/>
+          <dgm:constrLst/>
+          <dgm:ruleLst/>
+        </dgm:layoutNode>
+      </dgm:forEach>
+    </dgm:forEach>
+  </dgm:layoutNode>
+  <dgm:extLst>
+    <a:ext uri="{68A01E43-0DF5-4B5B-8FA6-DAF915123BFB}">
+      <dgm1612:lstStyle xmlns:dgm1612="http://schemas.microsoft.com/office/drawing/2016/12/diagram">
+        <a:lvl1pPr>
+          <a:lnSpc>
+            <a:spcPct val="100000"/>
+          </a:lnSpc>
+        </a:lvl1pPr>
+        <a:lvl2pPr>
+          <a:lnSpc>
+            <a:spcPct val="100000"/>
+          </a:lnSpc>
+        </a:lvl2pPr>
+      </dgm1612:lstStyle>
+    </a:ext>
+  </dgm:extLst>
+</dgm:layoutDef>
+</file>
+
+<file path=ppt/diagrams/layout2.xml><?xml version="1.0" encoding="utf-8"?>
 <dgm:layoutDef xmlns:dgm="http://schemas.openxmlformats.org/drawingml/2006/diagram" xmlns:a="http://schemas.openxmlformats.org/drawingml/2006/main" uniqueId="urn:microsoft.com/office/officeart/2018/5/layout/IconLeafLabelList">
   <dgm:title val="Icon Leaf Label List"/>
   <dgm:desc val="Use to show non-sequential or grouped chunks of information accompanied by a related visuals. Works best with icons or small pictures with short text captions."/>
@@ -3145,6 +6276,1040 @@
 </dgm:styleDef>
 </file>
 
+<file path=ppt/diagrams/quickStyle2.xml><?xml version="1.0" encoding="utf-8"?>
+<dgm:styleDef xmlns:dgm="http://schemas.openxmlformats.org/drawingml/2006/diagram" xmlns:a="http://schemas.openxmlformats.org/drawingml/2006/main" uniqueId="urn:microsoft.com/office/officeart/2005/8/quickstyle/simple1">
+  <dgm:title val=""/>
+  <dgm:desc val=""/>
+  <dgm:catLst>
+    <dgm:cat type="simple" pri="10100"/>
+  </dgm:catLst>
+  <dgm:scene3d>
+    <a:camera prst="orthographicFront"/>
+    <a:lightRig rig="threePt" dir="t"/>
+  </dgm:scene3d>
+  <dgm:styleLbl name="node0">
+    <dgm:scene3d>
+      <a:camera prst="orthographicFront"/>
+      <a:lightRig rig="threePt" dir="t"/>
+    </dgm:scene3d>
+    <dgm:sp3d/>
+    <dgm:txPr/>
+    <dgm:style>
+      <a:lnRef idx="2">
+        <a:scrgbClr r="0" g="0" b="0"/>
+      </a:lnRef>
+      <a:fillRef idx="1">
+        <a:scrgbClr r="0" g="0" b="0"/>
+      </a:fillRef>
+      <a:effectRef idx="0">
+        <a:scrgbClr r="0" g="0" b="0"/>
+      </a:effectRef>
+      <a:fontRef idx="minor">
+        <a:schemeClr val="lt1"/>
+      </a:fontRef>
+    </dgm:style>
+  </dgm:styleLbl>
+  <dgm:styleLbl name="lnNode1">
+    <dgm:scene3d>
+      <a:camera prst="orthographicFront"/>
+      <a:lightRig rig="threePt" dir="t"/>
+    </dgm:scene3d>
+    <dgm:sp3d/>
+    <dgm:txPr/>
+    <dgm:style>
+      <a:lnRef idx="2">
+        <a:scrgbClr r="0" g="0" b="0"/>
+      </a:lnRef>
+      <a:fillRef idx="1">
+        <a:scrgbClr r="0" g="0" b="0"/>
+      </a:fillRef>
+      <a:effectRef idx="0">
+        <a:scrgbClr r="0" g="0" b="0"/>
+      </a:effectRef>
+      <a:fontRef idx="minor">
+        <a:schemeClr val="lt1"/>
+      </a:fontRef>
+    </dgm:style>
+  </dgm:styleLbl>
+  <dgm:styleLbl name="vennNode1">
+    <dgm:scene3d>
+      <a:camera prst="orthographicFront"/>
+      <a:lightRig rig="threePt" dir="t"/>
+    </dgm:scene3d>
+    <dgm:sp3d/>
+    <dgm:txPr/>
+    <dgm:style>
+      <a:lnRef idx="2">
+        <a:scrgbClr r="0" g="0" b="0"/>
+      </a:lnRef>
+      <a:fillRef idx="1">
+        <a:scrgbClr r="0" g="0" b="0"/>
+      </a:fillRef>
+      <a:effectRef idx="0">
+        <a:scrgbClr r="0" g="0" b="0"/>
+      </a:effectRef>
+      <a:fontRef idx="minor">
+        <a:schemeClr val="tx1"/>
+      </a:fontRef>
+    </dgm:style>
+  </dgm:styleLbl>
+  <dgm:styleLbl name="alignNode1">
+    <dgm:scene3d>
+      <a:camera prst="orthographicFront"/>
+      <a:lightRig rig="threePt" dir="t"/>
+    </dgm:scene3d>
+    <dgm:sp3d/>
+    <dgm:txPr/>
+    <dgm:style>
+      <a:lnRef idx="2">
+        <a:scrgbClr r="0" g="0" b="0"/>
+      </a:lnRef>
+      <a:fillRef idx="1">
+        <a:scrgbClr r="0" g="0" b="0"/>
+      </a:fillRef>
+      <a:effectRef idx="0">
+        <a:scrgbClr r="0" g="0" b="0"/>
+      </a:effectRef>
+      <a:fontRef idx="minor">
+        <a:schemeClr val="lt1"/>
+      </a:fontRef>
+    </dgm:style>
+  </dgm:styleLbl>
+  <dgm:styleLbl name="node1">
+    <dgm:scene3d>
+      <a:camera prst="orthographicFront"/>
+      <a:lightRig rig="threePt" dir="t"/>
+    </dgm:scene3d>
+    <dgm:sp3d/>
+    <dgm:txPr/>
+    <dgm:style>
+      <a:lnRef idx="2">
+        <a:scrgbClr r="0" g="0" b="0"/>
+      </a:lnRef>
+      <a:fillRef idx="1">
+        <a:scrgbClr r="0" g="0" b="0"/>
+      </a:fillRef>
+      <a:effectRef idx="0">
+        <a:scrgbClr r="0" g="0" b="0"/>
+      </a:effectRef>
+      <a:fontRef idx="minor">
+        <a:schemeClr val="lt1"/>
+      </a:fontRef>
+    </dgm:style>
+  </dgm:styleLbl>
+  <dgm:styleLbl name="node2">
+    <dgm:scene3d>
+      <a:camera prst="orthographicFront"/>
+      <a:lightRig rig="threePt" dir="t"/>
+    </dgm:scene3d>
+    <dgm:sp3d/>
+    <dgm:txPr/>
+    <dgm:style>
+      <a:lnRef idx="2">
+        <a:scrgbClr r="0" g="0" b="0"/>
+      </a:lnRef>
+      <a:fillRef idx="1">
+        <a:scrgbClr r="0" g="0" b="0"/>
+      </a:fillRef>
+      <a:effectRef idx="0">
+        <a:scrgbClr r="0" g="0" b="0"/>
+      </a:effectRef>
+      <a:fontRef idx="minor">
+        <a:schemeClr val="lt1"/>
+      </a:fontRef>
+    </dgm:style>
+  </dgm:styleLbl>
+  <dgm:styleLbl name="node3">
+    <dgm:scene3d>
+      <a:camera prst="orthographicFront"/>
+      <a:lightRig rig="threePt" dir="t"/>
+    </dgm:scene3d>
+    <dgm:sp3d/>
+    <dgm:txPr/>
+    <dgm:style>
+      <a:lnRef idx="2">
+        <a:scrgbClr r="0" g="0" b="0"/>
+      </a:lnRef>
+      <a:fillRef idx="1">
+        <a:scrgbClr r="0" g="0" b="0"/>
+      </a:fillRef>
+      <a:effectRef idx="0">
+        <a:scrgbClr r="0" g="0" b="0"/>
+      </a:effectRef>
+      <a:fontRef idx="minor">
+        <a:schemeClr val="lt1"/>
+      </a:fontRef>
+    </dgm:style>
+  </dgm:styleLbl>
+  <dgm:styleLbl name="node4">
+    <dgm:scene3d>
+      <a:camera prst="orthographicFront"/>
+      <a:lightRig rig="threePt" dir="t"/>
+    </dgm:scene3d>
+    <dgm:sp3d/>
+    <dgm:txPr/>
+    <dgm:style>
+      <a:lnRef idx="2">
+        <a:scrgbClr r="0" g="0" b="0"/>
+      </a:lnRef>
+      <a:fillRef idx="1">
+        <a:scrgbClr r="0" g="0" b="0"/>
+      </a:fillRef>
+      <a:effectRef idx="0">
+        <a:scrgbClr r="0" g="0" b="0"/>
+      </a:effectRef>
+      <a:fontRef idx="minor">
+        <a:schemeClr val="lt1"/>
+      </a:fontRef>
+    </dgm:style>
+  </dgm:styleLbl>
+  <dgm:styleLbl name="fgImgPlace1">
+    <dgm:scene3d>
+      <a:camera prst="orthographicFront"/>
+      <a:lightRig rig="threePt" dir="t"/>
+    </dgm:scene3d>
+    <dgm:sp3d/>
+    <dgm:txPr/>
+    <dgm:style>
+      <a:lnRef idx="2">
+        <a:scrgbClr r="0" g="0" b="0"/>
+      </a:lnRef>
+      <a:fillRef idx="1">
+        <a:scrgbClr r="0" g="0" b="0"/>
+      </a:fillRef>
+      <a:effectRef idx="0">
+        <a:scrgbClr r="0" g="0" b="0"/>
+      </a:effectRef>
+      <a:fontRef idx="minor"/>
+    </dgm:style>
+  </dgm:styleLbl>
+  <dgm:styleLbl name="alignImgPlace1">
+    <dgm:scene3d>
+      <a:camera prst="orthographicFront"/>
+      <a:lightRig rig="threePt" dir="t"/>
+    </dgm:scene3d>
+    <dgm:sp3d/>
+    <dgm:txPr/>
+    <dgm:style>
+      <a:lnRef idx="2">
+        <a:scrgbClr r="0" g="0" b="0"/>
+      </a:lnRef>
+      <a:fillRef idx="1">
+        <a:scrgbClr r="0" g="0" b="0"/>
+      </a:fillRef>
+      <a:effectRef idx="0">
+        <a:scrgbClr r="0" g="0" b="0"/>
+      </a:effectRef>
+      <a:fontRef idx="minor"/>
+    </dgm:style>
+  </dgm:styleLbl>
+  <dgm:styleLbl name="bgImgPlace1">
+    <dgm:scene3d>
+      <a:camera prst="orthographicFront"/>
+      <a:lightRig rig="threePt" dir="t"/>
+    </dgm:scene3d>
+    <dgm:sp3d/>
+    <dgm:txPr/>
+    <dgm:style>
+      <a:lnRef idx="2">
+        <a:scrgbClr r="0" g="0" b="0"/>
+      </a:lnRef>
+      <a:fillRef idx="1">
+        <a:scrgbClr r="0" g="0" b="0"/>
+      </a:fillRef>
+      <a:effectRef idx="0">
+        <a:scrgbClr r="0" g="0" b="0"/>
+      </a:effectRef>
+      <a:fontRef idx="minor"/>
+    </dgm:style>
+  </dgm:styleLbl>
+  <dgm:styleLbl name="sibTrans2D1">
+    <dgm:scene3d>
+      <a:camera prst="orthographicFront"/>
+      <a:lightRig rig="threePt" dir="t"/>
+    </dgm:scene3d>
+    <dgm:sp3d/>
+    <dgm:txPr/>
+    <dgm:style>
+      <a:lnRef idx="0">
+        <a:scrgbClr r="0" g="0" b="0"/>
+      </a:lnRef>
+      <a:fillRef idx="1">
+        <a:scrgbClr r="0" g="0" b="0"/>
+      </a:fillRef>
+      <a:effectRef idx="0">
+        <a:scrgbClr r="0" g="0" b="0"/>
+      </a:effectRef>
+      <a:fontRef idx="minor">
+        <a:schemeClr val="lt1"/>
+      </a:fontRef>
+    </dgm:style>
+  </dgm:styleLbl>
+  <dgm:styleLbl name="fgSibTrans2D1">
+    <dgm:scene3d>
+      <a:camera prst="orthographicFront"/>
+      <a:lightRig rig="threePt" dir="t"/>
+    </dgm:scene3d>
+    <dgm:sp3d/>
+    <dgm:txPr/>
+    <dgm:style>
+      <a:lnRef idx="0">
+        <a:scrgbClr r="0" g="0" b="0"/>
+      </a:lnRef>
+      <a:fillRef idx="1">
+        <a:scrgbClr r="0" g="0" b="0"/>
+      </a:fillRef>
+      <a:effectRef idx="0">
+        <a:scrgbClr r="0" g="0" b="0"/>
+      </a:effectRef>
+      <a:fontRef idx="minor">
+        <a:schemeClr val="lt1"/>
+      </a:fontRef>
+    </dgm:style>
+  </dgm:styleLbl>
+  <dgm:styleLbl name="bgSibTrans2D1">
+    <dgm:scene3d>
+      <a:camera prst="orthographicFront"/>
+      <a:lightRig rig="threePt" dir="t"/>
+    </dgm:scene3d>
+    <dgm:sp3d/>
+    <dgm:txPr/>
+    <dgm:style>
+      <a:lnRef idx="0">
+        <a:scrgbClr r="0" g="0" b="0"/>
+      </a:lnRef>
+      <a:fillRef idx="1">
+        <a:scrgbClr r="0" g="0" b="0"/>
+      </a:fillRef>
+      <a:effectRef idx="0">
+        <a:scrgbClr r="0" g="0" b="0"/>
+      </a:effectRef>
+      <a:fontRef idx="minor">
+        <a:schemeClr val="lt1"/>
+      </a:fontRef>
+    </dgm:style>
+  </dgm:styleLbl>
+  <dgm:styleLbl name="sibTrans1D1">
+    <dgm:scene3d>
+      <a:camera prst="orthographicFront"/>
+      <a:lightRig rig="threePt" dir="t"/>
+    </dgm:scene3d>
+    <dgm:sp3d/>
+    <dgm:txPr/>
+    <dgm:style>
+      <a:lnRef idx="1">
+        <a:scrgbClr r="0" g="0" b="0"/>
+      </a:lnRef>
+      <a:fillRef idx="0">
+        <a:scrgbClr r="0" g="0" b="0"/>
+      </a:fillRef>
+      <a:effectRef idx="0">
+        <a:scrgbClr r="0" g="0" b="0"/>
+      </a:effectRef>
+      <a:fontRef idx="minor"/>
+    </dgm:style>
+  </dgm:styleLbl>
+  <dgm:styleLbl name="callout">
+    <dgm:scene3d>
+      <a:camera prst="orthographicFront"/>
+      <a:lightRig rig="threePt" dir="t"/>
+    </dgm:scene3d>
+    <dgm:sp3d/>
+    <dgm:txPr/>
+    <dgm:style>
+      <a:lnRef idx="2">
+        <a:scrgbClr r="0" g="0" b="0"/>
+      </a:lnRef>
+      <a:fillRef idx="1">
+        <a:scrgbClr r="0" g="0" b="0"/>
+      </a:fillRef>
+      <a:effectRef idx="0">
+        <a:scrgbClr r="0" g="0" b="0"/>
+      </a:effectRef>
+      <a:fontRef idx="minor"/>
+    </dgm:style>
+  </dgm:styleLbl>
+  <dgm:styleLbl name="asst0">
+    <dgm:scene3d>
+      <a:camera prst="orthographicFront"/>
+      <a:lightRig rig="threePt" dir="t"/>
+    </dgm:scene3d>
+    <dgm:sp3d/>
+    <dgm:txPr/>
+    <dgm:style>
+      <a:lnRef idx="2">
+        <a:scrgbClr r="0" g="0" b="0"/>
+      </a:lnRef>
+      <a:fillRef idx="1">
+        <a:scrgbClr r="0" g="0" b="0"/>
+      </a:fillRef>
+      <a:effectRef idx="0">
+        <a:scrgbClr r="0" g="0" b="0"/>
+      </a:effectRef>
+      <a:fontRef idx="minor">
+        <a:schemeClr val="lt1"/>
+      </a:fontRef>
+    </dgm:style>
+  </dgm:styleLbl>
+  <dgm:styleLbl name="asst1">
+    <dgm:scene3d>
+      <a:camera prst="orthographicFront"/>
+      <a:lightRig rig="threePt" dir="t"/>
+    </dgm:scene3d>
+    <dgm:sp3d/>
+    <dgm:txPr/>
+    <dgm:style>
+      <a:lnRef idx="2">
+        <a:scrgbClr r="0" g="0" b="0"/>
+      </a:lnRef>
+      <a:fillRef idx="1">
+        <a:scrgbClr r="0" g="0" b="0"/>
+      </a:fillRef>
+      <a:effectRef idx="0">
+        <a:scrgbClr r="0" g="0" b="0"/>
+      </a:effectRef>
+      <a:fontRef idx="minor">
+        <a:schemeClr val="lt1"/>
+      </a:fontRef>
+    </dgm:style>
+  </dgm:styleLbl>
+  <dgm:styleLbl name="asst2">
+    <dgm:scene3d>
+      <a:camera prst="orthographicFront"/>
+      <a:lightRig rig="threePt" dir="t"/>
+    </dgm:scene3d>
+    <dgm:sp3d/>
+    <dgm:txPr/>
+    <dgm:style>
+      <a:lnRef idx="2">
+        <a:scrgbClr r="0" g="0" b="0"/>
+      </a:lnRef>
+      <a:fillRef idx="1">
+        <a:scrgbClr r="0" g="0" b="0"/>
+      </a:fillRef>
+      <a:effectRef idx="0">
+        <a:scrgbClr r="0" g="0" b="0"/>
+      </a:effectRef>
+      <a:fontRef idx="minor">
+        <a:schemeClr val="lt1"/>
+      </a:fontRef>
+    </dgm:style>
+  </dgm:styleLbl>
+  <dgm:styleLbl name="asst3">
+    <dgm:scene3d>
+      <a:camera prst="orthographicFront"/>
+      <a:lightRig rig="threePt" dir="t"/>
+    </dgm:scene3d>
+    <dgm:sp3d/>
+    <dgm:txPr/>
+    <dgm:style>
+      <a:lnRef idx="2">
+        <a:scrgbClr r="0" g="0" b="0"/>
+      </a:lnRef>
+      <a:fillRef idx="1">
+        <a:scrgbClr r="0" g="0" b="0"/>
+      </a:fillRef>
+      <a:effectRef idx="0">
+        <a:scrgbClr r="0" g="0" b="0"/>
+      </a:effectRef>
+      <a:fontRef idx="minor">
+        <a:schemeClr val="lt1"/>
+      </a:fontRef>
+    </dgm:style>
+  </dgm:styleLbl>
+  <dgm:styleLbl name="asst4">
+    <dgm:scene3d>
+      <a:camera prst="orthographicFront"/>
+      <a:lightRig rig="threePt" dir="t"/>
+    </dgm:scene3d>
+    <dgm:sp3d/>
+    <dgm:txPr/>
+    <dgm:style>
+      <a:lnRef idx="2">
+        <a:scrgbClr r="0" g="0" b="0"/>
+      </a:lnRef>
+      <a:fillRef idx="1">
+        <a:scrgbClr r="0" g="0" b="0"/>
+      </a:fillRef>
+      <a:effectRef idx="0">
+        <a:scrgbClr r="0" g="0" b="0"/>
+      </a:effectRef>
+      <a:fontRef idx="minor">
+        <a:schemeClr val="lt1"/>
+      </a:fontRef>
+    </dgm:style>
+  </dgm:styleLbl>
+  <dgm:styleLbl name="parChTrans2D1">
+    <dgm:scene3d>
+      <a:camera prst="orthographicFront"/>
+      <a:lightRig rig="threePt" dir="t"/>
+    </dgm:scene3d>
+    <dgm:sp3d/>
+    <dgm:txPr/>
+    <dgm:style>
+      <a:lnRef idx="2">
+        <a:scrgbClr r="0" g="0" b="0"/>
+      </a:lnRef>
+      <a:fillRef idx="1">
+        <a:scrgbClr r="0" g="0" b="0"/>
+      </a:fillRef>
+      <a:effectRef idx="0">
+        <a:scrgbClr r="0" g="0" b="0"/>
+      </a:effectRef>
+      <a:fontRef idx="minor">
+        <a:schemeClr val="lt1"/>
+      </a:fontRef>
+    </dgm:style>
+  </dgm:styleLbl>
+  <dgm:styleLbl name="parChTrans2D2">
+    <dgm:scene3d>
+      <a:camera prst="orthographicFront"/>
+      <a:lightRig rig="threePt" dir="t"/>
+    </dgm:scene3d>
+    <dgm:sp3d/>
+    <dgm:txPr/>
+    <dgm:style>
+      <a:lnRef idx="2">
+        <a:scrgbClr r="0" g="0" b="0"/>
+      </a:lnRef>
+      <a:fillRef idx="1">
+        <a:scrgbClr r="0" g="0" b="0"/>
+      </a:fillRef>
+      <a:effectRef idx="0">
+        <a:scrgbClr r="0" g="0" b="0"/>
+      </a:effectRef>
+      <a:fontRef idx="minor">
+        <a:schemeClr val="lt1"/>
+      </a:fontRef>
+    </dgm:style>
+  </dgm:styleLbl>
+  <dgm:styleLbl name="parChTrans2D3">
+    <dgm:scene3d>
+      <a:camera prst="orthographicFront"/>
+      <a:lightRig rig="threePt" dir="t"/>
+    </dgm:scene3d>
+    <dgm:sp3d/>
+    <dgm:txPr/>
+    <dgm:style>
+      <a:lnRef idx="2">
+        <a:scrgbClr r="0" g="0" b="0"/>
+      </a:lnRef>
+      <a:fillRef idx="1">
+        <a:scrgbClr r="0" g="0" b="0"/>
+      </a:fillRef>
+      <a:effectRef idx="0">
+        <a:scrgbClr r="0" g="0" b="0"/>
+      </a:effectRef>
+      <a:fontRef idx="minor">
+        <a:schemeClr val="lt1"/>
+      </a:fontRef>
+    </dgm:style>
+  </dgm:styleLbl>
+  <dgm:styleLbl name="parChTrans2D4">
+    <dgm:scene3d>
+      <a:camera prst="orthographicFront"/>
+      <a:lightRig rig="threePt" dir="t"/>
+    </dgm:scene3d>
+    <dgm:sp3d/>
+    <dgm:txPr/>
+    <dgm:style>
+      <a:lnRef idx="2">
+        <a:scrgbClr r="0" g="0" b="0"/>
+      </a:lnRef>
+      <a:fillRef idx="1">
+        <a:scrgbClr r="0" g="0" b="0"/>
+      </a:fillRef>
+      <a:effectRef idx="0">
+        <a:scrgbClr r="0" g="0" b="0"/>
+      </a:effectRef>
+      <a:fontRef idx="minor">
+        <a:schemeClr val="lt1"/>
+      </a:fontRef>
+    </dgm:style>
+  </dgm:styleLbl>
+  <dgm:styleLbl name="parChTrans1D1">
+    <dgm:scene3d>
+      <a:camera prst="orthographicFront"/>
+      <a:lightRig rig="threePt" dir="t"/>
+    </dgm:scene3d>
+    <dgm:sp3d/>
+    <dgm:txPr/>
+    <dgm:style>
+      <a:lnRef idx="2">
+        <a:scrgbClr r="0" g="0" b="0"/>
+      </a:lnRef>
+      <a:fillRef idx="0">
+        <a:scrgbClr r="0" g="0" b="0"/>
+      </a:fillRef>
+      <a:effectRef idx="0">
+        <a:scrgbClr r="0" g="0" b="0"/>
+      </a:effectRef>
+      <a:fontRef idx="minor"/>
+    </dgm:style>
+  </dgm:styleLbl>
+  <dgm:styleLbl name="parChTrans1D2">
+    <dgm:scene3d>
+      <a:camera prst="orthographicFront"/>
+      <a:lightRig rig="threePt" dir="t"/>
+    </dgm:scene3d>
+    <dgm:sp3d/>
+    <dgm:txPr/>
+    <dgm:style>
+      <a:lnRef idx="2">
+        <a:scrgbClr r="0" g="0" b="0"/>
+      </a:lnRef>
+      <a:fillRef idx="0">
+        <a:scrgbClr r="0" g="0" b="0"/>
+      </a:fillRef>
+      <a:effectRef idx="0">
+        <a:scrgbClr r="0" g="0" b="0"/>
+      </a:effectRef>
+      <a:fontRef idx="minor"/>
+    </dgm:style>
+  </dgm:styleLbl>
+  <dgm:styleLbl name="parChTrans1D3">
+    <dgm:scene3d>
+      <a:camera prst="orthographicFront"/>
+      <a:lightRig rig="threePt" dir="t"/>
+    </dgm:scene3d>
+    <dgm:sp3d/>
+    <dgm:txPr/>
+    <dgm:style>
+      <a:lnRef idx="2">
+        <a:scrgbClr r="0" g="0" b="0"/>
+      </a:lnRef>
+      <a:fillRef idx="0">
+        <a:scrgbClr r="0" g="0" b="0"/>
+      </a:fillRef>
+      <a:effectRef idx="0">
+        <a:scrgbClr r="0" g="0" b="0"/>
+      </a:effectRef>
+      <a:fontRef idx="minor"/>
+    </dgm:style>
+  </dgm:styleLbl>
+  <dgm:styleLbl name="parChTrans1D4">
+    <dgm:scene3d>
+      <a:camera prst="orthographicFront"/>
+      <a:lightRig rig="threePt" dir="t"/>
+    </dgm:scene3d>
+    <dgm:sp3d/>
+    <dgm:txPr/>
+    <dgm:style>
+      <a:lnRef idx="2">
+        <a:scrgbClr r="0" g="0" b="0"/>
+      </a:lnRef>
+      <a:fillRef idx="0">
+        <a:scrgbClr r="0" g="0" b="0"/>
+      </a:fillRef>
+      <a:effectRef idx="0">
+        <a:scrgbClr r="0" g="0" b="0"/>
+      </a:effectRef>
+      <a:fontRef idx="minor"/>
+    </dgm:style>
+  </dgm:styleLbl>
+  <dgm:styleLbl name="fgAcc1">
+    <dgm:scene3d>
+      <a:camera prst="orthographicFront"/>
+      <a:lightRig rig="threePt" dir="t"/>
+    </dgm:scene3d>
+    <dgm:sp3d/>
+    <dgm:txPr/>
+    <dgm:style>
+      <a:lnRef idx="2">
+        <a:scrgbClr r="0" g="0" b="0"/>
+      </a:lnRef>
+      <a:fillRef idx="1">
+        <a:scrgbClr r="0" g="0" b="0"/>
+      </a:fillRef>
+      <a:effectRef idx="0">
+        <a:scrgbClr r="0" g="0" b="0"/>
+      </a:effectRef>
+      <a:fontRef idx="minor"/>
+    </dgm:style>
+  </dgm:styleLbl>
+  <dgm:styleLbl name="conFgAcc1">
+    <dgm:scene3d>
+      <a:camera prst="orthographicFront"/>
+      <a:lightRig rig="threePt" dir="t"/>
+    </dgm:scene3d>
+    <dgm:sp3d/>
+    <dgm:txPr/>
+    <dgm:style>
+      <a:lnRef idx="2">
+        <a:scrgbClr r="0" g="0" b="0"/>
+      </a:lnRef>
+      <a:fillRef idx="1">
+        <a:scrgbClr r="0" g="0" b="0"/>
+      </a:fillRef>
+      <a:effectRef idx="0">
+        <a:scrgbClr r="0" g="0" b="0"/>
+      </a:effectRef>
+      <a:fontRef idx="minor"/>
+    </dgm:style>
+  </dgm:styleLbl>
+  <dgm:styleLbl name="alignAcc1">
+    <dgm:scene3d>
+      <a:camera prst="orthographicFront"/>
+      <a:lightRig rig="threePt" dir="t"/>
+    </dgm:scene3d>
+    <dgm:sp3d/>
+    <dgm:txPr/>
+    <dgm:style>
+      <a:lnRef idx="2">
+        <a:scrgbClr r="0" g="0" b="0"/>
+      </a:lnRef>
+      <a:fillRef idx="1">
+        <a:scrgbClr r="0" g="0" b="0"/>
+      </a:fillRef>
+      <a:effectRef idx="0">
+        <a:scrgbClr r="0" g="0" b="0"/>
+      </a:effectRef>
+      <a:fontRef idx="minor"/>
+    </dgm:style>
+  </dgm:styleLbl>
+  <dgm:styleLbl name="trAlignAcc1">
+    <dgm:scene3d>
+      <a:camera prst="orthographicFront"/>
+      <a:lightRig rig="threePt" dir="t"/>
+    </dgm:scene3d>
+    <dgm:sp3d/>
+    <dgm:txPr/>
+    <dgm:style>
+      <a:lnRef idx="1">
+        <a:scrgbClr r="0" g="0" b="0"/>
+      </a:lnRef>
+      <a:fillRef idx="1">
+        <a:scrgbClr r="0" g="0" b="0"/>
+      </a:fillRef>
+      <a:effectRef idx="0">
+        <a:scrgbClr r="0" g="0" b="0"/>
+      </a:effectRef>
+      <a:fontRef idx="minor"/>
+    </dgm:style>
+  </dgm:styleLbl>
+  <dgm:styleLbl name="bgAcc1">
+    <dgm:scene3d>
+      <a:camera prst="orthographicFront"/>
+      <a:lightRig rig="threePt" dir="t"/>
+    </dgm:scene3d>
+    <dgm:sp3d/>
+    <dgm:txPr/>
+    <dgm:style>
+      <a:lnRef idx="2">
+        <a:scrgbClr r="0" g="0" b="0"/>
+      </a:lnRef>
+      <a:fillRef idx="1">
+        <a:scrgbClr r="0" g="0" b="0"/>
+      </a:fillRef>
+      <a:effectRef idx="0">
+        <a:scrgbClr r="0" g="0" b="0"/>
+      </a:effectRef>
+      <a:fontRef idx="minor"/>
+    </dgm:style>
+  </dgm:styleLbl>
+  <dgm:styleLbl name="solidFgAcc1">
+    <dgm:scene3d>
+      <a:camera prst="orthographicFront"/>
+      <a:lightRig rig="threePt" dir="t"/>
+    </dgm:scene3d>
+    <dgm:sp3d/>
+    <dgm:txPr/>
+    <dgm:style>
+      <a:lnRef idx="2">
+        <a:scrgbClr r="0" g="0" b="0"/>
+      </a:lnRef>
+      <a:fillRef idx="1">
+        <a:scrgbClr r="0" g="0" b="0"/>
+      </a:fillRef>
+      <a:effectRef idx="0">
+        <a:scrgbClr r="0" g="0" b="0"/>
+      </a:effectRef>
+      <a:fontRef idx="minor"/>
+    </dgm:style>
+  </dgm:styleLbl>
+  <dgm:styleLbl name="solidAlignAcc1">
+    <dgm:scene3d>
+      <a:camera prst="orthographicFront"/>
+      <a:lightRig rig="threePt" dir="t"/>
+    </dgm:scene3d>
+    <dgm:sp3d/>
+    <dgm:txPr/>
+    <dgm:style>
+      <a:lnRef idx="2">
+        <a:scrgbClr r="0" g="0" b="0"/>
+      </a:lnRef>
+      <a:fillRef idx="1">
+        <a:scrgbClr r="0" g="0" b="0"/>
+      </a:fillRef>
+      <a:effectRef idx="0">
+        <a:scrgbClr r="0" g="0" b="0"/>
+      </a:effectRef>
+      <a:fontRef idx="minor"/>
+    </dgm:style>
+  </dgm:styleLbl>
+  <dgm:styleLbl name="solidBgAcc1">
+    <dgm:scene3d>
+      <a:camera prst="orthographicFront"/>
+      <a:lightRig rig="threePt" dir="t"/>
+    </dgm:scene3d>
+    <dgm:sp3d/>
+    <dgm:txPr/>
+    <dgm:style>
+      <a:lnRef idx="2">
+        <a:scrgbClr r="0" g="0" b="0"/>
+      </a:lnRef>
+      <a:fillRef idx="1">
+        <a:scrgbClr r="0" g="0" b="0"/>
+      </a:fillRef>
+      <a:effectRef idx="0">
+        <a:scrgbClr r="0" g="0" b="0"/>
+      </a:effectRef>
+      <a:fontRef idx="minor"/>
+    </dgm:style>
+  </dgm:styleLbl>
+  <dgm:styleLbl name="fgAccFollowNode1">
+    <dgm:scene3d>
+      <a:camera prst="orthographicFront"/>
+      <a:lightRig rig="threePt" dir="t"/>
+    </dgm:scene3d>
+    <dgm:sp3d/>
+    <dgm:txPr/>
+    <dgm:style>
+      <a:lnRef idx="2">
+        <a:scrgbClr r="0" g="0" b="0"/>
+      </a:lnRef>
+      <a:fillRef idx="1">
+        <a:scrgbClr r="0" g="0" b="0"/>
+      </a:fillRef>
+      <a:effectRef idx="0">
+        <a:scrgbClr r="0" g="0" b="0"/>
+      </a:effectRef>
+      <a:fontRef idx="minor"/>
+    </dgm:style>
+  </dgm:styleLbl>
+  <dgm:styleLbl name="alignAccFollowNode1">
+    <dgm:scene3d>
+      <a:camera prst="orthographicFront"/>
+      <a:lightRig rig="threePt" dir="t"/>
+    </dgm:scene3d>
+    <dgm:sp3d/>
+    <dgm:txPr/>
+    <dgm:style>
+      <a:lnRef idx="2">
+        <a:scrgbClr r="0" g="0" b="0"/>
+      </a:lnRef>
+      <a:fillRef idx="1">
+        <a:scrgbClr r="0" g="0" b="0"/>
+      </a:fillRef>
+      <a:effectRef idx="0">
+        <a:scrgbClr r="0" g="0" b="0"/>
+      </a:effectRef>
+      <a:fontRef idx="minor"/>
+    </dgm:style>
+  </dgm:styleLbl>
+  <dgm:styleLbl name="bgAccFollowNode1">
+    <dgm:scene3d>
+      <a:camera prst="orthographicFront"/>
+      <a:lightRig rig="threePt" dir="t"/>
+    </dgm:scene3d>
+    <dgm:sp3d/>
+    <dgm:txPr/>
+    <dgm:style>
+      <a:lnRef idx="2">
+        <a:scrgbClr r="0" g="0" b="0"/>
+      </a:lnRef>
+      <a:fillRef idx="1">
+        <a:scrgbClr r="0" g="0" b="0"/>
+      </a:fillRef>
+      <a:effectRef idx="0">
+        <a:scrgbClr r="0" g="0" b="0"/>
+      </a:effectRef>
+      <a:fontRef idx="minor"/>
+    </dgm:style>
+  </dgm:styleLbl>
+  <dgm:styleLbl name="fgAcc0">
+    <dgm:scene3d>
+      <a:camera prst="orthographicFront"/>
+      <a:lightRig rig="threePt" dir="t"/>
+    </dgm:scene3d>
+    <dgm:sp3d/>
+    <dgm:txPr/>
+    <dgm:style>
+      <a:lnRef idx="2">
+        <a:scrgbClr r="0" g="0" b="0"/>
+      </a:lnRef>
+      <a:fillRef idx="1">
+        <a:scrgbClr r="0" g="0" b="0"/>
+      </a:fillRef>
+      <a:effectRef idx="0">
+        <a:scrgbClr r="0" g="0" b="0"/>
+      </a:effectRef>
+      <a:fontRef idx="minor"/>
+    </dgm:style>
+  </dgm:styleLbl>
+  <dgm:styleLbl name="fgAcc2">
+    <dgm:scene3d>
+      <a:camera prst="orthographicFront"/>
+      <a:lightRig rig="threePt" dir="t"/>
+    </dgm:scene3d>
+    <dgm:sp3d/>
+    <dgm:txPr/>
+    <dgm:style>
+      <a:lnRef idx="2">
+        <a:scrgbClr r="0" g="0" b="0"/>
+      </a:lnRef>
+      <a:fillRef idx="1">
+        <a:scrgbClr r="0" g="0" b="0"/>
+      </a:fillRef>
+      <a:effectRef idx="0">
+        <a:scrgbClr r="0" g="0" b="0"/>
+      </a:effectRef>
+      <a:fontRef idx="minor"/>
+    </dgm:style>
+  </dgm:styleLbl>
+  <dgm:styleLbl name="fgAcc3">
+    <dgm:scene3d>
+      <a:camera prst="orthographicFront"/>
+      <a:lightRig rig="threePt" dir="t"/>
+    </dgm:scene3d>
+    <dgm:sp3d/>
+    <dgm:txPr/>
+    <dgm:style>
+      <a:lnRef idx="2">
+        <a:scrgbClr r="0" g="0" b="0"/>
+      </a:lnRef>
+      <a:fillRef idx="1">
+        <a:scrgbClr r="0" g="0" b="0"/>
+      </a:fillRef>
+      <a:effectRef idx="0">
+        <a:scrgbClr r="0" g="0" b="0"/>
+      </a:effectRef>
+      <a:fontRef idx="minor"/>
+    </dgm:style>
+  </dgm:styleLbl>
+  <dgm:styleLbl name="fgAcc4">
+    <dgm:scene3d>
+      <a:camera prst="orthographicFront"/>
+      <a:lightRig rig="threePt" dir="t"/>
+    </dgm:scene3d>
+    <dgm:sp3d/>
+    <dgm:txPr/>
+    <dgm:style>
+      <a:lnRef idx="2">
+        <a:scrgbClr r="0" g="0" b="0"/>
+      </a:lnRef>
+      <a:fillRef idx="1">
+        <a:scrgbClr r="0" g="0" b="0"/>
+      </a:fillRef>
+      <a:effectRef idx="0">
+        <a:scrgbClr r="0" g="0" b="0"/>
+      </a:effectRef>
+      <a:fontRef idx="minor"/>
+    </dgm:style>
+  </dgm:styleLbl>
+  <dgm:styleLbl name="bgShp">
+    <dgm:scene3d>
+      <a:camera prst="orthographicFront"/>
+      <a:lightRig rig="threePt" dir="t"/>
+    </dgm:scene3d>
+    <dgm:sp3d/>
+    <dgm:txPr/>
+    <dgm:style>
+      <a:lnRef idx="0">
+        <a:scrgbClr r="0" g="0" b="0"/>
+      </a:lnRef>
+      <a:fillRef idx="1">
+        <a:scrgbClr r="0" g="0" b="0"/>
+      </a:fillRef>
+      <a:effectRef idx="0">
+        <a:scrgbClr r="0" g="0" b="0"/>
+      </a:effectRef>
+      <a:fontRef idx="minor"/>
+    </dgm:style>
+  </dgm:styleLbl>
+  <dgm:styleLbl name="dkBgShp">
+    <dgm:scene3d>
+      <a:camera prst="orthographicFront"/>
+      <a:lightRig rig="threePt" dir="t"/>
+    </dgm:scene3d>
+    <dgm:sp3d/>
+    <dgm:txPr/>
+    <dgm:style>
+      <a:lnRef idx="0">
+        <a:scrgbClr r="0" g="0" b="0"/>
+      </a:lnRef>
+      <a:fillRef idx="1">
+        <a:scrgbClr r="0" g="0" b="0"/>
+      </a:fillRef>
+      <a:effectRef idx="0">
+        <a:scrgbClr r="0" g="0" b="0"/>
+      </a:effectRef>
+      <a:fontRef idx="minor"/>
+    </dgm:style>
+  </dgm:styleLbl>
+  <dgm:styleLbl name="trBgShp">
+    <dgm:scene3d>
+      <a:camera prst="orthographicFront"/>
+      <a:lightRig rig="threePt" dir="t"/>
+    </dgm:scene3d>
+    <dgm:sp3d/>
+    <dgm:txPr/>
+    <dgm:style>
+      <a:lnRef idx="0">
+        <a:scrgbClr r="0" g="0" b="0"/>
+      </a:lnRef>
+      <a:fillRef idx="1">
+        <a:scrgbClr r="0" g="0" b="0"/>
+      </a:fillRef>
+      <a:effectRef idx="0">
+        <a:scrgbClr r="0" g="0" b="0"/>
+      </a:effectRef>
+      <a:fontRef idx="minor"/>
+    </dgm:style>
+  </dgm:styleLbl>
+  <dgm:styleLbl name="fgShp">
+    <dgm:scene3d>
+      <a:camera prst="orthographicFront"/>
+      <a:lightRig rig="threePt" dir="t"/>
+    </dgm:scene3d>
+    <dgm:sp3d/>
+    <dgm:txPr/>
+    <dgm:style>
+      <a:lnRef idx="2">
+        <a:scrgbClr r="0" g="0" b="0"/>
+      </a:lnRef>
+      <a:fillRef idx="1">
+        <a:scrgbClr r="0" g="0" b="0"/>
+      </a:fillRef>
+      <a:effectRef idx="0">
+        <a:scrgbClr r="0" g="0" b="0"/>
+      </a:effectRef>
+      <a:fontRef idx="minor"/>
+    </dgm:style>
+  </dgm:styleLbl>
+  <dgm:styleLbl name="revTx">
+    <dgm:scene3d>
+      <a:camera prst="orthographicFront"/>
+      <a:lightRig rig="threePt" dir="t"/>
+    </dgm:scene3d>
+    <dgm:sp3d/>
+    <dgm:txPr/>
+    <dgm:style>
+      <a:lnRef idx="0">
+        <a:scrgbClr r="0" g="0" b="0"/>
+      </a:lnRef>
+      <a:fillRef idx="0">
+        <a:scrgbClr r="0" g="0" b="0"/>
+      </a:fillRef>
+      <a:effectRef idx="0">
+        <a:scrgbClr r="0" g="0" b="0"/>
+      </a:effectRef>
+      <a:fontRef idx="minor"/>
+    </dgm:style>
+  </dgm:styleLbl>
+</dgm:styleDef>
+</file>
+
 <file path=ppt/notesMasters/notesMaster1.xml><?xml version="1.0" encoding="utf-8"?>
 <p:notesMaster xmlns:a="http://schemas.openxmlformats.org/drawingml/2006/main" xmlns:r="http://schemas.openxmlformats.org/officeDocument/2006/relationships" xmlns:p="http://schemas.openxmlformats.org/presentationml/2006/main">
   <p:cSld>
@@ -3559,7 +7724,91 @@
           <a:p>
             <a:fld id="{A4701353-1259-4330-AB94-89D63754C9B0}" type="slidenum">
               <a:rPr lang="en-US" smtClean="0"/>
-              <a:t>5</a:t>
+              <a:t>4</a:t>
+            </a:fld>
+            <a:endParaRPr lang="en-US"/>
+          </a:p>
+        </p:txBody>
+      </p:sp>
+    </p:spTree>
+    <p:extLst>
+      <p:ext uri="{BB962C8B-B14F-4D97-AF65-F5344CB8AC3E}">
+        <p14:creationId xmlns:p14="http://schemas.microsoft.com/office/powerpoint/2010/main" val="3048778871"/>
+      </p:ext>
+    </p:extLst>
+  </p:cSld>
+  <p:clrMapOvr>
+    <a:masterClrMapping/>
+  </p:clrMapOvr>
+</p:notes>
+</file>
+
+<file path=ppt/notesSlides/notesSlide2.xml><?xml version="1.0" encoding="utf-8"?>
+<p:notes xmlns:a="http://schemas.openxmlformats.org/drawingml/2006/main" xmlns:r="http://schemas.openxmlformats.org/officeDocument/2006/relationships" xmlns:p="http://schemas.openxmlformats.org/presentationml/2006/main">
+  <p:cSld>
+    <p:spTree>
+      <p:nvGrpSpPr>
+        <p:cNvPr id="1" name=""/>
+        <p:cNvGrpSpPr/>
+        <p:nvPr/>
+      </p:nvGrpSpPr>
+      <p:grpSpPr>
+        <a:xfrm>
+          <a:off x="0" y="0"/>
+          <a:ext cx="0" cy="0"/>
+          <a:chOff x="0" y="0"/>
+          <a:chExt cx="0" cy="0"/>
+        </a:xfrm>
+      </p:grpSpPr>
+      <p:sp>
+        <p:nvSpPr>
+          <p:cNvPr id="2" name="Slide Image Placeholder 1"/>
+          <p:cNvSpPr>
+            <a:spLocks noGrp="1" noRot="1" noChangeAspect="1"/>
+          </p:cNvSpPr>
+          <p:nvPr>
+            <p:ph type="sldImg"/>
+          </p:nvPr>
+        </p:nvSpPr>
+        <p:spPr/>
+      </p:sp>
+      <p:sp>
+        <p:nvSpPr>
+          <p:cNvPr id="3" name="Notes Placeholder 2"/>
+          <p:cNvSpPr>
+            <a:spLocks noGrp="1"/>
+          </p:cNvSpPr>
+          <p:nvPr>
+            <p:ph type="body" idx="1"/>
+          </p:nvPr>
+        </p:nvSpPr>
+        <p:spPr/>
+        <p:txBody>
+          <a:bodyPr/>
+          <a:lstStyle/>
+          <a:p>
+            <a:endParaRPr lang="en-US" dirty="0"/>
+          </a:p>
+        </p:txBody>
+      </p:sp>
+      <p:sp>
+        <p:nvSpPr>
+          <p:cNvPr id="4" name="Slide Number Placeholder 3"/>
+          <p:cNvSpPr>
+            <a:spLocks noGrp="1"/>
+          </p:cNvSpPr>
+          <p:nvPr>
+            <p:ph type="sldNum" sz="quarter" idx="5"/>
+          </p:nvPr>
+        </p:nvSpPr>
+        <p:spPr/>
+        <p:txBody>
+          <a:bodyPr/>
+          <a:lstStyle/>
+          <a:p>
+            <a:fld id="{A4701353-1259-4330-AB94-89D63754C9B0}" type="slidenum">
+              <a:rPr lang="en-US" smtClean="0"/>
+              <a:t>6</a:t>
             </a:fld>
             <a:endParaRPr lang="en-US"/>
           </a:p>
@@ -7151,7 +11400,7 @@
       </p:grpSpPr>
       <p:sp useBgFill="1">
         <p:nvSpPr>
-          <p:cNvPr id="8" name="Rectangle 7">
+          <p:cNvPr id="12" name="Rectangle 11">
             <a:extLst>
               <a:ext uri="{FF2B5EF4-FFF2-40B4-BE49-F238E27FC236}">
                 <a16:creationId xmlns:a16="http://schemas.microsoft.com/office/drawing/2014/main" id="{777A147A-9ED8-46B4-8660-1B3C2AA880B5}"/>
@@ -7239,15 +11488,15 @@
           <a:p>
             <a:pPr algn="ctr"/>
             <a:r>
-              <a:rPr lang="en-US" sz="5400" dirty="0"/>
-              <a:t>Shared Modules</a:t>
+              <a:rPr lang="en-US" sz="5400" b="1" dirty="0"/>
+              <a:t>Exposed Modules</a:t>
             </a:r>
           </a:p>
         </p:txBody>
       </p:sp>
       <p:sp>
         <p:nvSpPr>
-          <p:cNvPr id="10" name="sketch line">
+          <p:cNvPr id="13" name="sketch line">
             <a:extLst>
               <a:ext uri="{FF2B5EF4-FFF2-40B4-BE49-F238E27FC236}">
                 <a16:creationId xmlns:a16="http://schemas.microsoft.com/office/drawing/2014/main" id="{5D6C15A0-C087-4593-8414-2B4EC1CDC3DE}"/>
@@ -7621,6 +11870,545 @@
             </a:pPr>
             <a:r>
               <a:rPr lang="en-US" sz="2200" dirty="0"/>
+              <a:t>In the context of Module Federation, exposing modules means making </a:t>
+            </a:r>
+            <a:r>
+              <a:rPr lang="en-US" sz="2200" b="1" dirty="0"/>
+              <a:t>certain components</a:t>
+            </a:r>
+            <a:r>
+              <a:rPr lang="en-US" sz="2200" dirty="0"/>
+              <a:t> or functionalities available for consumption by other applications. This is achieved by explicitly defining which parts of a module are meant to be shared.</a:t>
+            </a:r>
+          </a:p>
+          <a:p>
+            <a:pPr algn="just"/>
+            <a:r>
+              <a:rPr lang="en-US" sz="2200" b="1" dirty="0"/>
+              <a:t>Selective Sharing:</a:t>
+            </a:r>
+          </a:p>
+          <a:p>
+            <a:pPr marL="0" indent="0" algn="just">
+              <a:buNone/>
+            </a:pPr>
+            <a:r>
+              <a:rPr lang="en-US" sz="2200" dirty="0"/>
+              <a:t>Exposed modules allow developers to selectively share specific functionalities while keeping others private.</a:t>
+            </a:r>
+          </a:p>
+        </p:txBody>
+      </p:sp>
+    </p:spTree>
+    <p:extLst>
+      <p:ext uri="{BB962C8B-B14F-4D97-AF65-F5344CB8AC3E}">
+        <p14:creationId xmlns:p14="http://schemas.microsoft.com/office/powerpoint/2010/main" val="2874665478"/>
+      </p:ext>
+    </p:extLst>
+  </p:cSld>
+  <p:clrMapOvr>
+    <a:masterClrMapping/>
+  </p:clrMapOvr>
+</p:sld>
+</file>
+
+<file path=ppt/slides/slide11.xml><?xml version="1.0" encoding="utf-8"?>
+<p:sld xmlns:a="http://schemas.openxmlformats.org/drawingml/2006/main" xmlns:r="http://schemas.openxmlformats.org/officeDocument/2006/relationships" xmlns:p="http://schemas.openxmlformats.org/presentationml/2006/main">
+  <p:cSld>
+    <p:bg>
+      <p:bgPr>
+        <a:solidFill>
+          <a:schemeClr val="bg1"/>
+        </a:solidFill>
+        <a:effectLst/>
+      </p:bgPr>
+    </p:bg>
+    <p:spTree>
+      <p:nvGrpSpPr>
+        <p:cNvPr id="1" name=""/>
+        <p:cNvGrpSpPr/>
+        <p:nvPr/>
+      </p:nvGrpSpPr>
+      <p:grpSpPr>
+        <a:xfrm>
+          <a:off x="0" y="0"/>
+          <a:ext cx="0" cy="0"/>
+          <a:chOff x="0" y="0"/>
+          <a:chExt cx="0" cy="0"/>
+        </a:xfrm>
+      </p:grpSpPr>
+      <p:sp useBgFill="1">
+        <p:nvSpPr>
+          <p:cNvPr id="8" name="Rectangle 7">
+            <a:extLst>
+              <a:ext uri="{FF2B5EF4-FFF2-40B4-BE49-F238E27FC236}">
+                <a16:creationId xmlns:a16="http://schemas.microsoft.com/office/drawing/2014/main" id="{777A147A-9ED8-46B4-8660-1B3C2AA880B5}"/>
+              </a:ext>
+              <a:ext uri="{C183D7F6-B498-43B3-948B-1728B52AA6E4}">
+                <adec:decorative xmlns:adec="http://schemas.microsoft.com/office/drawing/2017/decorative" val="1"/>
+              </a:ext>
+            </a:extLst>
+          </p:cNvPr>
+          <p:cNvSpPr>
+            <a:spLocks noGrp="1" noRot="1" noChangeAspect="1" noMove="1" noResize="1" noEditPoints="1" noAdjustHandles="1" noChangeArrowheads="1" noChangeShapeType="1" noTextEdit="1"/>
+          </p:cNvSpPr>
+          <p:nvPr>
+            <p:extLst>
+              <p:ext uri="{386F3935-93C4-4BCD-93E2-E3B085C9AB24}">
+                <p16:designElem xmlns:p16="http://schemas.microsoft.com/office/powerpoint/2015/main" val="1"/>
+              </p:ext>
+            </p:extLst>
+          </p:nvPr>
+        </p:nvSpPr>
+        <p:spPr>
+          <a:xfrm>
+            <a:off x="0" y="0"/>
+            <a:ext cx="12188952" cy="6858000"/>
+          </a:xfrm>
+          <a:prstGeom prst="rect">
+            <a:avLst/>
+          </a:prstGeom>
+          <a:ln>
+            <a:noFill/>
+          </a:ln>
+        </p:spPr>
+        <p:style>
+          <a:lnRef idx="2">
+            <a:schemeClr val="accent1">
+              <a:shade val="50000"/>
+            </a:schemeClr>
+          </a:lnRef>
+          <a:fillRef idx="1">
+            <a:schemeClr val="accent1"/>
+          </a:fillRef>
+          <a:effectRef idx="0">
+            <a:schemeClr val="accent1"/>
+          </a:effectRef>
+          <a:fontRef idx="minor">
+            <a:schemeClr val="lt1"/>
+          </a:fontRef>
+        </p:style>
+        <p:txBody>
+          <a:bodyPr rtlCol="0" anchor="ctr"/>
+          <a:lstStyle/>
+          <a:p>
+            <a:pPr algn="ctr"/>
+            <a:endParaRPr lang="en-US"/>
+          </a:p>
+        </p:txBody>
+      </p:sp>
+      <p:sp>
+        <p:nvSpPr>
+          <p:cNvPr id="2" name="Title 1">
+            <a:extLst>
+              <a:ext uri="{FF2B5EF4-FFF2-40B4-BE49-F238E27FC236}">
+                <a16:creationId xmlns:a16="http://schemas.microsoft.com/office/drawing/2014/main" id="{480281DD-6CD0-E608-E215-821E64C33CB5}"/>
+              </a:ext>
+            </a:extLst>
+          </p:cNvPr>
+          <p:cNvSpPr>
+            <a:spLocks noGrp="1"/>
+          </p:cNvSpPr>
+          <p:nvPr>
+            <p:ph type="title"/>
+          </p:nvPr>
+        </p:nvSpPr>
+        <p:spPr>
+          <a:xfrm>
+            <a:off x="841248" y="548640"/>
+            <a:ext cx="3600860" cy="5431536"/>
+          </a:xfrm>
+        </p:spPr>
+        <p:txBody>
+          <a:bodyPr>
+            <a:normAutofit/>
+          </a:bodyPr>
+          <a:lstStyle/>
+          <a:p>
+            <a:pPr algn="ctr"/>
+            <a:r>
+              <a:rPr lang="en-US" sz="5400" b="1" dirty="0"/>
+              <a:t>Shared Modules</a:t>
+            </a:r>
+          </a:p>
+        </p:txBody>
+      </p:sp>
+      <p:sp>
+        <p:nvSpPr>
+          <p:cNvPr id="10" name="sketch line">
+            <a:extLst>
+              <a:ext uri="{FF2B5EF4-FFF2-40B4-BE49-F238E27FC236}">
+                <a16:creationId xmlns:a16="http://schemas.microsoft.com/office/drawing/2014/main" id="{5D6C15A0-C087-4593-8414-2B4EC1CDC3DE}"/>
+              </a:ext>
+              <a:ext uri="{C183D7F6-B498-43B3-948B-1728B52AA6E4}">
+                <adec:decorative xmlns:adec="http://schemas.microsoft.com/office/drawing/2017/decorative" val="1"/>
+              </a:ext>
+            </a:extLst>
+          </p:cNvPr>
+          <p:cNvSpPr>
+            <a:spLocks noGrp="1" noRot="1" noChangeAspect="1" noMove="1" noResize="1" noEditPoints="1" noAdjustHandles="1" noChangeArrowheads="1" noChangeShapeType="1" noTextEdit="1"/>
+          </p:cNvSpPr>
+          <p:nvPr>
+            <p:extLst>
+              <p:ext uri="{386F3935-93C4-4BCD-93E2-E3B085C9AB24}">
+                <p16:designElem xmlns:p16="http://schemas.microsoft.com/office/powerpoint/2015/main" val="1"/>
+              </p:ext>
+            </p:extLst>
+          </p:nvPr>
+        </p:nvSpPr>
+        <p:spPr>
+          <a:xfrm rot="5400000">
+            <a:off x="2543983" y="3258715"/>
+            <a:ext cx="4480560" cy="18288"/>
+          </a:xfrm>
+          <a:custGeom>
+            <a:avLst/>
+            <a:gdLst>
+              <a:gd name="connsiteX0" fmla="*/ 0 w 4480560"/>
+              <a:gd name="connsiteY0" fmla="*/ 0 h 18288"/>
+              <a:gd name="connsiteX1" fmla="*/ 595274 w 4480560"/>
+              <a:gd name="connsiteY1" fmla="*/ 0 h 18288"/>
+              <a:gd name="connsiteX2" fmla="*/ 1100938 w 4480560"/>
+              <a:gd name="connsiteY2" fmla="*/ 0 h 18288"/>
+              <a:gd name="connsiteX3" fmla="*/ 1651406 w 4480560"/>
+              <a:gd name="connsiteY3" fmla="*/ 0 h 18288"/>
+              <a:gd name="connsiteX4" fmla="*/ 2336292 w 4480560"/>
+              <a:gd name="connsiteY4" fmla="*/ 0 h 18288"/>
+              <a:gd name="connsiteX5" fmla="*/ 2931566 w 4480560"/>
+              <a:gd name="connsiteY5" fmla="*/ 0 h 18288"/>
+              <a:gd name="connsiteX6" fmla="*/ 3482035 w 4480560"/>
+              <a:gd name="connsiteY6" fmla="*/ 0 h 18288"/>
+              <a:gd name="connsiteX7" fmla="*/ 4480560 w 4480560"/>
+              <a:gd name="connsiteY7" fmla="*/ 0 h 18288"/>
+              <a:gd name="connsiteX8" fmla="*/ 4480560 w 4480560"/>
+              <a:gd name="connsiteY8" fmla="*/ 18288 h 18288"/>
+              <a:gd name="connsiteX9" fmla="*/ 3840480 w 4480560"/>
+              <a:gd name="connsiteY9" fmla="*/ 18288 h 18288"/>
+              <a:gd name="connsiteX10" fmla="*/ 3290011 w 4480560"/>
+              <a:gd name="connsiteY10" fmla="*/ 18288 h 18288"/>
+              <a:gd name="connsiteX11" fmla="*/ 2560320 w 4480560"/>
+              <a:gd name="connsiteY11" fmla="*/ 18288 h 18288"/>
+              <a:gd name="connsiteX12" fmla="*/ 1965046 w 4480560"/>
+              <a:gd name="connsiteY12" fmla="*/ 18288 h 18288"/>
+              <a:gd name="connsiteX13" fmla="*/ 1459382 w 4480560"/>
+              <a:gd name="connsiteY13" fmla="*/ 18288 h 18288"/>
+              <a:gd name="connsiteX14" fmla="*/ 774497 w 4480560"/>
+              <a:gd name="connsiteY14" fmla="*/ 18288 h 18288"/>
+              <a:gd name="connsiteX15" fmla="*/ 0 w 4480560"/>
+              <a:gd name="connsiteY15" fmla="*/ 18288 h 18288"/>
+              <a:gd name="connsiteX16" fmla="*/ 0 w 4480560"/>
+              <a:gd name="connsiteY16" fmla="*/ 0 h 18288"/>
+            </a:gdLst>
+            <a:ahLst/>
+            <a:cxnLst>
+              <a:cxn ang="0">
+                <a:pos x="connsiteX0" y="connsiteY0"/>
+              </a:cxn>
+              <a:cxn ang="0">
+                <a:pos x="connsiteX1" y="connsiteY1"/>
+              </a:cxn>
+              <a:cxn ang="0">
+                <a:pos x="connsiteX2" y="connsiteY2"/>
+              </a:cxn>
+              <a:cxn ang="0">
+                <a:pos x="connsiteX3" y="connsiteY3"/>
+              </a:cxn>
+              <a:cxn ang="0">
+                <a:pos x="connsiteX4" y="connsiteY4"/>
+              </a:cxn>
+              <a:cxn ang="0">
+                <a:pos x="connsiteX5" y="connsiteY5"/>
+              </a:cxn>
+              <a:cxn ang="0">
+                <a:pos x="connsiteX6" y="connsiteY6"/>
+              </a:cxn>
+              <a:cxn ang="0">
+                <a:pos x="connsiteX7" y="connsiteY7"/>
+              </a:cxn>
+              <a:cxn ang="0">
+                <a:pos x="connsiteX8" y="connsiteY8"/>
+              </a:cxn>
+              <a:cxn ang="0">
+                <a:pos x="connsiteX9" y="connsiteY9"/>
+              </a:cxn>
+              <a:cxn ang="0">
+                <a:pos x="connsiteX10" y="connsiteY10"/>
+              </a:cxn>
+              <a:cxn ang="0">
+                <a:pos x="connsiteX11" y="connsiteY11"/>
+              </a:cxn>
+              <a:cxn ang="0">
+                <a:pos x="connsiteX12" y="connsiteY12"/>
+              </a:cxn>
+              <a:cxn ang="0">
+                <a:pos x="connsiteX13" y="connsiteY13"/>
+              </a:cxn>
+              <a:cxn ang="0">
+                <a:pos x="connsiteX14" y="connsiteY14"/>
+              </a:cxn>
+              <a:cxn ang="0">
+                <a:pos x="connsiteX15" y="connsiteY15"/>
+              </a:cxn>
+              <a:cxn ang="0">
+                <a:pos x="connsiteX16" y="connsiteY16"/>
+              </a:cxn>
+            </a:cxnLst>
+            <a:rect l="l" t="t" r="r" b="b"/>
+            <a:pathLst>
+              <a:path w="4480560" h="18288" fill="none" extrusionOk="0">
+                <a:moveTo>
+                  <a:pt x="0" y="0"/>
+                </a:moveTo>
+                <a:cubicBezTo>
+                  <a:pt x="267821" y="8731"/>
+                  <a:pt x="334105" y="2629"/>
+                  <a:pt x="595274" y="0"/>
+                </a:cubicBezTo>
+                <a:cubicBezTo>
+                  <a:pt x="856443" y="-2629"/>
+                  <a:pt x="863808" y="-13353"/>
+                  <a:pt x="1100938" y="0"/>
+                </a:cubicBezTo>
+                <a:cubicBezTo>
+                  <a:pt x="1338068" y="13353"/>
+                  <a:pt x="1431663" y="-25862"/>
+                  <a:pt x="1651406" y="0"/>
+                </a:cubicBezTo>
+                <a:cubicBezTo>
+                  <a:pt x="1871149" y="25862"/>
+                  <a:pt x="2173163" y="23827"/>
+                  <a:pt x="2336292" y="0"/>
+                </a:cubicBezTo>
+                <a:cubicBezTo>
+                  <a:pt x="2499421" y="-23827"/>
+                  <a:pt x="2720589" y="28148"/>
+                  <a:pt x="2931566" y="0"/>
+                </a:cubicBezTo>
+                <a:cubicBezTo>
+                  <a:pt x="3142543" y="-28148"/>
+                  <a:pt x="3323630" y="27022"/>
+                  <a:pt x="3482035" y="0"/>
+                </a:cubicBezTo>
+                <a:cubicBezTo>
+                  <a:pt x="3640440" y="-27022"/>
+                  <a:pt x="4012110" y="-20118"/>
+                  <a:pt x="4480560" y="0"/>
+                </a:cubicBezTo>
+                <a:cubicBezTo>
+                  <a:pt x="4480958" y="7429"/>
+                  <a:pt x="4480540" y="10822"/>
+                  <a:pt x="4480560" y="18288"/>
+                </a:cubicBezTo>
+                <a:cubicBezTo>
+                  <a:pt x="4314132" y="14924"/>
+                  <a:pt x="4028383" y="36632"/>
+                  <a:pt x="3840480" y="18288"/>
+                </a:cubicBezTo>
+                <a:cubicBezTo>
+                  <a:pt x="3652577" y="-56"/>
+                  <a:pt x="3547615" y="2848"/>
+                  <a:pt x="3290011" y="18288"/>
+                </a:cubicBezTo>
+                <a:cubicBezTo>
+                  <a:pt x="3032407" y="33728"/>
+                  <a:pt x="2830268" y="8719"/>
+                  <a:pt x="2560320" y="18288"/>
+                </a:cubicBezTo>
+                <a:cubicBezTo>
+                  <a:pt x="2290372" y="27857"/>
+                  <a:pt x="2147422" y="6728"/>
+                  <a:pt x="1965046" y="18288"/>
+                </a:cubicBezTo>
+                <a:cubicBezTo>
+                  <a:pt x="1782670" y="29848"/>
+                  <a:pt x="1689791" y="40680"/>
+                  <a:pt x="1459382" y="18288"/>
+                </a:cubicBezTo>
+                <a:cubicBezTo>
+                  <a:pt x="1228973" y="-4104"/>
+                  <a:pt x="915486" y="36501"/>
+                  <a:pt x="774497" y="18288"/>
+                </a:cubicBezTo>
+                <a:cubicBezTo>
+                  <a:pt x="633508" y="75"/>
+                  <a:pt x="361442" y="-11107"/>
+                  <a:pt x="0" y="18288"/>
+                </a:cubicBezTo>
+                <a:cubicBezTo>
+                  <a:pt x="-591" y="13205"/>
+                  <a:pt x="-663" y="6329"/>
+                  <a:pt x="0" y="0"/>
+                </a:cubicBezTo>
+                <a:close/>
+              </a:path>
+              <a:path w="4480560" h="18288" stroke="0" extrusionOk="0">
+                <a:moveTo>
+                  <a:pt x="0" y="0"/>
+                </a:moveTo>
+                <a:cubicBezTo>
+                  <a:pt x="285465" y="225"/>
+                  <a:pt x="322691" y="16223"/>
+                  <a:pt x="595274" y="0"/>
+                </a:cubicBezTo>
+                <a:cubicBezTo>
+                  <a:pt x="867857" y="-16223"/>
+                  <a:pt x="989129" y="-11242"/>
+                  <a:pt x="1100938" y="0"/>
+                </a:cubicBezTo>
+                <a:cubicBezTo>
+                  <a:pt x="1212747" y="11242"/>
+                  <a:pt x="1574350" y="-36410"/>
+                  <a:pt x="1830629" y="0"/>
+                </a:cubicBezTo>
+                <a:cubicBezTo>
+                  <a:pt x="2086908" y="36410"/>
+                  <a:pt x="2180922" y="4645"/>
+                  <a:pt x="2425903" y="0"/>
+                </a:cubicBezTo>
+                <a:cubicBezTo>
+                  <a:pt x="2670884" y="-4645"/>
+                  <a:pt x="2782024" y="22929"/>
+                  <a:pt x="3021178" y="0"/>
+                </a:cubicBezTo>
+                <a:cubicBezTo>
+                  <a:pt x="3260332" y="-22929"/>
+                  <a:pt x="3456982" y="-1586"/>
+                  <a:pt x="3750869" y="0"/>
+                </a:cubicBezTo>
+                <a:cubicBezTo>
+                  <a:pt x="4044756" y="1586"/>
+                  <a:pt x="4302726" y="17043"/>
+                  <a:pt x="4480560" y="0"/>
+                </a:cubicBezTo>
+                <a:cubicBezTo>
+                  <a:pt x="4479674" y="5429"/>
+                  <a:pt x="4481381" y="14046"/>
+                  <a:pt x="4480560" y="18288"/>
+                </a:cubicBezTo>
+                <a:cubicBezTo>
+                  <a:pt x="4279652" y="-6850"/>
+                  <a:pt x="4200762" y="41566"/>
+                  <a:pt x="3930091" y="18288"/>
+                </a:cubicBezTo>
+                <a:cubicBezTo>
+                  <a:pt x="3659420" y="-4990"/>
+                  <a:pt x="3456052" y="22294"/>
+                  <a:pt x="3290011" y="18288"/>
+                </a:cubicBezTo>
+                <a:cubicBezTo>
+                  <a:pt x="3123970" y="14282"/>
+                  <a:pt x="2882392" y="32818"/>
+                  <a:pt x="2649931" y="18288"/>
+                </a:cubicBezTo>
+                <a:cubicBezTo>
+                  <a:pt x="2417470" y="3758"/>
+                  <a:pt x="2238426" y="7337"/>
+                  <a:pt x="2054657" y="18288"/>
+                </a:cubicBezTo>
+                <a:cubicBezTo>
+                  <a:pt x="1870888" y="29239"/>
+                  <a:pt x="1566368" y="45040"/>
+                  <a:pt x="1324966" y="18288"/>
+                </a:cubicBezTo>
+                <a:cubicBezTo>
+                  <a:pt x="1083564" y="-8464"/>
+                  <a:pt x="787410" y="10946"/>
+                  <a:pt x="595274" y="18288"/>
+                </a:cubicBezTo>
+                <a:cubicBezTo>
+                  <a:pt x="403138" y="25630"/>
+                  <a:pt x="169622" y="10499"/>
+                  <a:pt x="0" y="18288"/>
+                </a:cubicBezTo>
+                <a:cubicBezTo>
+                  <a:pt x="668" y="13665"/>
+                  <a:pt x="578" y="5675"/>
+                  <a:pt x="0" y="0"/>
+                </a:cubicBezTo>
+                <a:close/>
+              </a:path>
+            </a:pathLst>
+          </a:custGeom>
+          <a:solidFill>
+            <a:schemeClr val="accent2"/>
+          </a:solidFill>
+          <a:ln w="41275" cap="rnd">
+            <a:solidFill>
+              <a:schemeClr val="accent2"/>
+            </a:solidFill>
+            <a:round/>
+            <a:extLst>
+              <a:ext uri="{C807C97D-BFC1-408E-A445-0C87EB9F89A2}">
+                <ask:lineSketchStyleProps xmlns:ask="http://schemas.microsoft.com/office/drawing/2018/sketchyshapes" sd="1219033472">
+                  <a:prstGeom prst="rect">
+                    <a:avLst/>
+                  </a:prstGeom>
+                  <ask:type>
+                    <ask:lineSketchFreehand/>
+                  </ask:type>
+                </ask:lineSketchStyleProps>
+              </a:ext>
+            </a:extLst>
+          </a:ln>
+        </p:spPr>
+        <p:style>
+          <a:lnRef idx="2">
+            <a:schemeClr val="accent1">
+              <a:shade val="50000"/>
+            </a:schemeClr>
+          </a:lnRef>
+          <a:fillRef idx="1">
+            <a:schemeClr val="accent1"/>
+          </a:fillRef>
+          <a:effectRef idx="0">
+            <a:schemeClr val="accent1"/>
+          </a:effectRef>
+          <a:fontRef idx="minor">
+            <a:schemeClr val="lt1"/>
+          </a:fontRef>
+        </p:style>
+        <p:txBody>
+          <a:bodyPr rtlCol="0" anchor="ctr"/>
+          <a:lstStyle/>
+          <a:p>
+            <a:pPr algn="ctr"/>
+            <a:endParaRPr lang="en-US"/>
+          </a:p>
+        </p:txBody>
+      </p:sp>
+      <p:sp>
+        <p:nvSpPr>
+          <p:cNvPr id="3" name="Content Placeholder 2">
+            <a:extLst>
+              <a:ext uri="{FF2B5EF4-FFF2-40B4-BE49-F238E27FC236}">
+                <a16:creationId xmlns:a16="http://schemas.microsoft.com/office/drawing/2014/main" id="{5130D005-DBEA-18FE-9D7E-B412A548022A}"/>
+              </a:ext>
+            </a:extLst>
+          </p:cNvPr>
+          <p:cNvSpPr>
+            <a:spLocks noGrp="1"/>
+          </p:cNvSpPr>
+          <p:nvPr>
+            <p:ph idx="1"/>
+          </p:nvPr>
+        </p:nvSpPr>
+        <p:spPr>
+          <a:xfrm>
+            <a:off x="5126418" y="552091"/>
+            <a:ext cx="6224335" cy="5431536"/>
+          </a:xfrm>
+        </p:spPr>
+        <p:txBody>
+          <a:bodyPr anchor="ctr">
+            <a:normAutofit/>
+          </a:bodyPr>
+          <a:lstStyle/>
+          <a:p>
+            <a:pPr marL="0" indent="0" algn="just">
+              <a:buNone/>
+            </a:pPr>
+            <a:r>
+              <a:rPr lang="en-US" sz="2200" dirty="0"/>
               <a:t>These are modules that contain shared code, assets, or resources that can be utilized by multiple micro frontends. Shared modules promote code reusability and maintainability across the application landscape.</a:t>
             </a:r>
           </a:p>
@@ -7671,7 +12459,7 @@
 </p:sld>
 </file>
 
-<file path=ppt/slides/slide11.xml><?xml version="1.0" encoding="utf-8"?>
+<file path=ppt/slides/slide12.xml><?xml version="1.0" encoding="utf-8"?>
 <p:sld xmlns:a="http://schemas.openxmlformats.org/drawingml/2006/main" xmlns:r="http://schemas.openxmlformats.org/officeDocument/2006/relationships" xmlns:p="http://schemas.openxmlformats.org/presentationml/2006/main">
   <p:cSld>
     <p:bg>
@@ -7920,7 +12708,7 @@
           <a:p>
             <a:pPr algn="ctr"/>
             <a:r>
-              <a:rPr lang="en-US" sz="4800" dirty="0">
+              <a:rPr lang="en-US" sz="4800" b="1" dirty="0">
                 <a:solidFill>
                   <a:srgbClr val="FFFFFF"/>
                 </a:solidFill>
@@ -8073,7 +12861,7 @@
 </p:sld>
 </file>
 
-<file path=ppt/slides/slide12.xml><?xml version="1.0" encoding="utf-8"?>
+<file path=ppt/slides/slide13.xml><?xml version="1.0" encoding="utf-8"?>
 <p:sld xmlns:a="http://schemas.openxmlformats.org/drawingml/2006/main" xmlns:r="http://schemas.openxmlformats.org/officeDocument/2006/relationships" xmlns:p="http://schemas.openxmlformats.org/presentationml/2006/main">
   <p:cSld>
     <p:bg>
@@ -8322,7 +13110,7 @@
           <a:p>
             <a:pPr algn="ctr"/>
             <a:r>
-              <a:rPr lang="en-US" sz="4800" dirty="0">
+              <a:rPr lang="en-US" sz="4800" b="1" dirty="0">
                 <a:solidFill>
                   <a:srgbClr val="FFFFFF"/>
                 </a:solidFill>
@@ -8330,14 +13118,14 @@
               <a:t>1</a:t>
             </a:r>
             <a:br>
-              <a:rPr lang="en-US" sz="4800" dirty="0">
+              <a:rPr lang="en-US" sz="4800" b="1" dirty="0">
                 <a:solidFill>
                   <a:srgbClr val="FFFFFF"/>
                 </a:solidFill>
               </a:rPr>
             </a:br>
             <a:r>
-              <a:rPr lang="en-US" sz="4800" dirty="0">
+              <a:rPr lang="en-US" sz="4800" b="1" dirty="0">
                 <a:solidFill>
                   <a:srgbClr val="FFFFFF"/>
                 </a:solidFill>
@@ -8474,7 +13262,7 @@
 </p:sld>
 </file>
 
-<file path=ppt/slides/slide13.xml><?xml version="1.0" encoding="utf-8"?>
+<file path=ppt/slides/slide14.xml><?xml version="1.0" encoding="utf-8"?>
 <p:sld xmlns:a="http://schemas.openxmlformats.org/drawingml/2006/main" xmlns:r="http://schemas.openxmlformats.org/officeDocument/2006/relationships" xmlns:p="http://schemas.openxmlformats.org/presentationml/2006/main">
   <p:cSld>
     <p:bg>
@@ -8723,7 +13511,7 @@
           <a:p>
             <a:pPr algn="ctr"/>
             <a:r>
-              <a:rPr lang="en-US" dirty="0">
+              <a:rPr lang="en-US" b="1" dirty="0">
                 <a:solidFill>
                   <a:srgbClr val="FFFFFF"/>
                 </a:solidFill>
@@ -8731,14 +13519,14 @@
               <a:t>2</a:t>
             </a:r>
             <a:br>
-              <a:rPr lang="en-US" dirty="0">
+              <a:rPr lang="en-US" b="1" dirty="0">
                 <a:solidFill>
                   <a:srgbClr val="FFFFFF"/>
                 </a:solidFill>
               </a:rPr>
             </a:br>
             <a:r>
-              <a:rPr lang="en-US" dirty="0">
+              <a:rPr lang="en-US" b="1" dirty="0">
                 <a:solidFill>
                   <a:srgbClr val="FFFFFF"/>
                 </a:solidFill>
@@ -8875,7 +13663,7 @@
 </p:sld>
 </file>
 
-<file path=ppt/slides/slide14.xml><?xml version="1.0" encoding="utf-8"?>
+<file path=ppt/slides/slide15.xml><?xml version="1.0" encoding="utf-8"?>
 <p:sld xmlns:a="http://schemas.openxmlformats.org/drawingml/2006/main" xmlns:r="http://schemas.openxmlformats.org/officeDocument/2006/relationships" xmlns:p="http://schemas.openxmlformats.org/presentationml/2006/main">
   <p:cSld>
     <p:bg>
@@ -9124,7 +13912,7 @@
           <a:p>
             <a:pPr algn="ctr"/>
             <a:r>
-              <a:rPr lang="en-US" sz="6000" dirty="0">
+              <a:rPr lang="en-US" sz="6000" b="1" dirty="0">
                 <a:solidFill>
                   <a:srgbClr val="FFFFFF"/>
                 </a:solidFill>
@@ -9132,14 +13920,14 @@
               <a:t>3</a:t>
             </a:r>
             <a:br>
-              <a:rPr lang="en-US" sz="6000" dirty="0">
+              <a:rPr lang="en-US" sz="6000" b="1" dirty="0">
                 <a:solidFill>
                   <a:srgbClr val="FFFFFF"/>
                 </a:solidFill>
               </a:rPr>
             </a:br>
             <a:r>
-              <a:rPr lang="en-US" sz="6000" dirty="0">
+              <a:rPr lang="en-US" sz="6000" b="1" dirty="0">
                 <a:solidFill>
                   <a:srgbClr val="FFFFFF"/>
                 </a:solidFill>
@@ -9276,7 +14064,7 @@
 </p:sld>
 </file>
 
-<file path=ppt/slides/slide15.xml><?xml version="1.0" encoding="utf-8"?>
+<file path=ppt/slides/slide16.xml><?xml version="1.0" encoding="utf-8"?>
 <p:sld xmlns:a="http://schemas.openxmlformats.org/drawingml/2006/main" xmlns:r="http://schemas.openxmlformats.org/officeDocument/2006/relationships" xmlns:p="http://schemas.openxmlformats.org/presentationml/2006/main">
   <p:cSld>
     <p:bg>
@@ -9525,7 +14313,7 @@
           <a:p>
             <a:pPr algn="ctr"/>
             <a:r>
-              <a:rPr lang="en-US" sz="6000" dirty="0">
+              <a:rPr lang="en-US" sz="6000" b="1" dirty="0">
                 <a:solidFill>
                   <a:srgbClr val="FFFFFF"/>
                 </a:solidFill>
@@ -9533,14 +14321,14 @@
               <a:t>4</a:t>
             </a:r>
             <a:br>
-              <a:rPr lang="en-US" sz="6000" dirty="0">
+              <a:rPr lang="en-US" sz="6000" b="1" dirty="0">
                 <a:solidFill>
                   <a:srgbClr val="FFFFFF"/>
                 </a:solidFill>
               </a:rPr>
             </a:br>
             <a:r>
-              <a:rPr lang="en-US" sz="6000" dirty="0">
+              <a:rPr lang="en-US" sz="6000" b="1" dirty="0">
                 <a:solidFill>
                   <a:srgbClr val="FFFFFF"/>
                 </a:solidFill>
@@ -9677,7 +14465,7 @@
 </p:sld>
 </file>
 
-<file path=ppt/slides/slide16.xml><?xml version="1.0" encoding="utf-8"?>
+<file path=ppt/slides/slide17.xml><?xml version="1.0" encoding="utf-8"?>
 <p:sld xmlns:a="http://schemas.openxmlformats.org/drawingml/2006/main" xmlns:r="http://schemas.openxmlformats.org/officeDocument/2006/relationships" xmlns:p="http://schemas.openxmlformats.org/presentationml/2006/main">
   <p:cSld>
     <p:bg>
@@ -9791,7 +14579,7 @@
           <a:lstStyle/>
           <a:p>
             <a:r>
-              <a:rPr lang="en-US" sz="5400" dirty="0"/>
+              <a:rPr lang="en-US" sz="5400" b="1" dirty="0"/>
               <a:t>Pros and Cons of Module Federation</a:t>
             </a:r>
           </a:p>
@@ -10641,7 +15429,7 @@
 </p:sld>
 </file>
 
-<file path=ppt/slides/slide17.xml><?xml version="1.0" encoding="utf-8"?>
+<file path=ppt/slides/slide18.xml><?xml version="1.0" encoding="utf-8"?>
 <p:sld xmlns:a="http://schemas.openxmlformats.org/drawingml/2006/main" xmlns:r="http://schemas.openxmlformats.org/officeDocument/2006/relationships" xmlns:p="http://schemas.openxmlformats.org/presentationml/2006/main">
   <p:cSld>
     <p:bg>
@@ -10951,7 +15739,7 @@
           <a:p>
             <a:pPr algn="ctr"/>
             <a:r>
-              <a:rPr lang="en-US" sz="6000" kern="1200" dirty="0">
+              <a:rPr lang="en-US" sz="6000" b="1" kern="1200" dirty="0">
                 <a:solidFill>
                   <a:schemeClr val="accent2"/>
                 </a:solidFill>
@@ -10968,7 +15756,7 @@
               </a:rPr>
               <a:t>Module Federation Demo</a:t>
             </a:r>
-            <a:endParaRPr lang="en-US" sz="6000" kern="1200" dirty="0">
+            <a:endParaRPr lang="en-US" sz="6000" b="1" kern="1200" dirty="0">
               <a:solidFill>
                 <a:schemeClr val="accent2"/>
               </a:solidFill>
@@ -11148,6 +15936,574 @@
       </p:grpSpPr>
       <p:sp useBgFill="1">
         <p:nvSpPr>
+          <p:cNvPr id="33" name="Rectangle 32">
+            <a:extLst>
+              <a:ext uri="{FF2B5EF4-FFF2-40B4-BE49-F238E27FC236}">
+                <a16:creationId xmlns:a16="http://schemas.microsoft.com/office/drawing/2014/main" id="{7517A47C-B2E5-4B79-8061-D74B1311AF6E}"/>
+              </a:ext>
+              <a:ext uri="{C183D7F6-B498-43B3-948B-1728B52AA6E4}">
+                <adec:decorative xmlns:adec="http://schemas.microsoft.com/office/drawing/2017/decorative" val="1"/>
+              </a:ext>
+            </a:extLst>
+          </p:cNvPr>
+          <p:cNvSpPr>
+            <a:spLocks noGrp="1" noRot="1" noChangeAspect="1" noMove="1" noResize="1" noEditPoints="1" noAdjustHandles="1" noChangeArrowheads="1" noChangeShapeType="1" noTextEdit="1"/>
+          </p:cNvSpPr>
+          <p:nvPr>
+            <p:extLst>
+              <p:ext uri="{386F3935-93C4-4BCD-93E2-E3B085C9AB24}">
+                <p16:designElem xmlns:p16="http://schemas.microsoft.com/office/powerpoint/2015/main" val="1"/>
+              </p:ext>
+            </p:extLst>
+          </p:nvPr>
+        </p:nvSpPr>
+        <p:spPr>
+          <a:xfrm>
+            <a:off x="0" y="0"/>
+            <a:ext cx="12192000" cy="6858000"/>
+          </a:xfrm>
+          <a:prstGeom prst="rect">
+            <a:avLst/>
+          </a:prstGeom>
+          <a:ln>
+            <a:noFill/>
+          </a:ln>
+        </p:spPr>
+        <p:style>
+          <a:lnRef idx="2">
+            <a:schemeClr val="accent1">
+              <a:shade val="50000"/>
+            </a:schemeClr>
+          </a:lnRef>
+          <a:fillRef idx="1">
+            <a:schemeClr val="accent1"/>
+          </a:fillRef>
+          <a:effectRef idx="0">
+            <a:schemeClr val="accent1"/>
+          </a:effectRef>
+          <a:fontRef idx="minor">
+            <a:schemeClr val="lt1"/>
+          </a:fontRef>
+        </p:style>
+        <p:txBody>
+          <a:bodyPr rtlCol="0" anchor="ctr"/>
+          <a:lstStyle/>
+          <a:p>
+            <a:pPr algn="ctr"/>
+            <a:endParaRPr lang="en-US"/>
+          </a:p>
+        </p:txBody>
+      </p:sp>
+      <p:sp useBgFill="1">
+        <p:nvSpPr>
+          <p:cNvPr id="35" name="Freeform: Shape 34">
+            <a:extLst>
+              <a:ext uri="{FF2B5EF4-FFF2-40B4-BE49-F238E27FC236}">
+                <a16:creationId xmlns:a16="http://schemas.microsoft.com/office/drawing/2014/main" id="{C505E780-2083-4CB5-A42A-5E0E2908ECC3}"/>
+              </a:ext>
+              <a:ext uri="{C183D7F6-B498-43B3-948B-1728B52AA6E4}">
+                <adec:decorative xmlns:adec="http://schemas.microsoft.com/office/drawing/2017/decorative" val="1"/>
+              </a:ext>
+            </a:extLst>
+          </p:cNvPr>
+          <p:cNvSpPr>
+            <a:spLocks noGrp="1" noRot="1" noChangeAspect="1" noMove="1" noResize="1" noEditPoints="1" noAdjustHandles="1" noChangeArrowheads="1" noChangeShapeType="1" noTextEdit="1"/>
+          </p:cNvSpPr>
+          <p:nvPr>
+            <p:extLst>
+              <p:ext uri="{386F3935-93C4-4BCD-93E2-E3B085C9AB24}">
+                <p16:designElem xmlns:p16="http://schemas.microsoft.com/office/powerpoint/2015/main" val="1"/>
+              </p:ext>
+            </p:extLst>
+          </p:nvPr>
+        </p:nvSpPr>
+        <p:spPr>
+          <a:xfrm>
+            <a:off x="-1" y="0"/>
+            <a:ext cx="4818889" cy="6858000"/>
+          </a:xfrm>
+          <a:custGeom>
+            <a:avLst/>
+            <a:gdLst>
+              <a:gd name="connsiteX0" fmla="*/ 0 w 4818889"/>
+              <a:gd name="connsiteY0" fmla="*/ 0 h 6858000"/>
+              <a:gd name="connsiteX1" fmla="*/ 3605911 w 4818889"/>
+              <a:gd name="connsiteY1" fmla="*/ 0 h 6858000"/>
+              <a:gd name="connsiteX2" fmla="*/ 3668894 w 4818889"/>
+              <a:gd name="connsiteY2" fmla="*/ 69271 h 6858000"/>
+              <a:gd name="connsiteX3" fmla="*/ 4818889 w 4818889"/>
+              <a:gd name="connsiteY3" fmla="*/ 3429000 h 6858000"/>
+              <a:gd name="connsiteX4" fmla="*/ 3668894 w 4818889"/>
+              <a:gd name="connsiteY4" fmla="*/ 6788730 h 6858000"/>
+              <a:gd name="connsiteX5" fmla="*/ 3605911 w 4818889"/>
+              <a:gd name="connsiteY5" fmla="*/ 6858000 h 6858000"/>
+              <a:gd name="connsiteX6" fmla="*/ 0 w 4818889"/>
+              <a:gd name="connsiteY6" fmla="*/ 6858000 h 6858000"/>
+            </a:gdLst>
+            <a:ahLst/>
+            <a:cxnLst>
+              <a:cxn ang="0">
+                <a:pos x="connsiteX0" y="connsiteY0"/>
+              </a:cxn>
+              <a:cxn ang="0">
+                <a:pos x="connsiteX1" y="connsiteY1"/>
+              </a:cxn>
+              <a:cxn ang="0">
+                <a:pos x="connsiteX2" y="connsiteY2"/>
+              </a:cxn>
+              <a:cxn ang="0">
+                <a:pos x="connsiteX3" y="connsiteY3"/>
+              </a:cxn>
+              <a:cxn ang="0">
+                <a:pos x="connsiteX4" y="connsiteY4"/>
+              </a:cxn>
+              <a:cxn ang="0">
+                <a:pos x="connsiteX5" y="connsiteY5"/>
+              </a:cxn>
+              <a:cxn ang="0">
+                <a:pos x="connsiteX6" y="connsiteY6"/>
+              </a:cxn>
+            </a:cxnLst>
+            <a:rect l="l" t="t" r="r" b="b"/>
+            <a:pathLst>
+              <a:path w="4818889" h="6858000">
+                <a:moveTo>
+                  <a:pt x="0" y="0"/>
+                </a:moveTo>
+                <a:lnTo>
+                  <a:pt x="3605911" y="0"/>
+                </a:lnTo>
+                <a:lnTo>
+                  <a:pt x="3668894" y="69271"/>
+                </a:lnTo>
+                <a:cubicBezTo>
+                  <a:pt x="4379420" y="929100"/>
+                  <a:pt x="4818889" y="2116944"/>
+                  <a:pt x="4818889" y="3429000"/>
+                </a:cubicBezTo>
+                <a:cubicBezTo>
+                  <a:pt x="4818889" y="4741056"/>
+                  <a:pt x="4379420" y="5928900"/>
+                  <a:pt x="3668894" y="6788730"/>
+                </a:cubicBezTo>
+                <a:lnTo>
+                  <a:pt x="3605911" y="6858000"/>
+                </a:lnTo>
+                <a:lnTo>
+                  <a:pt x="0" y="6858000"/>
+                </a:lnTo>
+                <a:close/>
+              </a:path>
+            </a:pathLst>
+          </a:custGeom>
+          <a:ln w="9525">
+            <a:solidFill>
+              <a:srgbClr val="EFEFEF"/>
+            </a:solidFill>
+          </a:ln>
+          <a:effectLst>
+            <a:outerShdw blurRad="88900" dist="38100" algn="l" rotWithShape="0">
+              <a:schemeClr val="bg1">
+                <a:lumMod val="85000"/>
+                <a:alpha val="50000"/>
+              </a:schemeClr>
+            </a:outerShdw>
+          </a:effectLst>
+        </p:spPr>
+        <p:style>
+          <a:lnRef idx="2">
+            <a:schemeClr val="accent1">
+              <a:shade val="50000"/>
+            </a:schemeClr>
+          </a:lnRef>
+          <a:fillRef idx="1">
+            <a:schemeClr val="accent1"/>
+          </a:fillRef>
+          <a:effectRef idx="0">
+            <a:schemeClr val="accent1"/>
+          </a:effectRef>
+          <a:fontRef idx="minor">
+            <a:schemeClr val="lt1"/>
+          </a:fontRef>
+        </p:style>
+        <p:txBody>
+          <a:bodyPr wrap="square" rtlCol="0" anchor="ctr">
+            <a:noAutofit/>
+          </a:bodyPr>
+          <a:lstStyle/>
+          <a:p>
+            <a:pPr marL="0" marR="0" lvl="0" indent="0" algn="ctr" defTabSz="914400" rtl="0" eaLnBrk="1" fontAlgn="auto" latinLnBrk="0" hangingPunct="1">
+              <a:lnSpc>
+                <a:spcPct val="100000"/>
+              </a:lnSpc>
+              <a:spcBef>
+                <a:spcPts val="0"/>
+              </a:spcBef>
+              <a:spcAft>
+                <a:spcPts val="0"/>
+              </a:spcAft>
+              <a:buClrTx/>
+              <a:buSzTx/>
+              <a:buFontTx/>
+              <a:buNone/>
+              <a:tabLst/>
+              <a:defRPr/>
+            </a:pPr>
+            <a:endParaRPr kumimoji="0" lang="en-US" sz="1800" b="0" i="0" u="none" strike="noStrike" kern="1200" cap="none" spc="0" normalizeH="0" baseline="0" noProof="0">
+              <a:ln>
+                <a:noFill/>
+              </a:ln>
+              <a:solidFill>
+                <a:prstClr val="white"/>
+              </a:solidFill>
+              <a:effectLst/>
+              <a:uLnTx/>
+              <a:uFillTx/>
+              <a:latin typeface="Calibri" panose="020F0502020204030204"/>
+              <a:ea typeface="+mn-ea"/>
+              <a:cs typeface="+mn-cs"/>
+            </a:endParaRPr>
+          </a:p>
+        </p:txBody>
+      </p:sp>
+      <p:sp useBgFill="1">
+        <p:nvSpPr>
+          <p:cNvPr id="37" name="Freeform: Shape 36">
+            <a:extLst>
+              <a:ext uri="{FF2B5EF4-FFF2-40B4-BE49-F238E27FC236}">
+                <a16:creationId xmlns:a16="http://schemas.microsoft.com/office/drawing/2014/main" id="{D2C0AE1C-0118-41AE-8A10-7CDCBF10E96F}"/>
+              </a:ext>
+              <a:ext uri="{C183D7F6-B498-43B3-948B-1728B52AA6E4}">
+                <adec:decorative xmlns:adec="http://schemas.microsoft.com/office/drawing/2017/decorative" val="1"/>
+              </a:ext>
+            </a:extLst>
+          </p:cNvPr>
+          <p:cNvSpPr>
+            <a:spLocks noGrp="1" noRot="1" noChangeAspect="1" noMove="1" noResize="1" noEditPoints="1" noAdjustHandles="1" noChangeArrowheads="1" noChangeShapeType="1" noTextEdit="1"/>
+          </p:cNvSpPr>
+          <p:nvPr>
+            <p:extLst>
+              <p:ext uri="{386F3935-93C4-4BCD-93E2-E3B085C9AB24}">
+                <p16:designElem xmlns:p16="http://schemas.microsoft.com/office/powerpoint/2015/main" val="1"/>
+              </p:ext>
+            </p:extLst>
+          </p:nvPr>
+        </p:nvSpPr>
+        <p:spPr>
+          <a:xfrm>
+            <a:off x="1" y="0"/>
+            <a:ext cx="4811477" cy="6858000"/>
+          </a:xfrm>
+          <a:custGeom>
+            <a:avLst/>
+            <a:gdLst>
+              <a:gd name="connsiteX0" fmla="*/ 0 w 4811477"/>
+              <a:gd name="connsiteY0" fmla="*/ 0 h 6858000"/>
+              <a:gd name="connsiteX1" fmla="*/ 3598499 w 4811477"/>
+              <a:gd name="connsiteY1" fmla="*/ 0 h 6858000"/>
+              <a:gd name="connsiteX2" fmla="*/ 3661482 w 4811477"/>
+              <a:gd name="connsiteY2" fmla="*/ 69271 h 6858000"/>
+              <a:gd name="connsiteX3" fmla="*/ 4811477 w 4811477"/>
+              <a:gd name="connsiteY3" fmla="*/ 3429000 h 6858000"/>
+              <a:gd name="connsiteX4" fmla="*/ 3661482 w 4811477"/>
+              <a:gd name="connsiteY4" fmla="*/ 6788730 h 6858000"/>
+              <a:gd name="connsiteX5" fmla="*/ 3598499 w 4811477"/>
+              <a:gd name="connsiteY5" fmla="*/ 6858000 h 6858000"/>
+              <a:gd name="connsiteX6" fmla="*/ 0 w 4811477"/>
+              <a:gd name="connsiteY6" fmla="*/ 6858000 h 6858000"/>
+            </a:gdLst>
+            <a:ahLst/>
+            <a:cxnLst>
+              <a:cxn ang="0">
+                <a:pos x="connsiteX0" y="connsiteY0"/>
+              </a:cxn>
+              <a:cxn ang="0">
+                <a:pos x="connsiteX1" y="connsiteY1"/>
+              </a:cxn>
+              <a:cxn ang="0">
+                <a:pos x="connsiteX2" y="connsiteY2"/>
+              </a:cxn>
+              <a:cxn ang="0">
+                <a:pos x="connsiteX3" y="connsiteY3"/>
+              </a:cxn>
+              <a:cxn ang="0">
+                <a:pos x="connsiteX4" y="connsiteY4"/>
+              </a:cxn>
+              <a:cxn ang="0">
+                <a:pos x="connsiteX5" y="connsiteY5"/>
+              </a:cxn>
+              <a:cxn ang="0">
+                <a:pos x="connsiteX6" y="connsiteY6"/>
+              </a:cxn>
+            </a:cxnLst>
+            <a:rect l="l" t="t" r="r" b="b"/>
+            <a:pathLst>
+              <a:path w="4811477" h="6858000">
+                <a:moveTo>
+                  <a:pt x="0" y="0"/>
+                </a:moveTo>
+                <a:lnTo>
+                  <a:pt x="3598499" y="0"/>
+                </a:lnTo>
+                <a:lnTo>
+                  <a:pt x="3661482" y="69271"/>
+                </a:lnTo>
+                <a:cubicBezTo>
+                  <a:pt x="4372008" y="929100"/>
+                  <a:pt x="4811477" y="2116944"/>
+                  <a:pt x="4811477" y="3429000"/>
+                </a:cubicBezTo>
+                <a:cubicBezTo>
+                  <a:pt x="4811477" y="4741056"/>
+                  <a:pt x="4372008" y="5928900"/>
+                  <a:pt x="3661482" y="6788730"/>
+                </a:cubicBezTo>
+                <a:lnTo>
+                  <a:pt x="3598499" y="6858000"/>
+                </a:lnTo>
+                <a:lnTo>
+                  <a:pt x="0" y="6858000"/>
+                </a:lnTo>
+                <a:close/>
+              </a:path>
+            </a:pathLst>
+          </a:custGeom>
+          <a:ln w="9525">
+            <a:noFill/>
+          </a:ln>
+          <a:effectLst/>
+        </p:spPr>
+        <p:style>
+          <a:lnRef idx="2">
+            <a:schemeClr val="accent1">
+              <a:shade val="50000"/>
+            </a:schemeClr>
+          </a:lnRef>
+          <a:fillRef idx="1">
+            <a:schemeClr val="accent1"/>
+          </a:fillRef>
+          <a:effectRef idx="0">
+            <a:schemeClr val="accent1"/>
+          </a:effectRef>
+          <a:fontRef idx="minor">
+            <a:schemeClr val="lt1"/>
+          </a:fontRef>
+        </p:style>
+        <p:txBody>
+          <a:bodyPr wrap="square" rtlCol="0" anchor="ctr">
+            <a:noAutofit/>
+          </a:bodyPr>
+          <a:lstStyle/>
+          <a:p>
+            <a:pPr marL="0" marR="0" lvl="0" indent="0" algn="ctr" defTabSz="914400" rtl="0" eaLnBrk="1" fontAlgn="auto" latinLnBrk="0" hangingPunct="1">
+              <a:lnSpc>
+                <a:spcPct val="100000"/>
+              </a:lnSpc>
+              <a:spcBef>
+                <a:spcPts val="0"/>
+              </a:spcBef>
+              <a:spcAft>
+                <a:spcPts val="0"/>
+              </a:spcAft>
+              <a:buClrTx/>
+              <a:buSzTx/>
+              <a:buFontTx/>
+              <a:buNone/>
+              <a:tabLst/>
+              <a:defRPr/>
+            </a:pPr>
+            <a:endParaRPr kumimoji="0" lang="en-US" sz="1800" b="0" i="0" u="none" strike="noStrike" kern="1200" cap="none" spc="0" normalizeH="0" baseline="0" noProof="0">
+              <a:ln>
+                <a:noFill/>
+              </a:ln>
+              <a:solidFill>
+                <a:prstClr val="white"/>
+              </a:solidFill>
+              <a:effectLst/>
+              <a:uLnTx/>
+              <a:uFillTx/>
+              <a:latin typeface="Calibri" panose="020F0502020204030204"/>
+              <a:ea typeface="+mn-ea"/>
+              <a:cs typeface="+mn-cs"/>
+            </a:endParaRPr>
+          </a:p>
+        </p:txBody>
+      </p:sp>
+      <p:sp>
+        <p:nvSpPr>
+          <p:cNvPr id="2" name="Title 1">
+            <a:extLst>
+              <a:ext uri="{FF2B5EF4-FFF2-40B4-BE49-F238E27FC236}">
+                <a16:creationId xmlns:a16="http://schemas.microsoft.com/office/drawing/2014/main" id="{909BE524-EB2D-1B1F-2A51-A11DB42F255F}"/>
+              </a:ext>
+            </a:extLst>
+          </p:cNvPr>
+          <p:cNvSpPr>
+            <a:spLocks noGrp="1"/>
+          </p:cNvSpPr>
+          <p:nvPr>
+            <p:ph type="title"/>
+          </p:nvPr>
+        </p:nvSpPr>
+        <p:spPr>
+          <a:xfrm>
+            <a:off x="621792" y="1161288"/>
+            <a:ext cx="3602736" cy="4526280"/>
+          </a:xfrm>
+        </p:spPr>
+        <p:txBody>
+          <a:bodyPr>
+            <a:normAutofit/>
+          </a:bodyPr>
+          <a:lstStyle/>
+          <a:p>
+            <a:pPr algn="ctr"/>
+            <a:r>
+              <a:rPr lang="en-US" sz="6600" b="1" dirty="0"/>
+              <a:t>Agenda</a:t>
+            </a:r>
+          </a:p>
+        </p:txBody>
+      </p:sp>
+      <p:sp>
+        <p:nvSpPr>
+          <p:cNvPr id="39" name="Rectangle 38">
+            <a:extLst>
+              <a:ext uri="{FF2B5EF4-FFF2-40B4-BE49-F238E27FC236}">
+                <a16:creationId xmlns:a16="http://schemas.microsoft.com/office/drawing/2014/main" id="{463EEC44-1BA3-44ED-81FC-A644B04B2A44}"/>
+              </a:ext>
+              <a:ext uri="{C183D7F6-B498-43B3-948B-1728B52AA6E4}">
+                <adec:decorative xmlns:adec="http://schemas.microsoft.com/office/drawing/2017/decorative" val="1"/>
+              </a:ext>
+            </a:extLst>
+          </p:cNvPr>
+          <p:cNvSpPr>
+            <a:spLocks noGrp="1" noRot="1" noChangeAspect="1" noMove="1" noResize="1" noEditPoints="1" noAdjustHandles="1" noChangeArrowheads="1" noChangeShapeType="1" noTextEdit="1"/>
+          </p:cNvSpPr>
+          <p:nvPr>
+            <p:extLst>
+              <p:ext uri="{386F3935-93C4-4BCD-93E2-E3B085C9AB24}">
+                <p16:designElem xmlns:p16="http://schemas.microsoft.com/office/powerpoint/2015/main" val="1"/>
+              </p:ext>
+            </p:extLst>
+          </p:nvPr>
+        </p:nvSpPr>
+        <p:spPr>
+          <a:xfrm>
+            <a:off x="0" y="3081528"/>
+            <a:ext cx="128016" cy="704088"/>
+          </a:xfrm>
+          <a:prstGeom prst="rect">
+            <a:avLst/>
+          </a:prstGeom>
+          <a:solidFill>
+            <a:schemeClr val="accent2"/>
+          </a:solidFill>
+          <a:ln>
+            <a:noFill/>
+          </a:ln>
+        </p:spPr>
+        <p:style>
+          <a:lnRef idx="2">
+            <a:schemeClr val="accent1">
+              <a:shade val="50000"/>
+            </a:schemeClr>
+          </a:lnRef>
+          <a:fillRef idx="1">
+            <a:schemeClr val="accent1"/>
+          </a:fillRef>
+          <a:effectRef idx="0">
+            <a:schemeClr val="accent1"/>
+          </a:effectRef>
+          <a:fontRef idx="minor">
+            <a:schemeClr val="lt1"/>
+          </a:fontRef>
+        </p:style>
+        <p:txBody>
+          <a:bodyPr rtlCol="0" anchor="ctr"/>
+          <a:lstStyle/>
+          <a:p>
+            <a:pPr algn="ctr"/>
+            <a:endParaRPr lang="en-US">
+              <a:solidFill>
+                <a:prstClr val="white"/>
+              </a:solidFill>
+              <a:latin typeface="Calibri" panose="020F0502020204030204"/>
+            </a:endParaRPr>
+          </a:p>
+        </p:txBody>
+      </p:sp>
+      <p:graphicFrame>
+        <p:nvGraphicFramePr>
+          <p:cNvPr id="29" name="Content Placeholder 2">
+            <a:extLst>
+              <a:ext uri="{FF2B5EF4-FFF2-40B4-BE49-F238E27FC236}">
+                <a16:creationId xmlns:a16="http://schemas.microsoft.com/office/drawing/2014/main" id="{41D9ADAE-ABAA-7D11-E70D-3EE72AAE71A7}"/>
+              </a:ext>
+            </a:extLst>
+          </p:cNvPr>
+          <p:cNvGraphicFramePr>
+            <a:graphicFrameLocks noGrp="1"/>
+          </p:cNvGraphicFramePr>
+          <p:nvPr>
+            <p:ph idx="1"/>
+            <p:extLst>
+              <p:ext uri="{D42A27DB-BD31-4B8C-83A1-F6EECF244321}">
+                <p14:modId xmlns:p14="http://schemas.microsoft.com/office/powerpoint/2010/main" val="323276359"/>
+              </p:ext>
+            </p:extLst>
+          </p:nvPr>
+        </p:nvGraphicFramePr>
+        <p:xfrm>
+          <a:off x="5303520" y="676656"/>
+          <a:ext cx="6364224" cy="5513832"/>
+        </p:xfrm>
+        <a:graphic>
+          <a:graphicData uri="http://schemas.openxmlformats.org/drawingml/2006/diagram">
+            <dgm:relIds xmlns:dgm="http://schemas.openxmlformats.org/drawingml/2006/diagram" xmlns:r="http://schemas.openxmlformats.org/officeDocument/2006/relationships" r:dm="rId2" r:lo="rId3" r:qs="rId4" r:cs="rId5"/>
+          </a:graphicData>
+        </a:graphic>
+      </p:graphicFrame>
+    </p:spTree>
+    <p:extLst>
+      <p:ext uri="{BB962C8B-B14F-4D97-AF65-F5344CB8AC3E}">
+        <p14:creationId xmlns:p14="http://schemas.microsoft.com/office/powerpoint/2010/main" val="580199251"/>
+      </p:ext>
+    </p:extLst>
+  </p:cSld>
+  <p:clrMapOvr>
+    <a:masterClrMapping/>
+  </p:clrMapOvr>
+</p:sld>
+</file>
+
+<file path=ppt/slides/slide3.xml><?xml version="1.0" encoding="utf-8"?>
+<p:sld xmlns:a="http://schemas.openxmlformats.org/drawingml/2006/main" xmlns:r="http://schemas.openxmlformats.org/officeDocument/2006/relationships" xmlns:p="http://schemas.openxmlformats.org/presentationml/2006/main">
+  <p:cSld>
+    <p:bg>
+      <p:bgPr>
+        <a:solidFill>
+          <a:schemeClr val="bg1"/>
+        </a:solidFill>
+        <a:effectLst/>
+      </p:bgPr>
+    </p:bg>
+    <p:spTree>
+      <p:nvGrpSpPr>
+        <p:cNvPr id="1" name=""/>
+        <p:cNvGrpSpPr/>
+        <p:nvPr/>
+      </p:nvGrpSpPr>
+      <p:grpSpPr>
+        <a:xfrm>
+          <a:off x="0" y="0"/>
+          <a:ext cx="0" cy="0"/>
+          <a:chOff x="0" y="0"/>
+          <a:chExt cx="0" cy="0"/>
+        </a:xfrm>
+      </p:grpSpPr>
+      <p:sp useBgFill="1">
+        <p:nvSpPr>
           <p:cNvPr id="9" name="Rectangle 8">
             <a:extLst>
               <a:ext uri="{FF2B5EF4-FFF2-40B4-BE49-F238E27FC236}">
@@ -11235,7 +16591,7 @@
           <a:lstStyle/>
           <a:p>
             <a:r>
-              <a:rPr lang="en-US" sz="5400" dirty="0"/>
+              <a:rPr lang="en-US" sz="5400" b="1" dirty="0"/>
               <a:t>History of Module Federation</a:t>
             </a:r>
           </a:p>
@@ -11753,7 +17109,7 @@
           </a:bodyPr>
           <a:lstStyle/>
           <a:p>
-            <a:pPr marL="0" indent="0">
+            <a:pPr marL="0" indent="0" algn="ctr">
               <a:buNone/>
             </a:pPr>
             <a:r>
@@ -11798,7 +17154,7 @@
 </p:sld>
 </file>
 
-<file path=ppt/slides/slide3.xml><?xml version="1.0" encoding="utf-8"?>
+<file path=ppt/slides/slide4.xml><?xml version="1.0" encoding="utf-8"?>
 <p:sld xmlns:a="http://schemas.openxmlformats.org/drawingml/2006/main" xmlns:r="http://schemas.openxmlformats.org/officeDocument/2006/relationships" xmlns:p="http://schemas.openxmlformats.org/presentationml/2006/main">
   <p:cSld>
     <p:bg>
@@ -11912,7 +17268,7 @@
           <a:lstStyle/>
           <a:p>
             <a:r>
-              <a:rPr lang="en-US" sz="5400" dirty="0"/>
+              <a:rPr lang="en-US" sz="5400" b="1" dirty="0"/>
               <a:t>History of Module Federation</a:t>
             </a:r>
           </a:p>
@@ -11933,7 +17289,7 @@
           <p:nvPr/>
         </p:nvPicPr>
         <p:blipFill rotWithShape="1">
-          <a:blip r:embed="rId2"/>
+          <a:blip r:embed="rId3"/>
           <a:srcRect l="51246" r="6988"/>
           <a:stretch/>
         </p:blipFill>
@@ -12430,7 +17786,7 @@
           </a:bodyPr>
           <a:lstStyle/>
           <a:p>
-            <a:pPr marL="0" indent="0">
+            <a:pPr marL="0" indent="0" algn="ctr">
               <a:buNone/>
             </a:pPr>
             <a:r>
@@ -12467,7 +17823,7 @@
 </p:sld>
 </file>
 
-<file path=ppt/slides/slide4.xml><?xml version="1.0" encoding="utf-8"?>
+<file path=ppt/slides/slide5.xml><?xml version="1.0" encoding="utf-8"?>
 <p:sld xmlns:a="http://schemas.openxmlformats.org/drawingml/2006/main" xmlns:r="http://schemas.openxmlformats.org/officeDocument/2006/relationships" xmlns:p="http://schemas.openxmlformats.org/presentationml/2006/main">
   <p:cSld>
     <p:bg>
@@ -12581,7 +17937,7 @@
           <a:lstStyle/>
           <a:p>
             <a:r>
-              <a:rPr lang="en-US" sz="5400" dirty="0"/>
+              <a:rPr lang="en-US" sz="5400" b="1" dirty="0"/>
               <a:t>What is Module Federation</a:t>
             </a:r>
           </a:p>
@@ -13104,7 +18460,15 @@
             </a:pPr>
             <a:r>
               <a:rPr lang="en-US" sz="2200" dirty="0"/>
-              <a:t>Module Federation is a concept in the context of front-end development that enables the </a:t>
+              <a:t>Module Federation is a </a:t>
+            </a:r>
+            <a:r>
+              <a:rPr lang="en-US" sz="2200" b="1" dirty="0"/>
+              <a:t>concept</a:t>
+            </a:r>
+            <a:r>
+              <a:rPr lang="en-US" sz="2200" dirty="0"/>
+              <a:t> in the context of front-end development that enables the </a:t>
             </a:r>
             <a:r>
               <a:rPr lang="en-US" sz="2200" b="1" dirty="0"/>
@@ -13112,7 +18476,31 @@
             </a:r>
             <a:r>
               <a:rPr lang="en-US" sz="2200" dirty="0"/>
-              <a:t>. This concept is particularly relevant in the context of micro frontends, which is an architectural approach to building front-end applications by breaking them down into smaller, independently deployable and scalable units.</a:t>
+              <a:t>. This concept is particularly relevant in the </a:t>
+            </a:r>
+            <a:r>
+              <a:rPr lang="en-US" sz="2200" b="1" dirty="0"/>
+              <a:t>context of micro frontends</a:t>
+            </a:r>
+            <a:r>
+              <a:rPr lang="en-US" sz="2200" dirty="0"/>
+              <a:t>, which is an </a:t>
+            </a:r>
+            <a:r>
+              <a:rPr lang="en-US" sz="2200" b="1" dirty="0"/>
+              <a:t>architectural</a:t>
+            </a:r>
+            <a:r>
+              <a:rPr lang="en-US" sz="2200" dirty="0"/>
+              <a:t> </a:t>
+            </a:r>
+            <a:r>
+              <a:rPr lang="en-US" sz="2200" b="1" dirty="0"/>
+              <a:t>approach</a:t>
+            </a:r>
+            <a:r>
+              <a:rPr lang="en-US" sz="2200" dirty="0"/>
+              <a:t> to building front-end applications by breaking them down into smaller, independently deployable and scalable units.</a:t>
             </a:r>
           </a:p>
         </p:txBody>
@@ -13130,7 +18518,7 @@
 </p:sld>
 </file>
 
-<file path=ppt/slides/slide5.xml><?xml version="1.0" encoding="utf-8"?>
+<file path=ppt/slides/slide6.xml><?xml version="1.0" encoding="utf-8"?>
 <p:sld xmlns:a="http://schemas.openxmlformats.org/drawingml/2006/main" xmlns:r="http://schemas.openxmlformats.org/officeDocument/2006/relationships" xmlns:p="http://schemas.openxmlformats.org/presentationml/2006/main">
   <p:cSld>
     <p:bg>
@@ -13244,7 +18632,7 @@
           <a:lstStyle/>
           <a:p>
             <a:r>
-              <a:rPr lang="en-US" sz="5400" kern="1200" dirty="0">
+              <a:rPr lang="en-US" sz="5400" b="1" kern="1200" dirty="0">
                 <a:solidFill>
                   <a:schemeClr val="tx1"/>
                 </a:solidFill>
@@ -13624,7 +19012,7 @@
 </p:sld>
 </file>
 
-<file path=ppt/slides/slide6.xml><?xml version="1.0" encoding="utf-8"?>
+<file path=ppt/slides/slide7.xml><?xml version="1.0" encoding="utf-8"?>
 <p:sld xmlns:a="http://schemas.openxmlformats.org/drawingml/2006/main" xmlns:r="http://schemas.openxmlformats.org/officeDocument/2006/relationships" xmlns:p="http://schemas.openxmlformats.org/presentationml/2006/main">
   <p:cSld>
     <p:bg>
@@ -13738,7 +19126,7 @@
           <a:lstStyle/>
           <a:p>
             <a:r>
-              <a:rPr lang="en-US" sz="3800" dirty="0"/>
+              <a:rPr lang="en-US" sz="3600" b="1" dirty="0"/>
               <a:t>Relationship between Module Federation and Micro-Frontends</a:t>
             </a:r>
           </a:p>
@@ -14259,7 +19647,15 @@
             <a:pPr algn="just"/>
             <a:r>
               <a:rPr lang="en-US" sz="2200" dirty="0"/>
-              <a:t>Module Federation is a technique that can be used to implement the principles of Micro Frontends. By using Module Federation, different micro frontends can dynamically import and use modules from each other, allowing for better code sharing and collaboration between independent teams.</a:t>
+              <a:t>Module Federation is a </a:t>
+            </a:r>
+            <a:r>
+              <a:rPr lang="en-US" sz="2200" b="1" dirty="0"/>
+              <a:t>technique that can be used to implement the principles of Micro Frontends</a:t>
+            </a:r>
+            <a:r>
+              <a:rPr lang="en-US" sz="2200" dirty="0"/>
+              <a:t>. By using Module Federation, different micro frontends can dynamically import and use modules from each other, allowing for better code sharing and collaboration between independent teams.</a:t>
             </a:r>
           </a:p>
           <a:p>
@@ -14284,7 +19680,7 @@
 </p:sld>
 </file>
 
-<file path=ppt/slides/slide7.xml><?xml version="1.0" encoding="utf-8"?>
+<file path=ppt/slides/slide8.xml><?xml version="1.0" encoding="utf-8"?>
 <p:sld xmlns:a="http://schemas.openxmlformats.org/drawingml/2006/main" xmlns:r="http://schemas.openxmlformats.org/officeDocument/2006/relationships" xmlns:p="http://schemas.openxmlformats.org/presentationml/2006/main">
   <p:cSld>
     <p:bg>
@@ -14398,7 +19794,7 @@
           <a:lstStyle/>
           <a:p>
             <a:r>
-              <a:rPr lang="en-US" sz="5400" dirty="0"/>
+              <a:rPr lang="en-US" sz="5400" b="1" dirty="0"/>
               <a:t>Key Concepts of Module Federation</a:t>
             </a:r>
           </a:p>
@@ -15061,7 +20457,7 @@
 </p:sld>
 </file>
 
-<file path=ppt/slides/slide8.xml><?xml version="1.0" encoding="utf-8"?>
+<file path=ppt/slides/slide9.xml><?xml version="1.0" encoding="utf-8"?>
 <p:sld xmlns:a="http://schemas.openxmlformats.org/drawingml/2006/main" xmlns:r="http://schemas.openxmlformats.org/officeDocument/2006/relationships" xmlns:p="http://schemas.openxmlformats.org/presentationml/2006/main">
   <p:cSld>
     <p:bg>
@@ -15176,7 +20572,7 @@
           <a:p>
             <a:pPr algn="ctr"/>
             <a:r>
-              <a:rPr lang="en-US" sz="5400" dirty="0"/>
+              <a:rPr lang="en-US" sz="5400" b="1" dirty="0"/>
               <a:t>Remote Modules</a:t>
             </a:r>
           </a:p>
@@ -15558,7 +20954,15 @@
             </a:pPr>
             <a:r>
               <a:rPr lang="en-US" sz="2000" dirty="0"/>
-              <a:t>These are independent modules or components that reside in separate codebases or repositories. They are designed to be loaded dynamically at runtime by other applications, typically referred to as host applications.</a:t>
+              <a:t>These are independent modules or components that reside in separate codebases or repositories. They are designed to be </a:t>
+            </a:r>
+            <a:r>
+              <a:rPr lang="en-US" sz="2000" b="1" dirty="0"/>
+              <a:t>loaded dynamically at runtime</a:t>
+            </a:r>
+            <a:r>
+              <a:rPr lang="en-US" sz="2000" dirty="0"/>
+              <a:t> by other applications, typically referred to as host applications.</a:t>
             </a:r>
           </a:p>
           <a:p>
@@ -15608,545 +21012,6 @@
     <p:extLst>
       <p:ext uri="{BB962C8B-B14F-4D97-AF65-F5344CB8AC3E}">
         <p14:creationId xmlns:p14="http://schemas.microsoft.com/office/powerpoint/2010/main" val="1184663500"/>
-      </p:ext>
-    </p:extLst>
-  </p:cSld>
-  <p:clrMapOvr>
-    <a:masterClrMapping/>
-  </p:clrMapOvr>
-</p:sld>
-</file>
-
-<file path=ppt/slides/slide9.xml><?xml version="1.0" encoding="utf-8"?>
-<p:sld xmlns:a="http://schemas.openxmlformats.org/drawingml/2006/main" xmlns:r="http://schemas.openxmlformats.org/officeDocument/2006/relationships" xmlns:p="http://schemas.openxmlformats.org/presentationml/2006/main">
-  <p:cSld>
-    <p:bg>
-      <p:bgPr>
-        <a:solidFill>
-          <a:schemeClr val="bg1"/>
-        </a:solidFill>
-        <a:effectLst/>
-      </p:bgPr>
-    </p:bg>
-    <p:spTree>
-      <p:nvGrpSpPr>
-        <p:cNvPr id="1" name=""/>
-        <p:cNvGrpSpPr/>
-        <p:nvPr/>
-      </p:nvGrpSpPr>
-      <p:grpSpPr>
-        <a:xfrm>
-          <a:off x="0" y="0"/>
-          <a:ext cx="0" cy="0"/>
-          <a:chOff x="0" y="0"/>
-          <a:chExt cx="0" cy="0"/>
-        </a:xfrm>
-      </p:grpSpPr>
-      <p:sp useBgFill="1">
-        <p:nvSpPr>
-          <p:cNvPr id="12" name="Rectangle 11">
-            <a:extLst>
-              <a:ext uri="{FF2B5EF4-FFF2-40B4-BE49-F238E27FC236}">
-                <a16:creationId xmlns:a16="http://schemas.microsoft.com/office/drawing/2014/main" id="{777A147A-9ED8-46B4-8660-1B3C2AA880B5}"/>
-              </a:ext>
-              <a:ext uri="{C183D7F6-B498-43B3-948B-1728B52AA6E4}">
-                <adec:decorative xmlns:adec="http://schemas.microsoft.com/office/drawing/2017/decorative" val="1"/>
-              </a:ext>
-            </a:extLst>
-          </p:cNvPr>
-          <p:cNvSpPr>
-            <a:spLocks noGrp="1" noRot="1" noChangeAspect="1" noMove="1" noResize="1" noEditPoints="1" noAdjustHandles="1" noChangeArrowheads="1" noChangeShapeType="1" noTextEdit="1"/>
-          </p:cNvSpPr>
-          <p:nvPr>
-            <p:extLst>
-              <p:ext uri="{386F3935-93C4-4BCD-93E2-E3B085C9AB24}">
-                <p16:designElem xmlns:p16="http://schemas.microsoft.com/office/powerpoint/2015/main" val="1"/>
-              </p:ext>
-            </p:extLst>
-          </p:nvPr>
-        </p:nvSpPr>
-        <p:spPr>
-          <a:xfrm>
-            <a:off x="0" y="0"/>
-            <a:ext cx="12188952" cy="6858000"/>
-          </a:xfrm>
-          <a:prstGeom prst="rect">
-            <a:avLst/>
-          </a:prstGeom>
-          <a:ln>
-            <a:noFill/>
-          </a:ln>
-        </p:spPr>
-        <p:style>
-          <a:lnRef idx="2">
-            <a:schemeClr val="accent1">
-              <a:shade val="50000"/>
-            </a:schemeClr>
-          </a:lnRef>
-          <a:fillRef idx="1">
-            <a:schemeClr val="accent1"/>
-          </a:fillRef>
-          <a:effectRef idx="0">
-            <a:schemeClr val="accent1"/>
-          </a:effectRef>
-          <a:fontRef idx="minor">
-            <a:schemeClr val="lt1"/>
-          </a:fontRef>
-        </p:style>
-        <p:txBody>
-          <a:bodyPr rtlCol="0" anchor="ctr"/>
-          <a:lstStyle/>
-          <a:p>
-            <a:pPr algn="ctr"/>
-            <a:endParaRPr lang="en-US"/>
-          </a:p>
-        </p:txBody>
-      </p:sp>
-      <p:sp>
-        <p:nvSpPr>
-          <p:cNvPr id="2" name="Title 1">
-            <a:extLst>
-              <a:ext uri="{FF2B5EF4-FFF2-40B4-BE49-F238E27FC236}">
-                <a16:creationId xmlns:a16="http://schemas.microsoft.com/office/drawing/2014/main" id="{480281DD-6CD0-E608-E215-821E64C33CB5}"/>
-              </a:ext>
-            </a:extLst>
-          </p:cNvPr>
-          <p:cNvSpPr>
-            <a:spLocks noGrp="1"/>
-          </p:cNvSpPr>
-          <p:nvPr>
-            <p:ph type="title"/>
-          </p:nvPr>
-        </p:nvSpPr>
-        <p:spPr>
-          <a:xfrm>
-            <a:off x="841248" y="548640"/>
-            <a:ext cx="3600860" cy="5431536"/>
-          </a:xfrm>
-        </p:spPr>
-        <p:txBody>
-          <a:bodyPr>
-            <a:normAutofit/>
-          </a:bodyPr>
-          <a:lstStyle/>
-          <a:p>
-            <a:pPr algn="ctr"/>
-            <a:r>
-              <a:rPr lang="en-US" sz="5400" dirty="0"/>
-              <a:t>Exposed Modules</a:t>
-            </a:r>
-          </a:p>
-        </p:txBody>
-      </p:sp>
-      <p:sp>
-        <p:nvSpPr>
-          <p:cNvPr id="13" name="sketch line">
-            <a:extLst>
-              <a:ext uri="{FF2B5EF4-FFF2-40B4-BE49-F238E27FC236}">
-                <a16:creationId xmlns:a16="http://schemas.microsoft.com/office/drawing/2014/main" id="{5D6C15A0-C087-4593-8414-2B4EC1CDC3DE}"/>
-              </a:ext>
-              <a:ext uri="{C183D7F6-B498-43B3-948B-1728B52AA6E4}">
-                <adec:decorative xmlns:adec="http://schemas.microsoft.com/office/drawing/2017/decorative" val="1"/>
-              </a:ext>
-            </a:extLst>
-          </p:cNvPr>
-          <p:cNvSpPr>
-            <a:spLocks noGrp="1" noRot="1" noChangeAspect="1" noMove="1" noResize="1" noEditPoints="1" noAdjustHandles="1" noChangeArrowheads="1" noChangeShapeType="1" noTextEdit="1"/>
-          </p:cNvSpPr>
-          <p:nvPr>
-            <p:extLst>
-              <p:ext uri="{386F3935-93C4-4BCD-93E2-E3B085C9AB24}">
-                <p16:designElem xmlns:p16="http://schemas.microsoft.com/office/powerpoint/2015/main" val="1"/>
-              </p:ext>
-            </p:extLst>
-          </p:nvPr>
-        </p:nvSpPr>
-        <p:spPr>
-          <a:xfrm rot="5400000">
-            <a:off x="2543983" y="3258715"/>
-            <a:ext cx="4480560" cy="18288"/>
-          </a:xfrm>
-          <a:custGeom>
-            <a:avLst/>
-            <a:gdLst>
-              <a:gd name="connsiteX0" fmla="*/ 0 w 4480560"/>
-              <a:gd name="connsiteY0" fmla="*/ 0 h 18288"/>
-              <a:gd name="connsiteX1" fmla="*/ 595274 w 4480560"/>
-              <a:gd name="connsiteY1" fmla="*/ 0 h 18288"/>
-              <a:gd name="connsiteX2" fmla="*/ 1100938 w 4480560"/>
-              <a:gd name="connsiteY2" fmla="*/ 0 h 18288"/>
-              <a:gd name="connsiteX3" fmla="*/ 1651406 w 4480560"/>
-              <a:gd name="connsiteY3" fmla="*/ 0 h 18288"/>
-              <a:gd name="connsiteX4" fmla="*/ 2336292 w 4480560"/>
-              <a:gd name="connsiteY4" fmla="*/ 0 h 18288"/>
-              <a:gd name="connsiteX5" fmla="*/ 2931566 w 4480560"/>
-              <a:gd name="connsiteY5" fmla="*/ 0 h 18288"/>
-              <a:gd name="connsiteX6" fmla="*/ 3482035 w 4480560"/>
-              <a:gd name="connsiteY6" fmla="*/ 0 h 18288"/>
-              <a:gd name="connsiteX7" fmla="*/ 4480560 w 4480560"/>
-              <a:gd name="connsiteY7" fmla="*/ 0 h 18288"/>
-              <a:gd name="connsiteX8" fmla="*/ 4480560 w 4480560"/>
-              <a:gd name="connsiteY8" fmla="*/ 18288 h 18288"/>
-              <a:gd name="connsiteX9" fmla="*/ 3840480 w 4480560"/>
-              <a:gd name="connsiteY9" fmla="*/ 18288 h 18288"/>
-              <a:gd name="connsiteX10" fmla="*/ 3290011 w 4480560"/>
-              <a:gd name="connsiteY10" fmla="*/ 18288 h 18288"/>
-              <a:gd name="connsiteX11" fmla="*/ 2560320 w 4480560"/>
-              <a:gd name="connsiteY11" fmla="*/ 18288 h 18288"/>
-              <a:gd name="connsiteX12" fmla="*/ 1965046 w 4480560"/>
-              <a:gd name="connsiteY12" fmla="*/ 18288 h 18288"/>
-              <a:gd name="connsiteX13" fmla="*/ 1459382 w 4480560"/>
-              <a:gd name="connsiteY13" fmla="*/ 18288 h 18288"/>
-              <a:gd name="connsiteX14" fmla="*/ 774497 w 4480560"/>
-              <a:gd name="connsiteY14" fmla="*/ 18288 h 18288"/>
-              <a:gd name="connsiteX15" fmla="*/ 0 w 4480560"/>
-              <a:gd name="connsiteY15" fmla="*/ 18288 h 18288"/>
-              <a:gd name="connsiteX16" fmla="*/ 0 w 4480560"/>
-              <a:gd name="connsiteY16" fmla="*/ 0 h 18288"/>
-            </a:gdLst>
-            <a:ahLst/>
-            <a:cxnLst>
-              <a:cxn ang="0">
-                <a:pos x="connsiteX0" y="connsiteY0"/>
-              </a:cxn>
-              <a:cxn ang="0">
-                <a:pos x="connsiteX1" y="connsiteY1"/>
-              </a:cxn>
-              <a:cxn ang="0">
-                <a:pos x="connsiteX2" y="connsiteY2"/>
-              </a:cxn>
-              <a:cxn ang="0">
-                <a:pos x="connsiteX3" y="connsiteY3"/>
-              </a:cxn>
-              <a:cxn ang="0">
-                <a:pos x="connsiteX4" y="connsiteY4"/>
-              </a:cxn>
-              <a:cxn ang="0">
-                <a:pos x="connsiteX5" y="connsiteY5"/>
-              </a:cxn>
-              <a:cxn ang="0">
-                <a:pos x="connsiteX6" y="connsiteY6"/>
-              </a:cxn>
-              <a:cxn ang="0">
-                <a:pos x="connsiteX7" y="connsiteY7"/>
-              </a:cxn>
-              <a:cxn ang="0">
-                <a:pos x="connsiteX8" y="connsiteY8"/>
-              </a:cxn>
-              <a:cxn ang="0">
-                <a:pos x="connsiteX9" y="connsiteY9"/>
-              </a:cxn>
-              <a:cxn ang="0">
-                <a:pos x="connsiteX10" y="connsiteY10"/>
-              </a:cxn>
-              <a:cxn ang="0">
-                <a:pos x="connsiteX11" y="connsiteY11"/>
-              </a:cxn>
-              <a:cxn ang="0">
-                <a:pos x="connsiteX12" y="connsiteY12"/>
-              </a:cxn>
-              <a:cxn ang="0">
-                <a:pos x="connsiteX13" y="connsiteY13"/>
-              </a:cxn>
-              <a:cxn ang="0">
-                <a:pos x="connsiteX14" y="connsiteY14"/>
-              </a:cxn>
-              <a:cxn ang="0">
-                <a:pos x="connsiteX15" y="connsiteY15"/>
-              </a:cxn>
-              <a:cxn ang="0">
-                <a:pos x="connsiteX16" y="connsiteY16"/>
-              </a:cxn>
-            </a:cxnLst>
-            <a:rect l="l" t="t" r="r" b="b"/>
-            <a:pathLst>
-              <a:path w="4480560" h="18288" fill="none" extrusionOk="0">
-                <a:moveTo>
-                  <a:pt x="0" y="0"/>
-                </a:moveTo>
-                <a:cubicBezTo>
-                  <a:pt x="267821" y="8731"/>
-                  <a:pt x="334105" y="2629"/>
-                  <a:pt x="595274" y="0"/>
-                </a:cubicBezTo>
-                <a:cubicBezTo>
-                  <a:pt x="856443" y="-2629"/>
-                  <a:pt x="863808" y="-13353"/>
-                  <a:pt x="1100938" y="0"/>
-                </a:cubicBezTo>
-                <a:cubicBezTo>
-                  <a:pt x="1338068" y="13353"/>
-                  <a:pt x="1431663" y="-25862"/>
-                  <a:pt x="1651406" y="0"/>
-                </a:cubicBezTo>
-                <a:cubicBezTo>
-                  <a:pt x="1871149" y="25862"/>
-                  <a:pt x="2173163" y="23827"/>
-                  <a:pt x="2336292" y="0"/>
-                </a:cubicBezTo>
-                <a:cubicBezTo>
-                  <a:pt x="2499421" y="-23827"/>
-                  <a:pt x="2720589" y="28148"/>
-                  <a:pt x="2931566" y="0"/>
-                </a:cubicBezTo>
-                <a:cubicBezTo>
-                  <a:pt x="3142543" y="-28148"/>
-                  <a:pt x="3323630" y="27022"/>
-                  <a:pt x="3482035" y="0"/>
-                </a:cubicBezTo>
-                <a:cubicBezTo>
-                  <a:pt x="3640440" y="-27022"/>
-                  <a:pt x="4012110" y="-20118"/>
-                  <a:pt x="4480560" y="0"/>
-                </a:cubicBezTo>
-                <a:cubicBezTo>
-                  <a:pt x="4480958" y="7429"/>
-                  <a:pt x="4480540" y="10822"/>
-                  <a:pt x="4480560" y="18288"/>
-                </a:cubicBezTo>
-                <a:cubicBezTo>
-                  <a:pt x="4314132" y="14924"/>
-                  <a:pt x="4028383" y="36632"/>
-                  <a:pt x="3840480" y="18288"/>
-                </a:cubicBezTo>
-                <a:cubicBezTo>
-                  <a:pt x="3652577" y="-56"/>
-                  <a:pt x="3547615" y="2848"/>
-                  <a:pt x="3290011" y="18288"/>
-                </a:cubicBezTo>
-                <a:cubicBezTo>
-                  <a:pt x="3032407" y="33728"/>
-                  <a:pt x="2830268" y="8719"/>
-                  <a:pt x="2560320" y="18288"/>
-                </a:cubicBezTo>
-                <a:cubicBezTo>
-                  <a:pt x="2290372" y="27857"/>
-                  <a:pt x="2147422" y="6728"/>
-                  <a:pt x="1965046" y="18288"/>
-                </a:cubicBezTo>
-                <a:cubicBezTo>
-                  <a:pt x="1782670" y="29848"/>
-                  <a:pt x="1689791" y="40680"/>
-                  <a:pt x="1459382" y="18288"/>
-                </a:cubicBezTo>
-                <a:cubicBezTo>
-                  <a:pt x="1228973" y="-4104"/>
-                  <a:pt x="915486" y="36501"/>
-                  <a:pt x="774497" y="18288"/>
-                </a:cubicBezTo>
-                <a:cubicBezTo>
-                  <a:pt x="633508" y="75"/>
-                  <a:pt x="361442" y="-11107"/>
-                  <a:pt x="0" y="18288"/>
-                </a:cubicBezTo>
-                <a:cubicBezTo>
-                  <a:pt x="-591" y="13205"/>
-                  <a:pt x="-663" y="6329"/>
-                  <a:pt x="0" y="0"/>
-                </a:cubicBezTo>
-                <a:close/>
-              </a:path>
-              <a:path w="4480560" h="18288" stroke="0" extrusionOk="0">
-                <a:moveTo>
-                  <a:pt x="0" y="0"/>
-                </a:moveTo>
-                <a:cubicBezTo>
-                  <a:pt x="285465" y="225"/>
-                  <a:pt x="322691" y="16223"/>
-                  <a:pt x="595274" y="0"/>
-                </a:cubicBezTo>
-                <a:cubicBezTo>
-                  <a:pt x="867857" y="-16223"/>
-                  <a:pt x="989129" y="-11242"/>
-                  <a:pt x="1100938" y="0"/>
-                </a:cubicBezTo>
-                <a:cubicBezTo>
-                  <a:pt x="1212747" y="11242"/>
-                  <a:pt x="1574350" y="-36410"/>
-                  <a:pt x="1830629" y="0"/>
-                </a:cubicBezTo>
-                <a:cubicBezTo>
-                  <a:pt x="2086908" y="36410"/>
-                  <a:pt x="2180922" y="4645"/>
-                  <a:pt x="2425903" y="0"/>
-                </a:cubicBezTo>
-                <a:cubicBezTo>
-                  <a:pt x="2670884" y="-4645"/>
-                  <a:pt x="2782024" y="22929"/>
-                  <a:pt x="3021178" y="0"/>
-                </a:cubicBezTo>
-                <a:cubicBezTo>
-                  <a:pt x="3260332" y="-22929"/>
-                  <a:pt x="3456982" y="-1586"/>
-                  <a:pt x="3750869" y="0"/>
-                </a:cubicBezTo>
-                <a:cubicBezTo>
-                  <a:pt x="4044756" y="1586"/>
-                  <a:pt x="4302726" y="17043"/>
-                  <a:pt x="4480560" y="0"/>
-                </a:cubicBezTo>
-                <a:cubicBezTo>
-                  <a:pt x="4479674" y="5429"/>
-                  <a:pt x="4481381" y="14046"/>
-                  <a:pt x="4480560" y="18288"/>
-                </a:cubicBezTo>
-                <a:cubicBezTo>
-                  <a:pt x="4279652" y="-6850"/>
-                  <a:pt x="4200762" y="41566"/>
-                  <a:pt x="3930091" y="18288"/>
-                </a:cubicBezTo>
-                <a:cubicBezTo>
-                  <a:pt x="3659420" y="-4990"/>
-                  <a:pt x="3456052" y="22294"/>
-                  <a:pt x="3290011" y="18288"/>
-                </a:cubicBezTo>
-                <a:cubicBezTo>
-                  <a:pt x="3123970" y="14282"/>
-                  <a:pt x="2882392" y="32818"/>
-                  <a:pt x="2649931" y="18288"/>
-                </a:cubicBezTo>
-                <a:cubicBezTo>
-                  <a:pt x="2417470" y="3758"/>
-                  <a:pt x="2238426" y="7337"/>
-                  <a:pt x="2054657" y="18288"/>
-                </a:cubicBezTo>
-                <a:cubicBezTo>
-                  <a:pt x="1870888" y="29239"/>
-                  <a:pt x="1566368" y="45040"/>
-                  <a:pt x="1324966" y="18288"/>
-                </a:cubicBezTo>
-                <a:cubicBezTo>
-                  <a:pt x="1083564" y="-8464"/>
-                  <a:pt x="787410" y="10946"/>
-                  <a:pt x="595274" y="18288"/>
-                </a:cubicBezTo>
-                <a:cubicBezTo>
-                  <a:pt x="403138" y="25630"/>
-                  <a:pt x="169622" y="10499"/>
-                  <a:pt x="0" y="18288"/>
-                </a:cubicBezTo>
-                <a:cubicBezTo>
-                  <a:pt x="668" y="13665"/>
-                  <a:pt x="578" y="5675"/>
-                  <a:pt x="0" y="0"/>
-                </a:cubicBezTo>
-                <a:close/>
-              </a:path>
-            </a:pathLst>
-          </a:custGeom>
-          <a:solidFill>
-            <a:schemeClr val="accent2"/>
-          </a:solidFill>
-          <a:ln w="41275" cap="rnd">
-            <a:solidFill>
-              <a:schemeClr val="accent2"/>
-            </a:solidFill>
-            <a:round/>
-            <a:extLst>
-              <a:ext uri="{C807C97D-BFC1-408E-A445-0C87EB9F89A2}">
-                <ask:lineSketchStyleProps xmlns:ask="http://schemas.microsoft.com/office/drawing/2018/sketchyshapes" sd="1219033472">
-                  <a:prstGeom prst="rect">
-                    <a:avLst/>
-                  </a:prstGeom>
-                  <ask:type>
-                    <ask:lineSketchFreehand/>
-                  </ask:type>
-                </ask:lineSketchStyleProps>
-              </a:ext>
-            </a:extLst>
-          </a:ln>
-        </p:spPr>
-        <p:style>
-          <a:lnRef idx="2">
-            <a:schemeClr val="accent1">
-              <a:shade val="50000"/>
-            </a:schemeClr>
-          </a:lnRef>
-          <a:fillRef idx="1">
-            <a:schemeClr val="accent1"/>
-          </a:fillRef>
-          <a:effectRef idx="0">
-            <a:schemeClr val="accent1"/>
-          </a:effectRef>
-          <a:fontRef idx="minor">
-            <a:schemeClr val="lt1"/>
-          </a:fontRef>
-        </p:style>
-        <p:txBody>
-          <a:bodyPr rtlCol="0" anchor="ctr"/>
-          <a:lstStyle/>
-          <a:p>
-            <a:pPr algn="ctr"/>
-            <a:endParaRPr lang="en-US"/>
-          </a:p>
-        </p:txBody>
-      </p:sp>
-      <p:sp>
-        <p:nvSpPr>
-          <p:cNvPr id="3" name="Content Placeholder 2">
-            <a:extLst>
-              <a:ext uri="{FF2B5EF4-FFF2-40B4-BE49-F238E27FC236}">
-                <a16:creationId xmlns:a16="http://schemas.microsoft.com/office/drawing/2014/main" id="{5130D005-DBEA-18FE-9D7E-B412A548022A}"/>
-              </a:ext>
-            </a:extLst>
-          </p:cNvPr>
-          <p:cNvSpPr>
-            <a:spLocks noGrp="1"/>
-          </p:cNvSpPr>
-          <p:nvPr>
-            <p:ph idx="1"/>
-          </p:nvPr>
-        </p:nvSpPr>
-        <p:spPr>
-          <a:xfrm>
-            <a:off x="5126418" y="552091"/>
-            <a:ext cx="6224335" cy="5431536"/>
-          </a:xfrm>
-        </p:spPr>
-        <p:txBody>
-          <a:bodyPr anchor="ctr">
-            <a:normAutofit/>
-          </a:bodyPr>
-          <a:lstStyle/>
-          <a:p>
-            <a:pPr marL="0" indent="0" algn="just">
-              <a:buNone/>
-            </a:pPr>
-            <a:r>
-              <a:rPr lang="en-US" sz="2200" dirty="0"/>
-              <a:t>In the context of Module Federation, exposing modules means making </a:t>
-            </a:r>
-            <a:r>
-              <a:rPr lang="en-US" sz="2200" b="1" dirty="0"/>
-              <a:t>certain components</a:t>
-            </a:r>
-            <a:r>
-              <a:rPr lang="en-US" sz="2200" dirty="0"/>
-              <a:t> or functionalities available for consumption by other applications. This is achieved by explicitly defining which parts of a module are meant to be shared.</a:t>
-            </a:r>
-          </a:p>
-          <a:p>
-            <a:pPr algn="just"/>
-            <a:r>
-              <a:rPr lang="en-US" sz="2200" b="1" dirty="0"/>
-              <a:t>Selective Sharing:</a:t>
-            </a:r>
-          </a:p>
-          <a:p>
-            <a:pPr marL="0" indent="0" algn="just">
-              <a:buNone/>
-            </a:pPr>
-            <a:r>
-              <a:rPr lang="en-US" sz="2200" dirty="0"/>
-              <a:t>Exposed modules allow developers to selectively share specific functionalities while keeping others private.</a:t>
-            </a:r>
-          </a:p>
-        </p:txBody>
-      </p:sp>
-    </p:spTree>
-    <p:extLst>
-      <p:ext uri="{BB962C8B-B14F-4D97-AF65-F5344CB8AC3E}">
-        <p14:creationId xmlns:p14="http://schemas.microsoft.com/office/powerpoint/2010/main" val="2874665478"/>
       </p:ext>
     </p:extLst>
   </p:cSld>
